--- a/Slides/NLTK_class1_12.02.2025.pptx
+++ b/Slides/NLTK_class1_12.02.2025.pptx
@@ -2,8 +2,8 @@
 <file path=ppt/presentation.xml><?xml version="1.0" encoding="utf-8"?>
 <p:presentation xmlns:a="http://schemas.openxmlformats.org/drawingml/2006/main" xmlns:r="http://schemas.openxmlformats.org/officeDocument/2006/relationships" xmlns:p="http://schemas.openxmlformats.org/presentationml/2006/main" saveSubsetFonts="1" autoCompressPictures="0">
   <p:sldMasterIdLst>
-    <p:sldMasterId id="2147483648" r:id="rId1"/>
-    <p:sldMasterId id="2147483660" r:id="rId2"/>
+    <p:sldMasterId id="2147483660" r:id="rId1"/>
+    <p:sldMasterId id="2147483672" r:id="rId2"/>
   </p:sldMasterIdLst>
   <p:notesMasterIdLst>
     <p:notesMasterId r:id="rId31"/>
@@ -138,6 +138,11 @@
       </a:defRPr>
     </a:lvl9pPr>
   </p:defaultTextStyle>
+  <p:extLst>
+    <p:ext uri="{EFAFB233-063F-42B5-8137-9DF3F51BA10A}">
+      <p15:sldGuideLst xmlns:p15="http://schemas.microsoft.com/office/powerpoint/2012/main"/>
+    </p:ext>
+  </p:extLst>
 </p:presentation>
 </file>
 
@@ -989,42 +994,6 @@
           <a:bodyPr/>
           <a:lstStyle/>
           <a:p>
-            <a:pPr algn="l"/>
-            <a:r>
-              <a:rPr lang="en-GB" b="1" i="0" dirty="0">
-                <a:solidFill>
-                  <a:srgbClr val="041D40"/>
-                </a:solidFill>
-                <a:effectLst/>
-                <a:latin typeface="Source Sans Pro" panose="020B0503030403020204" pitchFamily="34" charset="0"/>
-              </a:rPr>
-              <a:t>Building capacity in the Digital Humanities</a:t>
-            </a:r>
-            <a:r>
-              <a:rPr lang="en-GB" b="0" i="0" dirty="0">
-                <a:solidFill>
-                  <a:srgbClr val="041D40"/>
-                </a:solidFill>
-                <a:effectLst/>
-                <a:latin typeface="Source Sans Pro" panose="020B0503030403020204" pitchFamily="34" charset="0"/>
-              </a:rPr>
-              <a:t> </a:t>
-            </a:r>
-          </a:p>
-          <a:p>
-            <a:pPr algn="l"/>
-            <a:r>
-              <a:rPr lang="en-GB" b="0" i="0" dirty="0">
-                <a:solidFill>
-                  <a:srgbClr val="041D40"/>
-                </a:solidFill>
-                <a:effectLst/>
-                <a:latin typeface="Source Sans Pro" panose="020B0503030403020204" pitchFamily="34" charset="0"/>
-              </a:rPr>
-              <a:t>The Digital Research Infrastructure for the Arts and Humanities (DARIAH) aims to enhance and support digitally-enabled research and teaching across the arts and humanities. DARIAH is a network of people, expertise, information, knowledge, content, methods, tools and technologies from its member countries.   It develops, maintains and operates an infrastructure in support of ICT-based research practices and sustains researchers in using them to build, analyse and interpret digital resources. By working with communities of practice, DARIAH brings together individual state-of-the-art digital arts and humanities activities and scales their results to a European level. It preserves, provides access to and disseminates research that stems from these collaborations and ensures that best practices, methodological and technical standards are followed. </a:t>
-            </a:r>
-          </a:p>
-          <a:p>
             <a:endParaRPr lang="en-GB" dirty="0"/>
           </a:p>
         </p:txBody>
@@ -1114,42 +1083,6 @@
           <a:bodyPr/>
           <a:lstStyle/>
           <a:p>
-            <a:pPr algn="l"/>
-            <a:r>
-              <a:rPr lang="en-GB" b="1" i="0" dirty="0">
-                <a:solidFill>
-                  <a:srgbClr val="041D40"/>
-                </a:solidFill>
-                <a:effectLst/>
-                <a:latin typeface="Source Sans Pro" panose="020B0503030403020204" pitchFamily="34" charset="0"/>
-              </a:rPr>
-              <a:t>Building capacity in the Digital Humanities</a:t>
-            </a:r>
-            <a:r>
-              <a:rPr lang="en-GB" b="0" i="0" dirty="0">
-                <a:solidFill>
-                  <a:srgbClr val="041D40"/>
-                </a:solidFill>
-                <a:effectLst/>
-                <a:latin typeface="Source Sans Pro" panose="020B0503030403020204" pitchFamily="34" charset="0"/>
-              </a:rPr>
-              <a:t> </a:t>
-            </a:r>
-          </a:p>
-          <a:p>
-            <a:pPr algn="l"/>
-            <a:r>
-              <a:rPr lang="en-GB" b="0" i="0" dirty="0">
-                <a:solidFill>
-                  <a:srgbClr val="041D40"/>
-                </a:solidFill>
-                <a:effectLst/>
-                <a:latin typeface="Source Sans Pro" panose="020B0503030403020204" pitchFamily="34" charset="0"/>
-              </a:rPr>
-              <a:t>The Digital Research Infrastructure for the Arts and Humanities (DARIAH) aims to enhance and support digitally-enabled research and teaching across the arts and humanities. DARIAH is a network of people, expertise, information, knowledge, content, methods, tools and technologies from its member countries.   It develops, maintains and operates an infrastructure in support of ICT-based research practices and sustains researchers in using them to build, analyse and interpret digital resources. By working with communities of practice, DARIAH brings together individual state-of-the-art digital arts and humanities activities and scales their results to a European level. It preserves, provides access to and disseminates research that stems from these collaborations and ensures that best practices, methodological and technical standards are followed. </a:t>
-            </a:r>
-          </a:p>
-          <a:p>
             <a:endParaRPr lang="en-GB" dirty="0"/>
           </a:p>
         </p:txBody>
@@ -1364,42 +1297,6 @@
           <a:bodyPr/>
           <a:lstStyle/>
           <a:p>
-            <a:pPr algn="l"/>
-            <a:r>
-              <a:rPr lang="en-GB" b="1" i="0" dirty="0">
-                <a:solidFill>
-                  <a:srgbClr val="041D40"/>
-                </a:solidFill>
-                <a:effectLst/>
-                <a:latin typeface="Source Sans Pro" panose="020B0503030403020204" pitchFamily="34" charset="0"/>
-              </a:rPr>
-              <a:t>Building capacity in the Digital Humanities</a:t>
-            </a:r>
-            <a:r>
-              <a:rPr lang="en-GB" b="0" i="0" dirty="0">
-                <a:solidFill>
-                  <a:srgbClr val="041D40"/>
-                </a:solidFill>
-                <a:effectLst/>
-                <a:latin typeface="Source Sans Pro" panose="020B0503030403020204" pitchFamily="34" charset="0"/>
-              </a:rPr>
-              <a:t> </a:t>
-            </a:r>
-          </a:p>
-          <a:p>
-            <a:pPr algn="l"/>
-            <a:r>
-              <a:rPr lang="en-GB" b="0" i="0" dirty="0">
-                <a:solidFill>
-                  <a:srgbClr val="041D40"/>
-                </a:solidFill>
-                <a:effectLst/>
-                <a:latin typeface="Source Sans Pro" panose="020B0503030403020204" pitchFamily="34" charset="0"/>
-              </a:rPr>
-              <a:t>The Digital Research Infrastructure for the Arts and Humanities (DARIAH) aims to enhance and support digitally-enabled research and teaching across the arts and humanities. DARIAH is a network of people, expertise, information, knowledge, content, methods, tools and technologies from its member countries.   It develops, maintains and operates an infrastructure in support of ICT-based research practices and sustains researchers in using them to build, analyse and interpret digital resources. By working with communities of practice, DARIAH brings together individual state-of-the-art digital arts and humanities activities and scales their results to a European level. It preserves, provides access to and disseminates research that stems from these collaborations and ensures that best practices, methodological and technical standards are followed. </a:t>
-            </a:r>
-          </a:p>
-          <a:p>
             <a:endParaRPr lang="en-GB" dirty="0"/>
           </a:p>
         </p:txBody>
@@ -1489,42 +1386,6 @@
           <a:bodyPr/>
           <a:lstStyle/>
           <a:p>
-            <a:pPr algn="l"/>
-            <a:r>
-              <a:rPr lang="en-GB" b="1" i="0" dirty="0">
-                <a:solidFill>
-                  <a:srgbClr val="041D40"/>
-                </a:solidFill>
-                <a:effectLst/>
-                <a:latin typeface="Source Sans Pro" panose="020B0503030403020204" pitchFamily="34" charset="0"/>
-              </a:rPr>
-              <a:t>Building capacity in the Digital Humanities</a:t>
-            </a:r>
-            <a:r>
-              <a:rPr lang="en-GB" b="0" i="0" dirty="0">
-                <a:solidFill>
-                  <a:srgbClr val="041D40"/>
-                </a:solidFill>
-                <a:effectLst/>
-                <a:latin typeface="Source Sans Pro" panose="020B0503030403020204" pitchFamily="34" charset="0"/>
-              </a:rPr>
-              <a:t> </a:t>
-            </a:r>
-          </a:p>
-          <a:p>
-            <a:pPr algn="l"/>
-            <a:r>
-              <a:rPr lang="en-GB" b="0" i="0" dirty="0">
-                <a:solidFill>
-                  <a:srgbClr val="041D40"/>
-                </a:solidFill>
-                <a:effectLst/>
-                <a:latin typeface="Source Sans Pro" panose="020B0503030403020204" pitchFamily="34" charset="0"/>
-              </a:rPr>
-              <a:t>The Digital Research Infrastructure for the Arts and Humanities (DARIAH) aims to enhance and support digitally-enabled research and teaching across the arts and humanities. DARIAH is a network of people, expertise, information, knowledge, content, methods, tools and technologies from its member countries.   It develops, maintains and operates an infrastructure in support of ICT-based research practices and sustains researchers in using them to build, analyse and interpret digital resources. By working with communities of practice, DARIAH brings together individual state-of-the-art digital arts and humanities activities and scales their results to a European level. It preserves, provides access to and disseminates research that stems from these collaborations and ensures that best practices, methodological and technical standards are followed. </a:t>
-            </a:r>
-          </a:p>
-          <a:p>
             <a:endParaRPr lang="en-GB" dirty="0"/>
           </a:p>
         </p:txBody>
@@ -1736,42 +1597,6 @@
           <a:bodyPr/>
           <a:lstStyle/>
           <a:p>
-            <a:pPr algn="l"/>
-            <a:r>
-              <a:rPr lang="en-GB" b="1" i="0" dirty="0">
-                <a:solidFill>
-                  <a:srgbClr val="041D40"/>
-                </a:solidFill>
-                <a:effectLst/>
-                <a:latin typeface="Source Sans Pro" panose="020B0503030403020204" pitchFamily="34" charset="0"/>
-              </a:rPr>
-              <a:t>Building capacity in the Digital Humanities</a:t>
-            </a:r>
-            <a:r>
-              <a:rPr lang="en-GB" b="0" i="0" dirty="0">
-                <a:solidFill>
-                  <a:srgbClr val="041D40"/>
-                </a:solidFill>
-                <a:effectLst/>
-                <a:latin typeface="Source Sans Pro" panose="020B0503030403020204" pitchFamily="34" charset="0"/>
-              </a:rPr>
-              <a:t> </a:t>
-            </a:r>
-          </a:p>
-          <a:p>
-            <a:pPr algn="l"/>
-            <a:r>
-              <a:rPr lang="en-GB" b="0" i="0" dirty="0">
-                <a:solidFill>
-                  <a:srgbClr val="041D40"/>
-                </a:solidFill>
-                <a:effectLst/>
-                <a:latin typeface="Source Sans Pro" panose="020B0503030403020204" pitchFamily="34" charset="0"/>
-              </a:rPr>
-              <a:t>The Digital Research Infrastructure for the Arts and Humanities (DARIAH) aims to enhance and support digitally-enabled research and teaching across the arts and humanities. DARIAH is a network of people, expertise, information, knowledge, content, methods, tools and technologies from its member countries.   It develops, maintains and operates an infrastructure in support of ICT-based research practices and sustains researchers in using them to build, analyse and interpret digital resources. By working with communities of practice, DARIAH brings together individual state-of-the-art digital arts and humanities activities and scales their results to a European level. It preserves, provides access to and disseminates research that stems from these collaborations and ensures that best practices, methodological and technical standards are followed. </a:t>
-            </a:r>
-          </a:p>
-          <a:p>
             <a:endParaRPr lang="en-GB" dirty="0"/>
           </a:p>
         </p:txBody>
@@ -1983,42 +1808,6 @@
           <a:bodyPr/>
           <a:lstStyle/>
           <a:p>
-            <a:pPr algn="l"/>
-            <a:r>
-              <a:rPr lang="en-GB" b="1" i="0" dirty="0">
-                <a:solidFill>
-                  <a:srgbClr val="041D40"/>
-                </a:solidFill>
-                <a:effectLst/>
-                <a:latin typeface="Source Sans Pro" panose="020B0503030403020204" pitchFamily="34" charset="0"/>
-              </a:rPr>
-              <a:t>Building capacity in the Digital Humanities</a:t>
-            </a:r>
-            <a:r>
-              <a:rPr lang="en-GB" b="0" i="0" dirty="0">
-                <a:solidFill>
-                  <a:srgbClr val="041D40"/>
-                </a:solidFill>
-                <a:effectLst/>
-                <a:latin typeface="Source Sans Pro" panose="020B0503030403020204" pitchFamily="34" charset="0"/>
-              </a:rPr>
-              <a:t> </a:t>
-            </a:r>
-          </a:p>
-          <a:p>
-            <a:pPr algn="l"/>
-            <a:r>
-              <a:rPr lang="en-GB" b="0" i="0" dirty="0">
-                <a:solidFill>
-                  <a:srgbClr val="041D40"/>
-                </a:solidFill>
-                <a:effectLst/>
-                <a:latin typeface="Source Sans Pro" panose="020B0503030403020204" pitchFamily="34" charset="0"/>
-              </a:rPr>
-              <a:t>The Digital Research Infrastructure for the Arts and Humanities (DARIAH) aims to enhance and support digitally-enabled research and teaching across the arts and humanities. DARIAH is a network of people, expertise, information, knowledge, content, methods, tools and technologies from its member countries.   It develops, maintains and operates an infrastructure in support of ICT-based research practices and sustains researchers in using them to build, analyse and interpret digital resources. By working with communities of practice, DARIAH brings together individual state-of-the-art digital arts and humanities activities and scales their results to a European level. It preserves, provides access to and disseminates research that stems from these collaborations and ensures that best practices, methodological and technical standards are followed. </a:t>
-            </a:r>
-          </a:p>
-          <a:p>
             <a:endParaRPr lang="en-GB" dirty="0"/>
           </a:p>
         </p:txBody>
@@ -2230,42 +2019,6 @@
           <a:bodyPr/>
           <a:lstStyle/>
           <a:p>
-            <a:pPr algn="l"/>
-            <a:r>
-              <a:rPr lang="en-GB" b="1" i="0" dirty="0">
-                <a:solidFill>
-                  <a:srgbClr val="041D40"/>
-                </a:solidFill>
-                <a:effectLst/>
-                <a:latin typeface="Source Sans Pro" panose="020B0503030403020204" pitchFamily="34" charset="0"/>
-              </a:rPr>
-              <a:t>Building capacity in the Digital Humanities</a:t>
-            </a:r>
-            <a:r>
-              <a:rPr lang="en-GB" b="0" i="0" dirty="0">
-                <a:solidFill>
-                  <a:srgbClr val="041D40"/>
-                </a:solidFill>
-                <a:effectLst/>
-                <a:latin typeface="Source Sans Pro" panose="020B0503030403020204" pitchFamily="34" charset="0"/>
-              </a:rPr>
-              <a:t> </a:t>
-            </a:r>
-          </a:p>
-          <a:p>
-            <a:pPr algn="l"/>
-            <a:r>
-              <a:rPr lang="en-GB" b="0" i="0" dirty="0">
-                <a:solidFill>
-                  <a:srgbClr val="041D40"/>
-                </a:solidFill>
-                <a:effectLst/>
-                <a:latin typeface="Source Sans Pro" panose="020B0503030403020204" pitchFamily="34" charset="0"/>
-              </a:rPr>
-              <a:t>The Digital Research Infrastructure for the Arts and Humanities (DARIAH) aims to enhance and support digitally-enabled research and teaching across the arts and humanities. DARIAH is a network of people, expertise, information, knowledge, content, methods, tools and technologies from its member countries.   It develops, maintains and operates an infrastructure in support of ICT-based research practices and sustains researchers in using them to build, analyse and interpret digital resources. By working with communities of practice, DARIAH brings together individual state-of-the-art digital arts and humanities activities and scales their results to a European level. It preserves, provides access to and disseminates research that stems from these collaborations and ensures that best practices, methodological and technical standards are followed. </a:t>
-            </a:r>
-          </a:p>
-          <a:p>
             <a:endParaRPr lang="en-GB" dirty="0"/>
           </a:p>
         </p:txBody>
@@ -2355,42 +2108,6 @@
           <a:bodyPr/>
           <a:lstStyle/>
           <a:p>
-            <a:pPr algn="l"/>
-            <a:r>
-              <a:rPr lang="en-GB" b="1" i="0" dirty="0">
-                <a:solidFill>
-                  <a:srgbClr val="041D40"/>
-                </a:solidFill>
-                <a:effectLst/>
-                <a:latin typeface="Source Sans Pro" panose="020B0503030403020204" pitchFamily="34" charset="0"/>
-              </a:rPr>
-              <a:t>Building capacity in the Digital Humanities</a:t>
-            </a:r>
-            <a:r>
-              <a:rPr lang="en-GB" b="0" i="0" dirty="0">
-                <a:solidFill>
-                  <a:srgbClr val="041D40"/>
-                </a:solidFill>
-                <a:effectLst/>
-                <a:latin typeface="Source Sans Pro" panose="020B0503030403020204" pitchFamily="34" charset="0"/>
-              </a:rPr>
-              <a:t> </a:t>
-            </a:r>
-          </a:p>
-          <a:p>
-            <a:pPr algn="l"/>
-            <a:r>
-              <a:rPr lang="en-GB" b="0" i="0" dirty="0">
-                <a:solidFill>
-                  <a:srgbClr val="041D40"/>
-                </a:solidFill>
-                <a:effectLst/>
-                <a:latin typeface="Source Sans Pro" panose="020B0503030403020204" pitchFamily="34" charset="0"/>
-              </a:rPr>
-              <a:t>The Digital Research Infrastructure for the Arts and Humanities (DARIAH) aims to enhance and support digitally-enabled research and teaching across the arts and humanities. DARIAH is a network of people, expertise, information, knowledge, content, methods, tools and technologies from its member countries.   It develops, maintains and operates an infrastructure in support of ICT-based research practices and sustains researchers in using them to build, analyse and interpret digital resources. By working with communities of practice, DARIAH brings together individual state-of-the-art digital arts and humanities activities and scales their results to a European level. It preserves, provides access to and disseminates research that stems from these collaborations and ensures that best practices, methodological and technical standards are followed. </a:t>
-            </a:r>
-          </a:p>
-          <a:p>
             <a:endParaRPr lang="en-GB" dirty="0"/>
           </a:p>
         </p:txBody>
@@ -2480,42 +2197,6 @@
           <a:bodyPr/>
           <a:lstStyle/>
           <a:p>
-            <a:pPr algn="l"/>
-            <a:r>
-              <a:rPr lang="en-GB" b="1" i="0" dirty="0">
-                <a:solidFill>
-                  <a:srgbClr val="041D40"/>
-                </a:solidFill>
-                <a:effectLst/>
-                <a:latin typeface="Source Sans Pro" panose="020B0503030403020204" pitchFamily="34" charset="0"/>
-              </a:rPr>
-              <a:t>Building capacity in the Digital Humanities</a:t>
-            </a:r>
-            <a:r>
-              <a:rPr lang="en-GB" b="0" i="0" dirty="0">
-                <a:solidFill>
-                  <a:srgbClr val="041D40"/>
-                </a:solidFill>
-                <a:effectLst/>
-                <a:latin typeface="Source Sans Pro" panose="020B0503030403020204" pitchFamily="34" charset="0"/>
-              </a:rPr>
-              <a:t> </a:t>
-            </a:r>
-          </a:p>
-          <a:p>
-            <a:pPr algn="l"/>
-            <a:r>
-              <a:rPr lang="en-GB" b="0" i="0" dirty="0">
-                <a:solidFill>
-                  <a:srgbClr val="041D40"/>
-                </a:solidFill>
-                <a:effectLst/>
-                <a:latin typeface="Source Sans Pro" panose="020B0503030403020204" pitchFamily="34" charset="0"/>
-              </a:rPr>
-              <a:t>The Digital Research Infrastructure for the Arts and Humanities (DARIAH) aims to enhance and support digitally-enabled research and teaching across the arts and humanities. DARIAH is a network of people, expertise, information, knowledge, content, methods, tools and technologies from its member countries.   It develops, maintains and operates an infrastructure in support of ICT-based research practices and sustains researchers in using them to build, analyse and interpret digital resources. By working with communities of practice, DARIAH brings together individual state-of-the-art digital arts and humanities activities and scales their results to a European level. It preserves, provides access to and disseminates research that stems from these collaborations and ensures that best practices, methodological and technical standards are followed. </a:t>
-            </a:r>
-          </a:p>
-          <a:p>
             <a:endParaRPr lang="en-GB" dirty="0"/>
           </a:p>
         </p:txBody>
@@ -2605,42 +2286,6 @@
           <a:bodyPr/>
           <a:lstStyle/>
           <a:p>
-            <a:pPr algn="l"/>
-            <a:r>
-              <a:rPr lang="en-GB" b="1" i="0" dirty="0">
-                <a:solidFill>
-                  <a:srgbClr val="041D40"/>
-                </a:solidFill>
-                <a:effectLst/>
-                <a:latin typeface="Source Sans Pro" panose="020B0503030403020204" pitchFamily="34" charset="0"/>
-              </a:rPr>
-              <a:t>Building capacity in the Digital Humanities</a:t>
-            </a:r>
-            <a:r>
-              <a:rPr lang="en-GB" b="0" i="0" dirty="0">
-                <a:solidFill>
-                  <a:srgbClr val="041D40"/>
-                </a:solidFill>
-                <a:effectLst/>
-                <a:latin typeface="Source Sans Pro" panose="020B0503030403020204" pitchFamily="34" charset="0"/>
-              </a:rPr>
-              <a:t> </a:t>
-            </a:r>
-          </a:p>
-          <a:p>
-            <a:pPr algn="l"/>
-            <a:r>
-              <a:rPr lang="en-GB" b="0" i="0" dirty="0">
-                <a:solidFill>
-                  <a:srgbClr val="041D40"/>
-                </a:solidFill>
-                <a:effectLst/>
-                <a:latin typeface="Source Sans Pro" panose="020B0503030403020204" pitchFamily="34" charset="0"/>
-              </a:rPr>
-              <a:t>The Digital Research Infrastructure for the Arts and Humanities (DARIAH) aims to enhance and support digitally-enabled research and teaching across the arts and humanities. DARIAH is a network of people, expertise, information, knowledge, content, methods, tools and technologies from its member countries.   It develops, maintains and operates an infrastructure in support of ICT-based research practices and sustains researchers in using them to build, analyse and interpret digital resources. By working with communities of practice, DARIAH brings together individual state-of-the-art digital arts and humanities activities and scales their results to a European level. It preserves, provides access to and disseminates research that stems from these collaborations and ensures that best practices, methodological and technical standards are followed. </a:t>
-            </a:r>
-          </a:p>
-          <a:p>
             <a:endParaRPr lang="en-GB" dirty="0"/>
           </a:p>
         </p:txBody>
@@ -2730,42 +2375,6 @@
           <a:bodyPr/>
           <a:lstStyle/>
           <a:p>
-            <a:pPr algn="l"/>
-            <a:r>
-              <a:rPr lang="en-GB" b="1" i="0" dirty="0">
-                <a:solidFill>
-                  <a:srgbClr val="041D40"/>
-                </a:solidFill>
-                <a:effectLst/>
-                <a:latin typeface="Source Sans Pro" panose="020B0503030403020204" pitchFamily="34" charset="0"/>
-              </a:rPr>
-              <a:t>Building capacity in the Digital Humanities</a:t>
-            </a:r>
-            <a:r>
-              <a:rPr lang="en-GB" b="0" i="0" dirty="0">
-                <a:solidFill>
-                  <a:srgbClr val="041D40"/>
-                </a:solidFill>
-                <a:effectLst/>
-                <a:latin typeface="Source Sans Pro" panose="020B0503030403020204" pitchFamily="34" charset="0"/>
-              </a:rPr>
-              <a:t> </a:t>
-            </a:r>
-          </a:p>
-          <a:p>
-            <a:pPr algn="l"/>
-            <a:r>
-              <a:rPr lang="en-GB" b="0" i="0" dirty="0">
-                <a:solidFill>
-                  <a:srgbClr val="041D40"/>
-                </a:solidFill>
-                <a:effectLst/>
-                <a:latin typeface="Source Sans Pro" panose="020B0503030403020204" pitchFamily="34" charset="0"/>
-              </a:rPr>
-              <a:t>The Digital Research Infrastructure for the Arts and Humanities (DARIAH) aims to enhance and support digitally-enabled research and teaching across the arts and humanities. DARIAH is a network of people, expertise, information, knowledge, content, methods, tools and technologies from its member countries.   It develops, maintains and operates an infrastructure in support of ICT-based research practices and sustains researchers in using them to build, analyse and interpret digital resources. By working with communities of practice, DARIAH brings together individual state-of-the-art digital arts and humanities activities and scales their results to a European level. It preserves, provides access to and disseminates research that stems from these collaborations and ensures that best practices, methodological and technical standards are followed. </a:t>
-            </a:r>
-          </a:p>
-          <a:p>
             <a:endParaRPr lang="en-GB" dirty="0"/>
           </a:p>
         </p:txBody>
@@ -3102,42 +2711,6 @@
           <a:bodyPr/>
           <a:lstStyle/>
           <a:p>
-            <a:pPr algn="l"/>
-            <a:r>
-              <a:rPr lang="en-GB" b="1" i="0" dirty="0">
-                <a:solidFill>
-                  <a:srgbClr val="041D40"/>
-                </a:solidFill>
-                <a:effectLst/>
-                <a:latin typeface="Source Sans Pro" panose="020B0503030403020204" pitchFamily="34" charset="0"/>
-              </a:rPr>
-              <a:t>Building capacity in the Digital Humanities</a:t>
-            </a:r>
-            <a:r>
-              <a:rPr lang="en-GB" b="0" i="0" dirty="0">
-                <a:solidFill>
-                  <a:srgbClr val="041D40"/>
-                </a:solidFill>
-                <a:effectLst/>
-                <a:latin typeface="Source Sans Pro" panose="020B0503030403020204" pitchFamily="34" charset="0"/>
-              </a:rPr>
-              <a:t> </a:t>
-            </a:r>
-          </a:p>
-          <a:p>
-            <a:pPr algn="l"/>
-            <a:r>
-              <a:rPr lang="en-GB" b="0" i="0" dirty="0">
-                <a:solidFill>
-                  <a:srgbClr val="041D40"/>
-                </a:solidFill>
-                <a:effectLst/>
-                <a:latin typeface="Source Sans Pro" panose="020B0503030403020204" pitchFamily="34" charset="0"/>
-              </a:rPr>
-              <a:t>The Digital Research Infrastructure for the Arts and Humanities (DARIAH) aims to enhance and support digitally-enabled research and teaching across the arts and humanities. DARIAH is a network of people, expertise, information, knowledge, content, methods, tools and technologies from its member countries.   It develops, maintains and operates an infrastructure in support of ICT-based research practices and sustains researchers in using them to build, analyse and interpret digital resources. By working with communities of practice, DARIAH brings together individual state-of-the-art digital arts and humanities activities and scales their results to a European level. It preserves, provides access to and disseminates research that stems from these collaborations and ensures that best practices, methodological and technical standards are followed. </a:t>
-            </a:r>
-          </a:p>
-          <a:p>
             <a:endParaRPr lang="en-GB" dirty="0"/>
           </a:p>
         </p:txBody>
@@ -3349,42 +2922,6 @@
           <a:bodyPr/>
           <a:lstStyle/>
           <a:p>
-            <a:pPr algn="l"/>
-            <a:r>
-              <a:rPr lang="en-GB" b="1" i="0" dirty="0">
-                <a:solidFill>
-                  <a:srgbClr val="041D40"/>
-                </a:solidFill>
-                <a:effectLst/>
-                <a:latin typeface="Source Sans Pro" panose="020B0503030403020204" pitchFamily="34" charset="0"/>
-              </a:rPr>
-              <a:t>Building capacity in the Digital Humanities</a:t>
-            </a:r>
-            <a:r>
-              <a:rPr lang="en-GB" b="0" i="0" dirty="0">
-                <a:solidFill>
-                  <a:srgbClr val="041D40"/>
-                </a:solidFill>
-                <a:effectLst/>
-                <a:latin typeface="Source Sans Pro" panose="020B0503030403020204" pitchFamily="34" charset="0"/>
-              </a:rPr>
-              <a:t> </a:t>
-            </a:r>
-          </a:p>
-          <a:p>
-            <a:pPr algn="l"/>
-            <a:r>
-              <a:rPr lang="en-GB" b="0" i="0" dirty="0">
-                <a:solidFill>
-                  <a:srgbClr val="041D40"/>
-                </a:solidFill>
-                <a:effectLst/>
-                <a:latin typeface="Source Sans Pro" panose="020B0503030403020204" pitchFamily="34" charset="0"/>
-              </a:rPr>
-              <a:t>The Digital Research Infrastructure for the Arts and Humanities (DARIAH) aims to enhance and support digitally-enabled research and teaching across the arts and humanities. DARIAH is a network of people, expertise, information, knowledge, content, methods, tools and technologies from its member countries.   It develops, maintains and operates an infrastructure in support of ICT-based research practices and sustains researchers in using them to build, analyse and interpret digital resources. By working with communities of practice, DARIAH brings together individual state-of-the-art digital arts and humanities activities and scales their results to a European level. It preserves, provides access to and disseminates research that stems from these collaborations and ensures that best practices, methodological and technical standards are followed. </a:t>
-            </a:r>
-          </a:p>
-          <a:p>
             <a:endParaRPr lang="en-GB" dirty="0"/>
           </a:p>
         </p:txBody>
@@ -3721,42 +3258,6 @@
           <a:bodyPr/>
           <a:lstStyle/>
           <a:p>
-            <a:pPr algn="l"/>
-            <a:r>
-              <a:rPr lang="en-GB" b="1" i="0" dirty="0">
-                <a:solidFill>
-                  <a:srgbClr val="041D40"/>
-                </a:solidFill>
-                <a:effectLst/>
-                <a:latin typeface="Source Sans Pro" panose="020B0503030403020204" pitchFamily="34" charset="0"/>
-              </a:rPr>
-              <a:t>Building capacity in the Digital Humanities</a:t>
-            </a:r>
-            <a:r>
-              <a:rPr lang="en-GB" b="0" i="0" dirty="0">
-                <a:solidFill>
-                  <a:srgbClr val="041D40"/>
-                </a:solidFill>
-                <a:effectLst/>
-                <a:latin typeface="Source Sans Pro" panose="020B0503030403020204" pitchFamily="34" charset="0"/>
-              </a:rPr>
-              <a:t> </a:t>
-            </a:r>
-          </a:p>
-          <a:p>
-            <a:pPr algn="l"/>
-            <a:r>
-              <a:rPr lang="en-GB" b="0" i="0" dirty="0">
-                <a:solidFill>
-                  <a:srgbClr val="041D40"/>
-                </a:solidFill>
-                <a:effectLst/>
-                <a:latin typeface="Source Sans Pro" panose="020B0503030403020204" pitchFamily="34" charset="0"/>
-              </a:rPr>
-              <a:t>The Digital Research Infrastructure for the Arts and Humanities (DARIAH) aims to enhance and support digitally-enabled research and teaching across the arts and humanities. DARIAH is a network of people, expertise, information, knowledge, content, methods, tools and technologies from its member countries.   It develops, maintains and operates an infrastructure in support of ICT-based research practices and sustains researchers in using them to build, analyse and interpret digital resources. By working with communities of practice, DARIAH brings together individual state-of-the-art digital arts and humanities activities and scales their results to a European level. It preserves, provides access to and disseminates research that stems from these collaborations and ensures that best practices, methodological and technical standards are followed. </a:t>
-            </a:r>
-          </a:p>
-          <a:p>
             <a:endParaRPr lang="en-GB" dirty="0"/>
           </a:p>
         </p:txBody>
@@ -3846,42 +3347,6 @@
           <a:bodyPr/>
           <a:lstStyle/>
           <a:p>
-            <a:pPr algn="l"/>
-            <a:r>
-              <a:rPr lang="en-GB" b="1" i="0" dirty="0">
-                <a:solidFill>
-                  <a:srgbClr val="041D40"/>
-                </a:solidFill>
-                <a:effectLst/>
-                <a:latin typeface="Source Sans Pro" panose="020B0503030403020204" pitchFamily="34" charset="0"/>
-              </a:rPr>
-              <a:t>Building capacity in the Digital Humanities</a:t>
-            </a:r>
-            <a:r>
-              <a:rPr lang="en-GB" b="0" i="0" dirty="0">
-                <a:solidFill>
-                  <a:srgbClr val="041D40"/>
-                </a:solidFill>
-                <a:effectLst/>
-                <a:latin typeface="Source Sans Pro" panose="020B0503030403020204" pitchFamily="34" charset="0"/>
-              </a:rPr>
-              <a:t> </a:t>
-            </a:r>
-          </a:p>
-          <a:p>
-            <a:pPr algn="l"/>
-            <a:r>
-              <a:rPr lang="en-GB" b="0" i="0" dirty="0">
-                <a:solidFill>
-                  <a:srgbClr val="041D40"/>
-                </a:solidFill>
-                <a:effectLst/>
-                <a:latin typeface="Source Sans Pro" panose="020B0503030403020204" pitchFamily="34" charset="0"/>
-              </a:rPr>
-              <a:t>The Digital Research Infrastructure for the Arts and Humanities (DARIAH) aims to enhance and support digitally-enabled research and teaching across the arts and humanities. DARIAH is a network of people, expertise, information, knowledge, content, methods, tools and technologies from its member countries.   It develops, maintains and operates an infrastructure in support of ICT-based research practices and sustains researchers in using them to build, analyse and interpret digital resources. By working with communities of practice, DARIAH brings together individual state-of-the-art digital arts and humanities activities and scales their results to a European level. It preserves, provides access to and disseminates research that stems from these collaborations and ensures that best practices, methodological and technical standards are followed. </a:t>
-            </a:r>
-          </a:p>
-          <a:p>
             <a:endParaRPr lang="en-GB" dirty="0"/>
           </a:p>
         </p:txBody>
@@ -3944,7 +3409,7 @@
           <p:cNvPr id="2" name="Title 1">
             <a:extLst>
               <a:ext uri="{FF2B5EF4-FFF2-40B4-BE49-F238E27FC236}">
-                <a16:creationId xmlns:a16="http://schemas.microsoft.com/office/drawing/2014/main" id="{F3BB18E6-1778-0CA9-8923-6F759BD87DE9}"/>
+                <a16:creationId xmlns:a16="http://schemas.microsoft.com/office/drawing/2014/main" id="{59502BD1-E65B-EED7-1850-5103422A85AF}"/>
               </a:ext>
             </a:extLst>
           </p:cNvPr>
@@ -3982,7 +3447,7 @@
           <p:cNvPr id="3" name="Subtitle 2">
             <a:extLst>
               <a:ext uri="{FF2B5EF4-FFF2-40B4-BE49-F238E27FC236}">
-                <a16:creationId xmlns:a16="http://schemas.microsoft.com/office/drawing/2014/main" id="{CB976DCF-27BE-FD05-F42D-09F54D008E40}"/>
+                <a16:creationId xmlns:a16="http://schemas.microsoft.com/office/drawing/2014/main" id="{9D6B119A-E2F9-6307-93FA-478F1A863EC4}"/>
               </a:ext>
             </a:extLst>
           </p:cNvPr>
@@ -4048,10 +3513,91 @@
           </a:p>
         </p:txBody>
       </p:sp>
+      <p:sp>
+        <p:nvSpPr>
+          <p:cNvPr id="4" name="Date Placeholder 3">
+            <a:extLst>
+              <a:ext uri="{FF2B5EF4-FFF2-40B4-BE49-F238E27FC236}">
+                <a16:creationId xmlns:a16="http://schemas.microsoft.com/office/drawing/2014/main" id="{E13FC0A4-58C0-63A3-FFD8-2B6F80C844A0}"/>
+              </a:ext>
+            </a:extLst>
+          </p:cNvPr>
+          <p:cNvSpPr>
+            <a:spLocks noGrp="1"/>
+          </p:cNvSpPr>
+          <p:nvPr>
+            <p:ph type="dt" sz="half" idx="10"/>
+          </p:nvPr>
+        </p:nvSpPr>
+        <p:spPr/>
+        <p:txBody>
+          <a:bodyPr/>
+          <a:lstStyle/>
+          <a:p>
+            <a:pPr lvl="0"/>
+            <a:endParaRPr lang="en-GB"/>
+          </a:p>
+        </p:txBody>
+      </p:sp>
+      <p:sp>
+        <p:nvSpPr>
+          <p:cNvPr id="5" name="Footer Placeholder 4">
+            <a:extLst>
+              <a:ext uri="{FF2B5EF4-FFF2-40B4-BE49-F238E27FC236}">
+                <a16:creationId xmlns:a16="http://schemas.microsoft.com/office/drawing/2014/main" id="{CA33B203-D743-B38B-BA6C-5724C0ADB2DB}"/>
+              </a:ext>
+            </a:extLst>
+          </p:cNvPr>
+          <p:cNvSpPr>
+            <a:spLocks noGrp="1"/>
+          </p:cNvSpPr>
+          <p:nvPr>
+            <p:ph type="ftr" sz="quarter" idx="11"/>
+          </p:nvPr>
+        </p:nvSpPr>
+        <p:spPr/>
+        <p:txBody>
+          <a:bodyPr/>
+          <a:lstStyle/>
+          <a:p>
+            <a:pPr lvl="0"/>
+            <a:endParaRPr lang="en-GB"/>
+          </a:p>
+        </p:txBody>
+      </p:sp>
+      <p:sp>
+        <p:nvSpPr>
+          <p:cNvPr id="6" name="Slide Number Placeholder 5">
+            <a:extLst>
+              <a:ext uri="{FF2B5EF4-FFF2-40B4-BE49-F238E27FC236}">
+                <a16:creationId xmlns:a16="http://schemas.microsoft.com/office/drawing/2014/main" id="{02D004E0-4CD6-B5E0-A3FD-40E83CEF8C98}"/>
+              </a:ext>
+            </a:extLst>
+          </p:cNvPr>
+          <p:cNvSpPr>
+            <a:spLocks noGrp="1"/>
+          </p:cNvSpPr>
+          <p:nvPr>
+            <p:ph type="sldNum" sz="quarter" idx="12"/>
+          </p:nvPr>
+        </p:nvSpPr>
+        <p:spPr/>
+        <p:txBody>
+          <a:bodyPr/>
+          <a:lstStyle/>
+          <a:p>
+            <a:pPr lvl="0"/>
+            <a:fld id="{CDAC978F-0D92-C744-8B32-B97BB5AD1969}" type="slidenum">
+              <a:t>‹#›</a:t>
+            </a:fld>
+            <a:endParaRPr lang="en-GB"/>
+          </a:p>
+        </p:txBody>
+      </p:sp>
     </p:spTree>
     <p:extLst>
       <p:ext uri="{BB962C8B-B14F-4D97-AF65-F5344CB8AC3E}">
-        <p14:creationId xmlns:p14="http://schemas.microsoft.com/office/powerpoint/2010/main" val="1188044221"/>
+        <p14:creationId xmlns:p14="http://schemas.microsoft.com/office/powerpoint/2010/main" val="3268206454"/>
       </p:ext>
     </p:extLst>
   </p:cSld>
@@ -4083,7 +3629,7 @@
           <p:cNvPr id="2" name="Title 1">
             <a:extLst>
               <a:ext uri="{FF2B5EF4-FFF2-40B4-BE49-F238E27FC236}">
-                <a16:creationId xmlns:a16="http://schemas.microsoft.com/office/drawing/2014/main" id="{35A48414-1DF9-65D9-9B7A-9D211996E194}"/>
+                <a16:creationId xmlns:a16="http://schemas.microsoft.com/office/drawing/2014/main" id="{14C59DDB-6540-E745-3DD2-DFA49D1C1C13}"/>
               </a:ext>
             </a:extLst>
           </p:cNvPr>
@@ -4112,7 +3658,7 @@
           <p:cNvPr id="3" name="Vertical Text Placeholder 2">
             <a:extLst>
               <a:ext uri="{FF2B5EF4-FFF2-40B4-BE49-F238E27FC236}">
-                <a16:creationId xmlns:a16="http://schemas.microsoft.com/office/drawing/2014/main" id="{481887E6-BBD7-BA29-9635-7A2A5A454F1D}"/>
+                <a16:creationId xmlns:a16="http://schemas.microsoft.com/office/drawing/2014/main" id="{217CF379-E981-3660-FA53-679ED96066F2}"/>
               </a:ext>
             </a:extLst>
           </p:cNvPr>
@@ -4165,10 +3711,91 @@
           </a:p>
         </p:txBody>
       </p:sp>
+      <p:sp>
+        <p:nvSpPr>
+          <p:cNvPr id="4" name="Date Placeholder 3">
+            <a:extLst>
+              <a:ext uri="{FF2B5EF4-FFF2-40B4-BE49-F238E27FC236}">
+                <a16:creationId xmlns:a16="http://schemas.microsoft.com/office/drawing/2014/main" id="{74B2400F-884C-665B-1CC5-E22CC04DC286}"/>
+              </a:ext>
+            </a:extLst>
+          </p:cNvPr>
+          <p:cNvSpPr>
+            <a:spLocks noGrp="1"/>
+          </p:cNvSpPr>
+          <p:nvPr>
+            <p:ph type="dt" sz="half" idx="10"/>
+          </p:nvPr>
+        </p:nvSpPr>
+        <p:spPr/>
+        <p:txBody>
+          <a:bodyPr/>
+          <a:lstStyle/>
+          <a:p>
+            <a:pPr lvl="0"/>
+            <a:endParaRPr lang="en-GB"/>
+          </a:p>
+        </p:txBody>
+      </p:sp>
+      <p:sp>
+        <p:nvSpPr>
+          <p:cNvPr id="5" name="Footer Placeholder 4">
+            <a:extLst>
+              <a:ext uri="{FF2B5EF4-FFF2-40B4-BE49-F238E27FC236}">
+                <a16:creationId xmlns:a16="http://schemas.microsoft.com/office/drawing/2014/main" id="{698C1E1A-5040-3C12-21DB-5F765A13C4E6}"/>
+              </a:ext>
+            </a:extLst>
+          </p:cNvPr>
+          <p:cNvSpPr>
+            <a:spLocks noGrp="1"/>
+          </p:cNvSpPr>
+          <p:nvPr>
+            <p:ph type="ftr" sz="quarter" idx="11"/>
+          </p:nvPr>
+        </p:nvSpPr>
+        <p:spPr/>
+        <p:txBody>
+          <a:bodyPr/>
+          <a:lstStyle/>
+          <a:p>
+            <a:pPr lvl="0"/>
+            <a:endParaRPr lang="en-GB"/>
+          </a:p>
+        </p:txBody>
+      </p:sp>
+      <p:sp>
+        <p:nvSpPr>
+          <p:cNvPr id="6" name="Slide Number Placeholder 5">
+            <a:extLst>
+              <a:ext uri="{FF2B5EF4-FFF2-40B4-BE49-F238E27FC236}">
+                <a16:creationId xmlns:a16="http://schemas.microsoft.com/office/drawing/2014/main" id="{760954A2-DC70-EED8-7E51-D8A0D5D3900C}"/>
+              </a:ext>
+            </a:extLst>
+          </p:cNvPr>
+          <p:cNvSpPr>
+            <a:spLocks noGrp="1"/>
+          </p:cNvSpPr>
+          <p:nvPr>
+            <p:ph type="sldNum" sz="quarter" idx="12"/>
+          </p:nvPr>
+        </p:nvSpPr>
+        <p:spPr/>
+        <p:txBody>
+          <a:bodyPr/>
+          <a:lstStyle/>
+          <a:p>
+            <a:pPr lvl="0"/>
+            <a:fld id="{50025472-45C3-2145-88C3-62818B8B312A}" type="slidenum">
+              <a:t>‹#›</a:t>
+            </a:fld>
+            <a:endParaRPr lang="en-GB"/>
+          </a:p>
+        </p:txBody>
+      </p:sp>
     </p:spTree>
     <p:extLst>
       <p:ext uri="{BB962C8B-B14F-4D97-AF65-F5344CB8AC3E}">
-        <p14:creationId xmlns:p14="http://schemas.microsoft.com/office/powerpoint/2010/main" val="3577797675"/>
+        <p14:creationId xmlns:p14="http://schemas.microsoft.com/office/powerpoint/2010/main" val="3083154842"/>
       </p:ext>
     </p:extLst>
   </p:cSld>
@@ -4200,7 +3827,7 @@
           <p:cNvPr id="2" name="Vertical Title 1">
             <a:extLst>
               <a:ext uri="{FF2B5EF4-FFF2-40B4-BE49-F238E27FC236}">
-                <a16:creationId xmlns:a16="http://schemas.microsoft.com/office/drawing/2014/main" id="{825284EC-2FED-BD1A-5F38-D24D6DB3A45C}"/>
+                <a16:creationId xmlns:a16="http://schemas.microsoft.com/office/drawing/2014/main" id="{BBBB731A-333D-4F3D-3ACE-CFAF7F1DAC00}"/>
               </a:ext>
             </a:extLst>
           </p:cNvPr>
@@ -4213,8 +3840,8 @@
         </p:nvSpPr>
         <p:spPr>
           <a:xfrm>
-            <a:off x="6894513" y="647700"/>
-            <a:ext cx="2249487" cy="3898900"/>
+            <a:off x="7299325" y="71438"/>
+            <a:ext cx="2384425" cy="4543425"/>
           </a:xfrm>
         </p:spPr>
         <p:txBody>
@@ -4234,7 +3861,7 @@
           <p:cNvPr id="3" name="Vertical Text Placeholder 2">
             <a:extLst>
               <a:ext uri="{FF2B5EF4-FFF2-40B4-BE49-F238E27FC236}">
-                <a16:creationId xmlns:a16="http://schemas.microsoft.com/office/drawing/2014/main" id="{90669D17-042B-5C50-55AC-F88D0E5FDDF9}"/>
+                <a16:creationId xmlns:a16="http://schemas.microsoft.com/office/drawing/2014/main" id="{619A4C76-2AF2-8B79-D3ED-6FFCA728A552}"/>
               </a:ext>
             </a:extLst>
           </p:cNvPr>
@@ -4247,8 +3874,8 @@
         </p:nvSpPr>
         <p:spPr>
           <a:xfrm>
-            <a:off x="144463" y="647700"/>
-            <a:ext cx="6597650" cy="3898900"/>
+            <a:off x="144463" y="71438"/>
+            <a:ext cx="7002462" cy="4543425"/>
           </a:xfrm>
         </p:spPr>
         <p:txBody>
@@ -4289,13 +3916,94 @@
               <a:t>Fifth level</a:t>
             </a:r>
             <a:endParaRPr lang="en-US"/>
+          </a:p>
+        </p:txBody>
+      </p:sp>
+      <p:sp>
+        <p:nvSpPr>
+          <p:cNvPr id="4" name="Date Placeholder 3">
+            <a:extLst>
+              <a:ext uri="{FF2B5EF4-FFF2-40B4-BE49-F238E27FC236}">
+                <a16:creationId xmlns:a16="http://schemas.microsoft.com/office/drawing/2014/main" id="{303623C8-9D37-D573-2187-72F7065A3C73}"/>
+              </a:ext>
+            </a:extLst>
+          </p:cNvPr>
+          <p:cNvSpPr>
+            <a:spLocks noGrp="1"/>
+          </p:cNvSpPr>
+          <p:nvPr>
+            <p:ph type="dt" sz="half" idx="10"/>
+          </p:nvPr>
+        </p:nvSpPr>
+        <p:spPr/>
+        <p:txBody>
+          <a:bodyPr/>
+          <a:lstStyle/>
+          <a:p>
+            <a:pPr lvl="0"/>
+            <a:endParaRPr lang="en-GB"/>
+          </a:p>
+        </p:txBody>
+      </p:sp>
+      <p:sp>
+        <p:nvSpPr>
+          <p:cNvPr id="5" name="Footer Placeholder 4">
+            <a:extLst>
+              <a:ext uri="{FF2B5EF4-FFF2-40B4-BE49-F238E27FC236}">
+                <a16:creationId xmlns:a16="http://schemas.microsoft.com/office/drawing/2014/main" id="{70A3C137-B7A8-2B1B-929D-A4925192FE9B}"/>
+              </a:ext>
+            </a:extLst>
+          </p:cNvPr>
+          <p:cNvSpPr>
+            <a:spLocks noGrp="1"/>
+          </p:cNvSpPr>
+          <p:nvPr>
+            <p:ph type="ftr" sz="quarter" idx="11"/>
+          </p:nvPr>
+        </p:nvSpPr>
+        <p:spPr/>
+        <p:txBody>
+          <a:bodyPr/>
+          <a:lstStyle/>
+          <a:p>
+            <a:pPr lvl="0"/>
+            <a:endParaRPr lang="en-GB"/>
+          </a:p>
+        </p:txBody>
+      </p:sp>
+      <p:sp>
+        <p:nvSpPr>
+          <p:cNvPr id="6" name="Slide Number Placeholder 5">
+            <a:extLst>
+              <a:ext uri="{FF2B5EF4-FFF2-40B4-BE49-F238E27FC236}">
+                <a16:creationId xmlns:a16="http://schemas.microsoft.com/office/drawing/2014/main" id="{D78C2F11-22DD-6B68-8AB5-C2513CBC0BB9}"/>
+              </a:ext>
+            </a:extLst>
+          </p:cNvPr>
+          <p:cNvSpPr>
+            <a:spLocks noGrp="1"/>
+          </p:cNvSpPr>
+          <p:nvPr>
+            <p:ph type="sldNum" sz="quarter" idx="12"/>
+          </p:nvPr>
+        </p:nvSpPr>
+        <p:spPr/>
+        <p:txBody>
+          <a:bodyPr/>
+          <a:lstStyle/>
+          <a:p>
+            <a:pPr lvl="0"/>
+            <a:fld id="{7D8412FD-5C25-294F-8B8E-D7FD0E330911}" type="slidenum">
+              <a:t>‹#›</a:t>
+            </a:fld>
+            <a:endParaRPr lang="en-GB"/>
           </a:p>
         </p:txBody>
       </p:sp>
     </p:spTree>
     <p:extLst>
       <p:ext uri="{BB962C8B-B14F-4D97-AF65-F5344CB8AC3E}">
-        <p14:creationId xmlns:p14="http://schemas.microsoft.com/office/powerpoint/2010/main" val="3857447700"/>
+        <p14:creationId xmlns:p14="http://schemas.microsoft.com/office/powerpoint/2010/main" val="3942756412"/>
       </p:ext>
     </p:extLst>
   </p:cSld>
@@ -4327,7 +4035,7 @@
           <p:cNvPr id="2" name="Title 1">
             <a:extLst>
               <a:ext uri="{FF2B5EF4-FFF2-40B4-BE49-F238E27FC236}">
-                <a16:creationId xmlns:a16="http://schemas.microsoft.com/office/drawing/2014/main" id="{59502BD1-E65B-EED7-1850-5103422A85AF}"/>
+                <a16:creationId xmlns:a16="http://schemas.microsoft.com/office/drawing/2014/main" id="{225B333D-7275-4A17-82D6-4D7F09D8A3BD}"/>
               </a:ext>
             </a:extLst>
           </p:cNvPr>
@@ -4340,23 +4048,23 @@
         </p:nvSpPr>
         <p:spPr>
           <a:xfrm>
-            <a:off x="1260475" y="928688"/>
-            <a:ext cx="7559675" cy="1973262"/>
+            <a:off x="1260078" y="928028"/>
+            <a:ext cx="7560469" cy="1974191"/>
           </a:xfrm>
         </p:spPr>
         <p:txBody>
           <a:bodyPr anchor="b"/>
           <a:lstStyle>
             <a:lvl1pPr algn="ctr">
-              <a:defRPr sz="6000"/>
+              <a:defRPr sz="4961"/>
             </a:lvl1pPr>
           </a:lstStyle>
           <a:p>
             <a:r>
-              <a:rPr lang="en-GB"/>
+              <a:rPr lang="en-US"/>
               <a:t>Click to edit Master title style</a:t>
             </a:r>
-            <a:endParaRPr lang="en-US"/>
+            <a:endParaRPr lang="en-GB"/>
           </a:p>
         </p:txBody>
       </p:sp>
@@ -4365,7 +4073,7 @@
           <p:cNvPr id="3" name="Subtitle 2">
             <a:extLst>
               <a:ext uri="{FF2B5EF4-FFF2-40B4-BE49-F238E27FC236}">
-                <a16:creationId xmlns:a16="http://schemas.microsoft.com/office/drawing/2014/main" id="{9D6B119A-E2F9-6307-93FA-478F1A863EC4}"/>
+                <a16:creationId xmlns:a16="http://schemas.microsoft.com/office/drawing/2014/main" id="{C886A042-841F-4C62-8157-1EF7FF9784F8}"/>
               </a:ext>
             </a:extLst>
           </p:cNvPr>
@@ -4378,8 +4086,8 @@
         </p:nvSpPr>
         <p:spPr>
           <a:xfrm>
-            <a:off x="1260475" y="2978150"/>
-            <a:ext cx="7559675" cy="1370013"/>
+            <a:off x="1260078" y="2978352"/>
+            <a:ext cx="7560469" cy="1369070"/>
           </a:xfrm>
         </p:spPr>
         <p:txBody>
@@ -4387,47 +4095,47 @@
           <a:lstStyle>
             <a:lvl1pPr marL="0" indent="0" algn="ctr">
               <a:buNone/>
-              <a:defRPr sz="2400"/>
+              <a:defRPr sz="1984"/>
             </a:lvl1pPr>
-            <a:lvl2pPr marL="457200" indent="0" algn="ctr">
+            <a:lvl2pPr marL="378013" indent="0" algn="ctr">
               <a:buNone/>
-              <a:defRPr sz="2000"/>
+              <a:defRPr sz="1654"/>
             </a:lvl2pPr>
-            <a:lvl3pPr marL="914400" indent="0" algn="ctr">
+            <a:lvl3pPr marL="756026" indent="0" algn="ctr">
               <a:buNone/>
-              <a:defRPr sz="1800"/>
+              <a:defRPr sz="1488"/>
             </a:lvl3pPr>
-            <a:lvl4pPr marL="1371600" indent="0" algn="ctr">
+            <a:lvl4pPr marL="1134039" indent="0" algn="ctr">
               <a:buNone/>
-              <a:defRPr sz="1600"/>
+              <a:defRPr sz="1323"/>
             </a:lvl4pPr>
-            <a:lvl5pPr marL="1828800" indent="0" algn="ctr">
+            <a:lvl5pPr marL="1512052" indent="0" algn="ctr">
               <a:buNone/>
-              <a:defRPr sz="1600"/>
+              <a:defRPr sz="1323"/>
             </a:lvl5pPr>
-            <a:lvl6pPr marL="2286000" indent="0" algn="ctr">
+            <a:lvl6pPr marL="1890065" indent="0" algn="ctr">
               <a:buNone/>
-              <a:defRPr sz="1600"/>
+              <a:defRPr sz="1323"/>
             </a:lvl6pPr>
-            <a:lvl7pPr marL="2743200" indent="0" algn="ctr">
+            <a:lvl7pPr marL="2268078" indent="0" algn="ctr">
               <a:buNone/>
-              <a:defRPr sz="1600"/>
+              <a:defRPr sz="1323"/>
             </a:lvl7pPr>
-            <a:lvl8pPr marL="3200400" indent="0" algn="ctr">
+            <a:lvl8pPr marL="2646091" indent="0" algn="ctr">
               <a:buNone/>
-              <a:defRPr sz="1600"/>
+              <a:defRPr sz="1323"/>
             </a:lvl8pPr>
-            <a:lvl9pPr marL="3657600" indent="0" algn="ctr">
+            <a:lvl9pPr marL="3024104" indent="0" algn="ctr">
               <a:buNone/>
-              <a:defRPr sz="1600"/>
+              <a:defRPr sz="1323"/>
             </a:lvl9pPr>
           </a:lstStyle>
           <a:p>
             <a:r>
-              <a:rPr lang="en-GB"/>
+              <a:rPr lang="en-US"/>
               <a:t>Click to edit Master subtitle style</a:t>
             </a:r>
-            <a:endParaRPr lang="en-US"/>
+            <a:endParaRPr lang="en-GB"/>
           </a:p>
         </p:txBody>
       </p:sp>
@@ -4436,7 +4144,7 @@
           <p:cNvPr id="4" name="Date Placeholder 3">
             <a:extLst>
               <a:ext uri="{FF2B5EF4-FFF2-40B4-BE49-F238E27FC236}">
-                <a16:creationId xmlns:a16="http://schemas.microsoft.com/office/drawing/2014/main" id="{E13FC0A4-58C0-63A3-FFD8-2B6F80C844A0}"/>
+                <a16:creationId xmlns:a16="http://schemas.microsoft.com/office/drawing/2014/main" id="{50248939-F201-4F2F-9889-195C1B862305}"/>
               </a:ext>
             </a:extLst>
           </p:cNvPr>
@@ -4452,7 +4160,10 @@
           <a:bodyPr/>
           <a:lstStyle/>
           <a:p>
-            <a:pPr lvl="0"/>
+            <a:fld id="{01063AAD-4472-4664-B3DD-E072D978E5BB}" type="datetimeFigureOut">
+              <a:rPr lang="en-GB" smtClean="0"/>
+              <a:t>10/02/2025</a:t>
+            </a:fld>
             <a:endParaRPr lang="en-GB"/>
           </a:p>
         </p:txBody>
@@ -4462,7 +4173,7 @@
           <p:cNvPr id="5" name="Footer Placeholder 4">
             <a:extLst>
               <a:ext uri="{FF2B5EF4-FFF2-40B4-BE49-F238E27FC236}">
-                <a16:creationId xmlns:a16="http://schemas.microsoft.com/office/drawing/2014/main" id="{CA33B203-D743-B38B-BA6C-5724C0ADB2DB}"/>
+                <a16:creationId xmlns:a16="http://schemas.microsoft.com/office/drawing/2014/main" id="{18CF5BC7-5398-4C39-8083-B6BD2DDEA5E8}"/>
               </a:ext>
             </a:extLst>
           </p:cNvPr>
@@ -4478,7 +4189,6 @@
           <a:bodyPr/>
           <a:lstStyle/>
           <a:p>
-            <a:pPr lvl="0"/>
             <a:endParaRPr lang="en-GB"/>
           </a:p>
         </p:txBody>
@@ -4488,7 +4198,7 @@
           <p:cNvPr id="6" name="Slide Number Placeholder 5">
             <a:extLst>
               <a:ext uri="{FF2B5EF4-FFF2-40B4-BE49-F238E27FC236}">
-                <a16:creationId xmlns:a16="http://schemas.microsoft.com/office/drawing/2014/main" id="{02D004E0-4CD6-B5E0-A3FD-40E83CEF8C98}"/>
+                <a16:creationId xmlns:a16="http://schemas.microsoft.com/office/drawing/2014/main" id="{1878DD14-7A50-4F34-9733-F108B6542499}"/>
               </a:ext>
             </a:extLst>
           </p:cNvPr>
@@ -4504,8 +4214,8 @@
           <a:bodyPr/>
           <a:lstStyle/>
           <a:p>
-            <a:pPr lvl="0"/>
-            <a:fld id="{CDAC978F-0D92-C744-8B32-B97BB5AD1969}" type="slidenum">
+            <a:fld id="{9248963E-085C-4A81-A56F-20E3556E5341}" type="slidenum">
+              <a:rPr lang="en-GB" smtClean="0"/>
               <a:t>‹#›</a:t>
             </a:fld>
             <a:endParaRPr lang="en-GB"/>
@@ -4515,7 +4225,7 @@
     </p:spTree>
     <p:extLst>
       <p:ext uri="{BB962C8B-B14F-4D97-AF65-F5344CB8AC3E}">
-        <p14:creationId xmlns:p14="http://schemas.microsoft.com/office/powerpoint/2010/main" val="3268206454"/>
+        <p14:creationId xmlns:p14="http://schemas.microsoft.com/office/powerpoint/2010/main" val="2060070952"/>
       </p:ext>
     </p:extLst>
   </p:cSld>
@@ -4547,7 +4257,7 @@
           <p:cNvPr id="2" name="Title 1">
             <a:extLst>
               <a:ext uri="{FF2B5EF4-FFF2-40B4-BE49-F238E27FC236}">
-                <a16:creationId xmlns:a16="http://schemas.microsoft.com/office/drawing/2014/main" id="{8763AABB-A8CA-17B0-589C-97C6B49798DC}"/>
+                <a16:creationId xmlns:a16="http://schemas.microsoft.com/office/drawing/2014/main" id="{F63BC4A1-B204-4ABF-ACA4-0C0AFC66A33D}"/>
               </a:ext>
             </a:extLst>
           </p:cNvPr>
@@ -4564,10 +4274,10 @@
           <a:lstStyle/>
           <a:p>
             <a:r>
-              <a:rPr lang="en-GB"/>
+              <a:rPr lang="en-US"/>
               <a:t>Click to edit Master title style</a:t>
             </a:r>
-            <a:endParaRPr lang="en-US"/>
+            <a:endParaRPr lang="en-GB"/>
           </a:p>
         </p:txBody>
       </p:sp>
@@ -4576,7 +4286,7 @@
           <p:cNvPr id="3" name="Content Placeholder 2">
             <a:extLst>
               <a:ext uri="{FF2B5EF4-FFF2-40B4-BE49-F238E27FC236}">
-                <a16:creationId xmlns:a16="http://schemas.microsoft.com/office/drawing/2014/main" id="{5AAEAC15-6AFB-2FFB-890E-EA4D1A4DD02D}"/>
+                <a16:creationId xmlns:a16="http://schemas.microsoft.com/office/drawing/2014/main" id="{A5CAD33E-6E47-41C2-843B-3134FD72B743}"/>
               </a:ext>
             </a:extLst>
           </p:cNvPr>
@@ -4594,38 +4304,38 @@
           <a:p>
             <a:pPr lvl="0"/>
             <a:r>
-              <a:rPr lang="en-GB"/>
+              <a:rPr lang="en-US"/>
               <a:t>Click to edit Master text styles</a:t>
             </a:r>
           </a:p>
           <a:p>
             <a:pPr lvl="1"/>
             <a:r>
-              <a:rPr lang="en-GB"/>
+              <a:rPr lang="en-US"/>
               <a:t>Second level</a:t>
             </a:r>
           </a:p>
           <a:p>
             <a:pPr lvl="2"/>
             <a:r>
-              <a:rPr lang="en-GB"/>
+              <a:rPr lang="en-US"/>
               <a:t>Third level</a:t>
             </a:r>
           </a:p>
           <a:p>
             <a:pPr lvl="3"/>
             <a:r>
-              <a:rPr lang="en-GB"/>
+              <a:rPr lang="en-US"/>
               <a:t>Fourth level</a:t>
             </a:r>
           </a:p>
           <a:p>
             <a:pPr lvl="4"/>
             <a:r>
-              <a:rPr lang="en-GB"/>
+              <a:rPr lang="en-US"/>
               <a:t>Fifth level</a:t>
             </a:r>
-            <a:endParaRPr lang="en-US"/>
+            <a:endParaRPr lang="en-GB"/>
           </a:p>
         </p:txBody>
       </p:sp>
@@ -4634,7 +4344,7 @@
           <p:cNvPr id="4" name="Date Placeholder 3">
             <a:extLst>
               <a:ext uri="{FF2B5EF4-FFF2-40B4-BE49-F238E27FC236}">
-                <a16:creationId xmlns:a16="http://schemas.microsoft.com/office/drawing/2014/main" id="{1276DBD3-8416-EDF6-E2F7-64F16BA37D7E}"/>
+                <a16:creationId xmlns:a16="http://schemas.microsoft.com/office/drawing/2014/main" id="{C1DDD308-9611-412B-A586-13DB4121D982}"/>
               </a:ext>
             </a:extLst>
           </p:cNvPr>
@@ -4650,7 +4360,10 @@
           <a:bodyPr/>
           <a:lstStyle/>
           <a:p>
-            <a:pPr lvl="0"/>
+            <a:fld id="{01063AAD-4472-4664-B3DD-E072D978E5BB}" type="datetimeFigureOut">
+              <a:rPr lang="en-GB" smtClean="0"/>
+              <a:t>10/02/2025</a:t>
+            </a:fld>
             <a:endParaRPr lang="en-GB"/>
           </a:p>
         </p:txBody>
@@ -4660,7 +4373,7 @@
           <p:cNvPr id="5" name="Footer Placeholder 4">
             <a:extLst>
               <a:ext uri="{FF2B5EF4-FFF2-40B4-BE49-F238E27FC236}">
-                <a16:creationId xmlns:a16="http://schemas.microsoft.com/office/drawing/2014/main" id="{522EAA78-75F4-5A64-5188-E4DA66AA0AB6}"/>
+                <a16:creationId xmlns:a16="http://schemas.microsoft.com/office/drawing/2014/main" id="{E7E6A94E-DBDC-44DC-BE23-E539D0263FE7}"/>
               </a:ext>
             </a:extLst>
           </p:cNvPr>
@@ -4676,7 +4389,6 @@
           <a:bodyPr/>
           <a:lstStyle/>
           <a:p>
-            <a:pPr lvl="0"/>
             <a:endParaRPr lang="en-GB"/>
           </a:p>
         </p:txBody>
@@ -4686,7 +4398,7 @@
           <p:cNvPr id="6" name="Slide Number Placeholder 5">
             <a:extLst>
               <a:ext uri="{FF2B5EF4-FFF2-40B4-BE49-F238E27FC236}">
-                <a16:creationId xmlns:a16="http://schemas.microsoft.com/office/drawing/2014/main" id="{E1BE618A-879E-6C78-0FA2-F5EA27A0148A}"/>
+                <a16:creationId xmlns:a16="http://schemas.microsoft.com/office/drawing/2014/main" id="{F08F5E6F-6D0E-44A4-9E9E-986967E5765F}"/>
               </a:ext>
             </a:extLst>
           </p:cNvPr>
@@ -4702,8 +4414,8 @@
           <a:bodyPr/>
           <a:lstStyle/>
           <a:p>
-            <a:pPr lvl="0"/>
-            <a:fld id="{92DB5B8F-E4C8-FB40-98D5-33A9AF1C340A}" type="slidenum">
+            <a:fld id="{9248963E-085C-4A81-A56F-20E3556E5341}" type="slidenum">
+              <a:rPr lang="en-GB" smtClean="0"/>
               <a:t>‹#›</a:t>
             </a:fld>
             <a:endParaRPr lang="en-GB"/>
@@ -4713,7 +4425,7 @@
     </p:spTree>
     <p:extLst>
       <p:ext uri="{BB962C8B-B14F-4D97-AF65-F5344CB8AC3E}">
-        <p14:creationId xmlns:p14="http://schemas.microsoft.com/office/powerpoint/2010/main" val="2757905872"/>
+        <p14:creationId xmlns:p14="http://schemas.microsoft.com/office/powerpoint/2010/main" val="380087163"/>
       </p:ext>
     </p:extLst>
   </p:cSld>
@@ -4745,7 +4457,7 @@
           <p:cNvPr id="2" name="Title 1">
             <a:extLst>
               <a:ext uri="{FF2B5EF4-FFF2-40B4-BE49-F238E27FC236}">
-                <a16:creationId xmlns:a16="http://schemas.microsoft.com/office/drawing/2014/main" id="{0CBD3BFD-5EF6-892A-9542-8A98ECF5EB74}"/>
+                <a16:creationId xmlns:a16="http://schemas.microsoft.com/office/drawing/2014/main" id="{4985398C-6F3E-4C39-B322-D2548D9B2872}"/>
               </a:ext>
             </a:extLst>
           </p:cNvPr>
@@ -4758,23 +4470,23 @@
         </p:nvSpPr>
         <p:spPr>
           <a:xfrm>
-            <a:off x="687388" y="1414463"/>
-            <a:ext cx="8694737" cy="2357437"/>
+            <a:off x="687793" y="1413700"/>
+            <a:ext cx="8694539" cy="2358791"/>
           </a:xfrm>
         </p:spPr>
         <p:txBody>
           <a:bodyPr anchor="b"/>
           <a:lstStyle>
             <a:lvl1pPr>
-              <a:defRPr sz="6000"/>
+              <a:defRPr sz="4961"/>
             </a:lvl1pPr>
           </a:lstStyle>
           <a:p>
             <a:r>
-              <a:rPr lang="en-GB"/>
+              <a:rPr lang="en-US"/>
               <a:t>Click to edit Master title style</a:t>
             </a:r>
-            <a:endParaRPr lang="en-US"/>
+            <a:endParaRPr lang="en-GB"/>
           </a:p>
         </p:txBody>
       </p:sp>
@@ -4783,7 +4495,7 @@
           <p:cNvPr id="3" name="Text Placeholder 2">
             <a:extLst>
               <a:ext uri="{FF2B5EF4-FFF2-40B4-BE49-F238E27FC236}">
-                <a16:creationId xmlns:a16="http://schemas.microsoft.com/office/drawing/2014/main" id="{69089FB3-82AB-751C-325C-B2645BA5F4C6}"/>
+                <a16:creationId xmlns:a16="http://schemas.microsoft.com/office/drawing/2014/main" id="{D64C0BF5-582A-4A37-AECA-371E1670CD0D}"/>
               </a:ext>
             </a:extLst>
           </p:cNvPr>
@@ -4796,8 +4508,8 @@
         </p:nvSpPr>
         <p:spPr>
           <a:xfrm>
-            <a:off x="687388" y="3794125"/>
-            <a:ext cx="8694737" cy="1241425"/>
+            <a:off x="687793" y="3794807"/>
+            <a:ext cx="8694539" cy="1240432"/>
           </a:xfrm>
         </p:spPr>
         <p:txBody>
@@ -4805,90 +4517,90 @@
           <a:lstStyle>
             <a:lvl1pPr marL="0" indent="0">
               <a:buNone/>
-              <a:defRPr sz="2400">
+              <a:defRPr sz="1984">
                 <a:solidFill>
                   <a:schemeClr val="tx1">
-                    <a:tint val="82000"/>
+                    <a:tint val="75000"/>
                   </a:schemeClr>
                 </a:solidFill>
               </a:defRPr>
             </a:lvl1pPr>
-            <a:lvl2pPr marL="457200" indent="0">
+            <a:lvl2pPr marL="378013" indent="0">
               <a:buNone/>
-              <a:defRPr sz="2000">
+              <a:defRPr sz="1654">
                 <a:solidFill>
                   <a:schemeClr val="tx1">
-                    <a:tint val="82000"/>
+                    <a:tint val="75000"/>
                   </a:schemeClr>
                 </a:solidFill>
               </a:defRPr>
             </a:lvl2pPr>
-            <a:lvl3pPr marL="914400" indent="0">
+            <a:lvl3pPr marL="756026" indent="0">
               <a:buNone/>
-              <a:defRPr sz="1800">
+              <a:defRPr sz="1488">
                 <a:solidFill>
                   <a:schemeClr val="tx1">
-                    <a:tint val="82000"/>
+                    <a:tint val="75000"/>
                   </a:schemeClr>
                 </a:solidFill>
               </a:defRPr>
             </a:lvl3pPr>
-            <a:lvl4pPr marL="1371600" indent="0">
+            <a:lvl4pPr marL="1134039" indent="0">
               <a:buNone/>
-              <a:defRPr sz="1600">
+              <a:defRPr sz="1323">
                 <a:solidFill>
                   <a:schemeClr val="tx1">
-                    <a:tint val="82000"/>
+                    <a:tint val="75000"/>
                   </a:schemeClr>
                 </a:solidFill>
               </a:defRPr>
             </a:lvl4pPr>
-            <a:lvl5pPr marL="1828800" indent="0">
+            <a:lvl5pPr marL="1512052" indent="0">
               <a:buNone/>
-              <a:defRPr sz="1600">
+              <a:defRPr sz="1323">
                 <a:solidFill>
                   <a:schemeClr val="tx1">
-                    <a:tint val="82000"/>
+                    <a:tint val="75000"/>
                   </a:schemeClr>
                 </a:solidFill>
               </a:defRPr>
             </a:lvl5pPr>
-            <a:lvl6pPr marL="2286000" indent="0">
+            <a:lvl6pPr marL="1890065" indent="0">
               <a:buNone/>
-              <a:defRPr sz="1600">
+              <a:defRPr sz="1323">
                 <a:solidFill>
                   <a:schemeClr val="tx1">
-                    <a:tint val="82000"/>
+                    <a:tint val="75000"/>
                   </a:schemeClr>
                 </a:solidFill>
               </a:defRPr>
             </a:lvl6pPr>
-            <a:lvl7pPr marL="2743200" indent="0">
+            <a:lvl7pPr marL="2268078" indent="0">
               <a:buNone/>
-              <a:defRPr sz="1600">
+              <a:defRPr sz="1323">
                 <a:solidFill>
                   <a:schemeClr val="tx1">
-                    <a:tint val="82000"/>
+                    <a:tint val="75000"/>
                   </a:schemeClr>
                 </a:solidFill>
               </a:defRPr>
             </a:lvl7pPr>
-            <a:lvl8pPr marL="3200400" indent="0">
+            <a:lvl8pPr marL="2646091" indent="0">
               <a:buNone/>
-              <a:defRPr sz="1600">
+              <a:defRPr sz="1323">
                 <a:solidFill>
                   <a:schemeClr val="tx1">
-                    <a:tint val="82000"/>
+                    <a:tint val="75000"/>
                   </a:schemeClr>
                 </a:solidFill>
               </a:defRPr>
             </a:lvl8pPr>
-            <a:lvl9pPr marL="3657600" indent="0">
+            <a:lvl9pPr marL="3024104" indent="0">
               <a:buNone/>
-              <a:defRPr sz="1600">
+              <a:defRPr sz="1323">
                 <a:solidFill>
                   <a:schemeClr val="tx1">
-                    <a:tint val="82000"/>
+                    <a:tint val="75000"/>
                   </a:schemeClr>
                 </a:solidFill>
               </a:defRPr>
@@ -4897,7 +4609,7 @@
           <a:p>
             <a:pPr lvl="0"/>
             <a:r>
-              <a:rPr lang="en-GB"/>
+              <a:rPr lang="en-US"/>
               <a:t>Click to edit Master text styles</a:t>
             </a:r>
           </a:p>
@@ -4908,7 +4620,7 @@
           <p:cNvPr id="4" name="Date Placeholder 3">
             <a:extLst>
               <a:ext uri="{FF2B5EF4-FFF2-40B4-BE49-F238E27FC236}">
-                <a16:creationId xmlns:a16="http://schemas.microsoft.com/office/drawing/2014/main" id="{9D2CFC6A-3419-4E15-8F2E-5D82E14C30B2}"/>
+                <a16:creationId xmlns:a16="http://schemas.microsoft.com/office/drawing/2014/main" id="{A5AA1DAF-CBF7-488B-AB7B-CD1E301E0350}"/>
               </a:ext>
             </a:extLst>
           </p:cNvPr>
@@ -4924,7 +4636,10 @@
           <a:bodyPr/>
           <a:lstStyle/>
           <a:p>
-            <a:pPr lvl="0"/>
+            <a:fld id="{01063AAD-4472-4664-B3DD-E072D978E5BB}" type="datetimeFigureOut">
+              <a:rPr lang="en-GB" smtClean="0"/>
+              <a:t>10/02/2025</a:t>
+            </a:fld>
             <a:endParaRPr lang="en-GB"/>
           </a:p>
         </p:txBody>
@@ -4934,7 +4649,7 @@
           <p:cNvPr id="5" name="Footer Placeholder 4">
             <a:extLst>
               <a:ext uri="{FF2B5EF4-FFF2-40B4-BE49-F238E27FC236}">
-                <a16:creationId xmlns:a16="http://schemas.microsoft.com/office/drawing/2014/main" id="{391AC5F8-F2E2-638C-AE59-2F5F78A861BA}"/>
+                <a16:creationId xmlns:a16="http://schemas.microsoft.com/office/drawing/2014/main" id="{83E492A8-8999-491A-9AB8-DEA319DEDA16}"/>
               </a:ext>
             </a:extLst>
           </p:cNvPr>
@@ -4950,7 +4665,6 @@
           <a:bodyPr/>
           <a:lstStyle/>
           <a:p>
-            <a:pPr lvl="0"/>
             <a:endParaRPr lang="en-GB"/>
           </a:p>
         </p:txBody>
@@ -4960,7 +4674,7 @@
           <p:cNvPr id="6" name="Slide Number Placeholder 5">
             <a:extLst>
               <a:ext uri="{FF2B5EF4-FFF2-40B4-BE49-F238E27FC236}">
-                <a16:creationId xmlns:a16="http://schemas.microsoft.com/office/drawing/2014/main" id="{0445EED9-5A41-FF23-4C0D-C76470F660B0}"/>
+                <a16:creationId xmlns:a16="http://schemas.microsoft.com/office/drawing/2014/main" id="{A1DF064A-91C5-4B3F-A1AA-F8D62E9E9C15}"/>
               </a:ext>
             </a:extLst>
           </p:cNvPr>
@@ -4976,8 +4690,8 @@
           <a:bodyPr/>
           <a:lstStyle/>
           <a:p>
-            <a:pPr lvl="0"/>
-            <a:fld id="{7302D565-466C-6A4B-B19D-312DDF42BA21}" type="slidenum">
+            <a:fld id="{9248963E-085C-4A81-A56F-20E3556E5341}" type="slidenum">
+              <a:rPr lang="en-GB" smtClean="0"/>
               <a:t>‹#›</a:t>
             </a:fld>
             <a:endParaRPr lang="en-GB"/>
@@ -4987,7 +4701,7 @@
     </p:spTree>
     <p:extLst>
       <p:ext uri="{BB962C8B-B14F-4D97-AF65-F5344CB8AC3E}">
-        <p14:creationId xmlns:p14="http://schemas.microsoft.com/office/powerpoint/2010/main" val="864003449"/>
+        <p14:creationId xmlns:p14="http://schemas.microsoft.com/office/powerpoint/2010/main" val="478396076"/>
       </p:ext>
     </p:extLst>
   </p:cSld>
@@ -5019,6 +4733,2429 @@
           <p:cNvPr id="2" name="Title 1">
             <a:extLst>
               <a:ext uri="{FF2B5EF4-FFF2-40B4-BE49-F238E27FC236}">
+                <a16:creationId xmlns:a16="http://schemas.microsoft.com/office/drawing/2014/main" id="{04F25C68-98DB-4184-8660-712F72652E34}"/>
+              </a:ext>
+            </a:extLst>
+          </p:cNvPr>
+          <p:cNvSpPr>
+            <a:spLocks noGrp="1"/>
+          </p:cNvSpPr>
+          <p:nvPr>
+            <p:ph type="title"/>
+          </p:nvPr>
+        </p:nvSpPr>
+        <p:spPr/>
+        <p:txBody>
+          <a:bodyPr/>
+          <a:lstStyle/>
+          <a:p>
+            <a:r>
+              <a:rPr lang="en-US"/>
+              <a:t>Click to edit Master title style</a:t>
+            </a:r>
+            <a:endParaRPr lang="en-GB"/>
+          </a:p>
+        </p:txBody>
+      </p:sp>
+      <p:sp>
+        <p:nvSpPr>
+          <p:cNvPr id="3" name="Content Placeholder 2">
+            <a:extLst>
+              <a:ext uri="{FF2B5EF4-FFF2-40B4-BE49-F238E27FC236}">
+                <a16:creationId xmlns:a16="http://schemas.microsoft.com/office/drawing/2014/main" id="{95275FC7-C257-4104-894B-9A96D45EA94B}"/>
+              </a:ext>
+            </a:extLst>
+          </p:cNvPr>
+          <p:cNvSpPr>
+            <a:spLocks noGrp="1"/>
+          </p:cNvSpPr>
+          <p:nvPr>
+            <p:ph sz="half" idx="1"/>
+          </p:nvPr>
+        </p:nvSpPr>
+        <p:spPr>
+          <a:xfrm>
+            <a:off x="693043" y="1509521"/>
+            <a:ext cx="4284266" cy="3597912"/>
+          </a:xfrm>
+        </p:spPr>
+        <p:txBody>
+          <a:bodyPr/>
+          <a:lstStyle/>
+          <a:p>
+            <a:pPr lvl="0"/>
+            <a:r>
+              <a:rPr lang="en-US"/>
+              <a:t>Click to edit Master text styles</a:t>
+            </a:r>
+          </a:p>
+          <a:p>
+            <a:pPr lvl="1"/>
+            <a:r>
+              <a:rPr lang="en-US"/>
+              <a:t>Second level</a:t>
+            </a:r>
+          </a:p>
+          <a:p>
+            <a:pPr lvl="2"/>
+            <a:r>
+              <a:rPr lang="en-US"/>
+              <a:t>Third level</a:t>
+            </a:r>
+          </a:p>
+          <a:p>
+            <a:pPr lvl="3"/>
+            <a:r>
+              <a:rPr lang="en-US"/>
+              <a:t>Fourth level</a:t>
+            </a:r>
+          </a:p>
+          <a:p>
+            <a:pPr lvl="4"/>
+            <a:r>
+              <a:rPr lang="en-US"/>
+              <a:t>Fifth level</a:t>
+            </a:r>
+            <a:endParaRPr lang="en-GB"/>
+          </a:p>
+        </p:txBody>
+      </p:sp>
+      <p:sp>
+        <p:nvSpPr>
+          <p:cNvPr id="4" name="Content Placeholder 3">
+            <a:extLst>
+              <a:ext uri="{FF2B5EF4-FFF2-40B4-BE49-F238E27FC236}">
+                <a16:creationId xmlns:a16="http://schemas.microsoft.com/office/drawing/2014/main" id="{8A730940-C57A-45BE-A570-1F0AC9D77A75}"/>
+              </a:ext>
+            </a:extLst>
+          </p:cNvPr>
+          <p:cNvSpPr>
+            <a:spLocks noGrp="1"/>
+          </p:cNvSpPr>
+          <p:nvPr>
+            <p:ph sz="half" idx="2"/>
+          </p:nvPr>
+        </p:nvSpPr>
+        <p:spPr>
+          <a:xfrm>
+            <a:off x="5103316" y="1509521"/>
+            <a:ext cx="4284266" cy="3597912"/>
+          </a:xfrm>
+        </p:spPr>
+        <p:txBody>
+          <a:bodyPr/>
+          <a:lstStyle/>
+          <a:p>
+            <a:pPr lvl="0"/>
+            <a:r>
+              <a:rPr lang="en-US"/>
+              <a:t>Click to edit Master text styles</a:t>
+            </a:r>
+          </a:p>
+          <a:p>
+            <a:pPr lvl="1"/>
+            <a:r>
+              <a:rPr lang="en-US"/>
+              <a:t>Second level</a:t>
+            </a:r>
+          </a:p>
+          <a:p>
+            <a:pPr lvl="2"/>
+            <a:r>
+              <a:rPr lang="en-US"/>
+              <a:t>Third level</a:t>
+            </a:r>
+          </a:p>
+          <a:p>
+            <a:pPr lvl="3"/>
+            <a:r>
+              <a:rPr lang="en-US"/>
+              <a:t>Fourth level</a:t>
+            </a:r>
+          </a:p>
+          <a:p>
+            <a:pPr lvl="4"/>
+            <a:r>
+              <a:rPr lang="en-US"/>
+              <a:t>Fifth level</a:t>
+            </a:r>
+            <a:endParaRPr lang="en-GB"/>
+          </a:p>
+        </p:txBody>
+      </p:sp>
+      <p:sp>
+        <p:nvSpPr>
+          <p:cNvPr id="5" name="Date Placeholder 4">
+            <a:extLst>
+              <a:ext uri="{FF2B5EF4-FFF2-40B4-BE49-F238E27FC236}">
+                <a16:creationId xmlns:a16="http://schemas.microsoft.com/office/drawing/2014/main" id="{B65A1366-E7CD-457C-B16E-66178502E35C}"/>
+              </a:ext>
+            </a:extLst>
+          </p:cNvPr>
+          <p:cNvSpPr>
+            <a:spLocks noGrp="1"/>
+          </p:cNvSpPr>
+          <p:nvPr>
+            <p:ph type="dt" sz="half" idx="10"/>
+          </p:nvPr>
+        </p:nvSpPr>
+        <p:spPr/>
+        <p:txBody>
+          <a:bodyPr/>
+          <a:lstStyle/>
+          <a:p>
+            <a:fld id="{01063AAD-4472-4664-B3DD-E072D978E5BB}" type="datetimeFigureOut">
+              <a:rPr lang="en-GB" smtClean="0"/>
+              <a:t>10/02/2025</a:t>
+            </a:fld>
+            <a:endParaRPr lang="en-GB"/>
+          </a:p>
+        </p:txBody>
+      </p:sp>
+      <p:sp>
+        <p:nvSpPr>
+          <p:cNvPr id="6" name="Footer Placeholder 5">
+            <a:extLst>
+              <a:ext uri="{FF2B5EF4-FFF2-40B4-BE49-F238E27FC236}">
+                <a16:creationId xmlns:a16="http://schemas.microsoft.com/office/drawing/2014/main" id="{8ACF818B-D5F7-4143-9E8D-2B6D45F0015F}"/>
+              </a:ext>
+            </a:extLst>
+          </p:cNvPr>
+          <p:cNvSpPr>
+            <a:spLocks noGrp="1"/>
+          </p:cNvSpPr>
+          <p:nvPr>
+            <p:ph type="ftr" sz="quarter" idx="11"/>
+          </p:nvPr>
+        </p:nvSpPr>
+        <p:spPr/>
+        <p:txBody>
+          <a:bodyPr/>
+          <a:lstStyle/>
+          <a:p>
+            <a:endParaRPr lang="en-GB"/>
+          </a:p>
+        </p:txBody>
+      </p:sp>
+      <p:sp>
+        <p:nvSpPr>
+          <p:cNvPr id="7" name="Slide Number Placeholder 6">
+            <a:extLst>
+              <a:ext uri="{FF2B5EF4-FFF2-40B4-BE49-F238E27FC236}">
+                <a16:creationId xmlns:a16="http://schemas.microsoft.com/office/drawing/2014/main" id="{D6239FD8-883A-44E7-B9CB-BC9B52955293}"/>
+              </a:ext>
+            </a:extLst>
+          </p:cNvPr>
+          <p:cNvSpPr>
+            <a:spLocks noGrp="1"/>
+          </p:cNvSpPr>
+          <p:nvPr>
+            <p:ph type="sldNum" sz="quarter" idx="12"/>
+          </p:nvPr>
+        </p:nvSpPr>
+        <p:spPr/>
+        <p:txBody>
+          <a:bodyPr/>
+          <a:lstStyle/>
+          <a:p>
+            <a:fld id="{9248963E-085C-4A81-A56F-20E3556E5341}" type="slidenum">
+              <a:rPr lang="en-GB" smtClean="0"/>
+              <a:t>‹#›</a:t>
+            </a:fld>
+            <a:endParaRPr lang="en-GB"/>
+          </a:p>
+        </p:txBody>
+      </p:sp>
+    </p:spTree>
+    <p:extLst>
+      <p:ext uri="{BB962C8B-B14F-4D97-AF65-F5344CB8AC3E}">
+        <p14:creationId xmlns:p14="http://schemas.microsoft.com/office/powerpoint/2010/main" val="3385159903"/>
+      </p:ext>
+    </p:extLst>
+  </p:cSld>
+  <p:clrMapOvr>
+    <a:masterClrMapping/>
+  </p:clrMapOvr>
+</p:sldLayout>
+</file>
+
+<file path=ppt/slideLayouts/slideLayout16.xml><?xml version="1.0" encoding="utf-8"?>
+<p:sldLayout xmlns:a="http://schemas.openxmlformats.org/drawingml/2006/main" xmlns:r="http://schemas.openxmlformats.org/officeDocument/2006/relationships" xmlns:p="http://schemas.openxmlformats.org/presentationml/2006/main" type="twoTxTwoObj" preserve="1">
+  <p:cSld name="Comparison">
+    <p:spTree>
+      <p:nvGrpSpPr>
+        <p:cNvPr id="1" name=""/>
+        <p:cNvGrpSpPr/>
+        <p:nvPr/>
+      </p:nvGrpSpPr>
+      <p:grpSpPr>
+        <a:xfrm>
+          <a:off x="0" y="0"/>
+          <a:ext cx="0" cy="0"/>
+          <a:chOff x="0" y="0"/>
+          <a:chExt cx="0" cy="0"/>
+        </a:xfrm>
+      </p:grpSpPr>
+      <p:sp>
+        <p:nvSpPr>
+          <p:cNvPr id="2" name="Title 1">
+            <a:extLst>
+              <a:ext uri="{FF2B5EF4-FFF2-40B4-BE49-F238E27FC236}">
+                <a16:creationId xmlns:a16="http://schemas.microsoft.com/office/drawing/2014/main" id="{9AD1C3D1-459C-4974-901C-536D713F12A3}"/>
+              </a:ext>
+            </a:extLst>
+          </p:cNvPr>
+          <p:cNvSpPr>
+            <a:spLocks noGrp="1"/>
+          </p:cNvSpPr>
+          <p:nvPr>
+            <p:ph type="title"/>
+          </p:nvPr>
+        </p:nvSpPr>
+        <p:spPr>
+          <a:xfrm>
+            <a:off x="694356" y="301905"/>
+            <a:ext cx="8694539" cy="1096044"/>
+          </a:xfrm>
+        </p:spPr>
+        <p:txBody>
+          <a:bodyPr/>
+          <a:lstStyle/>
+          <a:p>
+            <a:r>
+              <a:rPr lang="en-US"/>
+              <a:t>Click to edit Master title style</a:t>
+            </a:r>
+            <a:endParaRPr lang="en-GB"/>
+          </a:p>
+        </p:txBody>
+      </p:sp>
+      <p:sp>
+        <p:nvSpPr>
+          <p:cNvPr id="3" name="Text Placeholder 2">
+            <a:extLst>
+              <a:ext uri="{FF2B5EF4-FFF2-40B4-BE49-F238E27FC236}">
+                <a16:creationId xmlns:a16="http://schemas.microsoft.com/office/drawing/2014/main" id="{A200859E-B9FC-4B28-B5A9-F4BCE0FC06D2}"/>
+              </a:ext>
+            </a:extLst>
+          </p:cNvPr>
+          <p:cNvSpPr>
+            <a:spLocks noGrp="1"/>
+          </p:cNvSpPr>
+          <p:nvPr>
+            <p:ph type="body" idx="1"/>
+          </p:nvPr>
+        </p:nvSpPr>
+        <p:spPr>
+          <a:xfrm>
+            <a:off x="694357" y="1390073"/>
+            <a:ext cx="4264576" cy="681253"/>
+          </a:xfrm>
+        </p:spPr>
+        <p:txBody>
+          <a:bodyPr anchor="b"/>
+          <a:lstStyle>
+            <a:lvl1pPr marL="0" indent="0">
+              <a:buNone/>
+              <a:defRPr sz="1984" b="1"/>
+            </a:lvl1pPr>
+            <a:lvl2pPr marL="378013" indent="0">
+              <a:buNone/>
+              <a:defRPr sz="1654" b="1"/>
+            </a:lvl2pPr>
+            <a:lvl3pPr marL="756026" indent="0">
+              <a:buNone/>
+              <a:defRPr sz="1488" b="1"/>
+            </a:lvl3pPr>
+            <a:lvl4pPr marL="1134039" indent="0">
+              <a:buNone/>
+              <a:defRPr sz="1323" b="1"/>
+            </a:lvl4pPr>
+            <a:lvl5pPr marL="1512052" indent="0">
+              <a:buNone/>
+              <a:defRPr sz="1323" b="1"/>
+            </a:lvl5pPr>
+            <a:lvl6pPr marL="1890065" indent="0">
+              <a:buNone/>
+              <a:defRPr sz="1323" b="1"/>
+            </a:lvl6pPr>
+            <a:lvl7pPr marL="2268078" indent="0">
+              <a:buNone/>
+              <a:defRPr sz="1323" b="1"/>
+            </a:lvl7pPr>
+            <a:lvl8pPr marL="2646091" indent="0">
+              <a:buNone/>
+              <a:defRPr sz="1323" b="1"/>
+            </a:lvl8pPr>
+            <a:lvl9pPr marL="3024104" indent="0">
+              <a:buNone/>
+              <a:defRPr sz="1323" b="1"/>
+            </a:lvl9pPr>
+          </a:lstStyle>
+          <a:p>
+            <a:pPr lvl="0"/>
+            <a:r>
+              <a:rPr lang="en-US"/>
+              <a:t>Click to edit Master text styles</a:t>
+            </a:r>
+          </a:p>
+        </p:txBody>
+      </p:sp>
+      <p:sp>
+        <p:nvSpPr>
+          <p:cNvPr id="4" name="Content Placeholder 3">
+            <a:extLst>
+              <a:ext uri="{FF2B5EF4-FFF2-40B4-BE49-F238E27FC236}">
+                <a16:creationId xmlns:a16="http://schemas.microsoft.com/office/drawing/2014/main" id="{D438F744-3A0A-4F3C-BA50-9552F6CDA41F}"/>
+              </a:ext>
+            </a:extLst>
+          </p:cNvPr>
+          <p:cNvSpPr>
+            <a:spLocks noGrp="1"/>
+          </p:cNvSpPr>
+          <p:nvPr>
+            <p:ph sz="half" idx="2"/>
+          </p:nvPr>
+        </p:nvSpPr>
+        <p:spPr>
+          <a:xfrm>
+            <a:off x="694357" y="2071326"/>
+            <a:ext cx="4264576" cy="3046608"/>
+          </a:xfrm>
+        </p:spPr>
+        <p:txBody>
+          <a:bodyPr/>
+          <a:lstStyle/>
+          <a:p>
+            <a:pPr lvl="0"/>
+            <a:r>
+              <a:rPr lang="en-US"/>
+              <a:t>Click to edit Master text styles</a:t>
+            </a:r>
+          </a:p>
+          <a:p>
+            <a:pPr lvl="1"/>
+            <a:r>
+              <a:rPr lang="en-US"/>
+              <a:t>Second level</a:t>
+            </a:r>
+          </a:p>
+          <a:p>
+            <a:pPr lvl="2"/>
+            <a:r>
+              <a:rPr lang="en-US"/>
+              <a:t>Third level</a:t>
+            </a:r>
+          </a:p>
+          <a:p>
+            <a:pPr lvl="3"/>
+            <a:r>
+              <a:rPr lang="en-US"/>
+              <a:t>Fourth level</a:t>
+            </a:r>
+          </a:p>
+          <a:p>
+            <a:pPr lvl="4"/>
+            <a:r>
+              <a:rPr lang="en-US"/>
+              <a:t>Fifth level</a:t>
+            </a:r>
+            <a:endParaRPr lang="en-GB"/>
+          </a:p>
+        </p:txBody>
+      </p:sp>
+      <p:sp>
+        <p:nvSpPr>
+          <p:cNvPr id="5" name="Text Placeholder 4">
+            <a:extLst>
+              <a:ext uri="{FF2B5EF4-FFF2-40B4-BE49-F238E27FC236}">
+                <a16:creationId xmlns:a16="http://schemas.microsoft.com/office/drawing/2014/main" id="{B2BC09E2-2B38-465C-B078-E24C8D3F9B2E}"/>
+              </a:ext>
+            </a:extLst>
+          </p:cNvPr>
+          <p:cNvSpPr>
+            <a:spLocks noGrp="1"/>
+          </p:cNvSpPr>
+          <p:nvPr>
+            <p:ph type="body" sz="quarter" idx="3"/>
+          </p:nvPr>
+        </p:nvSpPr>
+        <p:spPr>
+          <a:xfrm>
+            <a:off x="5103316" y="1390073"/>
+            <a:ext cx="4285579" cy="681253"/>
+          </a:xfrm>
+        </p:spPr>
+        <p:txBody>
+          <a:bodyPr anchor="b"/>
+          <a:lstStyle>
+            <a:lvl1pPr marL="0" indent="0">
+              <a:buNone/>
+              <a:defRPr sz="1984" b="1"/>
+            </a:lvl1pPr>
+            <a:lvl2pPr marL="378013" indent="0">
+              <a:buNone/>
+              <a:defRPr sz="1654" b="1"/>
+            </a:lvl2pPr>
+            <a:lvl3pPr marL="756026" indent="0">
+              <a:buNone/>
+              <a:defRPr sz="1488" b="1"/>
+            </a:lvl3pPr>
+            <a:lvl4pPr marL="1134039" indent="0">
+              <a:buNone/>
+              <a:defRPr sz="1323" b="1"/>
+            </a:lvl4pPr>
+            <a:lvl5pPr marL="1512052" indent="0">
+              <a:buNone/>
+              <a:defRPr sz="1323" b="1"/>
+            </a:lvl5pPr>
+            <a:lvl6pPr marL="1890065" indent="0">
+              <a:buNone/>
+              <a:defRPr sz="1323" b="1"/>
+            </a:lvl6pPr>
+            <a:lvl7pPr marL="2268078" indent="0">
+              <a:buNone/>
+              <a:defRPr sz="1323" b="1"/>
+            </a:lvl7pPr>
+            <a:lvl8pPr marL="2646091" indent="0">
+              <a:buNone/>
+              <a:defRPr sz="1323" b="1"/>
+            </a:lvl8pPr>
+            <a:lvl9pPr marL="3024104" indent="0">
+              <a:buNone/>
+              <a:defRPr sz="1323" b="1"/>
+            </a:lvl9pPr>
+          </a:lstStyle>
+          <a:p>
+            <a:pPr lvl="0"/>
+            <a:r>
+              <a:rPr lang="en-US"/>
+              <a:t>Click to edit Master text styles</a:t>
+            </a:r>
+          </a:p>
+        </p:txBody>
+      </p:sp>
+      <p:sp>
+        <p:nvSpPr>
+          <p:cNvPr id="6" name="Content Placeholder 5">
+            <a:extLst>
+              <a:ext uri="{FF2B5EF4-FFF2-40B4-BE49-F238E27FC236}">
+                <a16:creationId xmlns:a16="http://schemas.microsoft.com/office/drawing/2014/main" id="{4F23FD4D-F720-4A1D-A816-E488E1ECBBC9}"/>
+              </a:ext>
+            </a:extLst>
+          </p:cNvPr>
+          <p:cNvSpPr>
+            <a:spLocks noGrp="1"/>
+          </p:cNvSpPr>
+          <p:nvPr>
+            <p:ph sz="quarter" idx="4"/>
+          </p:nvPr>
+        </p:nvSpPr>
+        <p:spPr>
+          <a:xfrm>
+            <a:off x="5103316" y="2071326"/>
+            <a:ext cx="4285579" cy="3046608"/>
+          </a:xfrm>
+        </p:spPr>
+        <p:txBody>
+          <a:bodyPr/>
+          <a:lstStyle/>
+          <a:p>
+            <a:pPr lvl="0"/>
+            <a:r>
+              <a:rPr lang="en-US"/>
+              <a:t>Click to edit Master text styles</a:t>
+            </a:r>
+          </a:p>
+          <a:p>
+            <a:pPr lvl="1"/>
+            <a:r>
+              <a:rPr lang="en-US"/>
+              <a:t>Second level</a:t>
+            </a:r>
+          </a:p>
+          <a:p>
+            <a:pPr lvl="2"/>
+            <a:r>
+              <a:rPr lang="en-US"/>
+              <a:t>Third level</a:t>
+            </a:r>
+          </a:p>
+          <a:p>
+            <a:pPr lvl="3"/>
+            <a:r>
+              <a:rPr lang="en-US"/>
+              <a:t>Fourth level</a:t>
+            </a:r>
+          </a:p>
+          <a:p>
+            <a:pPr lvl="4"/>
+            <a:r>
+              <a:rPr lang="en-US"/>
+              <a:t>Fifth level</a:t>
+            </a:r>
+            <a:endParaRPr lang="en-GB"/>
+          </a:p>
+        </p:txBody>
+      </p:sp>
+      <p:sp>
+        <p:nvSpPr>
+          <p:cNvPr id="7" name="Date Placeholder 6">
+            <a:extLst>
+              <a:ext uri="{FF2B5EF4-FFF2-40B4-BE49-F238E27FC236}">
+                <a16:creationId xmlns:a16="http://schemas.microsoft.com/office/drawing/2014/main" id="{44234446-D8D4-40FC-BDCA-F0B59A8B268F}"/>
+              </a:ext>
+            </a:extLst>
+          </p:cNvPr>
+          <p:cNvSpPr>
+            <a:spLocks noGrp="1"/>
+          </p:cNvSpPr>
+          <p:nvPr>
+            <p:ph type="dt" sz="half" idx="10"/>
+          </p:nvPr>
+        </p:nvSpPr>
+        <p:spPr/>
+        <p:txBody>
+          <a:bodyPr/>
+          <a:lstStyle/>
+          <a:p>
+            <a:fld id="{01063AAD-4472-4664-B3DD-E072D978E5BB}" type="datetimeFigureOut">
+              <a:rPr lang="en-GB" smtClean="0"/>
+              <a:t>10/02/2025</a:t>
+            </a:fld>
+            <a:endParaRPr lang="en-GB"/>
+          </a:p>
+        </p:txBody>
+      </p:sp>
+      <p:sp>
+        <p:nvSpPr>
+          <p:cNvPr id="8" name="Footer Placeholder 7">
+            <a:extLst>
+              <a:ext uri="{FF2B5EF4-FFF2-40B4-BE49-F238E27FC236}">
+                <a16:creationId xmlns:a16="http://schemas.microsoft.com/office/drawing/2014/main" id="{4BBA492E-97D4-4A72-AF57-E7B6670BA572}"/>
+              </a:ext>
+            </a:extLst>
+          </p:cNvPr>
+          <p:cNvSpPr>
+            <a:spLocks noGrp="1"/>
+          </p:cNvSpPr>
+          <p:nvPr>
+            <p:ph type="ftr" sz="quarter" idx="11"/>
+          </p:nvPr>
+        </p:nvSpPr>
+        <p:spPr/>
+        <p:txBody>
+          <a:bodyPr/>
+          <a:lstStyle/>
+          <a:p>
+            <a:endParaRPr lang="en-GB"/>
+          </a:p>
+        </p:txBody>
+      </p:sp>
+      <p:sp>
+        <p:nvSpPr>
+          <p:cNvPr id="9" name="Slide Number Placeholder 8">
+            <a:extLst>
+              <a:ext uri="{FF2B5EF4-FFF2-40B4-BE49-F238E27FC236}">
+                <a16:creationId xmlns:a16="http://schemas.microsoft.com/office/drawing/2014/main" id="{2CA5E65A-B50D-4878-BE06-AC80BE4B695D}"/>
+              </a:ext>
+            </a:extLst>
+          </p:cNvPr>
+          <p:cNvSpPr>
+            <a:spLocks noGrp="1"/>
+          </p:cNvSpPr>
+          <p:nvPr>
+            <p:ph type="sldNum" sz="quarter" idx="12"/>
+          </p:nvPr>
+        </p:nvSpPr>
+        <p:spPr/>
+        <p:txBody>
+          <a:bodyPr/>
+          <a:lstStyle/>
+          <a:p>
+            <a:fld id="{9248963E-085C-4A81-A56F-20E3556E5341}" type="slidenum">
+              <a:rPr lang="en-GB" smtClean="0"/>
+              <a:t>‹#›</a:t>
+            </a:fld>
+            <a:endParaRPr lang="en-GB"/>
+          </a:p>
+        </p:txBody>
+      </p:sp>
+    </p:spTree>
+    <p:extLst>
+      <p:ext uri="{BB962C8B-B14F-4D97-AF65-F5344CB8AC3E}">
+        <p14:creationId xmlns:p14="http://schemas.microsoft.com/office/powerpoint/2010/main" val="845217093"/>
+      </p:ext>
+    </p:extLst>
+  </p:cSld>
+  <p:clrMapOvr>
+    <a:masterClrMapping/>
+  </p:clrMapOvr>
+</p:sldLayout>
+</file>
+
+<file path=ppt/slideLayouts/slideLayout17.xml><?xml version="1.0" encoding="utf-8"?>
+<p:sldLayout xmlns:a="http://schemas.openxmlformats.org/drawingml/2006/main" xmlns:r="http://schemas.openxmlformats.org/officeDocument/2006/relationships" xmlns:p="http://schemas.openxmlformats.org/presentationml/2006/main" type="titleOnly" preserve="1">
+  <p:cSld name="Title Only">
+    <p:spTree>
+      <p:nvGrpSpPr>
+        <p:cNvPr id="1" name=""/>
+        <p:cNvGrpSpPr/>
+        <p:nvPr/>
+      </p:nvGrpSpPr>
+      <p:grpSpPr>
+        <a:xfrm>
+          <a:off x="0" y="0"/>
+          <a:ext cx="0" cy="0"/>
+          <a:chOff x="0" y="0"/>
+          <a:chExt cx="0" cy="0"/>
+        </a:xfrm>
+      </p:grpSpPr>
+      <p:sp>
+        <p:nvSpPr>
+          <p:cNvPr id="2" name="Title 1">
+            <a:extLst>
+              <a:ext uri="{FF2B5EF4-FFF2-40B4-BE49-F238E27FC236}">
+                <a16:creationId xmlns:a16="http://schemas.microsoft.com/office/drawing/2014/main" id="{60B1910C-662A-4766-BD13-AA38AD72DC02}"/>
+              </a:ext>
+            </a:extLst>
+          </p:cNvPr>
+          <p:cNvSpPr>
+            <a:spLocks noGrp="1"/>
+          </p:cNvSpPr>
+          <p:nvPr>
+            <p:ph type="title"/>
+          </p:nvPr>
+        </p:nvSpPr>
+        <p:spPr/>
+        <p:txBody>
+          <a:bodyPr/>
+          <a:lstStyle/>
+          <a:p>
+            <a:r>
+              <a:rPr lang="en-US"/>
+              <a:t>Click to edit Master title style</a:t>
+            </a:r>
+            <a:endParaRPr lang="en-GB"/>
+          </a:p>
+        </p:txBody>
+      </p:sp>
+      <p:sp>
+        <p:nvSpPr>
+          <p:cNvPr id="3" name="Date Placeholder 2">
+            <a:extLst>
+              <a:ext uri="{FF2B5EF4-FFF2-40B4-BE49-F238E27FC236}">
+                <a16:creationId xmlns:a16="http://schemas.microsoft.com/office/drawing/2014/main" id="{EE9C7756-6D7F-4500-BC17-8621262123AE}"/>
+              </a:ext>
+            </a:extLst>
+          </p:cNvPr>
+          <p:cNvSpPr>
+            <a:spLocks noGrp="1"/>
+          </p:cNvSpPr>
+          <p:nvPr>
+            <p:ph type="dt" sz="half" idx="10"/>
+          </p:nvPr>
+        </p:nvSpPr>
+        <p:spPr/>
+        <p:txBody>
+          <a:bodyPr/>
+          <a:lstStyle/>
+          <a:p>
+            <a:fld id="{01063AAD-4472-4664-B3DD-E072D978E5BB}" type="datetimeFigureOut">
+              <a:rPr lang="en-GB" smtClean="0"/>
+              <a:t>10/02/2025</a:t>
+            </a:fld>
+            <a:endParaRPr lang="en-GB"/>
+          </a:p>
+        </p:txBody>
+      </p:sp>
+      <p:sp>
+        <p:nvSpPr>
+          <p:cNvPr id="4" name="Footer Placeholder 3">
+            <a:extLst>
+              <a:ext uri="{FF2B5EF4-FFF2-40B4-BE49-F238E27FC236}">
+                <a16:creationId xmlns:a16="http://schemas.microsoft.com/office/drawing/2014/main" id="{E8106CFD-84C0-440D-9F32-00F1C8C5C9C7}"/>
+              </a:ext>
+            </a:extLst>
+          </p:cNvPr>
+          <p:cNvSpPr>
+            <a:spLocks noGrp="1"/>
+          </p:cNvSpPr>
+          <p:nvPr>
+            <p:ph type="ftr" sz="quarter" idx="11"/>
+          </p:nvPr>
+        </p:nvSpPr>
+        <p:spPr/>
+        <p:txBody>
+          <a:bodyPr/>
+          <a:lstStyle/>
+          <a:p>
+            <a:endParaRPr lang="en-GB"/>
+          </a:p>
+        </p:txBody>
+      </p:sp>
+      <p:sp>
+        <p:nvSpPr>
+          <p:cNvPr id="5" name="Slide Number Placeholder 4">
+            <a:extLst>
+              <a:ext uri="{FF2B5EF4-FFF2-40B4-BE49-F238E27FC236}">
+                <a16:creationId xmlns:a16="http://schemas.microsoft.com/office/drawing/2014/main" id="{C3E56B55-1C76-4B28-8FFC-E7B5D9E56F9C}"/>
+              </a:ext>
+            </a:extLst>
+          </p:cNvPr>
+          <p:cNvSpPr>
+            <a:spLocks noGrp="1"/>
+          </p:cNvSpPr>
+          <p:nvPr>
+            <p:ph type="sldNum" sz="quarter" idx="12"/>
+          </p:nvPr>
+        </p:nvSpPr>
+        <p:spPr/>
+        <p:txBody>
+          <a:bodyPr/>
+          <a:lstStyle/>
+          <a:p>
+            <a:fld id="{9248963E-085C-4A81-A56F-20E3556E5341}" type="slidenum">
+              <a:rPr lang="en-GB" smtClean="0"/>
+              <a:t>‹#›</a:t>
+            </a:fld>
+            <a:endParaRPr lang="en-GB"/>
+          </a:p>
+        </p:txBody>
+      </p:sp>
+    </p:spTree>
+    <p:extLst>
+      <p:ext uri="{BB962C8B-B14F-4D97-AF65-F5344CB8AC3E}">
+        <p14:creationId xmlns:p14="http://schemas.microsoft.com/office/powerpoint/2010/main" val="3530929016"/>
+      </p:ext>
+    </p:extLst>
+  </p:cSld>
+  <p:clrMapOvr>
+    <a:masterClrMapping/>
+  </p:clrMapOvr>
+</p:sldLayout>
+</file>
+
+<file path=ppt/slideLayouts/slideLayout18.xml><?xml version="1.0" encoding="utf-8"?>
+<p:sldLayout xmlns:a="http://schemas.openxmlformats.org/drawingml/2006/main" xmlns:r="http://schemas.openxmlformats.org/officeDocument/2006/relationships" xmlns:p="http://schemas.openxmlformats.org/presentationml/2006/main" type="blank" preserve="1">
+  <p:cSld name="Blank">
+    <p:spTree>
+      <p:nvGrpSpPr>
+        <p:cNvPr id="1" name=""/>
+        <p:cNvGrpSpPr/>
+        <p:nvPr/>
+      </p:nvGrpSpPr>
+      <p:grpSpPr>
+        <a:xfrm>
+          <a:off x="0" y="0"/>
+          <a:ext cx="0" cy="0"/>
+          <a:chOff x="0" y="0"/>
+          <a:chExt cx="0" cy="0"/>
+        </a:xfrm>
+      </p:grpSpPr>
+      <p:sp>
+        <p:nvSpPr>
+          <p:cNvPr id="2" name="Date Placeholder 1">
+            <a:extLst>
+              <a:ext uri="{FF2B5EF4-FFF2-40B4-BE49-F238E27FC236}">
+                <a16:creationId xmlns:a16="http://schemas.microsoft.com/office/drawing/2014/main" id="{76BEB4DC-35E5-4992-B941-9A638AF71382}"/>
+              </a:ext>
+            </a:extLst>
+          </p:cNvPr>
+          <p:cNvSpPr>
+            <a:spLocks noGrp="1"/>
+          </p:cNvSpPr>
+          <p:nvPr>
+            <p:ph type="dt" sz="half" idx="10"/>
+          </p:nvPr>
+        </p:nvSpPr>
+        <p:spPr/>
+        <p:txBody>
+          <a:bodyPr/>
+          <a:lstStyle/>
+          <a:p>
+            <a:fld id="{01063AAD-4472-4664-B3DD-E072D978E5BB}" type="datetimeFigureOut">
+              <a:rPr lang="en-GB" smtClean="0"/>
+              <a:t>10/02/2025</a:t>
+            </a:fld>
+            <a:endParaRPr lang="en-GB"/>
+          </a:p>
+        </p:txBody>
+      </p:sp>
+      <p:sp>
+        <p:nvSpPr>
+          <p:cNvPr id="3" name="Footer Placeholder 2">
+            <a:extLst>
+              <a:ext uri="{FF2B5EF4-FFF2-40B4-BE49-F238E27FC236}">
+                <a16:creationId xmlns:a16="http://schemas.microsoft.com/office/drawing/2014/main" id="{90572934-22A4-411C-AA1D-D8C6CD5559E4}"/>
+              </a:ext>
+            </a:extLst>
+          </p:cNvPr>
+          <p:cNvSpPr>
+            <a:spLocks noGrp="1"/>
+          </p:cNvSpPr>
+          <p:nvPr>
+            <p:ph type="ftr" sz="quarter" idx="11"/>
+          </p:nvPr>
+        </p:nvSpPr>
+        <p:spPr/>
+        <p:txBody>
+          <a:bodyPr/>
+          <a:lstStyle/>
+          <a:p>
+            <a:endParaRPr lang="en-GB"/>
+          </a:p>
+        </p:txBody>
+      </p:sp>
+      <p:sp>
+        <p:nvSpPr>
+          <p:cNvPr id="4" name="Slide Number Placeholder 3">
+            <a:extLst>
+              <a:ext uri="{FF2B5EF4-FFF2-40B4-BE49-F238E27FC236}">
+                <a16:creationId xmlns:a16="http://schemas.microsoft.com/office/drawing/2014/main" id="{C7D27038-EA87-48C4-876B-97FA5ED22F01}"/>
+              </a:ext>
+            </a:extLst>
+          </p:cNvPr>
+          <p:cNvSpPr>
+            <a:spLocks noGrp="1"/>
+          </p:cNvSpPr>
+          <p:nvPr>
+            <p:ph type="sldNum" sz="quarter" idx="12"/>
+          </p:nvPr>
+        </p:nvSpPr>
+        <p:spPr/>
+        <p:txBody>
+          <a:bodyPr/>
+          <a:lstStyle/>
+          <a:p>
+            <a:fld id="{9248963E-085C-4A81-A56F-20E3556E5341}" type="slidenum">
+              <a:rPr lang="en-GB" smtClean="0"/>
+              <a:t>‹#›</a:t>
+            </a:fld>
+            <a:endParaRPr lang="en-GB"/>
+          </a:p>
+        </p:txBody>
+      </p:sp>
+    </p:spTree>
+    <p:extLst>
+      <p:ext uri="{BB962C8B-B14F-4D97-AF65-F5344CB8AC3E}">
+        <p14:creationId xmlns:p14="http://schemas.microsoft.com/office/powerpoint/2010/main" val="817414283"/>
+      </p:ext>
+    </p:extLst>
+  </p:cSld>
+  <p:clrMapOvr>
+    <a:masterClrMapping/>
+  </p:clrMapOvr>
+  <p:hf sldNum="0" hdr="0" ftr="0" dt="0"/>
+</p:sldLayout>
+</file>
+
+<file path=ppt/slideLayouts/slideLayout19.xml><?xml version="1.0" encoding="utf-8"?>
+<p:sldLayout xmlns:a="http://schemas.openxmlformats.org/drawingml/2006/main" xmlns:r="http://schemas.openxmlformats.org/officeDocument/2006/relationships" xmlns:p="http://schemas.openxmlformats.org/presentationml/2006/main" type="objTx" preserve="1">
+  <p:cSld name="Content with Caption">
+    <p:spTree>
+      <p:nvGrpSpPr>
+        <p:cNvPr id="1" name=""/>
+        <p:cNvGrpSpPr/>
+        <p:nvPr/>
+      </p:nvGrpSpPr>
+      <p:grpSpPr>
+        <a:xfrm>
+          <a:off x="0" y="0"/>
+          <a:ext cx="0" cy="0"/>
+          <a:chOff x="0" y="0"/>
+          <a:chExt cx="0" cy="0"/>
+        </a:xfrm>
+      </p:grpSpPr>
+      <p:sp>
+        <p:nvSpPr>
+          <p:cNvPr id="2" name="Title 1">
+            <a:extLst>
+              <a:ext uri="{FF2B5EF4-FFF2-40B4-BE49-F238E27FC236}">
+                <a16:creationId xmlns:a16="http://schemas.microsoft.com/office/drawing/2014/main" id="{EEBC3CF0-3551-4A0C-A39B-6506FBD533C8}"/>
+              </a:ext>
+            </a:extLst>
+          </p:cNvPr>
+          <p:cNvSpPr>
+            <a:spLocks noGrp="1"/>
+          </p:cNvSpPr>
+          <p:nvPr>
+            <p:ph type="title"/>
+          </p:nvPr>
+        </p:nvSpPr>
+        <p:spPr>
+          <a:xfrm>
+            <a:off x="694356" y="378037"/>
+            <a:ext cx="3251264" cy="1323128"/>
+          </a:xfrm>
+        </p:spPr>
+        <p:txBody>
+          <a:bodyPr anchor="b"/>
+          <a:lstStyle>
+            <a:lvl1pPr>
+              <a:defRPr sz="2646"/>
+            </a:lvl1pPr>
+          </a:lstStyle>
+          <a:p>
+            <a:r>
+              <a:rPr lang="en-US"/>
+              <a:t>Click to edit Master title style</a:t>
+            </a:r>
+            <a:endParaRPr lang="en-GB"/>
+          </a:p>
+        </p:txBody>
+      </p:sp>
+      <p:sp>
+        <p:nvSpPr>
+          <p:cNvPr id="3" name="Content Placeholder 2">
+            <a:extLst>
+              <a:ext uri="{FF2B5EF4-FFF2-40B4-BE49-F238E27FC236}">
+                <a16:creationId xmlns:a16="http://schemas.microsoft.com/office/drawing/2014/main" id="{DF6D36A3-1AAC-4BCC-B926-79437500B1EA}"/>
+              </a:ext>
+            </a:extLst>
+          </p:cNvPr>
+          <p:cNvSpPr>
+            <a:spLocks noGrp="1"/>
+          </p:cNvSpPr>
+          <p:nvPr>
+            <p:ph idx="1"/>
+          </p:nvPr>
+        </p:nvSpPr>
+        <p:spPr>
+          <a:xfrm>
+            <a:off x="4285579" y="816455"/>
+            <a:ext cx="5103316" cy="4029766"/>
+          </a:xfrm>
+        </p:spPr>
+        <p:txBody>
+          <a:bodyPr/>
+          <a:lstStyle>
+            <a:lvl1pPr>
+              <a:defRPr sz="2646"/>
+            </a:lvl1pPr>
+            <a:lvl2pPr>
+              <a:defRPr sz="2315"/>
+            </a:lvl2pPr>
+            <a:lvl3pPr>
+              <a:defRPr sz="1984"/>
+            </a:lvl3pPr>
+            <a:lvl4pPr>
+              <a:defRPr sz="1654"/>
+            </a:lvl4pPr>
+            <a:lvl5pPr>
+              <a:defRPr sz="1654"/>
+            </a:lvl5pPr>
+            <a:lvl6pPr>
+              <a:defRPr sz="1654"/>
+            </a:lvl6pPr>
+            <a:lvl7pPr>
+              <a:defRPr sz="1654"/>
+            </a:lvl7pPr>
+            <a:lvl8pPr>
+              <a:defRPr sz="1654"/>
+            </a:lvl8pPr>
+            <a:lvl9pPr>
+              <a:defRPr sz="1654"/>
+            </a:lvl9pPr>
+          </a:lstStyle>
+          <a:p>
+            <a:pPr lvl="0"/>
+            <a:r>
+              <a:rPr lang="en-US"/>
+              <a:t>Click to edit Master text styles</a:t>
+            </a:r>
+          </a:p>
+          <a:p>
+            <a:pPr lvl="1"/>
+            <a:r>
+              <a:rPr lang="en-US"/>
+              <a:t>Second level</a:t>
+            </a:r>
+          </a:p>
+          <a:p>
+            <a:pPr lvl="2"/>
+            <a:r>
+              <a:rPr lang="en-US"/>
+              <a:t>Third level</a:t>
+            </a:r>
+          </a:p>
+          <a:p>
+            <a:pPr lvl="3"/>
+            <a:r>
+              <a:rPr lang="en-US"/>
+              <a:t>Fourth level</a:t>
+            </a:r>
+          </a:p>
+          <a:p>
+            <a:pPr lvl="4"/>
+            <a:r>
+              <a:rPr lang="en-US"/>
+              <a:t>Fifth level</a:t>
+            </a:r>
+            <a:endParaRPr lang="en-GB"/>
+          </a:p>
+        </p:txBody>
+      </p:sp>
+      <p:sp>
+        <p:nvSpPr>
+          <p:cNvPr id="4" name="Text Placeholder 3">
+            <a:extLst>
+              <a:ext uri="{FF2B5EF4-FFF2-40B4-BE49-F238E27FC236}">
+                <a16:creationId xmlns:a16="http://schemas.microsoft.com/office/drawing/2014/main" id="{987E0BBA-7FBE-4910-9485-8A8F48FD8EA9}"/>
+              </a:ext>
+            </a:extLst>
+          </p:cNvPr>
+          <p:cNvSpPr>
+            <a:spLocks noGrp="1"/>
+          </p:cNvSpPr>
+          <p:nvPr>
+            <p:ph type="body" sz="half" idx="2"/>
+          </p:nvPr>
+        </p:nvSpPr>
+        <p:spPr>
+          <a:xfrm>
+            <a:off x="694356" y="1701165"/>
+            <a:ext cx="3251264" cy="3151619"/>
+          </a:xfrm>
+        </p:spPr>
+        <p:txBody>
+          <a:bodyPr/>
+          <a:lstStyle>
+            <a:lvl1pPr marL="0" indent="0">
+              <a:buNone/>
+              <a:defRPr sz="1323"/>
+            </a:lvl1pPr>
+            <a:lvl2pPr marL="378013" indent="0">
+              <a:buNone/>
+              <a:defRPr sz="1158"/>
+            </a:lvl2pPr>
+            <a:lvl3pPr marL="756026" indent="0">
+              <a:buNone/>
+              <a:defRPr sz="992"/>
+            </a:lvl3pPr>
+            <a:lvl4pPr marL="1134039" indent="0">
+              <a:buNone/>
+              <a:defRPr sz="827"/>
+            </a:lvl4pPr>
+            <a:lvl5pPr marL="1512052" indent="0">
+              <a:buNone/>
+              <a:defRPr sz="827"/>
+            </a:lvl5pPr>
+            <a:lvl6pPr marL="1890065" indent="0">
+              <a:buNone/>
+              <a:defRPr sz="827"/>
+            </a:lvl6pPr>
+            <a:lvl7pPr marL="2268078" indent="0">
+              <a:buNone/>
+              <a:defRPr sz="827"/>
+            </a:lvl7pPr>
+            <a:lvl8pPr marL="2646091" indent="0">
+              <a:buNone/>
+              <a:defRPr sz="827"/>
+            </a:lvl8pPr>
+            <a:lvl9pPr marL="3024104" indent="0">
+              <a:buNone/>
+              <a:defRPr sz="827"/>
+            </a:lvl9pPr>
+          </a:lstStyle>
+          <a:p>
+            <a:pPr lvl="0"/>
+            <a:r>
+              <a:rPr lang="en-US"/>
+              <a:t>Click to edit Master text styles</a:t>
+            </a:r>
+          </a:p>
+        </p:txBody>
+      </p:sp>
+      <p:sp>
+        <p:nvSpPr>
+          <p:cNvPr id="5" name="Date Placeholder 4">
+            <a:extLst>
+              <a:ext uri="{FF2B5EF4-FFF2-40B4-BE49-F238E27FC236}">
+                <a16:creationId xmlns:a16="http://schemas.microsoft.com/office/drawing/2014/main" id="{30B70449-B2EB-499A-BADC-E0B973C55AD2}"/>
+              </a:ext>
+            </a:extLst>
+          </p:cNvPr>
+          <p:cNvSpPr>
+            <a:spLocks noGrp="1"/>
+          </p:cNvSpPr>
+          <p:nvPr>
+            <p:ph type="dt" sz="half" idx="10"/>
+          </p:nvPr>
+        </p:nvSpPr>
+        <p:spPr/>
+        <p:txBody>
+          <a:bodyPr/>
+          <a:lstStyle/>
+          <a:p>
+            <a:fld id="{01063AAD-4472-4664-B3DD-E072D978E5BB}" type="datetimeFigureOut">
+              <a:rPr lang="en-GB" smtClean="0"/>
+              <a:t>10/02/2025</a:t>
+            </a:fld>
+            <a:endParaRPr lang="en-GB"/>
+          </a:p>
+        </p:txBody>
+      </p:sp>
+      <p:sp>
+        <p:nvSpPr>
+          <p:cNvPr id="6" name="Footer Placeholder 5">
+            <a:extLst>
+              <a:ext uri="{FF2B5EF4-FFF2-40B4-BE49-F238E27FC236}">
+                <a16:creationId xmlns:a16="http://schemas.microsoft.com/office/drawing/2014/main" id="{00C62A66-EC6F-4D12-8C44-CCE04D5564AE}"/>
+              </a:ext>
+            </a:extLst>
+          </p:cNvPr>
+          <p:cNvSpPr>
+            <a:spLocks noGrp="1"/>
+          </p:cNvSpPr>
+          <p:nvPr>
+            <p:ph type="ftr" sz="quarter" idx="11"/>
+          </p:nvPr>
+        </p:nvSpPr>
+        <p:spPr/>
+        <p:txBody>
+          <a:bodyPr/>
+          <a:lstStyle/>
+          <a:p>
+            <a:endParaRPr lang="en-GB"/>
+          </a:p>
+        </p:txBody>
+      </p:sp>
+      <p:sp>
+        <p:nvSpPr>
+          <p:cNvPr id="7" name="Slide Number Placeholder 6">
+            <a:extLst>
+              <a:ext uri="{FF2B5EF4-FFF2-40B4-BE49-F238E27FC236}">
+                <a16:creationId xmlns:a16="http://schemas.microsoft.com/office/drawing/2014/main" id="{0EF61DD0-2537-4DEC-A567-F7FE746CA775}"/>
+              </a:ext>
+            </a:extLst>
+          </p:cNvPr>
+          <p:cNvSpPr>
+            <a:spLocks noGrp="1"/>
+          </p:cNvSpPr>
+          <p:nvPr>
+            <p:ph type="sldNum" sz="quarter" idx="12"/>
+          </p:nvPr>
+        </p:nvSpPr>
+        <p:spPr/>
+        <p:txBody>
+          <a:bodyPr/>
+          <a:lstStyle/>
+          <a:p>
+            <a:fld id="{9248963E-085C-4A81-A56F-20E3556E5341}" type="slidenum">
+              <a:rPr lang="en-GB" smtClean="0"/>
+              <a:t>‹#›</a:t>
+            </a:fld>
+            <a:endParaRPr lang="en-GB"/>
+          </a:p>
+        </p:txBody>
+      </p:sp>
+    </p:spTree>
+    <p:extLst>
+      <p:ext uri="{BB962C8B-B14F-4D97-AF65-F5344CB8AC3E}">
+        <p14:creationId xmlns:p14="http://schemas.microsoft.com/office/powerpoint/2010/main" val="1611318822"/>
+      </p:ext>
+    </p:extLst>
+  </p:cSld>
+  <p:clrMapOvr>
+    <a:masterClrMapping/>
+  </p:clrMapOvr>
+</p:sldLayout>
+</file>
+
+<file path=ppt/slideLayouts/slideLayout2.xml><?xml version="1.0" encoding="utf-8"?>
+<p:sldLayout xmlns:a="http://schemas.openxmlformats.org/drawingml/2006/main" xmlns:r="http://schemas.openxmlformats.org/officeDocument/2006/relationships" xmlns:p="http://schemas.openxmlformats.org/presentationml/2006/main" type="obj" preserve="1">
+  <p:cSld name="Title and Content">
+    <p:spTree>
+      <p:nvGrpSpPr>
+        <p:cNvPr id="1" name=""/>
+        <p:cNvGrpSpPr/>
+        <p:nvPr/>
+      </p:nvGrpSpPr>
+      <p:grpSpPr>
+        <a:xfrm>
+          <a:off x="0" y="0"/>
+          <a:ext cx="0" cy="0"/>
+          <a:chOff x="0" y="0"/>
+          <a:chExt cx="0" cy="0"/>
+        </a:xfrm>
+      </p:grpSpPr>
+      <p:sp>
+        <p:nvSpPr>
+          <p:cNvPr id="2" name="Title 1">
+            <a:extLst>
+              <a:ext uri="{FF2B5EF4-FFF2-40B4-BE49-F238E27FC236}">
+                <a16:creationId xmlns:a16="http://schemas.microsoft.com/office/drawing/2014/main" id="{8763AABB-A8CA-17B0-589C-97C6B49798DC}"/>
+              </a:ext>
+            </a:extLst>
+          </p:cNvPr>
+          <p:cNvSpPr>
+            <a:spLocks noGrp="1"/>
+          </p:cNvSpPr>
+          <p:nvPr>
+            <p:ph type="title"/>
+          </p:nvPr>
+        </p:nvSpPr>
+        <p:spPr/>
+        <p:txBody>
+          <a:bodyPr/>
+          <a:lstStyle/>
+          <a:p>
+            <a:r>
+              <a:rPr lang="en-GB"/>
+              <a:t>Click to edit Master title style</a:t>
+            </a:r>
+            <a:endParaRPr lang="en-US"/>
+          </a:p>
+        </p:txBody>
+      </p:sp>
+      <p:sp>
+        <p:nvSpPr>
+          <p:cNvPr id="3" name="Content Placeholder 2">
+            <a:extLst>
+              <a:ext uri="{FF2B5EF4-FFF2-40B4-BE49-F238E27FC236}">
+                <a16:creationId xmlns:a16="http://schemas.microsoft.com/office/drawing/2014/main" id="{5AAEAC15-6AFB-2FFB-890E-EA4D1A4DD02D}"/>
+              </a:ext>
+            </a:extLst>
+          </p:cNvPr>
+          <p:cNvSpPr>
+            <a:spLocks noGrp="1"/>
+          </p:cNvSpPr>
+          <p:nvPr>
+            <p:ph idx="1"/>
+          </p:nvPr>
+        </p:nvSpPr>
+        <p:spPr/>
+        <p:txBody>
+          <a:bodyPr/>
+          <a:lstStyle/>
+          <a:p>
+            <a:pPr lvl="0"/>
+            <a:r>
+              <a:rPr lang="en-GB"/>
+              <a:t>Click to edit Master text styles</a:t>
+            </a:r>
+          </a:p>
+          <a:p>
+            <a:pPr lvl="1"/>
+            <a:r>
+              <a:rPr lang="en-GB"/>
+              <a:t>Second level</a:t>
+            </a:r>
+          </a:p>
+          <a:p>
+            <a:pPr lvl="2"/>
+            <a:r>
+              <a:rPr lang="en-GB"/>
+              <a:t>Third level</a:t>
+            </a:r>
+          </a:p>
+          <a:p>
+            <a:pPr lvl="3"/>
+            <a:r>
+              <a:rPr lang="en-GB"/>
+              <a:t>Fourth level</a:t>
+            </a:r>
+          </a:p>
+          <a:p>
+            <a:pPr lvl="4"/>
+            <a:r>
+              <a:rPr lang="en-GB"/>
+              <a:t>Fifth level</a:t>
+            </a:r>
+            <a:endParaRPr lang="en-US"/>
+          </a:p>
+        </p:txBody>
+      </p:sp>
+      <p:sp>
+        <p:nvSpPr>
+          <p:cNvPr id="4" name="Date Placeholder 3">
+            <a:extLst>
+              <a:ext uri="{FF2B5EF4-FFF2-40B4-BE49-F238E27FC236}">
+                <a16:creationId xmlns:a16="http://schemas.microsoft.com/office/drawing/2014/main" id="{1276DBD3-8416-EDF6-E2F7-64F16BA37D7E}"/>
+              </a:ext>
+            </a:extLst>
+          </p:cNvPr>
+          <p:cNvSpPr>
+            <a:spLocks noGrp="1"/>
+          </p:cNvSpPr>
+          <p:nvPr>
+            <p:ph type="dt" sz="half" idx="10"/>
+          </p:nvPr>
+        </p:nvSpPr>
+        <p:spPr/>
+        <p:txBody>
+          <a:bodyPr/>
+          <a:lstStyle/>
+          <a:p>
+            <a:pPr lvl="0"/>
+            <a:endParaRPr lang="en-GB"/>
+          </a:p>
+        </p:txBody>
+      </p:sp>
+      <p:sp>
+        <p:nvSpPr>
+          <p:cNvPr id="5" name="Footer Placeholder 4">
+            <a:extLst>
+              <a:ext uri="{FF2B5EF4-FFF2-40B4-BE49-F238E27FC236}">
+                <a16:creationId xmlns:a16="http://schemas.microsoft.com/office/drawing/2014/main" id="{522EAA78-75F4-5A64-5188-E4DA66AA0AB6}"/>
+              </a:ext>
+            </a:extLst>
+          </p:cNvPr>
+          <p:cNvSpPr>
+            <a:spLocks noGrp="1"/>
+          </p:cNvSpPr>
+          <p:nvPr>
+            <p:ph type="ftr" sz="quarter" idx="11"/>
+          </p:nvPr>
+        </p:nvSpPr>
+        <p:spPr/>
+        <p:txBody>
+          <a:bodyPr/>
+          <a:lstStyle/>
+          <a:p>
+            <a:pPr lvl="0"/>
+            <a:endParaRPr lang="en-GB"/>
+          </a:p>
+        </p:txBody>
+      </p:sp>
+      <p:sp>
+        <p:nvSpPr>
+          <p:cNvPr id="6" name="Slide Number Placeholder 5">
+            <a:extLst>
+              <a:ext uri="{FF2B5EF4-FFF2-40B4-BE49-F238E27FC236}">
+                <a16:creationId xmlns:a16="http://schemas.microsoft.com/office/drawing/2014/main" id="{E1BE618A-879E-6C78-0FA2-F5EA27A0148A}"/>
+              </a:ext>
+            </a:extLst>
+          </p:cNvPr>
+          <p:cNvSpPr>
+            <a:spLocks noGrp="1"/>
+          </p:cNvSpPr>
+          <p:nvPr>
+            <p:ph type="sldNum" sz="quarter" idx="12"/>
+          </p:nvPr>
+        </p:nvSpPr>
+        <p:spPr/>
+        <p:txBody>
+          <a:bodyPr/>
+          <a:lstStyle/>
+          <a:p>
+            <a:pPr lvl="0"/>
+            <a:fld id="{92DB5B8F-E4C8-FB40-98D5-33A9AF1C340A}" type="slidenum">
+              <a:t>‹#›</a:t>
+            </a:fld>
+            <a:endParaRPr lang="en-GB"/>
+          </a:p>
+        </p:txBody>
+      </p:sp>
+    </p:spTree>
+    <p:extLst>
+      <p:ext uri="{BB962C8B-B14F-4D97-AF65-F5344CB8AC3E}">
+        <p14:creationId xmlns:p14="http://schemas.microsoft.com/office/powerpoint/2010/main" val="2757905872"/>
+      </p:ext>
+    </p:extLst>
+  </p:cSld>
+  <p:clrMapOvr>
+    <a:masterClrMapping/>
+  </p:clrMapOvr>
+</p:sldLayout>
+</file>
+
+<file path=ppt/slideLayouts/slideLayout20.xml><?xml version="1.0" encoding="utf-8"?>
+<p:sldLayout xmlns:a="http://schemas.openxmlformats.org/drawingml/2006/main" xmlns:r="http://schemas.openxmlformats.org/officeDocument/2006/relationships" xmlns:p="http://schemas.openxmlformats.org/presentationml/2006/main" type="picTx" preserve="1">
+  <p:cSld name="Picture with Caption">
+    <p:spTree>
+      <p:nvGrpSpPr>
+        <p:cNvPr id="1" name=""/>
+        <p:cNvGrpSpPr/>
+        <p:nvPr/>
+      </p:nvGrpSpPr>
+      <p:grpSpPr>
+        <a:xfrm>
+          <a:off x="0" y="0"/>
+          <a:ext cx="0" cy="0"/>
+          <a:chOff x="0" y="0"/>
+          <a:chExt cx="0" cy="0"/>
+        </a:xfrm>
+      </p:grpSpPr>
+      <p:sp>
+        <p:nvSpPr>
+          <p:cNvPr id="2" name="Title 1">
+            <a:extLst>
+              <a:ext uri="{FF2B5EF4-FFF2-40B4-BE49-F238E27FC236}">
+                <a16:creationId xmlns:a16="http://schemas.microsoft.com/office/drawing/2014/main" id="{DBA63030-9811-4D08-85A1-19DFC4927F81}"/>
+              </a:ext>
+            </a:extLst>
+          </p:cNvPr>
+          <p:cNvSpPr>
+            <a:spLocks noGrp="1"/>
+          </p:cNvSpPr>
+          <p:nvPr>
+            <p:ph type="title"/>
+          </p:nvPr>
+        </p:nvSpPr>
+        <p:spPr>
+          <a:xfrm>
+            <a:off x="694356" y="378037"/>
+            <a:ext cx="3251264" cy="1323128"/>
+          </a:xfrm>
+        </p:spPr>
+        <p:txBody>
+          <a:bodyPr anchor="b"/>
+          <a:lstStyle>
+            <a:lvl1pPr>
+              <a:defRPr sz="2646"/>
+            </a:lvl1pPr>
+          </a:lstStyle>
+          <a:p>
+            <a:r>
+              <a:rPr lang="en-US"/>
+              <a:t>Click to edit Master title style</a:t>
+            </a:r>
+            <a:endParaRPr lang="en-GB"/>
+          </a:p>
+        </p:txBody>
+      </p:sp>
+      <p:sp>
+        <p:nvSpPr>
+          <p:cNvPr id="3" name="Picture Placeholder 2">
+            <a:extLst>
+              <a:ext uri="{FF2B5EF4-FFF2-40B4-BE49-F238E27FC236}">
+                <a16:creationId xmlns:a16="http://schemas.microsoft.com/office/drawing/2014/main" id="{89298AE5-7641-4FB8-A144-A9D68E99360F}"/>
+              </a:ext>
+            </a:extLst>
+          </p:cNvPr>
+          <p:cNvSpPr>
+            <a:spLocks noGrp="1"/>
+          </p:cNvSpPr>
+          <p:nvPr>
+            <p:ph type="pic" idx="1"/>
+          </p:nvPr>
+        </p:nvSpPr>
+        <p:spPr>
+          <a:xfrm>
+            <a:off x="4285579" y="816455"/>
+            <a:ext cx="5103316" cy="4029766"/>
+          </a:xfrm>
+        </p:spPr>
+        <p:txBody>
+          <a:bodyPr/>
+          <a:lstStyle>
+            <a:lvl1pPr marL="0" indent="0">
+              <a:buNone/>
+              <a:defRPr sz="2646"/>
+            </a:lvl1pPr>
+            <a:lvl2pPr marL="378013" indent="0">
+              <a:buNone/>
+              <a:defRPr sz="2315"/>
+            </a:lvl2pPr>
+            <a:lvl3pPr marL="756026" indent="0">
+              <a:buNone/>
+              <a:defRPr sz="1984"/>
+            </a:lvl3pPr>
+            <a:lvl4pPr marL="1134039" indent="0">
+              <a:buNone/>
+              <a:defRPr sz="1654"/>
+            </a:lvl4pPr>
+            <a:lvl5pPr marL="1512052" indent="0">
+              <a:buNone/>
+              <a:defRPr sz="1654"/>
+            </a:lvl5pPr>
+            <a:lvl6pPr marL="1890065" indent="0">
+              <a:buNone/>
+              <a:defRPr sz="1654"/>
+            </a:lvl6pPr>
+            <a:lvl7pPr marL="2268078" indent="0">
+              <a:buNone/>
+              <a:defRPr sz="1654"/>
+            </a:lvl7pPr>
+            <a:lvl8pPr marL="2646091" indent="0">
+              <a:buNone/>
+              <a:defRPr sz="1654"/>
+            </a:lvl8pPr>
+            <a:lvl9pPr marL="3024104" indent="0">
+              <a:buNone/>
+              <a:defRPr sz="1654"/>
+            </a:lvl9pPr>
+          </a:lstStyle>
+          <a:p>
+            <a:endParaRPr lang="en-GB"/>
+          </a:p>
+        </p:txBody>
+      </p:sp>
+      <p:sp>
+        <p:nvSpPr>
+          <p:cNvPr id="4" name="Text Placeholder 3">
+            <a:extLst>
+              <a:ext uri="{FF2B5EF4-FFF2-40B4-BE49-F238E27FC236}">
+                <a16:creationId xmlns:a16="http://schemas.microsoft.com/office/drawing/2014/main" id="{2C6BAEC6-8135-4541-BCA9-946B0B4F06A9}"/>
+              </a:ext>
+            </a:extLst>
+          </p:cNvPr>
+          <p:cNvSpPr>
+            <a:spLocks noGrp="1"/>
+          </p:cNvSpPr>
+          <p:nvPr>
+            <p:ph type="body" sz="half" idx="2"/>
+          </p:nvPr>
+        </p:nvSpPr>
+        <p:spPr>
+          <a:xfrm>
+            <a:off x="694356" y="1701165"/>
+            <a:ext cx="3251264" cy="3151619"/>
+          </a:xfrm>
+        </p:spPr>
+        <p:txBody>
+          <a:bodyPr/>
+          <a:lstStyle>
+            <a:lvl1pPr marL="0" indent="0">
+              <a:buNone/>
+              <a:defRPr sz="1323"/>
+            </a:lvl1pPr>
+            <a:lvl2pPr marL="378013" indent="0">
+              <a:buNone/>
+              <a:defRPr sz="1158"/>
+            </a:lvl2pPr>
+            <a:lvl3pPr marL="756026" indent="0">
+              <a:buNone/>
+              <a:defRPr sz="992"/>
+            </a:lvl3pPr>
+            <a:lvl4pPr marL="1134039" indent="0">
+              <a:buNone/>
+              <a:defRPr sz="827"/>
+            </a:lvl4pPr>
+            <a:lvl5pPr marL="1512052" indent="0">
+              <a:buNone/>
+              <a:defRPr sz="827"/>
+            </a:lvl5pPr>
+            <a:lvl6pPr marL="1890065" indent="0">
+              <a:buNone/>
+              <a:defRPr sz="827"/>
+            </a:lvl6pPr>
+            <a:lvl7pPr marL="2268078" indent="0">
+              <a:buNone/>
+              <a:defRPr sz="827"/>
+            </a:lvl7pPr>
+            <a:lvl8pPr marL="2646091" indent="0">
+              <a:buNone/>
+              <a:defRPr sz="827"/>
+            </a:lvl8pPr>
+            <a:lvl9pPr marL="3024104" indent="0">
+              <a:buNone/>
+              <a:defRPr sz="827"/>
+            </a:lvl9pPr>
+          </a:lstStyle>
+          <a:p>
+            <a:pPr lvl="0"/>
+            <a:r>
+              <a:rPr lang="en-US"/>
+              <a:t>Click to edit Master text styles</a:t>
+            </a:r>
+          </a:p>
+        </p:txBody>
+      </p:sp>
+      <p:sp>
+        <p:nvSpPr>
+          <p:cNvPr id="5" name="Date Placeholder 4">
+            <a:extLst>
+              <a:ext uri="{FF2B5EF4-FFF2-40B4-BE49-F238E27FC236}">
+                <a16:creationId xmlns:a16="http://schemas.microsoft.com/office/drawing/2014/main" id="{5FEF599B-0A95-4FA3-8797-C5604FB49894}"/>
+              </a:ext>
+            </a:extLst>
+          </p:cNvPr>
+          <p:cNvSpPr>
+            <a:spLocks noGrp="1"/>
+          </p:cNvSpPr>
+          <p:nvPr>
+            <p:ph type="dt" sz="half" idx="10"/>
+          </p:nvPr>
+        </p:nvSpPr>
+        <p:spPr/>
+        <p:txBody>
+          <a:bodyPr/>
+          <a:lstStyle/>
+          <a:p>
+            <a:fld id="{01063AAD-4472-4664-B3DD-E072D978E5BB}" type="datetimeFigureOut">
+              <a:rPr lang="en-GB" smtClean="0"/>
+              <a:t>10/02/2025</a:t>
+            </a:fld>
+            <a:endParaRPr lang="en-GB"/>
+          </a:p>
+        </p:txBody>
+      </p:sp>
+      <p:sp>
+        <p:nvSpPr>
+          <p:cNvPr id="6" name="Footer Placeholder 5">
+            <a:extLst>
+              <a:ext uri="{FF2B5EF4-FFF2-40B4-BE49-F238E27FC236}">
+                <a16:creationId xmlns:a16="http://schemas.microsoft.com/office/drawing/2014/main" id="{350059C3-AACC-4C82-849D-A6398F7C050E}"/>
+              </a:ext>
+            </a:extLst>
+          </p:cNvPr>
+          <p:cNvSpPr>
+            <a:spLocks noGrp="1"/>
+          </p:cNvSpPr>
+          <p:nvPr>
+            <p:ph type="ftr" sz="quarter" idx="11"/>
+          </p:nvPr>
+        </p:nvSpPr>
+        <p:spPr/>
+        <p:txBody>
+          <a:bodyPr/>
+          <a:lstStyle/>
+          <a:p>
+            <a:endParaRPr lang="en-GB"/>
+          </a:p>
+        </p:txBody>
+      </p:sp>
+      <p:sp>
+        <p:nvSpPr>
+          <p:cNvPr id="7" name="Slide Number Placeholder 6">
+            <a:extLst>
+              <a:ext uri="{FF2B5EF4-FFF2-40B4-BE49-F238E27FC236}">
+                <a16:creationId xmlns:a16="http://schemas.microsoft.com/office/drawing/2014/main" id="{5FFCCD8E-A92E-4A37-9606-BC743D3E652D}"/>
+              </a:ext>
+            </a:extLst>
+          </p:cNvPr>
+          <p:cNvSpPr>
+            <a:spLocks noGrp="1"/>
+          </p:cNvSpPr>
+          <p:nvPr>
+            <p:ph type="sldNum" sz="quarter" idx="12"/>
+          </p:nvPr>
+        </p:nvSpPr>
+        <p:spPr/>
+        <p:txBody>
+          <a:bodyPr/>
+          <a:lstStyle/>
+          <a:p>
+            <a:fld id="{9248963E-085C-4A81-A56F-20E3556E5341}" type="slidenum">
+              <a:rPr lang="en-GB" smtClean="0"/>
+              <a:t>‹#›</a:t>
+            </a:fld>
+            <a:endParaRPr lang="en-GB"/>
+          </a:p>
+        </p:txBody>
+      </p:sp>
+    </p:spTree>
+    <p:extLst>
+      <p:ext uri="{BB962C8B-B14F-4D97-AF65-F5344CB8AC3E}">
+        <p14:creationId xmlns:p14="http://schemas.microsoft.com/office/powerpoint/2010/main" val="1238338784"/>
+      </p:ext>
+    </p:extLst>
+  </p:cSld>
+  <p:clrMapOvr>
+    <a:masterClrMapping/>
+  </p:clrMapOvr>
+</p:sldLayout>
+</file>
+
+<file path=ppt/slideLayouts/slideLayout21.xml><?xml version="1.0" encoding="utf-8"?>
+<p:sldLayout xmlns:a="http://schemas.openxmlformats.org/drawingml/2006/main" xmlns:r="http://schemas.openxmlformats.org/officeDocument/2006/relationships" xmlns:p="http://schemas.openxmlformats.org/presentationml/2006/main" type="vertTx" preserve="1">
+  <p:cSld name="Title and Vertical Text">
+    <p:spTree>
+      <p:nvGrpSpPr>
+        <p:cNvPr id="1" name=""/>
+        <p:cNvGrpSpPr/>
+        <p:nvPr/>
+      </p:nvGrpSpPr>
+      <p:grpSpPr>
+        <a:xfrm>
+          <a:off x="0" y="0"/>
+          <a:ext cx="0" cy="0"/>
+          <a:chOff x="0" y="0"/>
+          <a:chExt cx="0" cy="0"/>
+        </a:xfrm>
+      </p:grpSpPr>
+      <p:sp>
+        <p:nvSpPr>
+          <p:cNvPr id="2" name="Title 1">
+            <a:extLst>
+              <a:ext uri="{FF2B5EF4-FFF2-40B4-BE49-F238E27FC236}">
+                <a16:creationId xmlns:a16="http://schemas.microsoft.com/office/drawing/2014/main" id="{4C96751E-EFD0-4EF4-A9CF-8DCD41A82AE1}"/>
+              </a:ext>
+            </a:extLst>
+          </p:cNvPr>
+          <p:cNvSpPr>
+            <a:spLocks noGrp="1"/>
+          </p:cNvSpPr>
+          <p:nvPr>
+            <p:ph type="title"/>
+          </p:nvPr>
+        </p:nvSpPr>
+        <p:spPr/>
+        <p:txBody>
+          <a:bodyPr/>
+          <a:lstStyle/>
+          <a:p>
+            <a:r>
+              <a:rPr lang="en-US"/>
+              <a:t>Click to edit Master title style</a:t>
+            </a:r>
+            <a:endParaRPr lang="en-GB"/>
+          </a:p>
+        </p:txBody>
+      </p:sp>
+      <p:sp>
+        <p:nvSpPr>
+          <p:cNvPr id="3" name="Vertical Text Placeholder 2">
+            <a:extLst>
+              <a:ext uri="{FF2B5EF4-FFF2-40B4-BE49-F238E27FC236}">
+                <a16:creationId xmlns:a16="http://schemas.microsoft.com/office/drawing/2014/main" id="{C6839059-FB51-4E59-9614-38643E4A192D}"/>
+              </a:ext>
+            </a:extLst>
+          </p:cNvPr>
+          <p:cNvSpPr>
+            <a:spLocks noGrp="1"/>
+          </p:cNvSpPr>
+          <p:nvPr>
+            <p:ph type="body" orient="vert" idx="1"/>
+          </p:nvPr>
+        </p:nvSpPr>
+        <p:spPr/>
+        <p:txBody>
+          <a:bodyPr vert="eaVert"/>
+          <a:lstStyle/>
+          <a:p>
+            <a:pPr lvl="0"/>
+            <a:r>
+              <a:rPr lang="en-US"/>
+              <a:t>Click to edit Master text styles</a:t>
+            </a:r>
+          </a:p>
+          <a:p>
+            <a:pPr lvl="1"/>
+            <a:r>
+              <a:rPr lang="en-US"/>
+              <a:t>Second level</a:t>
+            </a:r>
+          </a:p>
+          <a:p>
+            <a:pPr lvl="2"/>
+            <a:r>
+              <a:rPr lang="en-US"/>
+              <a:t>Third level</a:t>
+            </a:r>
+          </a:p>
+          <a:p>
+            <a:pPr lvl="3"/>
+            <a:r>
+              <a:rPr lang="en-US"/>
+              <a:t>Fourth level</a:t>
+            </a:r>
+          </a:p>
+          <a:p>
+            <a:pPr lvl="4"/>
+            <a:r>
+              <a:rPr lang="en-US"/>
+              <a:t>Fifth level</a:t>
+            </a:r>
+            <a:endParaRPr lang="en-GB"/>
+          </a:p>
+        </p:txBody>
+      </p:sp>
+      <p:sp>
+        <p:nvSpPr>
+          <p:cNvPr id="4" name="Date Placeholder 3">
+            <a:extLst>
+              <a:ext uri="{FF2B5EF4-FFF2-40B4-BE49-F238E27FC236}">
+                <a16:creationId xmlns:a16="http://schemas.microsoft.com/office/drawing/2014/main" id="{960983E5-2E81-4E8F-B1C5-62F01C0E7674}"/>
+              </a:ext>
+            </a:extLst>
+          </p:cNvPr>
+          <p:cNvSpPr>
+            <a:spLocks noGrp="1"/>
+          </p:cNvSpPr>
+          <p:nvPr>
+            <p:ph type="dt" sz="half" idx="10"/>
+          </p:nvPr>
+        </p:nvSpPr>
+        <p:spPr/>
+        <p:txBody>
+          <a:bodyPr/>
+          <a:lstStyle/>
+          <a:p>
+            <a:fld id="{01063AAD-4472-4664-B3DD-E072D978E5BB}" type="datetimeFigureOut">
+              <a:rPr lang="en-GB" smtClean="0"/>
+              <a:t>10/02/2025</a:t>
+            </a:fld>
+            <a:endParaRPr lang="en-GB"/>
+          </a:p>
+        </p:txBody>
+      </p:sp>
+      <p:sp>
+        <p:nvSpPr>
+          <p:cNvPr id="5" name="Footer Placeholder 4">
+            <a:extLst>
+              <a:ext uri="{FF2B5EF4-FFF2-40B4-BE49-F238E27FC236}">
+                <a16:creationId xmlns:a16="http://schemas.microsoft.com/office/drawing/2014/main" id="{A8BD2E66-41B2-4D2E-A6F4-E687ED06655F}"/>
+              </a:ext>
+            </a:extLst>
+          </p:cNvPr>
+          <p:cNvSpPr>
+            <a:spLocks noGrp="1"/>
+          </p:cNvSpPr>
+          <p:nvPr>
+            <p:ph type="ftr" sz="quarter" idx="11"/>
+          </p:nvPr>
+        </p:nvSpPr>
+        <p:spPr/>
+        <p:txBody>
+          <a:bodyPr/>
+          <a:lstStyle/>
+          <a:p>
+            <a:endParaRPr lang="en-GB"/>
+          </a:p>
+        </p:txBody>
+      </p:sp>
+      <p:sp>
+        <p:nvSpPr>
+          <p:cNvPr id="6" name="Slide Number Placeholder 5">
+            <a:extLst>
+              <a:ext uri="{FF2B5EF4-FFF2-40B4-BE49-F238E27FC236}">
+                <a16:creationId xmlns:a16="http://schemas.microsoft.com/office/drawing/2014/main" id="{BD652014-E864-4B46-BB3B-DDE64D1B467F}"/>
+              </a:ext>
+            </a:extLst>
+          </p:cNvPr>
+          <p:cNvSpPr>
+            <a:spLocks noGrp="1"/>
+          </p:cNvSpPr>
+          <p:nvPr>
+            <p:ph type="sldNum" sz="quarter" idx="12"/>
+          </p:nvPr>
+        </p:nvSpPr>
+        <p:spPr/>
+        <p:txBody>
+          <a:bodyPr/>
+          <a:lstStyle/>
+          <a:p>
+            <a:fld id="{9248963E-085C-4A81-A56F-20E3556E5341}" type="slidenum">
+              <a:rPr lang="en-GB" smtClean="0"/>
+              <a:t>‹#›</a:t>
+            </a:fld>
+            <a:endParaRPr lang="en-GB"/>
+          </a:p>
+        </p:txBody>
+      </p:sp>
+    </p:spTree>
+    <p:extLst>
+      <p:ext uri="{BB962C8B-B14F-4D97-AF65-F5344CB8AC3E}">
+        <p14:creationId xmlns:p14="http://schemas.microsoft.com/office/powerpoint/2010/main" val="1760062357"/>
+      </p:ext>
+    </p:extLst>
+  </p:cSld>
+  <p:clrMapOvr>
+    <a:masterClrMapping/>
+  </p:clrMapOvr>
+</p:sldLayout>
+</file>
+
+<file path=ppt/slideLayouts/slideLayout22.xml><?xml version="1.0" encoding="utf-8"?>
+<p:sldLayout xmlns:a="http://schemas.openxmlformats.org/drawingml/2006/main" xmlns:r="http://schemas.openxmlformats.org/officeDocument/2006/relationships" xmlns:p="http://schemas.openxmlformats.org/presentationml/2006/main" type="vertTitleAndTx" preserve="1">
+  <p:cSld name="Vertical Title and Text">
+    <p:spTree>
+      <p:nvGrpSpPr>
+        <p:cNvPr id="1" name=""/>
+        <p:cNvGrpSpPr/>
+        <p:nvPr/>
+      </p:nvGrpSpPr>
+      <p:grpSpPr>
+        <a:xfrm>
+          <a:off x="0" y="0"/>
+          <a:ext cx="0" cy="0"/>
+          <a:chOff x="0" y="0"/>
+          <a:chExt cx="0" cy="0"/>
+        </a:xfrm>
+      </p:grpSpPr>
+      <p:sp>
+        <p:nvSpPr>
+          <p:cNvPr id="2" name="Vertical Title 1">
+            <a:extLst>
+              <a:ext uri="{FF2B5EF4-FFF2-40B4-BE49-F238E27FC236}">
+                <a16:creationId xmlns:a16="http://schemas.microsoft.com/office/drawing/2014/main" id="{F2DAE25D-5EB4-4112-8AC3-D868F18FF987}"/>
+              </a:ext>
+            </a:extLst>
+          </p:cNvPr>
+          <p:cNvSpPr>
+            <a:spLocks noGrp="1"/>
+          </p:cNvSpPr>
+          <p:nvPr>
+            <p:ph type="title" orient="vert"/>
+          </p:nvPr>
+        </p:nvSpPr>
+        <p:spPr>
+          <a:xfrm>
+            <a:off x="7213947" y="301904"/>
+            <a:ext cx="2173635" cy="4805529"/>
+          </a:xfrm>
+        </p:spPr>
+        <p:txBody>
+          <a:bodyPr vert="eaVert"/>
+          <a:lstStyle/>
+          <a:p>
+            <a:r>
+              <a:rPr lang="en-US"/>
+              <a:t>Click to edit Master title style</a:t>
+            </a:r>
+            <a:endParaRPr lang="en-GB"/>
+          </a:p>
+        </p:txBody>
+      </p:sp>
+      <p:sp>
+        <p:nvSpPr>
+          <p:cNvPr id="3" name="Vertical Text Placeholder 2">
+            <a:extLst>
+              <a:ext uri="{FF2B5EF4-FFF2-40B4-BE49-F238E27FC236}">
+                <a16:creationId xmlns:a16="http://schemas.microsoft.com/office/drawing/2014/main" id="{11964FF5-61C6-4D23-BF31-29466F9609E7}"/>
+              </a:ext>
+            </a:extLst>
+          </p:cNvPr>
+          <p:cNvSpPr>
+            <a:spLocks noGrp="1"/>
+          </p:cNvSpPr>
+          <p:nvPr>
+            <p:ph type="body" orient="vert" idx="1"/>
+          </p:nvPr>
+        </p:nvSpPr>
+        <p:spPr>
+          <a:xfrm>
+            <a:off x="693043" y="301904"/>
+            <a:ext cx="6394896" cy="4805529"/>
+          </a:xfrm>
+        </p:spPr>
+        <p:txBody>
+          <a:bodyPr vert="eaVert"/>
+          <a:lstStyle/>
+          <a:p>
+            <a:pPr lvl="0"/>
+            <a:r>
+              <a:rPr lang="en-US"/>
+              <a:t>Click to edit Master text styles</a:t>
+            </a:r>
+          </a:p>
+          <a:p>
+            <a:pPr lvl="1"/>
+            <a:r>
+              <a:rPr lang="en-US"/>
+              <a:t>Second level</a:t>
+            </a:r>
+          </a:p>
+          <a:p>
+            <a:pPr lvl="2"/>
+            <a:r>
+              <a:rPr lang="en-US"/>
+              <a:t>Third level</a:t>
+            </a:r>
+          </a:p>
+          <a:p>
+            <a:pPr lvl="3"/>
+            <a:r>
+              <a:rPr lang="en-US"/>
+              <a:t>Fourth level</a:t>
+            </a:r>
+          </a:p>
+          <a:p>
+            <a:pPr lvl="4"/>
+            <a:r>
+              <a:rPr lang="en-US"/>
+              <a:t>Fifth level</a:t>
+            </a:r>
+            <a:endParaRPr lang="en-GB"/>
+          </a:p>
+        </p:txBody>
+      </p:sp>
+      <p:sp>
+        <p:nvSpPr>
+          <p:cNvPr id="4" name="Date Placeholder 3">
+            <a:extLst>
+              <a:ext uri="{FF2B5EF4-FFF2-40B4-BE49-F238E27FC236}">
+                <a16:creationId xmlns:a16="http://schemas.microsoft.com/office/drawing/2014/main" id="{0F8D24E6-E821-44AC-AC26-C2950F1360C9}"/>
+              </a:ext>
+            </a:extLst>
+          </p:cNvPr>
+          <p:cNvSpPr>
+            <a:spLocks noGrp="1"/>
+          </p:cNvSpPr>
+          <p:nvPr>
+            <p:ph type="dt" sz="half" idx="10"/>
+          </p:nvPr>
+        </p:nvSpPr>
+        <p:spPr/>
+        <p:txBody>
+          <a:bodyPr/>
+          <a:lstStyle/>
+          <a:p>
+            <a:fld id="{01063AAD-4472-4664-B3DD-E072D978E5BB}" type="datetimeFigureOut">
+              <a:rPr lang="en-GB" smtClean="0"/>
+              <a:t>10/02/2025</a:t>
+            </a:fld>
+            <a:endParaRPr lang="en-GB"/>
+          </a:p>
+        </p:txBody>
+      </p:sp>
+      <p:sp>
+        <p:nvSpPr>
+          <p:cNvPr id="5" name="Footer Placeholder 4">
+            <a:extLst>
+              <a:ext uri="{FF2B5EF4-FFF2-40B4-BE49-F238E27FC236}">
+                <a16:creationId xmlns:a16="http://schemas.microsoft.com/office/drawing/2014/main" id="{5E4A2513-847A-451B-87EC-98F3404C636E}"/>
+              </a:ext>
+            </a:extLst>
+          </p:cNvPr>
+          <p:cNvSpPr>
+            <a:spLocks noGrp="1"/>
+          </p:cNvSpPr>
+          <p:nvPr>
+            <p:ph type="ftr" sz="quarter" idx="11"/>
+          </p:nvPr>
+        </p:nvSpPr>
+        <p:spPr/>
+        <p:txBody>
+          <a:bodyPr/>
+          <a:lstStyle/>
+          <a:p>
+            <a:endParaRPr lang="en-GB"/>
+          </a:p>
+        </p:txBody>
+      </p:sp>
+      <p:sp>
+        <p:nvSpPr>
+          <p:cNvPr id="6" name="Slide Number Placeholder 5">
+            <a:extLst>
+              <a:ext uri="{FF2B5EF4-FFF2-40B4-BE49-F238E27FC236}">
+                <a16:creationId xmlns:a16="http://schemas.microsoft.com/office/drawing/2014/main" id="{6D656C40-A2E7-45C6-B357-F8ACB0BD1BD7}"/>
+              </a:ext>
+            </a:extLst>
+          </p:cNvPr>
+          <p:cNvSpPr>
+            <a:spLocks noGrp="1"/>
+          </p:cNvSpPr>
+          <p:nvPr>
+            <p:ph type="sldNum" sz="quarter" idx="12"/>
+          </p:nvPr>
+        </p:nvSpPr>
+        <p:spPr/>
+        <p:txBody>
+          <a:bodyPr/>
+          <a:lstStyle/>
+          <a:p>
+            <a:fld id="{9248963E-085C-4A81-A56F-20E3556E5341}" type="slidenum">
+              <a:rPr lang="en-GB" smtClean="0"/>
+              <a:t>‹#›</a:t>
+            </a:fld>
+            <a:endParaRPr lang="en-GB"/>
+          </a:p>
+        </p:txBody>
+      </p:sp>
+    </p:spTree>
+    <p:extLst>
+      <p:ext uri="{BB962C8B-B14F-4D97-AF65-F5344CB8AC3E}">
+        <p14:creationId xmlns:p14="http://schemas.microsoft.com/office/powerpoint/2010/main" val="541761677"/>
+      </p:ext>
+    </p:extLst>
+  </p:cSld>
+  <p:clrMapOvr>
+    <a:masterClrMapping/>
+  </p:clrMapOvr>
+</p:sldLayout>
+</file>
+
+<file path=ppt/slideLayouts/slideLayout3.xml><?xml version="1.0" encoding="utf-8"?>
+<p:sldLayout xmlns:a="http://schemas.openxmlformats.org/drawingml/2006/main" xmlns:r="http://schemas.openxmlformats.org/officeDocument/2006/relationships" xmlns:p="http://schemas.openxmlformats.org/presentationml/2006/main" type="secHead" preserve="1">
+  <p:cSld name="Section Header">
+    <p:spTree>
+      <p:nvGrpSpPr>
+        <p:cNvPr id="1" name=""/>
+        <p:cNvGrpSpPr/>
+        <p:nvPr/>
+      </p:nvGrpSpPr>
+      <p:grpSpPr>
+        <a:xfrm>
+          <a:off x="0" y="0"/>
+          <a:ext cx="0" cy="0"/>
+          <a:chOff x="0" y="0"/>
+          <a:chExt cx="0" cy="0"/>
+        </a:xfrm>
+      </p:grpSpPr>
+      <p:sp>
+        <p:nvSpPr>
+          <p:cNvPr id="2" name="Title 1">
+            <a:extLst>
+              <a:ext uri="{FF2B5EF4-FFF2-40B4-BE49-F238E27FC236}">
+                <a16:creationId xmlns:a16="http://schemas.microsoft.com/office/drawing/2014/main" id="{0CBD3BFD-5EF6-892A-9542-8A98ECF5EB74}"/>
+              </a:ext>
+            </a:extLst>
+          </p:cNvPr>
+          <p:cNvSpPr>
+            <a:spLocks noGrp="1"/>
+          </p:cNvSpPr>
+          <p:nvPr>
+            <p:ph type="title"/>
+          </p:nvPr>
+        </p:nvSpPr>
+        <p:spPr>
+          <a:xfrm>
+            <a:off x="687388" y="1414463"/>
+            <a:ext cx="8694737" cy="2357437"/>
+          </a:xfrm>
+        </p:spPr>
+        <p:txBody>
+          <a:bodyPr anchor="b"/>
+          <a:lstStyle>
+            <a:lvl1pPr>
+              <a:defRPr sz="6000"/>
+            </a:lvl1pPr>
+          </a:lstStyle>
+          <a:p>
+            <a:r>
+              <a:rPr lang="en-GB"/>
+              <a:t>Click to edit Master title style</a:t>
+            </a:r>
+            <a:endParaRPr lang="en-US"/>
+          </a:p>
+        </p:txBody>
+      </p:sp>
+      <p:sp>
+        <p:nvSpPr>
+          <p:cNvPr id="3" name="Text Placeholder 2">
+            <a:extLst>
+              <a:ext uri="{FF2B5EF4-FFF2-40B4-BE49-F238E27FC236}">
+                <a16:creationId xmlns:a16="http://schemas.microsoft.com/office/drawing/2014/main" id="{69089FB3-82AB-751C-325C-B2645BA5F4C6}"/>
+              </a:ext>
+            </a:extLst>
+          </p:cNvPr>
+          <p:cNvSpPr>
+            <a:spLocks noGrp="1"/>
+          </p:cNvSpPr>
+          <p:nvPr>
+            <p:ph type="body" idx="1"/>
+          </p:nvPr>
+        </p:nvSpPr>
+        <p:spPr>
+          <a:xfrm>
+            <a:off x="687388" y="3794125"/>
+            <a:ext cx="8694737" cy="1241425"/>
+          </a:xfrm>
+        </p:spPr>
+        <p:txBody>
+          <a:bodyPr/>
+          <a:lstStyle>
+            <a:lvl1pPr marL="0" indent="0">
+              <a:buNone/>
+              <a:defRPr sz="2400">
+                <a:solidFill>
+                  <a:schemeClr val="tx1">
+                    <a:tint val="82000"/>
+                  </a:schemeClr>
+                </a:solidFill>
+              </a:defRPr>
+            </a:lvl1pPr>
+            <a:lvl2pPr marL="457200" indent="0">
+              <a:buNone/>
+              <a:defRPr sz="2000">
+                <a:solidFill>
+                  <a:schemeClr val="tx1">
+                    <a:tint val="82000"/>
+                  </a:schemeClr>
+                </a:solidFill>
+              </a:defRPr>
+            </a:lvl2pPr>
+            <a:lvl3pPr marL="914400" indent="0">
+              <a:buNone/>
+              <a:defRPr sz="1800">
+                <a:solidFill>
+                  <a:schemeClr val="tx1">
+                    <a:tint val="82000"/>
+                  </a:schemeClr>
+                </a:solidFill>
+              </a:defRPr>
+            </a:lvl3pPr>
+            <a:lvl4pPr marL="1371600" indent="0">
+              <a:buNone/>
+              <a:defRPr sz="1600">
+                <a:solidFill>
+                  <a:schemeClr val="tx1">
+                    <a:tint val="82000"/>
+                  </a:schemeClr>
+                </a:solidFill>
+              </a:defRPr>
+            </a:lvl4pPr>
+            <a:lvl5pPr marL="1828800" indent="0">
+              <a:buNone/>
+              <a:defRPr sz="1600">
+                <a:solidFill>
+                  <a:schemeClr val="tx1">
+                    <a:tint val="82000"/>
+                  </a:schemeClr>
+                </a:solidFill>
+              </a:defRPr>
+            </a:lvl5pPr>
+            <a:lvl6pPr marL="2286000" indent="0">
+              <a:buNone/>
+              <a:defRPr sz="1600">
+                <a:solidFill>
+                  <a:schemeClr val="tx1">
+                    <a:tint val="82000"/>
+                  </a:schemeClr>
+                </a:solidFill>
+              </a:defRPr>
+            </a:lvl6pPr>
+            <a:lvl7pPr marL="2743200" indent="0">
+              <a:buNone/>
+              <a:defRPr sz="1600">
+                <a:solidFill>
+                  <a:schemeClr val="tx1">
+                    <a:tint val="82000"/>
+                  </a:schemeClr>
+                </a:solidFill>
+              </a:defRPr>
+            </a:lvl7pPr>
+            <a:lvl8pPr marL="3200400" indent="0">
+              <a:buNone/>
+              <a:defRPr sz="1600">
+                <a:solidFill>
+                  <a:schemeClr val="tx1">
+                    <a:tint val="82000"/>
+                  </a:schemeClr>
+                </a:solidFill>
+              </a:defRPr>
+            </a:lvl8pPr>
+            <a:lvl9pPr marL="3657600" indent="0">
+              <a:buNone/>
+              <a:defRPr sz="1600">
+                <a:solidFill>
+                  <a:schemeClr val="tx1">
+                    <a:tint val="82000"/>
+                  </a:schemeClr>
+                </a:solidFill>
+              </a:defRPr>
+            </a:lvl9pPr>
+          </a:lstStyle>
+          <a:p>
+            <a:pPr lvl="0"/>
+            <a:r>
+              <a:rPr lang="en-GB"/>
+              <a:t>Click to edit Master text styles</a:t>
+            </a:r>
+          </a:p>
+        </p:txBody>
+      </p:sp>
+      <p:sp>
+        <p:nvSpPr>
+          <p:cNvPr id="4" name="Date Placeholder 3">
+            <a:extLst>
+              <a:ext uri="{FF2B5EF4-FFF2-40B4-BE49-F238E27FC236}">
+                <a16:creationId xmlns:a16="http://schemas.microsoft.com/office/drawing/2014/main" id="{9D2CFC6A-3419-4E15-8F2E-5D82E14C30B2}"/>
+              </a:ext>
+            </a:extLst>
+          </p:cNvPr>
+          <p:cNvSpPr>
+            <a:spLocks noGrp="1"/>
+          </p:cNvSpPr>
+          <p:nvPr>
+            <p:ph type="dt" sz="half" idx="10"/>
+          </p:nvPr>
+        </p:nvSpPr>
+        <p:spPr/>
+        <p:txBody>
+          <a:bodyPr/>
+          <a:lstStyle/>
+          <a:p>
+            <a:pPr lvl="0"/>
+            <a:endParaRPr lang="en-GB"/>
+          </a:p>
+        </p:txBody>
+      </p:sp>
+      <p:sp>
+        <p:nvSpPr>
+          <p:cNvPr id="5" name="Footer Placeholder 4">
+            <a:extLst>
+              <a:ext uri="{FF2B5EF4-FFF2-40B4-BE49-F238E27FC236}">
+                <a16:creationId xmlns:a16="http://schemas.microsoft.com/office/drawing/2014/main" id="{391AC5F8-F2E2-638C-AE59-2F5F78A861BA}"/>
+              </a:ext>
+            </a:extLst>
+          </p:cNvPr>
+          <p:cNvSpPr>
+            <a:spLocks noGrp="1"/>
+          </p:cNvSpPr>
+          <p:nvPr>
+            <p:ph type="ftr" sz="quarter" idx="11"/>
+          </p:nvPr>
+        </p:nvSpPr>
+        <p:spPr/>
+        <p:txBody>
+          <a:bodyPr/>
+          <a:lstStyle/>
+          <a:p>
+            <a:pPr lvl="0"/>
+            <a:endParaRPr lang="en-GB"/>
+          </a:p>
+        </p:txBody>
+      </p:sp>
+      <p:sp>
+        <p:nvSpPr>
+          <p:cNvPr id="6" name="Slide Number Placeholder 5">
+            <a:extLst>
+              <a:ext uri="{FF2B5EF4-FFF2-40B4-BE49-F238E27FC236}">
+                <a16:creationId xmlns:a16="http://schemas.microsoft.com/office/drawing/2014/main" id="{0445EED9-5A41-FF23-4C0D-C76470F660B0}"/>
+              </a:ext>
+            </a:extLst>
+          </p:cNvPr>
+          <p:cNvSpPr>
+            <a:spLocks noGrp="1"/>
+          </p:cNvSpPr>
+          <p:nvPr>
+            <p:ph type="sldNum" sz="quarter" idx="12"/>
+          </p:nvPr>
+        </p:nvSpPr>
+        <p:spPr/>
+        <p:txBody>
+          <a:bodyPr/>
+          <a:lstStyle/>
+          <a:p>
+            <a:pPr lvl="0"/>
+            <a:fld id="{7302D565-466C-6A4B-B19D-312DDF42BA21}" type="slidenum">
+              <a:t>‹#›</a:t>
+            </a:fld>
+            <a:endParaRPr lang="en-GB"/>
+          </a:p>
+        </p:txBody>
+      </p:sp>
+    </p:spTree>
+    <p:extLst>
+      <p:ext uri="{BB962C8B-B14F-4D97-AF65-F5344CB8AC3E}">
+        <p14:creationId xmlns:p14="http://schemas.microsoft.com/office/powerpoint/2010/main" val="864003449"/>
+      </p:ext>
+    </p:extLst>
+  </p:cSld>
+  <p:clrMapOvr>
+    <a:masterClrMapping/>
+  </p:clrMapOvr>
+</p:sldLayout>
+</file>
+
+<file path=ppt/slideLayouts/slideLayout4.xml><?xml version="1.0" encoding="utf-8"?>
+<p:sldLayout xmlns:a="http://schemas.openxmlformats.org/drawingml/2006/main" xmlns:r="http://schemas.openxmlformats.org/officeDocument/2006/relationships" xmlns:p="http://schemas.openxmlformats.org/presentationml/2006/main" type="twoObj" preserve="1">
+  <p:cSld name="Two Content">
+    <p:spTree>
+      <p:nvGrpSpPr>
+        <p:cNvPr id="1" name=""/>
+        <p:cNvGrpSpPr/>
+        <p:nvPr/>
+      </p:nvGrpSpPr>
+      <p:grpSpPr>
+        <a:xfrm>
+          <a:off x="0" y="0"/>
+          <a:ext cx="0" cy="0"/>
+          <a:chOff x="0" y="0"/>
+          <a:chExt cx="0" cy="0"/>
+        </a:xfrm>
+      </p:grpSpPr>
+      <p:sp>
+        <p:nvSpPr>
+          <p:cNvPr id="2" name="Title 1">
+            <a:extLst>
+              <a:ext uri="{FF2B5EF4-FFF2-40B4-BE49-F238E27FC236}">
                 <a16:creationId xmlns:a16="http://schemas.microsoft.com/office/drawing/2014/main" id="{040BBDB0-179B-103D-548F-B568A5AABBB1}"/>
               </a:ext>
             </a:extLst>
@@ -5263,7 +7400,7 @@
 </p:sldLayout>
 </file>
 
-<file path=ppt/slideLayouts/slideLayout16.xml><?xml version="1.0" encoding="utf-8"?>
+<file path=ppt/slideLayouts/slideLayout5.xml><?xml version="1.0" encoding="utf-8"?>
 <p:sldLayout xmlns:a="http://schemas.openxmlformats.org/drawingml/2006/main" xmlns:r="http://schemas.openxmlformats.org/officeDocument/2006/relationships" xmlns:p="http://schemas.openxmlformats.org/presentationml/2006/main" type="twoTxTwoObj" preserve="1">
   <p:cSld name="Comparison">
     <p:spTree>
@@ -5676,7 +7813,7 @@
 </p:sldLayout>
 </file>
 
-<file path=ppt/slideLayouts/slideLayout17.xml><?xml version="1.0" encoding="utf-8"?>
+<file path=ppt/slideLayouts/slideLayout6.xml><?xml version="1.0" encoding="utf-8"?>
 <p:sldLayout xmlns:a="http://schemas.openxmlformats.org/drawingml/2006/main" xmlns:r="http://schemas.openxmlformats.org/officeDocument/2006/relationships" xmlns:p="http://schemas.openxmlformats.org/presentationml/2006/main" type="titleOnly" preserve="1">
   <p:cSld name="Title Only">
     <p:spTree>
@@ -5816,7 +7953,7 @@
 </p:sldLayout>
 </file>
 
-<file path=ppt/slideLayouts/slideLayout18.xml><?xml version="1.0" encoding="utf-8"?>
+<file path=ppt/slideLayouts/slideLayout7.xml><?xml version="1.0" encoding="utf-8"?>
 <p:sldLayout xmlns:a="http://schemas.openxmlformats.org/drawingml/2006/main" xmlns:r="http://schemas.openxmlformats.org/officeDocument/2006/relationships" xmlns:p="http://schemas.openxmlformats.org/presentationml/2006/main" type="blank" preserve="1">
   <p:cSld name="Blank">
     <p:spTree>
@@ -5928,7 +8065,7 @@
 </p:sldLayout>
 </file>
 
-<file path=ppt/slideLayouts/slideLayout19.xml><?xml version="1.0" encoding="utf-8"?>
+<file path=ppt/slideLayouts/slideLayout8.xml><?xml version="1.0" encoding="utf-8"?>
 <p:sldLayout xmlns:a="http://schemas.openxmlformats.org/drawingml/2006/main" xmlns:r="http://schemas.openxmlformats.org/officeDocument/2006/relationships" xmlns:p="http://schemas.openxmlformats.org/presentationml/2006/main" type="objTx" preserve="1">
   <p:cSld name="Content with Caption">
     <p:spTree>
@@ -6239,124 +8376,7 @@
 </p:sldLayout>
 </file>
 
-<file path=ppt/slideLayouts/slideLayout2.xml><?xml version="1.0" encoding="utf-8"?>
-<p:sldLayout xmlns:a="http://schemas.openxmlformats.org/drawingml/2006/main" xmlns:r="http://schemas.openxmlformats.org/officeDocument/2006/relationships" xmlns:p="http://schemas.openxmlformats.org/presentationml/2006/main" type="obj" preserve="1">
-  <p:cSld name="Title and Content">
-    <p:spTree>
-      <p:nvGrpSpPr>
-        <p:cNvPr id="1" name=""/>
-        <p:cNvGrpSpPr/>
-        <p:nvPr/>
-      </p:nvGrpSpPr>
-      <p:grpSpPr>
-        <a:xfrm>
-          <a:off x="0" y="0"/>
-          <a:ext cx="0" cy="0"/>
-          <a:chOff x="0" y="0"/>
-          <a:chExt cx="0" cy="0"/>
-        </a:xfrm>
-      </p:grpSpPr>
-      <p:sp>
-        <p:nvSpPr>
-          <p:cNvPr id="2" name="Title 1">
-            <a:extLst>
-              <a:ext uri="{FF2B5EF4-FFF2-40B4-BE49-F238E27FC236}">
-                <a16:creationId xmlns:a16="http://schemas.microsoft.com/office/drawing/2014/main" id="{95C9F325-00C1-9960-BF56-745B6070555E}"/>
-              </a:ext>
-            </a:extLst>
-          </p:cNvPr>
-          <p:cNvSpPr>
-            <a:spLocks noGrp="1"/>
-          </p:cNvSpPr>
-          <p:nvPr>
-            <p:ph type="title"/>
-          </p:nvPr>
-        </p:nvSpPr>
-        <p:spPr/>
-        <p:txBody>
-          <a:bodyPr/>
-          <a:lstStyle/>
-          <a:p>
-            <a:r>
-              <a:rPr lang="en-GB"/>
-              <a:t>Click to edit Master title style</a:t>
-            </a:r>
-            <a:endParaRPr lang="en-US"/>
-          </a:p>
-        </p:txBody>
-      </p:sp>
-      <p:sp>
-        <p:nvSpPr>
-          <p:cNvPr id="3" name="Content Placeholder 2">
-            <a:extLst>
-              <a:ext uri="{FF2B5EF4-FFF2-40B4-BE49-F238E27FC236}">
-                <a16:creationId xmlns:a16="http://schemas.microsoft.com/office/drawing/2014/main" id="{962320B2-3E66-9965-3316-5BA1D8A9DE52}"/>
-              </a:ext>
-            </a:extLst>
-          </p:cNvPr>
-          <p:cNvSpPr>
-            <a:spLocks noGrp="1"/>
-          </p:cNvSpPr>
-          <p:nvPr>
-            <p:ph idx="1"/>
-          </p:nvPr>
-        </p:nvSpPr>
-        <p:spPr/>
-        <p:txBody>
-          <a:bodyPr/>
-          <a:lstStyle/>
-          <a:p>
-            <a:pPr lvl="0"/>
-            <a:r>
-              <a:rPr lang="en-GB"/>
-              <a:t>Click to edit Master text styles</a:t>
-            </a:r>
-          </a:p>
-          <a:p>
-            <a:pPr lvl="1"/>
-            <a:r>
-              <a:rPr lang="en-GB"/>
-              <a:t>Second level</a:t>
-            </a:r>
-          </a:p>
-          <a:p>
-            <a:pPr lvl="2"/>
-            <a:r>
-              <a:rPr lang="en-GB"/>
-              <a:t>Third level</a:t>
-            </a:r>
-          </a:p>
-          <a:p>
-            <a:pPr lvl="3"/>
-            <a:r>
-              <a:rPr lang="en-GB"/>
-              <a:t>Fourth level</a:t>
-            </a:r>
-          </a:p>
-          <a:p>
-            <a:pPr lvl="4"/>
-            <a:r>
-              <a:rPr lang="en-GB"/>
-              <a:t>Fifth level</a:t>
-            </a:r>
-            <a:endParaRPr lang="en-US"/>
-          </a:p>
-        </p:txBody>
-      </p:sp>
-    </p:spTree>
-    <p:extLst>
-      <p:ext uri="{BB962C8B-B14F-4D97-AF65-F5344CB8AC3E}">
-        <p14:creationId xmlns:p14="http://schemas.microsoft.com/office/powerpoint/2010/main" val="15358754"/>
-      </p:ext>
-    </p:extLst>
-  </p:cSld>
-  <p:clrMapOvr>
-    <a:masterClrMapping/>
-  </p:clrMapOvr>
-</p:sldLayout>
-</file>
-
-<file path=ppt/slideLayouts/slideLayout20.xml><?xml version="1.0" encoding="utf-8"?>
+<file path=ppt/slideLayouts/slideLayout9.xml><?xml version="1.0" encoding="utf-8"?>
 <p:sldLayout xmlns:a="http://schemas.openxmlformats.org/drawingml/2006/main" xmlns:r="http://schemas.openxmlformats.org/officeDocument/2006/relationships" xmlns:p="http://schemas.openxmlformats.org/presentationml/2006/main" type="picTx" preserve="1">
   <p:cSld name="Picture with Caption">
     <p:spTree>
@@ -6643,2827 +8663,7 @@
 </p:sldLayout>
 </file>
 
-<file path=ppt/slideLayouts/slideLayout21.xml><?xml version="1.0" encoding="utf-8"?>
-<p:sldLayout xmlns:a="http://schemas.openxmlformats.org/drawingml/2006/main" xmlns:r="http://schemas.openxmlformats.org/officeDocument/2006/relationships" xmlns:p="http://schemas.openxmlformats.org/presentationml/2006/main" type="vertTx" preserve="1">
-  <p:cSld name="Title and Vertical Text">
-    <p:spTree>
-      <p:nvGrpSpPr>
-        <p:cNvPr id="1" name=""/>
-        <p:cNvGrpSpPr/>
-        <p:nvPr/>
-      </p:nvGrpSpPr>
-      <p:grpSpPr>
-        <a:xfrm>
-          <a:off x="0" y="0"/>
-          <a:ext cx="0" cy="0"/>
-          <a:chOff x="0" y="0"/>
-          <a:chExt cx="0" cy="0"/>
-        </a:xfrm>
-      </p:grpSpPr>
-      <p:sp>
-        <p:nvSpPr>
-          <p:cNvPr id="2" name="Title 1">
-            <a:extLst>
-              <a:ext uri="{FF2B5EF4-FFF2-40B4-BE49-F238E27FC236}">
-                <a16:creationId xmlns:a16="http://schemas.microsoft.com/office/drawing/2014/main" id="{14C59DDB-6540-E745-3DD2-DFA49D1C1C13}"/>
-              </a:ext>
-            </a:extLst>
-          </p:cNvPr>
-          <p:cNvSpPr>
-            <a:spLocks noGrp="1"/>
-          </p:cNvSpPr>
-          <p:nvPr>
-            <p:ph type="title"/>
-          </p:nvPr>
-        </p:nvSpPr>
-        <p:spPr/>
-        <p:txBody>
-          <a:bodyPr/>
-          <a:lstStyle/>
-          <a:p>
-            <a:r>
-              <a:rPr lang="en-GB"/>
-              <a:t>Click to edit Master title style</a:t>
-            </a:r>
-            <a:endParaRPr lang="en-US"/>
-          </a:p>
-        </p:txBody>
-      </p:sp>
-      <p:sp>
-        <p:nvSpPr>
-          <p:cNvPr id="3" name="Vertical Text Placeholder 2">
-            <a:extLst>
-              <a:ext uri="{FF2B5EF4-FFF2-40B4-BE49-F238E27FC236}">
-                <a16:creationId xmlns:a16="http://schemas.microsoft.com/office/drawing/2014/main" id="{217CF379-E981-3660-FA53-679ED96066F2}"/>
-              </a:ext>
-            </a:extLst>
-          </p:cNvPr>
-          <p:cNvSpPr>
-            <a:spLocks noGrp="1"/>
-          </p:cNvSpPr>
-          <p:nvPr>
-            <p:ph type="body" orient="vert" idx="1"/>
-          </p:nvPr>
-        </p:nvSpPr>
-        <p:spPr/>
-        <p:txBody>
-          <a:bodyPr vert="eaVert"/>
-          <a:lstStyle/>
-          <a:p>
-            <a:pPr lvl="0"/>
-            <a:r>
-              <a:rPr lang="en-GB"/>
-              <a:t>Click to edit Master text styles</a:t>
-            </a:r>
-          </a:p>
-          <a:p>
-            <a:pPr lvl="1"/>
-            <a:r>
-              <a:rPr lang="en-GB"/>
-              <a:t>Second level</a:t>
-            </a:r>
-          </a:p>
-          <a:p>
-            <a:pPr lvl="2"/>
-            <a:r>
-              <a:rPr lang="en-GB"/>
-              <a:t>Third level</a:t>
-            </a:r>
-          </a:p>
-          <a:p>
-            <a:pPr lvl="3"/>
-            <a:r>
-              <a:rPr lang="en-GB"/>
-              <a:t>Fourth level</a:t>
-            </a:r>
-          </a:p>
-          <a:p>
-            <a:pPr lvl="4"/>
-            <a:r>
-              <a:rPr lang="en-GB"/>
-              <a:t>Fifth level</a:t>
-            </a:r>
-            <a:endParaRPr lang="en-US"/>
-          </a:p>
-        </p:txBody>
-      </p:sp>
-      <p:sp>
-        <p:nvSpPr>
-          <p:cNvPr id="4" name="Date Placeholder 3">
-            <a:extLst>
-              <a:ext uri="{FF2B5EF4-FFF2-40B4-BE49-F238E27FC236}">
-                <a16:creationId xmlns:a16="http://schemas.microsoft.com/office/drawing/2014/main" id="{74B2400F-884C-665B-1CC5-E22CC04DC286}"/>
-              </a:ext>
-            </a:extLst>
-          </p:cNvPr>
-          <p:cNvSpPr>
-            <a:spLocks noGrp="1"/>
-          </p:cNvSpPr>
-          <p:nvPr>
-            <p:ph type="dt" sz="half" idx="10"/>
-          </p:nvPr>
-        </p:nvSpPr>
-        <p:spPr/>
-        <p:txBody>
-          <a:bodyPr/>
-          <a:lstStyle/>
-          <a:p>
-            <a:pPr lvl="0"/>
-            <a:endParaRPr lang="en-GB"/>
-          </a:p>
-        </p:txBody>
-      </p:sp>
-      <p:sp>
-        <p:nvSpPr>
-          <p:cNvPr id="5" name="Footer Placeholder 4">
-            <a:extLst>
-              <a:ext uri="{FF2B5EF4-FFF2-40B4-BE49-F238E27FC236}">
-                <a16:creationId xmlns:a16="http://schemas.microsoft.com/office/drawing/2014/main" id="{698C1E1A-5040-3C12-21DB-5F765A13C4E6}"/>
-              </a:ext>
-            </a:extLst>
-          </p:cNvPr>
-          <p:cNvSpPr>
-            <a:spLocks noGrp="1"/>
-          </p:cNvSpPr>
-          <p:nvPr>
-            <p:ph type="ftr" sz="quarter" idx="11"/>
-          </p:nvPr>
-        </p:nvSpPr>
-        <p:spPr/>
-        <p:txBody>
-          <a:bodyPr/>
-          <a:lstStyle/>
-          <a:p>
-            <a:pPr lvl="0"/>
-            <a:endParaRPr lang="en-GB"/>
-          </a:p>
-        </p:txBody>
-      </p:sp>
-      <p:sp>
-        <p:nvSpPr>
-          <p:cNvPr id="6" name="Slide Number Placeholder 5">
-            <a:extLst>
-              <a:ext uri="{FF2B5EF4-FFF2-40B4-BE49-F238E27FC236}">
-                <a16:creationId xmlns:a16="http://schemas.microsoft.com/office/drawing/2014/main" id="{760954A2-DC70-EED8-7E51-D8A0D5D3900C}"/>
-              </a:ext>
-            </a:extLst>
-          </p:cNvPr>
-          <p:cNvSpPr>
-            <a:spLocks noGrp="1"/>
-          </p:cNvSpPr>
-          <p:nvPr>
-            <p:ph type="sldNum" sz="quarter" idx="12"/>
-          </p:nvPr>
-        </p:nvSpPr>
-        <p:spPr/>
-        <p:txBody>
-          <a:bodyPr/>
-          <a:lstStyle/>
-          <a:p>
-            <a:pPr lvl="0"/>
-            <a:fld id="{50025472-45C3-2145-88C3-62818B8B312A}" type="slidenum">
-              <a:t>‹#›</a:t>
-            </a:fld>
-            <a:endParaRPr lang="en-GB"/>
-          </a:p>
-        </p:txBody>
-      </p:sp>
-    </p:spTree>
-    <p:extLst>
-      <p:ext uri="{BB962C8B-B14F-4D97-AF65-F5344CB8AC3E}">
-        <p14:creationId xmlns:p14="http://schemas.microsoft.com/office/powerpoint/2010/main" val="3083154842"/>
-      </p:ext>
-    </p:extLst>
-  </p:cSld>
-  <p:clrMapOvr>
-    <a:masterClrMapping/>
-  </p:clrMapOvr>
-</p:sldLayout>
-</file>
-
-<file path=ppt/slideLayouts/slideLayout22.xml><?xml version="1.0" encoding="utf-8"?>
-<p:sldLayout xmlns:a="http://schemas.openxmlformats.org/drawingml/2006/main" xmlns:r="http://schemas.openxmlformats.org/officeDocument/2006/relationships" xmlns:p="http://schemas.openxmlformats.org/presentationml/2006/main" type="vertTitleAndTx" preserve="1">
-  <p:cSld name="Vertical Title and Text">
-    <p:spTree>
-      <p:nvGrpSpPr>
-        <p:cNvPr id="1" name=""/>
-        <p:cNvGrpSpPr/>
-        <p:nvPr/>
-      </p:nvGrpSpPr>
-      <p:grpSpPr>
-        <a:xfrm>
-          <a:off x="0" y="0"/>
-          <a:ext cx="0" cy="0"/>
-          <a:chOff x="0" y="0"/>
-          <a:chExt cx="0" cy="0"/>
-        </a:xfrm>
-      </p:grpSpPr>
-      <p:sp>
-        <p:nvSpPr>
-          <p:cNvPr id="2" name="Vertical Title 1">
-            <a:extLst>
-              <a:ext uri="{FF2B5EF4-FFF2-40B4-BE49-F238E27FC236}">
-                <a16:creationId xmlns:a16="http://schemas.microsoft.com/office/drawing/2014/main" id="{BBBB731A-333D-4F3D-3ACE-CFAF7F1DAC00}"/>
-              </a:ext>
-            </a:extLst>
-          </p:cNvPr>
-          <p:cNvSpPr>
-            <a:spLocks noGrp="1"/>
-          </p:cNvSpPr>
-          <p:nvPr>
-            <p:ph type="title" orient="vert"/>
-          </p:nvPr>
-        </p:nvSpPr>
-        <p:spPr>
-          <a:xfrm>
-            <a:off x="7299325" y="71438"/>
-            <a:ext cx="2384425" cy="4543425"/>
-          </a:xfrm>
-        </p:spPr>
-        <p:txBody>
-          <a:bodyPr vert="eaVert"/>
-          <a:lstStyle/>
-          <a:p>
-            <a:r>
-              <a:rPr lang="en-GB"/>
-              <a:t>Click to edit Master title style</a:t>
-            </a:r>
-            <a:endParaRPr lang="en-US"/>
-          </a:p>
-        </p:txBody>
-      </p:sp>
-      <p:sp>
-        <p:nvSpPr>
-          <p:cNvPr id="3" name="Vertical Text Placeholder 2">
-            <a:extLst>
-              <a:ext uri="{FF2B5EF4-FFF2-40B4-BE49-F238E27FC236}">
-                <a16:creationId xmlns:a16="http://schemas.microsoft.com/office/drawing/2014/main" id="{619A4C76-2AF2-8B79-D3ED-6FFCA728A552}"/>
-              </a:ext>
-            </a:extLst>
-          </p:cNvPr>
-          <p:cNvSpPr>
-            <a:spLocks noGrp="1"/>
-          </p:cNvSpPr>
-          <p:nvPr>
-            <p:ph type="body" orient="vert" idx="1"/>
-          </p:nvPr>
-        </p:nvSpPr>
-        <p:spPr>
-          <a:xfrm>
-            <a:off x="144463" y="71438"/>
-            <a:ext cx="7002462" cy="4543425"/>
-          </a:xfrm>
-        </p:spPr>
-        <p:txBody>
-          <a:bodyPr vert="eaVert"/>
-          <a:lstStyle/>
-          <a:p>
-            <a:pPr lvl="0"/>
-            <a:r>
-              <a:rPr lang="en-GB"/>
-              <a:t>Click to edit Master text styles</a:t>
-            </a:r>
-          </a:p>
-          <a:p>
-            <a:pPr lvl="1"/>
-            <a:r>
-              <a:rPr lang="en-GB"/>
-              <a:t>Second level</a:t>
-            </a:r>
-          </a:p>
-          <a:p>
-            <a:pPr lvl="2"/>
-            <a:r>
-              <a:rPr lang="en-GB"/>
-              <a:t>Third level</a:t>
-            </a:r>
-          </a:p>
-          <a:p>
-            <a:pPr lvl="3"/>
-            <a:r>
-              <a:rPr lang="en-GB"/>
-              <a:t>Fourth level</a:t>
-            </a:r>
-          </a:p>
-          <a:p>
-            <a:pPr lvl="4"/>
-            <a:r>
-              <a:rPr lang="en-GB"/>
-              <a:t>Fifth level</a:t>
-            </a:r>
-            <a:endParaRPr lang="en-US"/>
-          </a:p>
-        </p:txBody>
-      </p:sp>
-      <p:sp>
-        <p:nvSpPr>
-          <p:cNvPr id="4" name="Date Placeholder 3">
-            <a:extLst>
-              <a:ext uri="{FF2B5EF4-FFF2-40B4-BE49-F238E27FC236}">
-                <a16:creationId xmlns:a16="http://schemas.microsoft.com/office/drawing/2014/main" id="{303623C8-9D37-D573-2187-72F7065A3C73}"/>
-              </a:ext>
-            </a:extLst>
-          </p:cNvPr>
-          <p:cNvSpPr>
-            <a:spLocks noGrp="1"/>
-          </p:cNvSpPr>
-          <p:nvPr>
-            <p:ph type="dt" sz="half" idx="10"/>
-          </p:nvPr>
-        </p:nvSpPr>
-        <p:spPr/>
-        <p:txBody>
-          <a:bodyPr/>
-          <a:lstStyle/>
-          <a:p>
-            <a:pPr lvl="0"/>
-            <a:endParaRPr lang="en-GB"/>
-          </a:p>
-        </p:txBody>
-      </p:sp>
-      <p:sp>
-        <p:nvSpPr>
-          <p:cNvPr id="5" name="Footer Placeholder 4">
-            <a:extLst>
-              <a:ext uri="{FF2B5EF4-FFF2-40B4-BE49-F238E27FC236}">
-                <a16:creationId xmlns:a16="http://schemas.microsoft.com/office/drawing/2014/main" id="{70A3C137-B7A8-2B1B-929D-A4925192FE9B}"/>
-              </a:ext>
-            </a:extLst>
-          </p:cNvPr>
-          <p:cNvSpPr>
-            <a:spLocks noGrp="1"/>
-          </p:cNvSpPr>
-          <p:nvPr>
-            <p:ph type="ftr" sz="quarter" idx="11"/>
-          </p:nvPr>
-        </p:nvSpPr>
-        <p:spPr/>
-        <p:txBody>
-          <a:bodyPr/>
-          <a:lstStyle/>
-          <a:p>
-            <a:pPr lvl="0"/>
-            <a:endParaRPr lang="en-GB"/>
-          </a:p>
-        </p:txBody>
-      </p:sp>
-      <p:sp>
-        <p:nvSpPr>
-          <p:cNvPr id="6" name="Slide Number Placeholder 5">
-            <a:extLst>
-              <a:ext uri="{FF2B5EF4-FFF2-40B4-BE49-F238E27FC236}">
-                <a16:creationId xmlns:a16="http://schemas.microsoft.com/office/drawing/2014/main" id="{D78C2F11-22DD-6B68-8AB5-C2513CBC0BB9}"/>
-              </a:ext>
-            </a:extLst>
-          </p:cNvPr>
-          <p:cNvSpPr>
-            <a:spLocks noGrp="1"/>
-          </p:cNvSpPr>
-          <p:nvPr>
-            <p:ph type="sldNum" sz="quarter" idx="12"/>
-          </p:nvPr>
-        </p:nvSpPr>
-        <p:spPr/>
-        <p:txBody>
-          <a:bodyPr/>
-          <a:lstStyle/>
-          <a:p>
-            <a:pPr lvl="0"/>
-            <a:fld id="{7D8412FD-5C25-294F-8B8E-D7FD0E330911}" type="slidenum">
-              <a:t>‹#›</a:t>
-            </a:fld>
-            <a:endParaRPr lang="en-GB"/>
-          </a:p>
-        </p:txBody>
-      </p:sp>
-    </p:spTree>
-    <p:extLst>
-      <p:ext uri="{BB962C8B-B14F-4D97-AF65-F5344CB8AC3E}">
-        <p14:creationId xmlns:p14="http://schemas.microsoft.com/office/powerpoint/2010/main" val="3942756412"/>
-      </p:ext>
-    </p:extLst>
-  </p:cSld>
-  <p:clrMapOvr>
-    <a:masterClrMapping/>
-  </p:clrMapOvr>
-</p:sldLayout>
-</file>
-
-<file path=ppt/slideLayouts/slideLayout3.xml><?xml version="1.0" encoding="utf-8"?>
-<p:sldLayout xmlns:a="http://schemas.openxmlformats.org/drawingml/2006/main" xmlns:r="http://schemas.openxmlformats.org/officeDocument/2006/relationships" xmlns:p="http://schemas.openxmlformats.org/presentationml/2006/main" type="secHead" preserve="1">
-  <p:cSld name="Section Header">
-    <p:spTree>
-      <p:nvGrpSpPr>
-        <p:cNvPr id="1" name=""/>
-        <p:cNvGrpSpPr/>
-        <p:nvPr/>
-      </p:nvGrpSpPr>
-      <p:grpSpPr>
-        <a:xfrm>
-          <a:off x="0" y="0"/>
-          <a:ext cx="0" cy="0"/>
-          <a:chOff x="0" y="0"/>
-          <a:chExt cx="0" cy="0"/>
-        </a:xfrm>
-      </p:grpSpPr>
-      <p:sp>
-        <p:nvSpPr>
-          <p:cNvPr id="2" name="Title 1">
-            <a:extLst>
-              <a:ext uri="{FF2B5EF4-FFF2-40B4-BE49-F238E27FC236}">
-                <a16:creationId xmlns:a16="http://schemas.microsoft.com/office/drawing/2014/main" id="{382EF337-7D8D-BFF0-2CBD-C6CD1052AEAA}"/>
-              </a:ext>
-            </a:extLst>
-          </p:cNvPr>
-          <p:cNvSpPr>
-            <a:spLocks noGrp="1"/>
-          </p:cNvSpPr>
-          <p:nvPr>
-            <p:ph type="title"/>
-          </p:nvPr>
-        </p:nvSpPr>
-        <p:spPr>
-          <a:xfrm>
-            <a:off x="687388" y="1414463"/>
-            <a:ext cx="8694737" cy="2357437"/>
-          </a:xfrm>
-        </p:spPr>
-        <p:txBody>
-          <a:bodyPr anchor="b"/>
-          <a:lstStyle>
-            <a:lvl1pPr>
-              <a:defRPr sz="6000"/>
-            </a:lvl1pPr>
-          </a:lstStyle>
-          <a:p>
-            <a:r>
-              <a:rPr lang="en-GB"/>
-              <a:t>Click to edit Master title style</a:t>
-            </a:r>
-            <a:endParaRPr lang="en-US"/>
-          </a:p>
-        </p:txBody>
-      </p:sp>
-      <p:sp>
-        <p:nvSpPr>
-          <p:cNvPr id="3" name="Text Placeholder 2">
-            <a:extLst>
-              <a:ext uri="{FF2B5EF4-FFF2-40B4-BE49-F238E27FC236}">
-                <a16:creationId xmlns:a16="http://schemas.microsoft.com/office/drawing/2014/main" id="{DC143713-8C0E-8A0E-59B5-09C8F27FFB97}"/>
-              </a:ext>
-            </a:extLst>
-          </p:cNvPr>
-          <p:cNvSpPr>
-            <a:spLocks noGrp="1"/>
-          </p:cNvSpPr>
-          <p:nvPr>
-            <p:ph type="body" idx="1"/>
-          </p:nvPr>
-        </p:nvSpPr>
-        <p:spPr>
-          <a:xfrm>
-            <a:off x="687388" y="3794125"/>
-            <a:ext cx="8694737" cy="1241425"/>
-          </a:xfrm>
-        </p:spPr>
-        <p:txBody>
-          <a:bodyPr/>
-          <a:lstStyle>
-            <a:lvl1pPr marL="0" indent="0">
-              <a:buNone/>
-              <a:defRPr sz="2400">
-                <a:solidFill>
-                  <a:schemeClr val="tx1">
-                    <a:tint val="82000"/>
-                  </a:schemeClr>
-                </a:solidFill>
-              </a:defRPr>
-            </a:lvl1pPr>
-            <a:lvl2pPr marL="457200" indent="0">
-              <a:buNone/>
-              <a:defRPr sz="2000">
-                <a:solidFill>
-                  <a:schemeClr val="tx1">
-                    <a:tint val="82000"/>
-                  </a:schemeClr>
-                </a:solidFill>
-              </a:defRPr>
-            </a:lvl2pPr>
-            <a:lvl3pPr marL="914400" indent="0">
-              <a:buNone/>
-              <a:defRPr sz="1800">
-                <a:solidFill>
-                  <a:schemeClr val="tx1">
-                    <a:tint val="82000"/>
-                  </a:schemeClr>
-                </a:solidFill>
-              </a:defRPr>
-            </a:lvl3pPr>
-            <a:lvl4pPr marL="1371600" indent="0">
-              <a:buNone/>
-              <a:defRPr sz="1600">
-                <a:solidFill>
-                  <a:schemeClr val="tx1">
-                    <a:tint val="82000"/>
-                  </a:schemeClr>
-                </a:solidFill>
-              </a:defRPr>
-            </a:lvl4pPr>
-            <a:lvl5pPr marL="1828800" indent="0">
-              <a:buNone/>
-              <a:defRPr sz="1600">
-                <a:solidFill>
-                  <a:schemeClr val="tx1">
-                    <a:tint val="82000"/>
-                  </a:schemeClr>
-                </a:solidFill>
-              </a:defRPr>
-            </a:lvl5pPr>
-            <a:lvl6pPr marL="2286000" indent="0">
-              <a:buNone/>
-              <a:defRPr sz="1600">
-                <a:solidFill>
-                  <a:schemeClr val="tx1">
-                    <a:tint val="82000"/>
-                  </a:schemeClr>
-                </a:solidFill>
-              </a:defRPr>
-            </a:lvl6pPr>
-            <a:lvl7pPr marL="2743200" indent="0">
-              <a:buNone/>
-              <a:defRPr sz="1600">
-                <a:solidFill>
-                  <a:schemeClr val="tx1">
-                    <a:tint val="82000"/>
-                  </a:schemeClr>
-                </a:solidFill>
-              </a:defRPr>
-            </a:lvl7pPr>
-            <a:lvl8pPr marL="3200400" indent="0">
-              <a:buNone/>
-              <a:defRPr sz="1600">
-                <a:solidFill>
-                  <a:schemeClr val="tx1">
-                    <a:tint val="82000"/>
-                  </a:schemeClr>
-                </a:solidFill>
-              </a:defRPr>
-            </a:lvl8pPr>
-            <a:lvl9pPr marL="3657600" indent="0">
-              <a:buNone/>
-              <a:defRPr sz="1600">
-                <a:solidFill>
-                  <a:schemeClr val="tx1">
-                    <a:tint val="82000"/>
-                  </a:schemeClr>
-                </a:solidFill>
-              </a:defRPr>
-            </a:lvl9pPr>
-          </a:lstStyle>
-          <a:p>
-            <a:pPr lvl="0"/>
-            <a:r>
-              <a:rPr lang="en-GB"/>
-              <a:t>Click to edit Master text styles</a:t>
-            </a:r>
-          </a:p>
-        </p:txBody>
-      </p:sp>
-    </p:spTree>
-    <p:extLst>
-      <p:ext uri="{BB962C8B-B14F-4D97-AF65-F5344CB8AC3E}">
-        <p14:creationId xmlns:p14="http://schemas.microsoft.com/office/powerpoint/2010/main" val="1387627338"/>
-      </p:ext>
-    </p:extLst>
-  </p:cSld>
-  <p:clrMapOvr>
-    <a:masterClrMapping/>
-  </p:clrMapOvr>
-</p:sldLayout>
-</file>
-
-<file path=ppt/slideLayouts/slideLayout4.xml><?xml version="1.0" encoding="utf-8"?>
-<p:sldLayout xmlns:a="http://schemas.openxmlformats.org/drawingml/2006/main" xmlns:r="http://schemas.openxmlformats.org/officeDocument/2006/relationships" xmlns:p="http://schemas.openxmlformats.org/presentationml/2006/main" type="twoObj" preserve="1">
-  <p:cSld name="Two Content">
-    <p:spTree>
-      <p:nvGrpSpPr>
-        <p:cNvPr id="1" name=""/>
-        <p:cNvGrpSpPr/>
-        <p:nvPr/>
-      </p:nvGrpSpPr>
-      <p:grpSpPr>
-        <a:xfrm>
-          <a:off x="0" y="0"/>
-          <a:ext cx="0" cy="0"/>
-          <a:chOff x="0" y="0"/>
-          <a:chExt cx="0" cy="0"/>
-        </a:xfrm>
-      </p:grpSpPr>
-      <p:sp>
-        <p:nvSpPr>
-          <p:cNvPr id="2" name="Title 1">
-            <a:extLst>
-              <a:ext uri="{FF2B5EF4-FFF2-40B4-BE49-F238E27FC236}">
-                <a16:creationId xmlns:a16="http://schemas.microsoft.com/office/drawing/2014/main" id="{9B27A365-54EB-8481-E1F4-498F703B8CAD}"/>
-              </a:ext>
-            </a:extLst>
-          </p:cNvPr>
-          <p:cNvSpPr>
-            <a:spLocks noGrp="1"/>
-          </p:cNvSpPr>
-          <p:nvPr>
-            <p:ph type="title"/>
-          </p:nvPr>
-        </p:nvSpPr>
-        <p:spPr/>
-        <p:txBody>
-          <a:bodyPr/>
-          <a:lstStyle/>
-          <a:p>
-            <a:r>
-              <a:rPr lang="en-GB"/>
-              <a:t>Click to edit Master title style</a:t>
-            </a:r>
-            <a:endParaRPr lang="en-US"/>
-          </a:p>
-        </p:txBody>
-      </p:sp>
-      <p:sp>
-        <p:nvSpPr>
-          <p:cNvPr id="3" name="Content Placeholder 2">
-            <a:extLst>
-              <a:ext uri="{FF2B5EF4-FFF2-40B4-BE49-F238E27FC236}">
-                <a16:creationId xmlns:a16="http://schemas.microsoft.com/office/drawing/2014/main" id="{EB574F2E-6906-52D9-DF57-1FB3D1EDD2C9}"/>
-              </a:ext>
-            </a:extLst>
-          </p:cNvPr>
-          <p:cNvSpPr>
-            <a:spLocks noGrp="1"/>
-          </p:cNvSpPr>
-          <p:nvPr>
-            <p:ph sz="half" idx="1"/>
-          </p:nvPr>
-        </p:nvSpPr>
-        <p:spPr>
-          <a:xfrm>
-            <a:off x="1584325" y="647700"/>
-            <a:ext cx="3162300" cy="2598738"/>
-          </a:xfrm>
-        </p:spPr>
-        <p:txBody>
-          <a:bodyPr/>
-          <a:lstStyle/>
-          <a:p>
-            <a:pPr lvl="0"/>
-            <a:r>
-              <a:rPr lang="en-GB"/>
-              <a:t>Click to edit Master text styles</a:t>
-            </a:r>
-          </a:p>
-          <a:p>
-            <a:pPr lvl="1"/>
-            <a:r>
-              <a:rPr lang="en-GB"/>
-              <a:t>Second level</a:t>
-            </a:r>
-          </a:p>
-          <a:p>
-            <a:pPr lvl="2"/>
-            <a:r>
-              <a:rPr lang="en-GB"/>
-              <a:t>Third level</a:t>
-            </a:r>
-          </a:p>
-          <a:p>
-            <a:pPr lvl="3"/>
-            <a:r>
-              <a:rPr lang="en-GB"/>
-              <a:t>Fourth level</a:t>
-            </a:r>
-          </a:p>
-          <a:p>
-            <a:pPr lvl="4"/>
-            <a:r>
-              <a:rPr lang="en-GB"/>
-              <a:t>Fifth level</a:t>
-            </a:r>
-            <a:endParaRPr lang="en-US"/>
-          </a:p>
-        </p:txBody>
-      </p:sp>
-      <p:sp>
-        <p:nvSpPr>
-          <p:cNvPr id="4" name="Content Placeholder 3">
-            <a:extLst>
-              <a:ext uri="{FF2B5EF4-FFF2-40B4-BE49-F238E27FC236}">
-                <a16:creationId xmlns:a16="http://schemas.microsoft.com/office/drawing/2014/main" id="{41F0E175-BFD4-8EF4-4F6A-899ECDA8B6AB}"/>
-              </a:ext>
-            </a:extLst>
-          </p:cNvPr>
-          <p:cNvSpPr>
-            <a:spLocks noGrp="1"/>
-          </p:cNvSpPr>
-          <p:nvPr>
-            <p:ph sz="half" idx="2"/>
-          </p:nvPr>
-        </p:nvSpPr>
-        <p:spPr>
-          <a:xfrm>
-            <a:off x="4899025" y="647700"/>
-            <a:ext cx="3163888" cy="2598738"/>
-          </a:xfrm>
-        </p:spPr>
-        <p:txBody>
-          <a:bodyPr/>
-          <a:lstStyle/>
-          <a:p>
-            <a:pPr lvl="0"/>
-            <a:r>
-              <a:rPr lang="en-GB"/>
-              <a:t>Click to edit Master text styles</a:t>
-            </a:r>
-          </a:p>
-          <a:p>
-            <a:pPr lvl="1"/>
-            <a:r>
-              <a:rPr lang="en-GB"/>
-              <a:t>Second level</a:t>
-            </a:r>
-          </a:p>
-          <a:p>
-            <a:pPr lvl="2"/>
-            <a:r>
-              <a:rPr lang="en-GB"/>
-              <a:t>Third level</a:t>
-            </a:r>
-          </a:p>
-          <a:p>
-            <a:pPr lvl="3"/>
-            <a:r>
-              <a:rPr lang="en-GB"/>
-              <a:t>Fourth level</a:t>
-            </a:r>
-          </a:p>
-          <a:p>
-            <a:pPr lvl="4"/>
-            <a:r>
-              <a:rPr lang="en-GB"/>
-              <a:t>Fifth level</a:t>
-            </a:r>
-            <a:endParaRPr lang="en-US"/>
-          </a:p>
-        </p:txBody>
-      </p:sp>
-    </p:spTree>
-    <p:extLst>
-      <p:ext uri="{BB962C8B-B14F-4D97-AF65-F5344CB8AC3E}">
-        <p14:creationId xmlns:p14="http://schemas.microsoft.com/office/powerpoint/2010/main" val="38672816"/>
-      </p:ext>
-    </p:extLst>
-  </p:cSld>
-  <p:clrMapOvr>
-    <a:masterClrMapping/>
-  </p:clrMapOvr>
-</p:sldLayout>
-</file>
-
-<file path=ppt/slideLayouts/slideLayout5.xml><?xml version="1.0" encoding="utf-8"?>
-<p:sldLayout xmlns:a="http://schemas.openxmlformats.org/drawingml/2006/main" xmlns:r="http://schemas.openxmlformats.org/officeDocument/2006/relationships" xmlns:p="http://schemas.openxmlformats.org/presentationml/2006/main" type="twoTxTwoObj" preserve="1">
-  <p:cSld name="Comparison">
-    <p:spTree>
-      <p:nvGrpSpPr>
-        <p:cNvPr id="1" name=""/>
-        <p:cNvGrpSpPr/>
-        <p:nvPr/>
-      </p:nvGrpSpPr>
-      <p:grpSpPr>
-        <a:xfrm>
-          <a:off x="0" y="0"/>
-          <a:ext cx="0" cy="0"/>
-          <a:chOff x="0" y="0"/>
-          <a:chExt cx="0" cy="0"/>
-        </a:xfrm>
-      </p:grpSpPr>
-      <p:sp>
-        <p:nvSpPr>
-          <p:cNvPr id="2" name="Title 1">
-            <a:extLst>
-              <a:ext uri="{FF2B5EF4-FFF2-40B4-BE49-F238E27FC236}">
-                <a16:creationId xmlns:a16="http://schemas.microsoft.com/office/drawing/2014/main" id="{E9D56A0C-B156-C8A0-9377-3407DA3E0CF5}"/>
-              </a:ext>
-            </a:extLst>
-          </p:cNvPr>
-          <p:cNvSpPr>
-            <a:spLocks noGrp="1"/>
-          </p:cNvSpPr>
-          <p:nvPr>
-            <p:ph type="title"/>
-          </p:nvPr>
-        </p:nvSpPr>
-        <p:spPr>
-          <a:xfrm>
-            <a:off x="693738" y="301625"/>
-            <a:ext cx="8694737" cy="1096963"/>
-          </a:xfrm>
-        </p:spPr>
-        <p:txBody>
-          <a:bodyPr/>
-          <a:lstStyle/>
-          <a:p>
-            <a:r>
-              <a:rPr lang="en-GB"/>
-              <a:t>Click to edit Master title style</a:t>
-            </a:r>
-            <a:endParaRPr lang="en-US"/>
-          </a:p>
-        </p:txBody>
-      </p:sp>
-      <p:sp>
-        <p:nvSpPr>
-          <p:cNvPr id="3" name="Text Placeholder 2">
-            <a:extLst>
-              <a:ext uri="{FF2B5EF4-FFF2-40B4-BE49-F238E27FC236}">
-                <a16:creationId xmlns:a16="http://schemas.microsoft.com/office/drawing/2014/main" id="{E6D45BEE-C378-01FA-E039-EAACA5F8C7F9}"/>
-              </a:ext>
-            </a:extLst>
-          </p:cNvPr>
-          <p:cNvSpPr>
-            <a:spLocks noGrp="1"/>
-          </p:cNvSpPr>
-          <p:nvPr>
-            <p:ph type="body" idx="1"/>
-          </p:nvPr>
-        </p:nvSpPr>
-        <p:spPr>
-          <a:xfrm>
-            <a:off x="693738" y="1390650"/>
-            <a:ext cx="4265612" cy="681038"/>
-          </a:xfrm>
-        </p:spPr>
-        <p:txBody>
-          <a:bodyPr anchor="b"/>
-          <a:lstStyle>
-            <a:lvl1pPr marL="0" indent="0">
-              <a:buNone/>
-              <a:defRPr sz="2400" b="1"/>
-            </a:lvl1pPr>
-            <a:lvl2pPr marL="457200" indent="0">
-              <a:buNone/>
-              <a:defRPr sz="2000" b="1"/>
-            </a:lvl2pPr>
-            <a:lvl3pPr marL="914400" indent="0">
-              <a:buNone/>
-              <a:defRPr sz="1800" b="1"/>
-            </a:lvl3pPr>
-            <a:lvl4pPr marL="1371600" indent="0">
-              <a:buNone/>
-              <a:defRPr sz="1600" b="1"/>
-            </a:lvl4pPr>
-            <a:lvl5pPr marL="1828800" indent="0">
-              <a:buNone/>
-              <a:defRPr sz="1600" b="1"/>
-            </a:lvl5pPr>
-            <a:lvl6pPr marL="2286000" indent="0">
-              <a:buNone/>
-              <a:defRPr sz="1600" b="1"/>
-            </a:lvl6pPr>
-            <a:lvl7pPr marL="2743200" indent="0">
-              <a:buNone/>
-              <a:defRPr sz="1600" b="1"/>
-            </a:lvl7pPr>
-            <a:lvl8pPr marL="3200400" indent="0">
-              <a:buNone/>
-              <a:defRPr sz="1600" b="1"/>
-            </a:lvl8pPr>
-            <a:lvl9pPr marL="3657600" indent="0">
-              <a:buNone/>
-              <a:defRPr sz="1600" b="1"/>
-            </a:lvl9pPr>
-          </a:lstStyle>
-          <a:p>
-            <a:pPr lvl="0"/>
-            <a:r>
-              <a:rPr lang="en-GB"/>
-              <a:t>Click to edit Master text styles</a:t>
-            </a:r>
-          </a:p>
-        </p:txBody>
-      </p:sp>
-      <p:sp>
-        <p:nvSpPr>
-          <p:cNvPr id="4" name="Content Placeholder 3">
-            <a:extLst>
-              <a:ext uri="{FF2B5EF4-FFF2-40B4-BE49-F238E27FC236}">
-                <a16:creationId xmlns:a16="http://schemas.microsoft.com/office/drawing/2014/main" id="{16BF3DF9-81A7-F3E5-D231-6710075D967B}"/>
-              </a:ext>
-            </a:extLst>
-          </p:cNvPr>
-          <p:cNvSpPr>
-            <a:spLocks noGrp="1"/>
-          </p:cNvSpPr>
-          <p:nvPr>
-            <p:ph sz="half" idx="2"/>
-          </p:nvPr>
-        </p:nvSpPr>
-        <p:spPr>
-          <a:xfrm>
-            <a:off x="693738" y="2071688"/>
-            <a:ext cx="4265612" cy="3046412"/>
-          </a:xfrm>
-        </p:spPr>
-        <p:txBody>
-          <a:bodyPr/>
-          <a:lstStyle/>
-          <a:p>
-            <a:pPr lvl="0"/>
-            <a:r>
-              <a:rPr lang="en-GB"/>
-              <a:t>Click to edit Master text styles</a:t>
-            </a:r>
-          </a:p>
-          <a:p>
-            <a:pPr lvl="1"/>
-            <a:r>
-              <a:rPr lang="en-GB"/>
-              <a:t>Second level</a:t>
-            </a:r>
-          </a:p>
-          <a:p>
-            <a:pPr lvl="2"/>
-            <a:r>
-              <a:rPr lang="en-GB"/>
-              <a:t>Third level</a:t>
-            </a:r>
-          </a:p>
-          <a:p>
-            <a:pPr lvl="3"/>
-            <a:r>
-              <a:rPr lang="en-GB"/>
-              <a:t>Fourth level</a:t>
-            </a:r>
-          </a:p>
-          <a:p>
-            <a:pPr lvl="4"/>
-            <a:r>
-              <a:rPr lang="en-GB"/>
-              <a:t>Fifth level</a:t>
-            </a:r>
-            <a:endParaRPr lang="en-US"/>
-          </a:p>
-        </p:txBody>
-      </p:sp>
-      <p:sp>
-        <p:nvSpPr>
-          <p:cNvPr id="5" name="Text Placeholder 4">
-            <a:extLst>
-              <a:ext uri="{FF2B5EF4-FFF2-40B4-BE49-F238E27FC236}">
-                <a16:creationId xmlns:a16="http://schemas.microsoft.com/office/drawing/2014/main" id="{22F46075-D181-0B77-92F6-7442B9AE061C}"/>
-              </a:ext>
-            </a:extLst>
-          </p:cNvPr>
-          <p:cNvSpPr>
-            <a:spLocks noGrp="1"/>
-          </p:cNvSpPr>
-          <p:nvPr>
-            <p:ph type="body" sz="quarter" idx="3"/>
-          </p:nvPr>
-        </p:nvSpPr>
-        <p:spPr>
-          <a:xfrm>
-            <a:off x="5103813" y="1390650"/>
-            <a:ext cx="4284662" cy="681038"/>
-          </a:xfrm>
-        </p:spPr>
-        <p:txBody>
-          <a:bodyPr anchor="b"/>
-          <a:lstStyle>
-            <a:lvl1pPr marL="0" indent="0">
-              <a:buNone/>
-              <a:defRPr sz="2400" b="1"/>
-            </a:lvl1pPr>
-            <a:lvl2pPr marL="457200" indent="0">
-              <a:buNone/>
-              <a:defRPr sz="2000" b="1"/>
-            </a:lvl2pPr>
-            <a:lvl3pPr marL="914400" indent="0">
-              <a:buNone/>
-              <a:defRPr sz="1800" b="1"/>
-            </a:lvl3pPr>
-            <a:lvl4pPr marL="1371600" indent="0">
-              <a:buNone/>
-              <a:defRPr sz="1600" b="1"/>
-            </a:lvl4pPr>
-            <a:lvl5pPr marL="1828800" indent="0">
-              <a:buNone/>
-              <a:defRPr sz="1600" b="1"/>
-            </a:lvl5pPr>
-            <a:lvl6pPr marL="2286000" indent="0">
-              <a:buNone/>
-              <a:defRPr sz="1600" b="1"/>
-            </a:lvl6pPr>
-            <a:lvl7pPr marL="2743200" indent="0">
-              <a:buNone/>
-              <a:defRPr sz="1600" b="1"/>
-            </a:lvl7pPr>
-            <a:lvl8pPr marL="3200400" indent="0">
-              <a:buNone/>
-              <a:defRPr sz="1600" b="1"/>
-            </a:lvl8pPr>
-            <a:lvl9pPr marL="3657600" indent="0">
-              <a:buNone/>
-              <a:defRPr sz="1600" b="1"/>
-            </a:lvl9pPr>
-          </a:lstStyle>
-          <a:p>
-            <a:pPr lvl="0"/>
-            <a:r>
-              <a:rPr lang="en-GB"/>
-              <a:t>Click to edit Master text styles</a:t>
-            </a:r>
-          </a:p>
-        </p:txBody>
-      </p:sp>
-      <p:sp>
-        <p:nvSpPr>
-          <p:cNvPr id="6" name="Content Placeholder 5">
-            <a:extLst>
-              <a:ext uri="{FF2B5EF4-FFF2-40B4-BE49-F238E27FC236}">
-                <a16:creationId xmlns:a16="http://schemas.microsoft.com/office/drawing/2014/main" id="{5C2975DA-7076-6F9E-E44C-9E4B64DFA4F7}"/>
-              </a:ext>
-            </a:extLst>
-          </p:cNvPr>
-          <p:cNvSpPr>
-            <a:spLocks noGrp="1"/>
-          </p:cNvSpPr>
-          <p:nvPr>
-            <p:ph sz="quarter" idx="4"/>
-          </p:nvPr>
-        </p:nvSpPr>
-        <p:spPr>
-          <a:xfrm>
-            <a:off x="5103813" y="2071688"/>
-            <a:ext cx="4284662" cy="3046412"/>
-          </a:xfrm>
-        </p:spPr>
-        <p:txBody>
-          <a:bodyPr/>
-          <a:lstStyle/>
-          <a:p>
-            <a:pPr lvl="0"/>
-            <a:r>
-              <a:rPr lang="en-GB"/>
-              <a:t>Click to edit Master text styles</a:t>
-            </a:r>
-          </a:p>
-          <a:p>
-            <a:pPr lvl="1"/>
-            <a:r>
-              <a:rPr lang="en-GB"/>
-              <a:t>Second level</a:t>
-            </a:r>
-          </a:p>
-          <a:p>
-            <a:pPr lvl="2"/>
-            <a:r>
-              <a:rPr lang="en-GB"/>
-              <a:t>Third level</a:t>
-            </a:r>
-          </a:p>
-          <a:p>
-            <a:pPr lvl="3"/>
-            <a:r>
-              <a:rPr lang="en-GB"/>
-              <a:t>Fourth level</a:t>
-            </a:r>
-          </a:p>
-          <a:p>
-            <a:pPr lvl="4"/>
-            <a:r>
-              <a:rPr lang="en-GB"/>
-              <a:t>Fifth level</a:t>
-            </a:r>
-            <a:endParaRPr lang="en-US"/>
-          </a:p>
-        </p:txBody>
-      </p:sp>
-    </p:spTree>
-    <p:extLst>
-      <p:ext uri="{BB962C8B-B14F-4D97-AF65-F5344CB8AC3E}">
-        <p14:creationId xmlns:p14="http://schemas.microsoft.com/office/powerpoint/2010/main" val="3013267304"/>
-      </p:ext>
-    </p:extLst>
-  </p:cSld>
-  <p:clrMapOvr>
-    <a:masterClrMapping/>
-  </p:clrMapOvr>
-</p:sldLayout>
-</file>
-
-<file path=ppt/slideLayouts/slideLayout6.xml><?xml version="1.0" encoding="utf-8"?>
-<p:sldLayout xmlns:a="http://schemas.openxmlformats.org/drawingml/2006/main" xmlns:r="http://schemas.openxmlformats.org/officeDocument/2006/relationships" xmlns:p="http://schemas.openxmlformats.org/presentationml/2006/main" type="titleOnly" preserve="1">
-  <p:cSld name="Title Only">
-    <p:spTree>
-      <p:nvGrpSpPr>
-        <p:cNvPr id="1" name=""/>
-        <p:cNvGrpSpPr/>
-        <p:nvPr/>
-      </p:nvGrpSpPr>
-      <p:grpSpPr>
-        <a:xfrm>
-          <a:off x="0" y="0"/>
-          <a:ext cx="0" cy="0"/>
-          <a:chOff x="0" y="0"/>
-          <a:chExt cx="0" cy="0"/>
-        </a:xfrm>
-      </p:grpSpPr>
-      <p:sp>
-        <p:nvSpPr>
-          <p:cNvPr id="2" name="Title 1">
-            <a:extLst>
-              <a:ext uri="{FF2B5EF4-FFF2-40B4-BE49-F238E27FC236}">
-                <a16:creationId xmlns:a16="http://schemas.microsoft.com/office/drawing/2014/main" id="{87BEC63C-18AF-5CAA-3CDD-8860B57A14C9}"/>
-              </a:ext>
-            </a:extLst>
-          </p:cNvPr>
-          <p:cNvSpPr>
-            <a:spLocks noGrp="1"/>
-          </p:cNvSpPr>
-          <p:nvPr>
-            <p:ph type="title"/>
-          </p:nvPr>
-        </p:nvSpPr>
-        <p:spPr/>
-        <p:txBody>
-          <a:bodyPr/>
-          <a:lstStyle/>
-          <a:p>
-            <a:r>
-              <a:rPr lang="en-GB"/>
-              <a:t>Click to edit Master title style</a:t>
-            </a:r>
-            <a:endParaRPr lang="en-US"/>
-          </a:p>
-        </p:txBody>
-      </p:sp>
-    </p:spTree>
-    <p:extLst>
-      <p:ext uri="{BB962C8B-B14F-4D97-AF65-F5344CB8AC3E}">
-        <p14:creationId xmlns:p14="http://schemas.microsoft.com/office/powerpoint/2010/main" val="2147977185"/>
-      </p:ext>
-    </p:extLst>
-  </p:cSld>
-  <p:clrMapOvr>
-    <a:masterClrMapping/>
-  </p:clrMapOvr>
-</p:sldLayout>
-</file>
-
-<file path=ppt/slideLayouts/slideLayout7.xml><?xml version="1.0" encoding="utf-8"?>
-<p:sldLayout xmlns:a="http://schemas.openxmlformats.org/drawingml/2006/main" xmlns:r="http://schemas.openxmlformats.org/officeDocument/2006/relationships" xmlns:p="http://schemas.openxmlformats.org/presentationml/2006/main" type="blank" preserve="1">
-  <p:cSld name="Blank">
-    <p:spTree>
-      <p:nvGrpSpPr>
-        <p:cNvPr id="1" name=""/>
-        <p:cNvGrpSpPr/>
-        <p:nvPr/>
-      </p:nvGrpSpPr>
-      <p:grpSpPr>
-        <a:xfrm>
-          <a:off x="0" y="0"/>
-          <a:ext cx="0" cy="0"/>
-          <a:chOff x="0" y="0"/>
-          <a:chExt cx="0" cy="0"/>
-        </a:xfrm>
-      </p:grpSpPr>
-    </p:spTree>
-    <p:extLst>
-      <p:ext uri="{BB962C8B-B14F-4D97-AF65-F5344CB8AC3E}">
-        <p14:creationId xmlns:p14="http://schemas.microsoft.com/office/powerpoint/2010/main" val="4145566424"/>
-      </p:ext>
-    </p:extLst>
-  </p:cSld>
-  <p:clrMapOvr>
-    <a:masterClrMapping/>
-  </p:clrMapOvr>
-  <p:hf sldNum="0" hdr="0" ftr="0" dt="0"/>
-</p:sldLayout>
-</file>
-
-<file path=ppt/slideLayouts/slideLayout8.xml><?xml version="1.0" encoding="utf-8"?>
-<p:sldLayout xmlns:a="http://schemas.openxmlformats.org/drawingml/2006/main" xmlns:r="http://schemas.openxmlformats.org/officeDocument/2006/relationships" xmlns:p="http://schemas.openxmlformats.org/presentationml/2006/main" type="objTx" preserve="1">
-  <p:cSld name="Content with Caption">
-    <p:spTree>
-      <p:nvGrpSpPr>
-        <p:cNvPr id="1" name=""/>
-        <p:cNvGrpSpPr/>
-        <p:nvPr/>
-      </p:nvGrpSpPr>
-      <p:grpSpPr>
-        <a:xfrm>
-          <a:off x="0" y="0"/>
-          <a:ext cx="0" cy="0"/>
-          <a:chOff x="0" y="0"/>
-          <a:chExt cx="0" cy="0"/>
-        </a:xfrm>
-      </p:grpSpPr>
-      <p:sp>
-        <p:nvSpPr>
-          <p:cNvPr id="2" name="Title 1">
-            <a:extLst>
-              <a:ext uri="{FF2B5EF4-FFF2-40B4-BE49-F238E27FC236}">
-                <a16:creationId xmlns:a16="http://schemas.microsoft.com/office/drawing/2014/main" id="{6EE83C83-70C6-F729-39D3-C3AD66C730C8}"/>
-              </a:ext>
-            </a:extLst>
-          </p:cNvPr>
-          <p:cNvSpPr>
-            <a:spLocks noGrp="1"/>
-          </p:cNvSpPr>
-          <p:nvPr>
-            <p:ph type="title"/>
-          </p:nvPr>
-        </p:nvSpPr>
-        <p:spPr>
-          <a:xfrm>
-            <a:off x="693738" y="377825"/>
-            <a:ext cx="3251200" cy="1323975"/>
-          </a:xfrm>
-        </p:spPr>
-        <p:txBody>
-          <a:bodyPr anchor="b"/>
-          <a:lstStyle>
-            <a:lvl1pPr>
-              <a:defRPr sz="3200"/>
-            </a:lvl1pPr>
-          </a:lstStyle>
-          <a:p>
-            <a:r>
-              <a:rPr lang="en-GB"/>
-              <a:t>Click to edit Master title style</a:t>
-            </a:r>
-            <a:endParaRPr lang="en-US"/>
-          </a:p>
-        </p:txBody>
-      </p:sp>
-      <p:sp>
-        <p:nvSpPr>
-          <p:cNvPr id="3" name="Content Placeholder 2">
-            <a:extLst>
-              <a:ext uri="{FF2B5EF4-FFF2-40B4-BE49-F238E27FC236}">
-                <a16:creationId xmlns:a16="http://schemas.microsoft.com/office/drawing/2014/main" id="{E26CD4CF-C396-F6EC-65D3-9EABE1877606}"/>
-              </a:ext>
-            </a:extLst>
-          </p:cNvPr>
-          <p:cNvSpPr>
-            <a:spLocks noGrp="1"/>
-          </p:cNvSpPr>
-          <p:nvPr>
-            <p:ph idx="1"/>
-          </p:nvPr>
-        </p:nvSpPr>
-        <p:spPr>
-          <a:xfrm>
-            <a:off x="4286250" y="815975"/>
-            <a:ext cx="5102225" cy="4030663"/>
-          </a:xfrm>
-        </p:spPr>
-        <p:txBody>
-          <a:bodyPr/>
-          <a:lstStyle>
-            <a:lvl1pPr>
-              <a:defRPr sz="3200"/>
-            </a:lvl1pPr>
-            <a:lvl2pPr>
-              <a:defRPr sz="2800"/>
-            </a:lvl2pPr>
-            <a:lvl3pPr>
-              <a:defRPr sz="2400"/>
-            </a:lvl3pPr>
-            <a:lvl4pPr>
-              <a:defRPr sz="2000"/>
-            </a:lvl4pPr>
-            <a:lvl5pPr>
-              <a:defRPr sz="2000"/>
-            </a:lvl5pPr>
-            <a:lvl6pPr>
-              <a:defRPr sz="2000"/>
-            </a:lvl6pPr>
-            <a:lvl7pPr>
-              <a:defRPr sz="2000"/>
-            </a:lvl7pPr>
-            <a:lvl8pPr>
-              <a:defRPr sz="2000"/>
-            </a:lvl8pPr>
-            <a:lvl9pPr>
-              <a:defRPr sz="2000"/>
-            </a:lvl9pPr>
-          </a:lstStyle>
-          <a:p>
-            <a:pPr lvl="0"/>
-            <a:r>
-              <a:rPr lang="en-GB"/>
-              <a:t>Click to edit Master text styles</a:t>
-            </a:r>
-          </a:p>
-          <a:p>
-            <a:pPr lvl="1"/>
-            <a:r>
-              <a:rPr lang="en-GB"/>
-              <a:t>Second level</a:t>
-            </a:r>
-          </a:p>
-          <a:p>
-            <a:pPr lvl="2"/>
-            <a:r>
-              <a:rPr lang="en-GB"/>
-              <a:t>Third level</a:t>
-            </a:r>
-          </a:p>
-          <a:p>
-            <a:pPr lvl="3"/>
-            <a:r>
-              <a:rPr lang="en-GB"/>
-              <a:t>Fourth level</a:t>
-            </a:r>
-          </a:p>
-          <a:p>
-            <a:pPr lvl="4"/>
-            <a:r>
-              <a:rPr lang="en-GB"/>
-              <a:t>Fifth level</a:t>
-            </a:r>
-            <a:endParaRPr lang="en-US"/>
-          </a:p>
-        </p:txBody>
-      </p:sp>
-      <p:sp>
-        <p:nvSpPr>
-          <p:cNvPr id="4" name="Text Placeholder 3">
-            <a:extLst>
-              <a:ext uri="{FF2B5EF4-FFF2-40B4-BE49-F238E27FC236}">
-                <a16:creationId xmlns:a16="http://schemas.microsoft.com/office/drawing/2014/main" id="{1C9D0A2E-214B-EA38-E0AB-A18E05FD9B40}"/>
-              </a:ext>
-            </a:extLst>
-          </p:cNvPr>
-          <p:cNvSpPr>
-            <a:spLocks noGrp="1"/>
-          </p:cNvSpPr>
-          <p:nvPr>
-            <p:ph type="body" sz="half" idx="2"/>
-          </p:nvPr>
-        </p:nvSpPr>
-        <p:spPr>
-          <a:xfrm>
-            <a:off x="693738" y="1701800"/>
-            <a:ext cx="3251200" cy="3151188"/>
-          </a:xfrm>
-        </p:spPr>
-        <p:txBody>
-          <a:bodyPr/>
-          <a:lstStyle>
-            <a:lvl1pPr marL="0" indent="0">
-              <a:buNone/>
-              <a:defRPr sz="1600"/>
-            </a:lvl1pPr>
-            <a:lvl2pPr marL="457200" indent="0">
-              <a:buNone/>
-              <a:defRPr sz="1400"/>
-            </a:lvl2pPr>
-            <a:lvl3pPr marL="914400" indent="0">
-              <a:buNone/>
-              <a:defRPr sz="1200"/>
-            </a:lvl3pPr>
-            <a:lvl4pPr marL="1371600" indent="0">
-              <a:buNone/>
-              <a:defRPr sz="1000"/>
-            </a:lvl4pPr>
-            <a:lvl5pPr marL="1828800" indent="0">
-              <a:buNone/>
-              <a:defRPr sz="1000"/>
-            </a:lvl5pPr>
-            <a:lvl6pPr marL="2286000" indent="0">
-              <a:buNone/>
-              <a:defRPr sz="1000"/>
-            </a:lvl6pPr>
-            <a:lvl7pPr marL="2743200" indent="0">
-              <a:buNone/>
-              <a:defRPr sz="1000"/>
-            </a:lvl7pPr>
-            <a:lvl8pPr marL="3200400" indent="0">
-              <a:buNone/>
-              <a:defRPr sz="1000"/>
-            </a:lvl8pPr>
-            <a:lvl9pPr marL="3657600" indent="0">
-              <a:buNone/>
-              <a:defRPr sz="1000"/>
-            </a:lvl9pPr>
-          </a:lstStyle>
-          <a:p>
-            <a:pPr lvl="0"/>
-            <a:r>
-              <a:rPr lang="en-GB"/>
-              <a:t>Click to edit Master text styles</a:t>
-            </a:r>
-          </a:p>
-        </p:txBody>
-      </p:sp>
-    </p:spTree>
-    <p:extLst>
-      <p:ext uri="{BB962C8B-B14F-4D97-AF65-F5344CB8AC3E}">
-        <p14:creationId xmlns:p14="http://schemas.microsoft.com/office/powerpoint/2010/main" val="567068329"/>
-      </p:ext>
-    </p:extLst>
-  </p:cSld>
-  <p:clrMapOvr>
-    <a:masterClrMapping/>
-  </p:clrMapOvr>
-</p:sldLayout>
-</file>
-
-<file path=ppt/slideLayouts/slideLayout9.xml><?xml version="1.0" encoding="utf-8"?>
-<p:sldLayout xmlns:a="http://schemas.openxmlformats.org/drawingml/2006/main" xmlns:r="http://schemas.openxmlformats.org/officeDocument/2006/relationships" xmlns:p="http://schemas.openxmlformats.org/presentationml/2006/main" type="picTx" preserve="1">
-  <p:cSld name="Picture with Caption">
-    <p:spTree>
-      <p:nvGrpSpPr>
-        <p:cNvPr id="1" name=""/>
-        <p:cNvGrpSpPr/>
-        <p:nvPr/>
-      </p:nvGrpSpPr>
-      <p:grpSpPr>
-        <a:xfrm>
-          <a:off x="0" y="0"/>
-          <a:ext cx="0" cy="0"/>
-          <a:chOff x="0" y="0"/>
-          <a:chExt cx="0" cy="0"/>
-        </a:xfrm>
-      </p:grpSpPr>
-      <p:sp>
-        <p:nvSpPr>
-          <p:cNvPr id="2" name="Title 1">
-            <a:extLst>
-              <a:ext uri="{FF2B5EF4-FFF2-40B4-BE49-F238E27FC236}">
-                <a16:creationId xmlns:a16="http://schemas.microsoft.com/office/drawing/2014/main" id="{63D736CC-53EE-F8CE-4FD7-D05EA8CB21DD}"/>
-              </a:ext>
-            </a:extLst>
-          </p:cNvPr>
-          <p:cNvSpPr>
-            <a:spLocks noGrp="1"/>
-          </p:cNvSpPr>
-          <p:nvPr>
-            <p:ph type="title"/>
-          </p:nvPr>
-        </p:nvSpPr>
-        <p:spPr>
-          <a:xfrm>
-            <a:off x="693738" y="377825"/>
-            <a:ext cx="3251200" cy="1323975"/>
-          </a:xfrm>
-        </p:spPr>
-        <p:txBody>
-          <a:bodyPr anchor="b"/>
-          <a:lstStyle>
-            <a:lvl1pPr>
-              <a:defRPr sz="3200"/>
-            </a:lvl1pPr>
-          </a:lstStyle>
-          <a:p>
-            <a:r>
-              <a:rPr lang="en-GB"/>
-              <a:t>Click to edit Master title style</a:t>
-            </a:r>
-            <a:endParaRPr lang="en-US"/>
-          </a:p>
-        </p:txBody>
-      </p:sp>
-      <p:sp>
-        <p:nvSpPr>
-          <p:cNvPr id="3" name="Picture Placeholder 2">
-            <a:extLst>
-              <a:ext uri="{FF2B5EF4-FFF2-40B4-BE49-F238E27FC236}">
-                <a16:creationId xmlns:a16="http://schemas.microsoft.com/office/drawing/2014/main" id="{28143C29-C68C-CFF1-1D5A-36CA48E52AC1}"/>
-              </a:ext>
-            </a:extLst>
-          </p:cNvPr>
-          <p:cNvSpPr>
-            <a:spLocks noGrp="1"/>
-          </p:cNvSpPr>
-          <p:nvPr>
-            <p:ph type="pic" idx="1"/>
-          </p:nvPr>
-        </p:nvSpPr>
-        <p:spPr>
-          <a:xfrm>
-            <a:off x="4286250" y="815975"/>
-            <a:ext cx="5102225" cy="4030663"/>
-          </a:xfrm>
-        </p:spPr>
-        <p:txBody>
-          <a:bodyPr/>
-          <a:lstStyle>
-            <a:lvl1pPr marL="0" indent="0">
-              <a:buNone/>
-              <a:defRPr sz="3200"/>
-            </a:lvl1pPr>
-            <a:lvl2pPr marL="457200" indent="0">
-              <a:buNone/>
-              <a:defRPr sz="2800"/>
-            </a:lvl2pPr>
-            <a:lvl3pPr marL="914400" indent="0">
-              <a:buNone/>
-              <a:defRPr sz="2400"/>
-            </a:lvl3pPr>
-            <a:lvl4pPr marL="1371600" indent="0">
-              <a:buNone/>
-              <a:defRPr sz="2000"/>
-            </a:lvl4pPr>
-            <a:lvl5pPr marL="1828800" indent="0">
-              <a:buNone/>
-              <a:defRPr sz="2000"/>
-            </a:lvl5pPr>
-            <a:lvl6pPr marL="2286000" indent="0">
-              <a:buNone/>
-              <a:defRPr sz="2000"/>
-            </a:lvl6pPr>
-            <a:lvl7pPr marL="2743200" indent="0">
-              <a:buNone/>
-              <a:defRPr sz="2000"/>
-            </a:lvl7pPr>
-            <a:lvl8pPr marL="3200400" indent="0">
-              <a:buNone/>
-              <a:defRPr sz="2000"/>
-            </a:lvl8pPr>
-            <a:lvl9pPr marL="3657600" indent="0">
-              <a:buNone/>
-              <a:defRPr sz="2000"/>
-            </a:lvl9pPr>
-          </a:lstStyle>
-          <a:p>
-            <a:endParaRPr lang="en-US"/>
-          </a:p>
-        </p:txBody>
-      </p:sp>
-      <p:sp>
-        <p:nvSpPr>
-          <p:cNvPr id="4" name="Text Placeholder 3">
-            <a:extLst>
-              <a:ext uri="{FF2B5EF4-FFF2-40B4-BE49-F238E27FC236}">
-                <a16:creationId xmlns:a16="http://schemas.microsoft.com/office/drawing/2014/main" id="{C4BA5DCB-A408-F6A1-C8F9-67ED0930B6BC}"/>
-              </a:ext>
-            </a:extLst>
-          </p:cNvPr>
-          <p:cNvSpPr>
-            <a:spLocks noGrp="1"/>
-          </p:cNvSpPr>
-          <p:nvPr>
-            <p:ph type="body" sz="half" idx="2"/>
-          </p:nvPr>
-        </p:nvSpPr>
-        <p:spPr>
-          <a:xfrm>
-            <a:off x="693738" y="1701800"/>
-            <a:ext cx="3251200" cy="3151188"/>
-          </a:xfrm>
-        </p:spPr>
-        <p:txBody>
-          <a:bodyPr/>
-          <a:lstStyle>
-            <a:lvl1pPr marL="0" indent="0">
-              <a:buNone/>
-              <a:defRPr sz="1600"/>
-            </a:lvl1pPr>
-            <a:lvl2pPr marL="457200" indent="0">
-              <a:buNone/>
-              <a:defRPr sz="1400"/>
-            </a:lvl2pPr>
-            <a:lvl3pPr marL="914400" indent="0">
-              <a:buNone/>
-              <a:defRPr sz="1200"/>
-            </a:lvl3pPr>
-            <a:lvl4pPr marL="1371600" indent="0">
-              <a:buNone/>
-              <a:defRPr sz="1000"/>
-            </a:lvl4pPr>
-            <a:lvl5pPr marL="1828800" indent="0">
-              <a:buNone/>
-              <a:defRPr sz="1000"/>
-            </a:lvl5pPr>
-            <a:lvl6pPr marL="2286000" indent="0">
-              <a:buNone/>
-              <a:defRPr sz="1000"/>
-            </a:lvl6pPr>
-            <a:lvl7pPr marL="2743200" indent="0">
-              <a:buNone/>
-              <a:defRPr sz="1000"/>
-            </a:lvl7pPr>
-            <a:lvl8pPr marL="3200400" indent="0">
-              <a:buNone/>
-              <a:defRPr sz="1000"/>
-            </a:lvl8pPr>
-            <a:lvl9pPr marL="3657600" indent="0">
-              <a:buNone/>
-              <a:defRPr sz="1000"/>
-            </a:lvl9pPr>
-          </a:lstStyle>
-          <a:p>
-            <a:pPr lvl="0"/>
-            <a:r>
-              <a:rPr lang="en-GB"/>
-              <a:t>Click to edit Master text styles</a:t>
-            </a:r>
-          </a:p>
-        </p:txBody>
-      </p:sp>
-    </p:spTree>
-    <p:extLst>
-      <p:ext uri="{BB962C8B-B14F-4D97-AF65-F5344CB8AC3E}">
-        <p14:creationId xmlns:p14="http://schemas.microsoft.com/office/powerpoint/2010/main" val="2508659876"/>
-      </p:ext>
-    </p:extLst>
-  </p:cSld>
-  <p:clrMapOvr>
-    <a:masterClrMapping/>
-  </p:clrMapOvr>
-</p:sldLayout>
-</file>
-
 <file path=ppt/slideMasters/slideMaster1.xml><?xml version="1.0" encoding="utf-8"?>
-<p:sldMaster xmlns:a="http://schemas.openxmlformats.org/drawingml/2006/main" xmlns:r="http://schemas.openxmlformats.org/officeDocument/2006/relationships" xmlns:p="http://schemas.openxmlformats.org/presentationml/2006/main">
-  <p:cSld>
-    <p:bg>
-      <p:bgPr>
-        <a:solidFill>
-          <a:srgbClr val="000000"/>
-        </a:solidFill>
-        <a:effectLst/>
-      </p:bgPr>
-    </p:bg>
-    <p:spTree>
-      <p:nvGrpSpPr>
-        <p:cNvPr id="1" name=""/>
-        <p:cNvGrpSpPr/>
-        <p:nvPr/>
-      </p:nvGrpSpPr>
-      <p:grpSpPr>
-        <a:xfrm>
-          <a:off x="0" y="0"/>
-          <a:ext cx="0" cy="0"/>
-          <a:chOff x="0" y="0"/>
-          <a:chExt cx="0" cy="0"/>
-        </a:xfrm>
-      </p:grpSpPr>
-      <p:sp>
-        <p:nvSpPr>
-          <p:cNvPr id="2" name="Title Placeholder 1">
-            <a:extLst>
-              <a:ext uri="{FF2B5EF4-FFF2-40B4-BE49-F238E27FC236}">
-                <a16:creationId xmlns:a16="http://schemas.microsoft.com/office/drawing/2014/main" id="{7E624D85-29FD-3EFC-AF47-950D651948C9}"/>
-              </a:ext>
-            </a:extLst>
-          </p:cNvPr>
-          <p:cNvSpPr txBox="1">
-            <a:spLocks noGrp="1"/>
-          </p:cNvSpPr>
-          <p:nvPr>
-            <p:ph type="title"/>
-          </p:nvPr>
-        </p:nvSpPr>
-        <p:spPr>
-          <a:xfrm>
-            <a:off x="144000" y="3888000"/>
-            <a:ext cx="9000000" cy="658440"/>
-          </a:xfrm>
-          <a:prstGeom prst="rect">
-            <a:avLst/>
-          </a:prstGeom>
-          <a:noFill/>
-          <a:ln>
-            <a:noFill/>
-          </a:ln>
-        </p:spPr>
-        <p:txBody>
-          <a:bodyPr vert="horz" lIns="0" tIns="0" rIns="0" bIns="0" anchor="ctr">
-            <a:noAutofit/>
-          </a:bodyPr>
-          <a:lstStyle/>
-          <a:p>
-            <a:pPr lvl="0"/>
-            <a:r>
-              <a:rPr lang="en-GB"/>
-              <a:t>Click to edit the title text format</a:t>
-            </a:r>
-          </a:p>
-        </p:txBody>
-      </p:sp>
-      <p:sp>
-        <p:nvSpPr>
-          <p:cNvPr id="3" name="Text Placeholder 2">
-            <a:extLst>
-              <a:ext uri="{FF2B5EF4-FFF2-40B4-BE49-F238E27FC236}">
-                <a16:creationId xmlns:a16="http://schemas.microsoft.com/office/drawing/2014/main" id="{0EFF9853-9E13-7175-2E10-D8371CCE6A7D}"/>
-              </a:ext>
-            </a:extLst>
-          </p:cNvPr>
-          <p:cNvSpPr txBox="1">
-            <a:spLocks noGrp="1"/>
-          </p:cNvSpPr>
-          <p:nvPr>
-            <p:ph type="body" idx="1"/>
-          </p:nvPr>
-        </p:nvSpPr>
-        <p:spPr>
-          <a:xfrm>
-            <a:off x="1584000" y="648000"/>
-            <a:ext cx="6479640" cy="2598840"/>
-          </a:xfrm>
-          <a:prstGeom prst="rect">
-            <a:avLst/>
-          </a:prstGeom>
-          <a:noFill/>
-          <a:ln>
-            <a:noFill/>
-          </a:ln>
-        </p:spPr>
-        <p:txBody>
-          <a:bodyPr lIns="0" tIns="0" rIns="0" bIns="0">
-            <a:normAutofit/>
-          </a:bodyPr>
-          <a:lstStyle/>
-          <a:p>
-            <a:pPr lvl="0"/>
-            <a:r>
-              <a:rPr lang="en-GB"/>
-              <a:t>Click to edit Master text styles</a:t>
-            </a:r>
-          </a:p>
-          <a:p>
-            <a:pPr lvl="1"/>
-            <a:r>
-              <a:rPr lang="en-GB"/>
-              <a:t>Second level</a:t>
-            </a:r>
-          </a:p>
-          <a:p>
-            <a:pPr lvl="2"/>
-            <a:r>
-              <a:rPr lang="en-GB"/>
-              <a:t>Third level</a:t>
-            </a:r>
-          </a:p>
-          <a:p>
-            <a:pPr lvl="3"/>
-            <a:r>
-              <a:rPr lang="en-GB"/>
-              <a:t>Fourth level</a:t>
-            </a:r>
-          </a:p>
-          <a:p>
-            <a:pPr lvl="4"/>
-            <a:r>
-              <a:rPr lang="en-GB"/>
-              <a:t>Fifth level</a:t>
-            </a:r>
-          </a:p>
-        </p:txBody>
-      </p:sp>
-      <p:sp>
-        <p:nvSpPr>
-          <p:cNvPr id="4" name="TextBox 3">
-            <a:extLst>
-              <a:ext uri="{FF2B5EF4-FFF2-40B4-BE49-F238E27FC236}">
-                <a16:creationId xmlns:a16="http://schemas.microsoft.com/office/drawing/2014/main" id="{63930136-3736-1C90-F6AB-E39DCB7ED101}"/>
-              </a:ext>
-            </a:extLst>
-          </p:cNvPr>
-          <p:cNvSpPr txBox="1"/>
-          <p:nvPr/>
-        </p:nvSpPr>
-        <p:spPr>
-          <a:xfrm>
-            <a:off x="3998880" y="4596840"/>
-            <a:ext cx="4392000" cy="794520"/>
-          </a:xfrm>
-          <a:prstGeom prst="rect">
-            <a:avLst/>
-          </a:prstGeom>
-          <a:noFill/>
-          <a:ln>
-            <a:noFill/>
-          </a:ln>
-        </p:spPr>
-        <p:txBody>
-          <a:bodyPr vert="horz" wrap="none" lIns="90000" tIns="45000" rIns="90000" bIns="45000" anchorCtr="0" compatLnSpc="0">
-            <a:spAutoFit/>
-          </a:bodyPr>
-          <a:lstStyle/>
-          <a:p>
-            <a:pPr marL="0" marR="0" lvl="0" indent="0" rtl="0" hangingPunct="0">
-              <a:lnSpc>
-                <a:spcPct val="100000"/>
-              </a:lnSpc>
-              <a:spcBef>
-                <a:spcPts val="0"/>
-              </a:spcBef>
-              <a:spcAft>
-                <a:spcPts val="0"/>
-              </a:spcAft>
-              <a:buNone/>
-              <a:tabLst/>
-              <a:defRPr sz="1400">
-                <a:latin typeface="TlwgTypewriter" pitchFamily="50"/>
-              </a:defRPr>
-            </a:pPr>
-            <a:r>
-              <a:rPr lang="en-GB" sz="1400" b="0" i="0" u="none" strike="noStrike" kern="1200" cap="none">
-                <a:ln>
-                  <a:noFill/>
-                </a:ln>
-                <a:latin typeface="TlwgTypewriter" pitchFamily="50"/>
-                <a:ea typeface="DejaVu Sans" pitchFamily="2"/>
-                <a:cs typeface="DejaVu Sans" pitchFamily="2"/>
-              </a:rPr>
-              <a:t>Instructor:</a:t>
-            </a:r>
-          </a:p>
-          <a:p>
-            <a:pPr marL="0" marR="0" lvl="0" indent="0" rtl="0" hangingPunct="0">
-              <a:lnSpc>
-                <a:spcPct val="100000"/>
-              </a:lnSpc>
-              <a:spcBef>
-                <a:spcPts val="0"/>
-              </a:spcBef>
-              <a:spcAft>
-                <a:spcPts val="0"/>
-              </a:spcAft>
-              <a:buNone/>
-              <a:tabLst/>
-              <a:defRPr sz="1400">
-                <a:latin typeface="TlwgTypewriter" pitchFamily="50"/>
-              </a:defRPr>
-            </a:pPr>
-            <a:r>
-              <a:rPr lang="en-GB" sz="1400" b="0" i="0" u="none" strike="noStrike" kern="1200" cap="none">
-                <a:ln>
-                  <a:noFill/>
-                </a:ln>
-                <a:latin typeface="TlwgTypewriter" pitchFamily="50"/>
-                <a:ea typeface="DejaVu Sans" pitchFamily="2"/>
-                <a:cs typeface="DejaVu Sans" pitchFamily="2"/>
-              </a:rPr>
-              <a:t>February 9-16. 2024</a:t>
-            </a:r>
-          </a:p>
-          <a:p>
-            <a:pPr marL="0" marR="0" lvl="0" indent="0" rtl="0" hangingPunct="0">
-              <a:lnSpc>
-                <a:spcPct val="100000"/>
-              </a:lnSpc>
-              <a:spcBef>
-                <a:spcPts val="0"/>
-              </a:spcBef>
-              <a:spcAft>
-                <a:spcPts val="0"/>
-              </a:spcAft>
-              <a:buNone/>
-              <a:tabLst/>
-              <a:defRPr sz="1400">
-                <a:latin typeface="TlwgTypewriter" pitchFamily="50"/>
-              </a:defRPr>
-            </a:pPr>
-            <a:r>
-              <a:rPr lang="en-GB" sz="1400" b="0" i="0" u="none" strike="noStrike" kern="1200" cap="none">
-                <a:ln>
-                  <a:noFill/>
-                </a:ln>
-                <a:latin typeface="TlwgTypewriter" pitchFamily="50"/>
-                <a:ea typeface="DejaVu Sans" pitchFamily="2"/>
-                <a:cs typeface="DejaVu Sans" pitchFamily="2"/>
-              </a:rPr>
-              <a:t>Centre for Data, Culture &amp; Society</a:t>
-            </a:r>
-          </a:p>
-        </p:txBody>
-      </p:sp>
-      <p:sp>
-        <p:nvSpPr>
-          <p:cNvPr id="5" name="Freeform 4">
-            <a:extLst>
-              <a:ext uri="{FF2B5EF4-FFF2-40B4-BE49-F238E27FC236}">
-                <a16:creationId xmlns:a16="http://schemas.microsoft.com/office/drawing/2014/main" id="{24611662-C6F7-2A00-5F18-06C8CB663023}"/>
-              </a:ext>
-            </a:extLst>
-          </p:cNvPr>
-          <p:cNvSpPr/>
-          <p:nvPr/>
-        </p:nvSpPr>
-        <p:spPr>
-          <a:xfrm>
-            <a:off x="25919" y="4628880"/>
-            <a:ext cx="6120000" cy="18000"/>
-          </a:xfrm>
-          <a:custGeom>
-            <a:avLst>
-              <a:gd name="f0" fmla="val 10800"/>
-            </a:avLst>
-            <a:gdLst>
-              <a:gd name="f1" fmla="val 10800000"/>
-              <a:gd name="f2" fmla="val 5400000"/>
-              <a:gd name="f3" fmla="val 16200000"/>
-              <a:gd name="f4" fmla="val w"/>
-              <a:gd name="f5" fmla="val h"/>
-              <a:gd name="f6" fmla="val ss"/>
-              <a:gd name="f7" fmla="val 0"/>
-              <a:gd name="f8" fmla="*/ 5419351 1 1725033"/>
-              <a:gd name="f9" fmla="val 45"/>
-              <a:gd name="f10" fmla="val 10800"/>
-              <a:gd name="f11" fmla="val -2147483647"/>
-              <a:gd name="f12" fmla="val 2147483647"/>
-              <a:gd name="f13" fmla="abs f4"/>
-              <a:gd name="f14" fmla="abs f5"/>
-              <a:gd name="f15" fmla="abs f6"/>
-              <a:gd name="f16" fmla="*/ f8 1 180"/>
-              <a:gd name="f17" fmla="pin 0 f0 10800"/>
-              <a:gd name="f18" fmla="+- 0 0 f2"/>
-              <a:gd name="f19" fmla="?: f13 f4 1"/>
-              <a:gd name="f20" fmla="?: f14 f5 1"/>
-              <a:gd name="f21" fmla="?: f15 f6 1"/>
-              <a:gd name="f22" fmla="*/ f9 f16 1"/>
-              <a:gd name="f23" fmla="+- f7 f17 0"/>
-              <a:gd name="f24" fmla="*/ f19 1 21600"/>
-              <a:gd name="f25" fmla="*/ f20 1 21600"/>
-              <a:gd name="f26" fmla="*/ 21600 f19 1"/>
-              <a:gd name="f27" fmla="*/ 21600 f20 1"/>
-              <a:gd name="f28" fmla="+- 0 0 f22"/>
-              <a:gd name="f29" fmla="min f25 f24"/>
-              <a:gd name="f30" fmla="*/ f26 1 f21"/>
-              <a:gd name="f31" fmla="*/ f27 1 f21"/>
-              <a:gd name="f32" fmla="*/ f28 f1 1"/>
-              <a:gd name="f33" fmla="*/ f32 1 f8"/>
-              <a:gd name="f34" fmla="+- f31 0 f17"/>
-              <a:gd name="f35" fmla="+- f30 0 f17"/>
-              <a:gd name="f36" fmla="*/ f17 f29 1"/>
-              <a:gd name="f37" fmla="*/ f7 f29 1"/>
-              <a:gd name="f38" fmla="*/ f23 f29 1"/>
-              <a:gd name="f39" fmla="*/ f31 f29 1"/>
-              <a:gd name="f40" fmla="*/ f30 f29 1"/>
-              <a:gd name="f41" fmla="+- f33 0 f2"/>
-              <a:gd name="f42" fmla="+- f37 0 f38"/>
-              <a:gd name="f43" fmla="+- f38 0 f37"/>
-              <a:gd name="f44" fmla="*/ f34 f29 1"/>
-              <a:gd name="f45" fmla="*/ f35 f29 1"/>
-              <a:gd name="f46" fmla="cos 1 f41"/>
-              <a:gd name="f47" fmla="abs f42"/>
-              <a:gd name="f48" fmla="abs f43"/>
-              <a:gd name="f49" fmla="?: f42 f18 f2"/>
-              <a:gd name="f50" fmla="?: f42 f2 f18"/>
-              <a:gd name="f51" fmla="?: f42 f3 f2"/>
-              <a:gd name="f52" fmla="?: f42 f2 f3"/>
-              <a:gd name="f53" fmla="+- f39 0 f44"/>
-              <a:gd name="f54" fmla="?: f43 f18 f2"/>
-              <a:gd name="f55" fmla="?: f43 f2 f18"/>
-              <a:gd name="f56" fmla="+- f40 0 f45"/>
-              <a:gd name="f57" fmla="+- f44 0 f39"/>
-              <a:gd name="f58" fmla="+- f45 0 f40"/>
-              <a:gd name="f59" fmla="?: f42 0 f1"/>
-              <a:gd name="f60" fmla="?: f42 f1 0"/>
-              <a:gd name="f61" fmla="+- 0 0 f46"/>
-              <a:gd name="f62" fmla="?: f42 f52 f51"/>
-              <a:gd name="f63" fmla="?: f42 f51 f52"/>
-              <a:gd name="f64" fmla="?: f43 f50 f49"/>
-              <a:gd name="f65" fmla="abs f53"/>
-              <a:gd name="f66" fmla="?: f53 0 f1"/>
-              <a:gd name="f67" fmla="?: f53 f1 0"/>
-              <a:gd name="f68" fmla="?: f53 f54 f55"/>
-              <a:gd name="f69" fmla="abs f56"/>
-              <a:gd name="f70" fmla="abs f57"/>
-              <a:gd name="f71" fmla="?: f56 f18 f2"/>
-              <a:gd name="f72" fmla="?: f56 f2 f18"/>
-              <a:gd name="f73" fmla="?: f56 f3 f2"/>
-              <a:gd name="f74" fmla="?: f56 f2 f3"/>
-              <a:gd name="f75" fmla="abs f58"/>
-              <a:gd name="f76" fmla="?: f58 f18 f2"/>
-              <a:gd name="f77" fmla="?: f58 f2 f18"/>
-              <a:gd name="f78" fmla="?: f58 f60 f59"/>
-              <a:gd name="f79" fmla="?: f58 f59 f60"/>
-              <a:gd name="f80" fmla="*/ f17 f61 1"/>
-              <a:gd name="f81" fmla="?: f43 f63 f62"/>
-              <a:gd name="f82" fmla="?: f43 f67 f66"/>
-              <a:gd name="f83" fmla="?: f43 f66 f67"/>
-              <a:gd name="f84" fmla="?: f56 f74 f73"/>
-              <a:gd name="f85" fmla="?: f56 f73 f74"/>
-              <a:gd name="f86" fmla="?: f57 f72 f71"/>
-              <a:gd name="f87" fmla="?: f42 f78 f79"/>
-              <a:gd name="f88" fmla="?: f42 f76 f77"/>
-              <a:gd name="f89" fmla="*/ f80 3163 1"/>
-              <a:gd name="f90" fmla="?: f53 f82 f83"/>
-              <a:gd name="f91" fmla="?: f57 f85 f84"/>
-              <a:gd name="f92" fmla="*/ f89 1 7636"/>
-              <a:gd name="f93" fmla="+- f7 f92 0"/>
-              <a:gd name="f94" fmla="+- f30 0 f92"/>
-              <a:gd name="f95" fmla="+- f31 0 f92"/>
-              <a:gd name="f96" fmla="*/ f93 f29 1"/>
-              <a:gd name="f97" fmla="*/ f94 f29 1"/>
-              <a:gd name="f98" fmla="*/ f95 f29 1"/>
-            </a:gdLst>
-            <a:ahLst>
-              <a:ahXY gdRefX="f0" minX="f7" maxX="f10">
-                <a:pos x="f36" y="f37"/>
-              </a:ahXY>
-            </a:ahLst>
-            <a:cxnLst>
-              <a:cxn ang="3cd4">
-                <a:pos x="hc" y="t"/>
-              </a:cxn>
-              <a:cxn ang="0">
-                <a:pos x="r" y="vc"/>
-              </a:cxn>
-              <a:cxn ang="cd4">
-                <a:pos x="hc" y="b"/>
-              </a:cxn>
-              <a:cxn ang="cd2">
-                <a:pos x="l" y="vc"/>
-              </a:cxn>
-            </a:cxnLst>
-            <a:rect l="f96" t="f96" r="f97" b="f98"/>
-            <a:pathLst>
-              <a:path>
-                <a:moveTo>
-                  <a:pt x="f38" y="f37"/>
-                </a:moveTo>
-                <a:arcTo wR="f47" hR="f48" stAng="f81" swAng="f64"/>
-                <a:lnTo>
-                  <a:pt x="f37" y="f44"/>
-                </a:lnTo>
-                <a:arcTo wR="f48" hR="f65" stAng="f90" swAng="f68"/>
-                <a:lnTo>
-                  <a:pt x="f45" y="f39"/>
-                </a:lnTo>
-                <a:arcTo wR="f69" hR="f70" stAng="f91" swAng="f86"/>
-                <a:lnTo>
-                  <a:pt x="f40" y="f38"/>
-                </a:lnTo>
-                <a:arcTo wR="f75" hR="f47" stAng="f87" swAng="f88"/>
-                <a:close/>
-              </a:path>
-            </a:pathLst>
-          </a:custGeom>
-          <a:gradFill>
-            <a:gsLst>
-              <a:gs pos="0">
-                <a:srgbClr val="CCCCCC"/>
-              </a:gs>
-              <a:gs pos="100000">
-                <a:srgbClr val="333333"/>
-              </a:gs>
-            </a:gsLst>
-            <a:lin ang="4860000"/>
-          </a:gradFill>
-          <a:ln>
-            <a:noFill/>
-            <a:prstDash val="solid"/>
-          </a:ln>
-        </p:spPr>
-        <p:txBody>
-          <a:bodyPr vert="horz" wrap="none" lIns="90000" tIns="45000" rIns="90000" bIns="45000" anchor="ctr" anchorCtr="0" compatLnSpc="0">
-            <a:noAutofit/>
-          </a:bodyPr>
-          <a:lstStyle/>
-          <a:p>
-            <a:pPr marL="0" marR="0" lvl="0" indent="0" rtl="0" hangingPunct="0">
-              <a:lnSpc>
-                <a:spcPct val="100000"/>
-              </a:lnSpc>
-              <a:spcBef>
-                <a:spcPts val="0"/>
-              </a:spcBef>
-              <a:spcAft>
-                <a:spcPts val="0"/>
-              </a:spcAft>
-              <a:buNone/>
-              <a:tabLst/>
-            </a:pPr>
-            <a:endParaRPr lang="en-GB" sz="1800" b="0" i="0" u="none" strike="noStrike" kern="1200" cap="none">
-              <a:ln>
-                <a:noFill/>
-              </a:ln>
-              <a:latin typeface="Liberation Sans" pitchFamily="18"/>
-              <a:ea typeface="DejaVu Sans" pitchFamily="2"/>
-              <a:cs typeface="DejaVu Sans" pitchFamily="2"/>
-            </a:endParaRPr>
-          </a:p>
-        </p:txBody>
-      </p:sp>
-      <p:sp>
-        <p:nvSpPr>
-          <p:cNvPr id="6" name="Freeform 5">
-            <a:extLst>
-              <a:ext uri="{FF2B5EF4-FFF2-40B4-BE49-F238E27FC236}">
-                <a16:creationId xmlns:a16="http://schemas.microsoft.com/office/drawing/2014/main" id="{2189ECBE-199B-A293-A107-8780D51EE20E}"/>
-              </a:ext>
-            </a:extLst>
-          </p:cNvPr>
-          <p:cNvSpPr/>
-          <p:nvPr/>
-        </p:nvSpPr>
-        <p:spPr>
-          <a:xfrm>
-            <a:off x="3859200" y="5324400"/>
-            <a:ext cx="6240240" cy="7200"/>
-          </a:xfrm>
-          <a:custGeom>
-            <a:avLst>
-              <a:gd name="f0" fmla="val 10800"/>
-            </a:avLst>
-            <a:gdLst>
-              <a:gd name="f1" fmla="val 10800000"/>
-              <a:gd name="f2" fmla="val 5400000"/>
-              <a:gd name="f3" fmla="val 16200000"/>
-              <a:gd name="f4" fmla="val w"/>
-              <a:gd name="f5" fmla="val h"/>
-              <a:gd name="f6" fmla="val ss"/>
-              <a:gd name="f7" fmla="val 0"/>
-              <a:gd name="f8" fmla="*/ 5419351 1 1725033"/>
-              <a:gd name="f9" fmla="val 45"/>
-              <a:gd name="f10" fmla="val 10800"/>
-              <a:gd name="f11" fmla="val -2147483647"/>
-              <a:gd name="f12" fmla="val 2147483647"/>
-              <a:gd name="f13" fmla="abs f4"/>
-              <a:gd name="f14" fmla="abs f5"/>
-              <a:gd name="f15" fmla="abs f6"/>
-              <a:gd name="f16" fmla="*/ f8 1 180"/>
-              <a:gd name="f17" fmla="pin 0 f0 10800"/>
-              <a:gd name="f18" fmla="+- 0 0 f2"/>
-              <a:gd name="f19" fmla="?: f13 f4 1"/>
-              <a:gd name="f20" fmla="?: f14 f5 1"/>
-              <a:gd name="f21" fmla="?: f15 f6 1"/>
-              <a:gd name="f22" fmla="*/ f9 f16 1"/>
-              <a:gd name="f23" fmla="+- f7 f17 0"/>
-              <a:gd name="f24" fmla="*/ f19 1 21600"/>
-              <a:gd name="f25" fmla="*/ f20 1 21600"/>
-              <a:gd name="f26" fmla="*/ 21600 f19 1"/>
-              <a:gd name="f27" fmla="*/ 21600 f20 1"/>
-              <a:gd name="f28" fmla="+- 0 0 f22"/>
-              <a:gd name="f29" fmla="min f25 f24"/>
-              <a:gd name="f30" fmla="*/ f26 1 f21"/>
-              <a:gd name="f31" fmla="*/ f27 1 f21"/>
-              <a:gd name="f32" fmla="*/ f28 f1 1"/>
-              <a:gd name="f33" fmla="*/ f32 1 f8"/>
-              <a:gd name="f34" fmla="+- f31 0 f17"/>
-              <a:gd name="f35" fmla="+- f30 0 f17"/>
-              <a:gd name="f36" fmla="*/ f17 f29 1"/>
-              <a:gd name="f37" fmla="*/ f7 f29 1"/>
-              <a:gd name="f38" fmla="*/ f23 f29 1"/>
-              <a:gd name="f39" fmla="*/ f31 f29 1"/>
-              <a:gd name="f40" fmla="*/ f30 f29 1"/>
-              <a:gd name="f41" fmla="+- f33 0 f2"/>
-              <a:gd name="f42" fmla="+- f37 0 f38"/>
-              <a:gd name="f43" fmla="+- f38 0 f37"/>
-              <a:gd name="f44" fmla="*/ f34 f29 1"/>
-              <a:gd name="f45" fmla="*/ f35 f29 1"/>
-              <a:gd name="f46" fmla="cos 1 f41"/>
-              <a:gd name="f47" fmla="abs f42"/>
-              <a:gd name="f48" fmla="abs f43"/>
-              <a:gd name="f49" fmla="?: f42 f18 f2"/>
-              <a:gd name="f50" fmla="?: f42 f2 f18"/>
-              <a:gd name="f51" fmla="?: f42 f3 f2"/>
-              <a:gd name="f52" fmla="?: f42 f2 f3"/>
-              <a:gd name="f53" fmla="+- f39 0 f44"/>
-              <a:gd name="f54" fmla="?: f43 f18 f2"/>
-              <a:gd name="f55" fmla="?: f43 f2 f18"/>
-              <a:gd name="f56" fmla="+- f40 0 f45"/>
-              <a:gd name="f57" fmla="+- f44 0 f39"/>
-              <a:gd name="f58" fmla="+- f45 0 f40"/>
-              <a:gd name="f59" fmla="?: f42 0 f1"/>
-              <a:gd name="f60" fmla="?: f42 f1 0"/>
-              <a:gd name="f61" fmla="+- 0 0 f46"/>
-              <a:gd name="f62" fmla="?: f42 f52 f51"/>
-              <a:gd name="f63" fmla="?: f42 f51 f52"/>
-              <a:gd name="f64" fmla="?: f43 f50 f49"/>
-              <a:gd name="f65" fmla="abs f53"/>
-              <a:gd name="f66" fmla="?: f53 0 f1"/>
-              <a:gd name="f67" fmla="?: f53 f1 0"/>
-              <a:gd name="f68" fmla="?: f53 f54 f55"/>
-              <a:gd name="f69" fmla="abs f56"/>
-              <a:gd name="f70" fmla="abs f57"/>
-              <a:gd name="f71" fmla="?: f56 f18 f2"/>
-              <a:gd name="f72" fmla="?: f56 f2 f18"/>
-              <a:gd name="f73" fmla="?: f56 f3 f2"/>
-              <a:gd name="f74" fmla="?: f56 f2 f3"/>
-              <a:gd name="f75" fmla="abs f58"/>
-              <a:gd name="f76" fmla="?: f58 f18 f2"/>
-              <a:gd name="f77" fmla="?: f58 f2 f18"/>
-              <a:gd name="f78" fmla="?: f58 f60 f59"/>
-              <a:gd name="f79" fmla="?: f58 f59 f60"/>
-              <a:gd name="f80" fmla="*/ f17 f61 1"/>
-              <a:gd name="f81" fmla="?: f43 f63 f62"/>
-              <a:gd name="f82" fmla="?: f43 f67 f66"/>
-              <a:gd name="f83" fmla="?: f43 f66 f67"/>
-              <a:gd name="f84" fmla="?: f56 f74 f73"/>
-              <a:gd name="f85" fmla="?: f56 f73 f74"/>
-              <a:gd name="f86" fmla="?: f57 f72 f71"/>
-              <a:gd name="f87" fmla="?: f42 f78 f79"/>
-              <a:gd name="f88" fmla="?: f42 f76 f77"/>
-              <a:gd name="f89" fmla="*/ f80 3163 1"/>
-              <a:gd name="f90" fmla="?: f53 f82 f83"/>
-              <a:gd name="f91" fmla="?: f57 f85 f84"/>
-              <a:gd name="f92" fmla="*/ f89 1 7636"/>
-              <a:gd name="f93" fmla="+- f7 f92 0"/>
-              <a:gd name="f94" fmla="+- f30 0 f92"/>
-              <a:gd name="f95" fmla="+- f31 0 f92"/>
-              <a:gd name="f96" fmla="*/ f93 f29 1"/>
-              <a:gd name="f97" fmla="*/ f94 f29 1"/>
-              <a:gd name="f98" fmla="*/ f95 f29 1"/>
-            </a:gdLst>
-            <a:ahLst>
-              <a:ahXY gdRefX="f0" minX="f7" maxX="f10">
-                <a:pos x="f36" y="f37"/>
-              </a:ahXY>
-            </a:ahLst>
-            <a:cxnLst>
-              <a:cxn ang="3cd4">
-                <a:pos x="hc" y="t"/>
-              </a:cxn>
-              <a:cxn ang="0">
-                <a:pos x="r" y="vc"/>
-              </a:cxn>
-              <a:cxn ang="cd4">
-                <a:pos x="hc" y="b"/>
-              </a:cxn>
-              <a:cxn ang="cd2">
-                <a:pos x="l" y="vc"/>
-              </a:cxn>
-            </a:cxnLst>
-            <a:rect l="f96" t="f96" r="f97" b="f98"/>
-            <a:pathLst>
-              <a:path>
-                <a:moveTo>
-                  <a:pt x="f38" y="f37"/>
-                </a:moveTo>
-                <a:arcTo wR="f47" hR="f48" stAng="f81" swAng="f64"/>
-                <a:lnTo>
-                  <a:pt x="f37" y="f44"/>
-                </a:lnTo>
-                <a:arcTo wR="f48" hR="f65" stAng="f90" swAng="f68"/>
-                <a:lnTo>
-                  <a:pt x="f45" y="f39"/>
-                </a:lnTo>
-                <a:arcTo wR="f69" hR="f70" stAng="f91" swAng="f86"/>
-                <a:lnTo>
-                  <a:pt x="f40" y="f38"/>
-                </a:lnTo>
-                <a:arcTo wR="f75" hR="f47" stAng="f87" swAng="f88"/>
-                <a:close/>
-              </a:path>
-            </a:pathLst>
-          </a:custGeom>
-          <a:gradFill>
-            <a:gsLst>
-              <a:gs pos="0">
-                <a:srgbClr val="CCCCCC"/>
-              </a:gs>
-              <a:gs pos="100000">
-                <a:srgbClr val="333333"/>
-              </a:gs>
-            </a:gsLst>
-            <a:lin ang="4860000"/>
-          </a:gradFill>
-          <a:ln>
-            <a:noFill/>
-            <a:prstDash val="solid"/>
-          </a:ln>
-        </p:spPr>
-        <p:txBody>
-          <a:bodyPr vert="horz" wrap="none" lIns="90000" tIns="45000" rIns="90000" bIns="45000" anchor="ctr" anchorCtr="0" compatLnSpc="0">
-            <a:noAutofit/>
-          </a:bodyPr>
-          <a:lstStyle/>
-          <a:p>
-            <a:pPr marL="0" marR="0" lvl="0" indent="0" rtl="0" hangingPunct="0">
-              <a:lnSpc>
-                <a:spcPct val="100000"/>
-              </a:lnSpc>
-              <a:spcBef>
-                <a:spcPts val="0"/>
-              </a:spcBef>
-              <a:spcAft>
-                <a:spcPts val="0"/>
-              </a:spcAft>
-              <a:buNone/>
-              <a:tabLst/>
-            </a:pPr>
-            <a:endParaRPr lang="en-GB" sz="1800" b="0" i="0" u="none" strike="noStrike" kern="1200" cap="none">
-              <a:ln>
-                <a:noFill/>
-              </a:ln>
-              <a:latin typeface="Liberation Sans" pitchFamily="18"/>
-              <a:ea typeface="DejaVu Sans" pitchFamily="2"/>
-              <a:cs typeface="DejaVu Sans" pitchFamily="2"/>
-            </a:endParaRPr>
-          </a:p>
-        </p:txBody>
-      </p:sp>
-      <p:sp>
-        <p:nvSpPr>
-          <p:cNvPr id="7" name="Freeform 6">
-            <a:extLst>
-              <a:ext uri="{FF2B5EF4-FFF2-40B4-BE49-F238E27FC236}">
-                <a16:creationId xmlns:a16="http://schemas.microsoft.com/office/drawing/2014/main" id="{CFE90D20-D565-D3B4-4FE7-07C78AEBE228}"/>
-              </a:ext>
-            </a:extLst>
-          </p:cNvPr>
-          <p:cNvSpPr/>
-          <p:nvPr/>
-        </p:nvSpPr>
-        <p:spPr>
-          <a:xfrm>
-            <a:off x="4044960" y="4944960"/>
-            <a:ext cx="7200" cy="487440"/>
-          </a:xfrm>
-          <a:custGeom>
-            <a:avLst>
-              <a:gd name="f0" fmla="val 10800"/>
-            </a:avLst>
-            <a:gdLst>
-              <a:gd name="f1" fmla="val 10800000"/>
-              <a:gd name="f2" fmla="val 5400000"/>
-              <a:gd name="f3" fmla="val 16200000"/>
-              <a:gd name="f4" fmla="val w"/>
-              <a:gd name="f5" fmla="val h"/>
-              <a:gd name="f6" fmla="val ss"/>
-              <a:gd name="f7" fmla="val 0"/>
-              <a:gd name="f8" fmla="*/ 5419351 1 1725033"/>
-              <a:gd name="f9" fmla="val 45"/>
-              <a:gd name="f10" fmla="val 10800"/>
-              <a:gd name="f11" fmla="val -2147483647"/>
-              <a:gd name="f12" fmla="val 2147483647"/>
-              <a:gd name="f13" fmla="abs f4"/>
-              <a:gd name="f14" fmla="abs f5"/>
-              <a:gd name="f15" fmla="abs f6"/>
-              <a:gd name="f16" fmla="*/ f8 1 180"/>
-              <a:gd name="f17" fmla="pin 0 f0 10800"/>
-              <a:gd name="f18" fmla="+- 0 0 f2"/>
-              <a:gd name="f19" fmla="?: f13 f4 1"/>
-              <a:gd name="f20" fmla="?: f14 f5 1"/>
-              <a:gd name="f21" fmla="?: f15 f6 1"/>
-              <a:gd name="f22" fmla="*/ f9 f16 1"/>
-              <a:gd name="f23" fmla="+- f7 f17 0"/>
-              <a:gd name="f24" fmla="*/ f19 1 21600"/>
-              <a:gd name="f25" fmla="*/ f20 1 21600"/>
-              <a:gd name="f26" fmla="*/ 21600 f19 1"/>
-              <a:gd name="f27" fmla="*/ 21600 f20 1"/>
-              <a:gd name="f28" fmla="+- 0 0 f22"/>
-              <a:gd name="f29" fmla="min f25 f24"/>
-              <a:gd name="f30" fmla="*/ f26 1 f21"/>
-              <a:gd name="f31" fmla="*/ f27 1 f21"/>
-              <a:gd name="f32" fmla="*/ f28 f1 1"/>
-              <a:gd name="f33" fmla="*/ f32 1 f8"/>
-              <a:gd name="f34" fmla="+- f31 0 f17"/>
-              <a:gd name="f35" fmla="+- f30 0 f17"/>
-              <a:gd name="f36" fmla="*/ f17 f29 1"/>
-              <a:gd name="f37" fmla="*/ f7 f29 1"/>
-              <a:gd name="f38" fmla="*/ f23 f29 1"/>
-              <a:gd name="f39" fmla="*/ f31 f29 1"/>
-              <a:gd name="f40" fmla="*/ f30 f29 1"/>
-              <a:gd name="f41" fmla="+- f33 0 f2"/>
-              <a:gd name="f42" fmla="+- f37 0 f38"/>
-              <a:gd name="f43" fmla="+- f38 0 f37"/>
-              <a:gd name="f44" fmla="*/ f34 f29 1"/>
-              <a:gd name="f45" fmla="*/ f35 f29 1"/>
-              <a:gd name="f46" fmla="cos 1 f41"/>
-              <a:gd name="f47" fmla="abs f42"/>
-              <a:gd name="f48" fmla="abs f43"/>
-              <a:gd name="f49" fmla="?: f42 f18 f2"/>
-              <a:gd name="f50" fmla="?: f42 f2 f18"/>
-              <a:gd name="f51" fmla="?: f42 f3 f2"/>
-              <a:gd name="f52" fmla="?: f42 f2 f3"/>
-              <a:gd name="f53" fmla="+- f39 0 f44"/>
-              <a:gd name="f54" fmla="?: f43 f18 f2"/>
-              <a:gd name="f55" fmla="?: f43 f2 f18"/>
-              <a:gd name="f56" fmla="+- f40 0 f45"/>
-              <a:gd name="f57" fmla="+- f44 0 f39"/>
-              <a:gd name="f58" fmla="+- f45 0 f40"/>
-              <a:gd name="f59" fmla="?: f42 0 f1"/>
-              <a:gd name="f60" fmla="?: f42 f1 0"/>
-              <a:gd name="f61" fmla="+- 0 0 f46"/>
-              <a:gd name="f62" fmla="?: f42 f52 f51"/>
-              <a:gd name="f63" fmla="?: f42 f51 f52"/>
-              <a:gd name="f64" fmla="?: f43 f50 f49"/>
-              <a:gd name="f65" fmla="abs f53"/>
-              <a:gd name="f66" fmla="?: f53 0 f1"/>
-              <a:gd name="f67" fmla="?: f53 f1 0"/>
-              <a:gd name="f68" fmla="?: f53 f54 f55"/>
-              <a:gd name="f69" fmla="abs f56"/>
-              <a:gd name="f70" fmla="abs f57"/>
-              <a:gd name="f71" fmla="?: f56 f18 f2"/>
-              <a:gd name="f72" fmla="?: f56 f2 f18"/>
-              <a:gd name="f73" fmla="?: f56 f3 f2"/>
-              <a:gd name="f74" fmla="?: f56 f2 f3"/>
-              <a:gd name="f75" fmla="abs f58"/>
-              <a:gd name="f76" fmla="?: f58 f18 f2"/>
-              <a:gd name="f77" fmla="?: f58 f2 f18"/>
-              <a:gd name="f78" fmla="?: f58 f60 f59"/>
-              <a:gd name="f79" fmla="?: f58 f59 f60"/>
-              <a:gd name="f80" fmla="*/ f17 f61 1"/>
-              <a:gd name="f81" fmla="?: f43 f63 f62"/>
-              <a:gd name="f82" fmla="?: f43 f67 f66"/>
-              <a:gd name="f83" fmla="?: f43 f66 f67"/>
-              <a:gd name="f84" fmla="?: f56 f74 f73"/>
-              <a:gd name="f85" fmla="?: f56 f73 f74"/>
-              <a:gd name="f86" fmla="?: f57 f72 f71"/>
-              <a:gd name="f87" fmla="?: f42 f78 f79"/>
-              <a:gd name="f88" fmla="?: f42 f76 f77"/>
-              <a:gd name="f89" fmla="*/ f80 3163 1"/>
-              <a:gd name="f90" fmla="?: f53 f82 f83"/>
-              <a:gd name="f91" fmla="?: f57 f85 f84"/>
-              <a:gd name="f92" fmla="*/ f89 1 7636"/>
-              <a:gd name="f93" fmla="+- f7 f92 0"/>
-              <a:gd name="f94" fmla="+- f30 0 f92"/>
-              <a:gd name="f95" fmla="+- f31 0 f92"/>
-              <a:gd name="f96" fmla="*/ f93 f29 1"/>
-              <a:gd name="f97" fmla="*/ f94 f29 1"/>
-              <a:gd name="f98" fmla="*/ f95 f29 1"/>
-            </a:gdLst>
-            <a:ahLst>
-              <a:ahXY gdRefX="f0" minX="f7" maxX="f10">
-                <a:pos x="f36" y="f37"/>
-              </a:ahXY>
-            </a:ahLst>
-            <a:cxnLst>
-              <a:cxn ang="3cd4">
-                <a:pos x="hc" y="t"/>
-              </a:cxn>
-              <a:cxn ang="0">
-                <a:pos x="r" y="vc"/>
-              </a:cxn>
-              <a:cxn ang="cd4">
-                <a:pos x="hc" y="b"/>
-              </a:cxn>
-              <a:cxn ang="cd2">
-                <a:pos x="l" y="vc"/>
-              </a:cxn>
-            </a:cxnLst>
-            <a:rect l="f96" t="f96" r="f97" b="f98"/>
-            <a:pathLst>
-              <a:path>
-                <a:moveTo>
-                  <a:pt x="f38" y="f37"/>
-                </a:moveTo>
-                <a:arcTo wR="f47" hR="f48" stAng="f81" swAng="f64"/>
-                <a:lnTo>
-                  <a:pt x="f37" y="f44"/>
-                </a:lnTo>
-                <a:arcTo wR="f48" hR="f65" stAng="f90" swAng="f68"/>
-                <a:lnTo>
-                  <a:pt x="f45" y="f39"/>
-                </a:lnTo>
-                <a:arcTo wR="f69" hR="f70" stAng="f91" swAng="f86"/>
-                <a:lnTo>
-                  <a:pt x="f40" y="f38"/>
-                </a:lnTo>
-                <a:arcTo wR="f75" hR="f47" stAng="f87" swAng="f88"/>
-                <a:close/>
-              </a:path>
-            </a:pathLst>
-          </a:custGeom>
-          <a:solidFill>
-            <a:srgbClr val="CCCCCC"/>
-          </a:solidFill>
-          <a:ln>
-            <a:noFill/>
-            <a:prstDash val="solid"/>
-          </a:ln>
-        </p:spPr>
-        <p:txBody>
-          <a:bodyPr vert="horz" wrap="none" lIns="90000" tIns="45000" rIns="90000" bIns="45000" anchor="ctr" anchorCtr="0" compatLnSpc="0">
-            <a:noAutofit/>
-          </a:bodyPr>
-          <a:lstStyle/>
-          <a:p>
-            <a:pPr marL="0" marR="0" lvl="0" indent="0" rtl="0" hangingPunct="0">
-              <a:lnSpc>
-                <a:spcPct val="100000"/>
-              </a:lnSpc>
-              <a:spcBef>
-                <a:spcPts val="0"/>
-              </a:spcBef>
-              <a:spcAft>
-                <a:spcPts val="0"/>
-              </a:spcAft>
-              <a:buNone/>
-              <a:tabLst/>
-            </a:pPr>
-            <a:endParaRPr lang="en-GB" sz="1800" b="0" i="0" u="none" strike="noStrike" kern="1200" cap="none">
-              <a:ln>
-                <a:noFill/>
-              </a:ln>
-              <a:latin typeface="Liberation Sans" pitchFamily="18"/>
-              <a:ea typeface="DejaVu Sans" pitchFamily="2"/>
-              <a:cs typeface="DejaVu Sans" pitchFamily="2"/>
-            </a:endParaRPr>
-          </a:p>
-        </p:txBody>
-      </p:sp>
-    </p:spTree>
-  </p:cSld>
-  <p:clrMap bg1="lt1" tx1="dk1" bg2="lt2" tx2="dk2" accent1="accent1" accent2="accent2" accent3="accent3" accent4="accent4" accent5="accent5" accent6="accent6" hlink="hlink" folHlink="folHlink"/>
-  <p:sldLayoutIdLst>
-    <p:sldLayoutId id="2147483649" r:id="rId1"/>
-    <p:sldLayoutId id="2147483650" r:id="rId2"/>
-    <p:sldLayoutId id="2147483651" r:id="rId3"/>
-    <p:sldLayoutId id="2147483652" r:id="rId4"/>
-    <p:sldLayoutId id="2147483653" r:id="rId5"/>
-    <p:sldLayoutId id="2147483654" r:id="rId6"/>
-    <p:sldLayoutId id="2147483655" r:id="rId7"/>
-    <p:sldLayoutId id="2147483656" r:id="rId8"/>
-    <p:sldLayoutId id="2147483657" r:id="rId9"/>
-    <p:sldLayoutId id="2147483658" r:id="rId10"/>
-    <p:sldLayoutId id="2147483659" r:id="rId11"/>
-  </p:sldLayoutIdLst>
-  <p:txStyles>
-    <p:titleStyle>
-      <a:lvl1pPr lvl="0" algn="l" rtl="0" hangingPunct="0">
-        <a:buNone/>
-        <a:tabLst/>
-        <a:defRPr lang="en-GB" sz="3200" b="1" i="0" u="none" strike="noStrike" kern="1200" cap="none">
-          <a:ln>
-            <a:noFill/>
-          </a:ln>
-          <a:highlight>
-            <a:scrgbClr r="0" g="0" b="0">
-              <a:alpha val="0"/>
-            </a:scrgbClr>
-          </a:highlight>
-          <a:latin typeface="TlwgTypewriter" pitchFamily="50"/>
-          <a:ea typeface="DejaVu Sans" pitchFamily="2"/>
-          <a:cs typeface="DejaVu Sans" pitchFamily="2"/>
-        </a:defRPr>
-      </a:lvl1pPr>
-    </p:titleStyle>
-    <p:bodyStyle>
-      <a:lvl1pPr rtl="0" hangingPunct="0">
-        <a:spcBef>
-          <a:spcPts val="1417"/>
-        </a:spcBef>
-        <a:spcAft>
-          <a:spcPts val="0"/>
-        </a:spcAft>
-        <a:tabLst/>
-        <a:defRPr lang="en-GB" sz="3200" b="0" i="0" u="none" strike="noStrike" kern="1200" cap="none">
-          <a:ln>
-            <a:noFill/>
-          </a:ln>
-          <a:highlight>
-            <a:scrgbClr r="0" g="0" b="0">
-              <a:alpha val="0"/>
-            </a:scrgbClr>
-          </a:highlight>
-          <a:latin typeface="Liberation Sans" pitchFamily="18"/>
-        </a:defRPr>
-      </a:lvl1pPr>
-      <a:lvl2pPr marL="685800" indent="-228600" algn="l" defTabSz="914400" rtl="0" eaLnBrk="1" latinLnBrk="0" hangingPunct="1">
-        <a:lnSpc>
-          <a:spcPct val="90000"/>
-        </a:lnSpc>
-        <a:spcBef>
-          <a:spcPts val="500"/>
-        </a:spcBef>
-        <a:buFont typeface="Arial" panose="020B0604020202020204" pitchFamily="34" charset="0"/>
-        <a:buChar char="•"/>
-        <a:defRPr sz="2400" kern="1200">
-          <a:solidFill>
-            <a:schemeClr val="tx1"/>
-          </a:solidFill>
-          <a:latin typeface="+mn-lt"/>
-          <a:ea typeface="+mn-ea"/>
-          <a:cs typeface="+mn-cs"/>
-        </a:defRPr>
-      </a:lvl2pPr>
-      <a:lvl3pPr marL="1143000" indent="-228600" algn="l" defTabSz="914400" rtl="0" eaLnBrk="1" latinLnBrk="0" hangingPunct="1">
-        <a:lnSpc>
-          <a:spcPct val="90000"/>
-        </a:lnSpc>
-        <a:spcBef>
-          <a:spcPts val="500"/>
-        </a:spcBef>
-        <a:buFont typeface="Arial" panose="020B0604020202020204" pitchFamily="34" charset="0"/>
-        <a:buChar char="•"/>
-        <a:defRPr sz="2000" kern="1200">
-          <a:solidFill>
-            <a:schemeClr val="tx1"/>
-          </a:solidFill>
-          <a:latin typeface="+mn-lt"/>
-          <a:ea typeface="+mn-ea"/>
-          <a:cs typeface="+mn-cs"/>
-        </a:defRPr>
-      </a:lvl3pPr>
-      <a:lvl4pPr marL="1600200" indent="-228600" algn="l" defTabSz="914400" rtl="0" eaLnBrk="1" latinLnBrk="0" hangingPunct="1">
-        <a:lnSpc>
-          <a:spcPct val="90000"/>
-        </a:lnSpc>
-        <a:spcBef>
-          <a:spcPts val="500"/>
-        </a:spcBef>
-        <a:buFont typeface="Arial" panose="020B0604020202020204" pitchFamily="34" charset="0"/>
-        <a:buChar char="•"/>
-        <a:defRPr sz="1800" kern="1200">
-          <a:solidFill>
-            <a:schemeClr val="tx1"/>
-          </a:solidFill>
-          <a:latin typeface="+mn-lt"/>
-          <a:ea typeface="+mn-ea"/>
-          <a:cs typeface="+mn-cs"/>
-        </a:defRPr>
-      </a:lvl4pPr>
-      <a:lvl5pPr marL="2057400" indent="-228600" algn="l" defTabSz="914400" rtl="0" eaLnBrk="1" latinLnBrk="0" hangingPunct="1">
-        <a:lnSpc>
-          <a:spcPct val="90000"/>
-        </a:lnSpc>
-        <a:spcBef>
-          <a:spcPts val="500"/>
-        </a:spcBef>
-        <a:buFont typeface="Arial" panose="020B0604020202020204" pitchFamily="34" charset="0"/>
-        <a:buChar char="•"/>
-        <a:defRPr sz="1800" kern="1200">
-          <a:solidFill>
-            <a:schemeClr val="tx1"/>
-          </a:solidFill>
-          <a:latin typeface="+mn-lt"/>
-          <a:ea typeface="+mn-ea"/>
-          <a:cs typeface="+mn-cs"/>
-        </a:defRPr>
-      </a:lvl5pPr>
-      <a:lvl6pPr marL="2514600" indent="-228600" algn="l" defTabSz="914400" rtl="0" eaLnBrk="1" latinLnBrk="0" hangingPunct="1">
-        <a:lnSpc>
-          <a:spcPct val="90000"/>
-        </a:lnSpc>
-        <a:spcBef>
-          <a:spcPts val="500"/>
-        </a:spcBef>
-        <a:buFont typeface="Arial" panose="020B0604020202020204" pitchFamily="34" charset="0"/>
-        <a:buChar char="•"/>
-        <a:defRPr sz="1800" kern="1200">
-          <a:solidFill>
-            <a:schemeClr val="tx1"/>
-          </a:solidFill>
-          <a:latin typeface="+mn-lt"/>
-          <a:ea typeface="+mn-ea"/>
-          <a:cs typeface="+mn-cs"/>
-        </a:defRPr>
-      </a:lvl6pPr>
-      <a:lvl7pPr marL="2971800" indent="-228600" algn="l" defTabSz="914400" rtl="0" eaLnBrk="1" latinLnBrk="0" hangingPunct="1">
-        <a:lnSpc>
-          <a:spcPct val="90000"/>
-        </a:lnSpc>
-        <a:spcBef>
-          <a:spcPts val="500"/>
-        </a:spcBef>
-        <a:buFont typeface="Arial" panose="020B0604020202020204" pitchFamily="34" charset="0"/>
-        <a:buChar char="•"/>
-        <a:defRPr sz="1800" kern="1200">
-          <a:solidFill>
-            <a:schemeClr val="tx1"/>
-          </a:solidFill>
-          <a:latin typeface="+mn-lt"/>
-          <a:ea typeface="+mn-ea"/>
-          <a:cs typeface="+mn-cs"/>
-        </a:defRPr>
-      </a:lvl7pPr>
-      <a:lvl8pPr marL="3429000" indent="-228600" algn="l" defTabSz="914400" rtl="0" eaLnBrk="1" latinLnBrk="0" hangingPunct="1">
-        <a:lnSpc>
-          <a:spcPct val="90000"/>
-        </a:lnSpc>
-        <a:spcBef>
-          <a:spcPts val="500"/>
-        </a:spcBef>
-        <a:buFont typeface="Arial" panose="020B0604020202020204" pitchFamily="34" charset="0"/>
-        <a:buChar char="•"/>
-        <a:defRPr sz="1800" kern="1200">
-          <a:solidFill>
-            <a:schemeClr val="tx1"/>
-          </a:solidFill>
-          <a:latin typeface="+mn-lt"/>
-          <a:ea typeface="+mn-ea"/>
-          <a:cs typeface="+mn-cs"/>
-        </a:defRPr>
-      </a:lvl8pPr>
-      <a:lvl9pPr marL="3886200" indent="-228600" algn="l" defTabSz="914400" rtl="0" eaLnBrk="1" latinLnBrk="0" hangingPunct="1">
-        <a:lnSpc>
-          <a:spcPct val="90000"/>
-        </a:lnSpc>
-        <a:spcBef>
-          <a:spcPts val="500"/>
-        </a:spcBef>
-        <a:buFont typeface="Arial" panose="020B0604020202020204" pitchFamily="34" charset="0"/>
-        <a:buChar char="•"/>
-        <a:defRPr sz="1800" kern="1200">
-          <a:solidFill>
-            <a:schemeClr val="tx1"/>
-          </a:solidFill>
-          <a:latin typeface="+mn-lt"/>
-          <a:ea typeface="+mn-ea"/>
-          <a:cs typeface="+mn-cs"/>
-        </a:defRPr>
-      </a:lvl9pPr>
-    </p:bodyStyle>
-    <p:otherStyle>
-      <a:defPPr>
-        <a:defRPr lang="en-US"/>
-      </a:defPPr>
-      <a:lvl1pPr marL="0" algn="l" defTabSz="914400" rtl="0" eaLnBrk="1" latinLnBrk="0" hangingPunct="1">
-        <a:defRPr sz="1800" kern="1200">
-          <a:solidFill>
-            <a:schemeClr val="tx1"/>
-          </a:solidFill>
-          <a:latin typeface="+mn-lt"/>
-          <a:ea typeface="+mn-ea"/>
-          <a:cs typeface="+mn-cs"/>
-        </a:defRPr>
-      </a:lvl1pPr>
-      <a:lvl2pPr marL="457200" algn="l" defTabSz="914400" rtl="0" eaLnBrk="1" latinLnBrk="0" hangingPunct="1">
-        <a:defRPr sz="1800" kern="1200">
-          <a:solidFill>
-            <a:schemeClr val="tx1"/>
-          </a:solidFill>
-          <a:latin typeface="+mn-lt"/>
-          <a:ea typeface="+mn-ea"/>
-          <a:cs typeface="+mn-cs"/>
-        </a:defRPr>
-      </a:lvl2pPr>
-      <a:lvl3pPr marL="914400" algn="l" defTabSz="914400" rtl="0" eaLnBrk="1" latinLnBrk="0" hangingPunct="1">
-        <a:defRPr sz="1800" kern="1200">
-          <a:solidFill>
-            <a:schemeClr val="tx1"/>
-          </a:solidFill>
-          <a:latin typeface="+mn-lt"/>
-          <a:ea typeface="+mn-ea"/>
-          <a:cs typeface="+mn-cs"/>
-        </a:defRPr>
-      </a:lvl3pPr>
-      <a:lvl4pPr marL="1371600" algn="l" defTabSz="914400" rtl="0" eaLnBrk="1" latinLnBrk="0" hangingPunct="1">
-        <a:defRPr sz="1800" kern="1200">
-          <a:solidFill>
-            <a:schemeClr val="tx1"/>
-          </a:solidFill>
-          <a:latin typeface="+mn-lt"/>
-          <a:ea typeface="+mn-ea"/>
-          <a:cs typeface="+mn-cs"/>
-        </a:defRPr>
-      </a:lvl4pPr>
-      <a:lvl5pPr marL="1828800" algn="l" defTabSz="914400" rtl="0" eaLnBrk="1" latinLnBrk="0" hangingPunct="1">
-        <a:defRPr sz="1800" kern="1200">
-          <a:solidFill>
-            <a:schemeClr val="tx1"/>
-          </a:solidFill>
-          <a:latin typeface="+mn-lt"/>
-          <a:ea typeface="+mn-ea"/>
-          <a:cs typeface="+mn-cs"/>
-        </a:defRPr>
-      </a:lvl5pPr>
-      <a:lvl6pPr marL="2286000" algn="l" defTabSz="914400" rtl="0" eaLnBrk="1" latinLnBrk="0" hangingPunct="1">
-        <a:defRPr sz="1800" kern="1200">
-          <a:solidFill>
-            <a:schemeClr val="tx1"/>
-          </a:solidFill>
-          <a:latin typeface="+mn-lt"/>
-          <a:ea typeface="+mn-ea"/>
-          <a:cs typeface="+mn-cs"/>
-        </a:defRPr>
-      </a:lvl6pPr>
-      <a:lvl7pPr marL="2743200" algn="l" defTabSz="914400" rtl="0" eaLnBrk="1" latinLnBrk="0" hangingPunct="1">
-        <a:defRPr sz="1800" kern="1200">
-          <a:solidFill>
-            <a:schemeClr val="tx1"/>
-          </a:solidFill>
-          <a:latin typeface="+mn-lt"/>
-          <a:ea typeface="+mn-ea"/>
-          <a:cs typeface="+mn-cs"/>
-        </a:defRPr>
-      </a:lvl7pPr>
-      <a:lvl8pPr marL="3200400" algn="l" defTabSz="914400" rtl="0" eaLnBrk="1" latinLnBrk="0" hangingPunct="1">
-        <a:defRPr sz="1800" kern="1200">
-          <a:solidFill>
-            <a:schemeClr val="tx1"/>
-          </a:solidFill>
-          <a:latin typeface="+mn-lt"/>
-          <a:ea typeface="+mn-ea"/>
-          <a:cs typeface="+mn-cs"/>
-        </a:defRPr>
-      </a:lvl8pPr>
-      <a:lvl9pPr marL="3657600" algn="l" defTabSz="914400" rtl="0" eaLnBrk="1" latinLnBrk="0" hangingPunct="1">
-        <a:defRPr sz="1800" kern="1200">
-          <a:solidFill>
-            <a:schemeClr val="tx1"/>
-          </a:solidFill>
-          <a:latin typeface="+mn-lt"/>
-          <a:ea typeface="+mn-ea"/>
-          <a:cs typeface="+mn-cs"/>
-        </a:defRPr>
-      </a:lvl9pPr>
-    </p:otherStyle>
-  </p:txStyles>
-</p:sldMaster>
-</file>
-
-<file path=ppt/slideMasters/slideMaster2.xml><?xml version="1.0" encoding="utf-8"?>
 <p:sldMaster xmlns:a="http://schemas.openxmlformats.org/drawingml/2006/main" xmlns:r="http://schemas.openxmlformats.org/officeDocument/2006/relationships" xmlns:p="http://schemas.openxmlformats.org/presentationml/2006/main">
   <p:cSld>
     <p:bg>
@@ -11146,6 +10346,576 @@
 </p:sldMaster>
 </file>
 
+<file path=ppt/slideMasters/slideMaster2.xml><?xml version="1.0" encoding="utf-8"?>
+<p:sldMaster xmlns:a="http://schemas.openxmlformats.org/drawingml/2006/main" xmlns:r="http://schemas.openxmlformats.org/officeDocument/2006/relationships" xmlns:p="http://schemas.openxmlformats.org/presentationml/2006/main">
+  <p:cSld>
+    <p:bg>
+      <p:bgRef idx="1001">
+        <a:schemeClr val="bg1"/>
+      </p:bgRef>
+    </p:bg>
+    <p:spTree>
+      <p:nvGrpSpPr>
+        <p:cNvPr id="1" name=""/>
+        <p:cNvGrpSpPr/>
+        <p:nvPr/>
+      </p:nvGrpSpPr>
+      <p:grpSpPr>
+        <a:xfrm>
+          <a:off x="0" y="0"/>
+          <a:ext cx="0" cy="0"/>
+          <a:chOff x="0" y="0"/>
+          <a:chExt cx="0" cy="0"/>
+        </a:xfrm>
+      </p:grpSpPr>
+      <p:sp>
+        <p:nvSpPr>
+          <p:cNvPr id="2" name="Title Placeholder 1">
+            <a:extLst>
+              <a:ext uri="{FF2B5EF4-FFF2-40B4-BE49-F238E27FC236}">
+                <a16:creationId xmlns:a16="http://schemas.microsoft.com/office/drawing/2014/main" id="{ABFC5169-05FC-445B-870A-89EFD49CC3A9}"/>
+              </a:ext>
+            </a:extLst>
+          </p:cNvPr>
+          <p:cNvSpPr>
+            <a:spLocks noGrp="1"/>
+          </p:cNvSpPr>
+          <p:nvPr>
+            <p:ph type="title"/>
+          </p:nvPr>
+        </p:nvSpPr>
+        <p:spPr>
+          <a:xfrm>
+            <a:off x="693043" y="301905"/>
+            <a:ext cx="8694539" cy="1096044"/>
+          </a:xfrm>
+          <a:prstGeom prst="rect">
+            <a:avLst/>
+          </a:prstGeom>
+        </p:spPr>
+        <p:txBody>
+          <a:bodyPr vert="horz" lIns="91440" tIns="45720" rIns="91440" bIns="45720" rtlCol="0" anchor="ctr">
+            <a:normAutofit/>
+          </a:bodyPr>
+          <a:lstStyle/>
+          <a:p>
+            <a:r>
+              <a:rPr lang="en-US"/>
+              <a:t>Click to edit Master title style</a:t>
+            </a:r>
+            <a:endParaRPr lang="en-GB"/>
+          </a:p>
+        </p:txBody>
+      </p:sp>
+      <p:sp>
+        <p:nvSpPr>
+          <p:cNvPr id="3" name="Text Placeholder 2">
+            <a:extLst>
+              <a:ext uri="{FF2B5EF4-FFF2-40B4-BE49-F238E27FC236}">
+                <a16:creationId xmlns:a16="http://schemas.microsoft.com/office/drawing/2014/main" id="{910D839E-C401-4E74-8FC8-1053FCFACAE3}"/>
+              </a:ext>
+            </a:extLst>
+          </p:cNvPr>
+          <p:cNvSpPr>
+            <a:spLocks noGrp="1"/>
+          </p:cNvSpPr>
+          <p:nvPr>
+            <p:ph type="body" idx="1"/>
+          </p:nvPr>
+        </p:nvSpPr>
+        <p:spPr>
+          <a:xfrm>
+            <a:off x="693043" y="1509521"/>
+            <a:ext cx="8694539" cy="3597912"/>
+          </a:xfrm>
+          <a:prstGeom prst="rect">
+            <a:avLst/>
+          </a:prstGeom>
+        </p:spPr>
+        <p:txBody>
+          <a:bodyPr vert="horz" lIns="91440" tIns="45720" rIns="91440" bIns="45720" rtlCol="0">
+            <a:normAutofit/>
+          </a:bodyPr>
+          <a:lstStyle/>
+          <a:p>
+            <a:pPr lvl="0"/>
+            <a:r>
+              <a:rPr lang="en-US"/>
+              <a:t>Click to edit Master text styles</a:t>
+            </a:r>
+          </a:p>
+          <a:p>
+            <a:pPr lvl="1"/>
+            <a:r>
+              <a:rPr lang="en-US"/>
+              <a:t>Second level</a:t>
+            </a:r>
+          </a:p>
+          <a:p>
+            <a:pPr lvl="2"/>
+            <a:r>
+              <a:rPr lang="en-US"/>
+              <a:t>Third level</a:t>
+            </a:r>
+          </a:p>
+          <a:p>
+            <a:pPr lvl="3"/>
+            <a:r>
+              <a:rPr lang="en-US"/>
+              <a:t>Fourth level</a:t>
+            </a:r>
+          </a:p>
+          <a:p>
+            <a:pPr lvl="4"/>
+            <a:r>
+              <a:rPr lang="en-US"/>
+              <a:t>Fifth level</a:t>
+            </a:r>
+            <a:endParaRPr lang="en-GB"/>
+          </a:p>
+        </p:txBody>
+      </p:sp>
+      <p:sp>
+        <p:nvSpPr>
+          <p:cNvPr id="4" name="Date Placeholder 3">
+            <a:extLst>
+              <a:ext uri="{FF2B5EF4-FFF2-40B4-BE49-F238E27FC236}">
+                <a16:creationId xmlns:a16="http://schemas.microsoft.com/office/drawing/2014/main" id="{CC99AC2D-B3EB-482C-8B48-1BBDA5FD3989}"/>
+              </a:ext>
+            </a:extLst>
+          </p:cNvPr>
+          <p:cNvSpPr>
+            <a:spLocks noGrp="1"/>
+          </p:cNvSpPr>
+          <p:nvPr>
+            <p:ph type="dt" sz="half" idx="2"/>
+          </p:nvPr>
+        </p:nvSpPr>
+        <p:spPr>
+          <a:xfrm>
+            <a:off x="693043" y="5255760"/>
+            <a:ext cx="2268141" cy="301904"/>
+          </a:xfrm>
+          <a:prstGeom prst="rect">
+            <a:avLst/>
+          </a:prstGeom>
+        </p:spPr>
+        <p:txBody>
+          <a:bodyPr vert="horz" lIns="91440" tIns="45720" rIns="91440" bIns="45720" rtlCol="0" anchor="ctr"/>
+          <a:lstStyle>
+            <a:lvl1pPr algn="l">
+              <a:defRPr sz="992">
+                <a:solidFill>
+                  <a:schemeClr val="tx1">
+                    <a:tint val="75000"/>
+                  </a:schemeClr>
+                </a:solidFill>
+              </a:defRPr>
+            </a:lvl1pPr>
+          </a:lstStyle>
+          <a:p>
+            <a:fld id="{01063AAD-4472-4664-B3DD-E072D978E5BB}" type="datetimeFigureOut">
+              <a:rPr lang="en-GB" smtClean="0"/>
+              <a:t>10/02/2025</a:t>
+            </a:fld>
+            <a:endParaRPr lang="en-GB"/>
+          </a:p>
+        </p:txBody>
+      </p:sp>
+      <p:sp>
+        <p:nvSpPr>
+          <p:cNvPr id="5" name="Footer Placeholder 4">
+            <a:extLst>
+              <a:ext uri="{FF2B5EF4-FFF2-40B4-BE49-F238E27FC236}">
+                <a16:creationId xmlns:a16="http://schemas.microsoft.com/office/drawing/2014/main" id="{943AEE31-F4BE-46D4-97C8-AB110E68827D}"/>
+              </a:ext>
+            </a:extLst>
+          </p:cNvPr>
+          <p:cNvSpPr>
+            <a:spLocks noGrp="1"/>
+          </p:cNvSpPr>
+          <p:nvPr>
+            <p:ph type="ftr" sz="quarter" idx="3"/>
+          </p:nvPr>
+        </p:nvSpPr>
+        <p:spPr>
+          <a:xfrm>
+            <a:off x="3339207" y="5255760"/>
+            <a:ext cx="3402211" cy="301904"/>
+          </a:xfrm>
+          <a:prstGeom prst="rect">
+            <a:avLst/>
+          </a:prstGeom>
+        </p:spPr>
+        <p:txBody>
+          <a:bodyPr vert="horz" lIns="91440" tIns="45720" rIns="91440" bIns="45720" rtlCol="0" anchor="ctr"/>
+          <a:lstStyle>
+            <a:lvl1pPr algn="ctr">
+              <a:defRPr sz="992">
+                <a:solidFill>
+                  <a:schemeClr val="tx1">
+                    <a:tint val="75000"/>
+                  </a:schemeClr>
+                </a:solidFill>
+              </a:defRPr>
+            </a:lvl1pPr>
+          </a:lstStyle>
+          <a:p>
+            <a:endParaRPr lang="en-GB"/>
+          </a:p>
+        </p:txBody>
+      </p:sp>
+      <p:sp>
+        <p:nvSpPr>
+          <p:cNvPr id="6" name="Slide Number Placeholder 5">
+            <a:extLst>
+              <a:ext uri="{FF2B5EF4-FFF2-40B4-BE49-F238E27FC236}">
+                <a16:creationId xmlns:a16="http://schemas.microsoft.com/office/drawing/2014/main" id="{694819A6-7803-4AB8-ACC6-980B3D27B3FA}"/>
+              </a:ext>
+            </a:extLst>
+          </p:cNvPr>
+          <p:cNvSpPr>
+            <a:spLocks noGrp="1"/>
+          </p:cNvSpPr>
+          <p:nvPr>
+            <p:ph type="sldNum" sz="quarter" idx="4"/>
+          </p:nvPr>
+        </p:nvSpPr>
+        <p:spPr>
+          <a:xfrm>
+            <a:off x="7119441" y="5255760"/>
+            <a:ext cx="2268141" cy="301904"/>
+          </a:xfrm>
+          <a:prstGeom prst="rect">
+            <a:avLst/>
+          </a:prstGeom>
+        </p:spPr>
+        <p:txBody>
+          <a:bodyPr vert="horz" lIns="91440" tIns="45720" rIns="91440" bIns="45720" rtlCol="0" anchor="ctr"/>
+          <a:lstStyle>
+            <a:lvl1pPr algn="r">
+              <a:defRPr sz="992">
+                <a:solidFill>
+                  <a:schemeClr val="tx1">
+                    <a:tint val="75000"/>
+                  </a:schemeClr>
+                </a:solidFill>
+              </a:defRPr>
+            </a:lvl1pPr>
+          </a:lstStyle>
+          <a:p>
+            <a:fld id="{9248963E-085C-4A81-A56F-20E3556E5341}" type="slidenum">
+              <a:rPr lang="en-GB" smtClean="0"/>
+              <a:t>‹#›</a:t>
+            </a:fld>
+            <a:endParaRPr lang="en-GB"/>
+          </a:p>
+        </p:txBody>
+      </p:sp>
+    </p:spTree>
+    <p:extLst>
+      <p:ext uri="{BB962C8B-B14F-4D97-AF65-F5344CB8AC3E}">
+        <p14:creationId xmlns:p14="http://schemas.microsoft.com/office/powerpoint/2010/main" val="2582363991"/>
+      </p:ext>
+    </p:extLst>
+  </p:cSld>
+  <p:clrMap bg1="lt1" tx1="dk1" bg2="lt2" tx2="dk2" accent1="accent1" accent2="accent2" accent3="accent3" accent4="accent4" accent5="accent5" accent6="accent6" hlink="hlink" folHlink="folHlink"/>
+  <p:sldLayoutIdLst>
+    <p:sldLayoutId id="2147483673" r:id="rId1"/>
+    <p:sldLayoutId id="2147483674" r:id="rId2"/>
+    <p:sldLayoutId id="2147483675" r:id="rId3"/>
+    <p:sldLayoutId id="2147483676" r:id="rId4"/>
+    <p:sldLayoutId id="2147483677" r:id="rId5"/>
+    <p:sldLayoutId id="2147483678" r:id="rId6"/>
+    <p:sldLayoutId id="2147483679" r:id="rId7"/>
+    <p:sldLayoutId id="2147483680" r:id="rId8"/>
+    <p:sldLayoutId id="2147483681" r:id="rId9"/>
+    <p:sldLayoutId id="2147483682" r:id="rId10"/>
+    <p:sldLayoutId id="2147483683" r:id="rId11"/>
+  </p:sldLayoutIdLst>
+  <p:txStyles>
+    <p:titleStyle>
+      <a:lvl1pPr algn="l" defTabSz="756026" rtl="0" eaLnBrk="1" latinLnBrk="0" hangingPunct="1">
+        <a:lnSpc>
+          <a:spcPct val="90000"/>
+        </a:lnSpc>
+        <a:spcBef>
+          <a:spcPct val="0"/>
+        </a:spcBef>
+        <a:buNone/>
+        <a:defRPr sz="3638" kern="1200">
+          <a:solidFill>
+            <a:schemeClr val="tx1"/>
+          </a:solidFill>
+          <a:latin typeface="+mj-lt"/>
+          <a:ea typeface="+mj-ea"/>
+          <a:cs typeface="+mj-cs"/>
+        </a:defRPr>
+      </a:lvl1pPr>
+    </p:titleStyle>
+    <p:bodyStyle>
+      <a:lvl1pPr marL="189006" indent="-189006" algn="l" defTabSz="756026" rtl="0" eaLnBrk="1" latinLnBrk="0" hangingPunct="1">
+        <a:lnSpc>
+          <a:spcPct val="90000"/>
+        </a:lnSpc>
+        <a:spcBef>
+          <a:spcPts val="827"/>
+        </a:spcBef>
+        <a:buFont typeface="Arial" panose="020B0604020202020204" pitchFamily="34" charset="0"/>
+        <a:buChar char="•"/>
+        <a:defRPr sz="2315" kern="1200">
+          <a:solidFill>
+            <a:schemeClr val="tx1"/>
+          </a:solidFill>
+          <a:latin typeface="+mn-lt"/>
+          <a:ea typeface="+mn-ea"/>
+          <a:cs typeface="+mn-cs"/>
+        </a:defRPr>
+      </a:lvl1pPr>
+      <a:lvl2pPr marL="567019" indent="-189006" algn="l" defTabSz="756026" rtl="0" eaLnBrk="1" latinLnBrk="0" hangingPunct="1">
+        <a:lnSpc>
+          <a:spcPct val="90000"/>
+        </a:lnSpc>
+        <a:spcBef>
+          <a:spcPts val="413"/>
+        </a:spcBef>
+        <a:buFont typeface="Arial" panose="020B0604020202020204" pitchFamily="34" charset="0"/>
+        <a:buChar char="•"/>
+        <a:defRPr sz="1984" kern="1200">
+          <a:solidFill>
+            <a:schemeClr val="tx1"/>
+          </a:solidFill>
+          <a:latin typeface="+mn-lt"/>
+          <a:ea typeface="+mn-ea"/>
+          <a:cs typeface="+mn-cs"/>
+        </a:defRPr>
+      </a:lvl2pPr>
+      <a:lvl3pPr marL="945032" indent="-189006" algn="l" defTabSz="756026" rtl="0" eaLnBrk="1" latinLnBrk="0" hangingPunct="1">
+        <a:lnSpc>
+          <a:spcPct val="90000"/>
+        </a:lnSpc>
+        <a:spcBef>
+          <a:spcPts val="413"/>
+        </a:spcBef>
+        <a:buFont typeface="Arial" panose="020B0604020202020204" pitchFamily="34" charset="0"/>
+        <a:buChar char="•"/>
+        <a:defRPr sz="1654" kern="1200">
+          <a:solidFill>
+            <a:schemeClr val="tx1"/>
+          </a:solidFill>
+          <a:latin typeface="+mn-lt"/>
+          <a:ea typeface="+mn-ea"/>
+          <a:cs typeface="+mn-cs"/>
+        </a:defRPr>
+      </a:lvl3pPr>
+      <a:lvl4pPr marL="1323045" indent="-189006" algn="l" defTabSz="756026" rtl="0" eaLnBrk="1" latinLnBrk="0" hangingPunct="1">
+        <a:lnSpc>
+          <a:spcPct val="90000"/>
+        </a:lnSpc>
+        <a:spcBef>
+          <a:spcPts val="413"/>
+        </a:spcBef>
+        <a:buFont typeface="Arial" panose="020B0604020202020204" pitchFamily="34" charset="0"/>
+        <a:buChar char="•"/>
+        <a:defRPr sz="1488" kern="1200">
+          <a:solidFill>
+            <a:schemeClr val="tx1"/>
+          </a:solidFill>
+          <a:latin typeface="+mn-lt"/>
+          <a:ea typeface="+mn-ea"/>
+          <a:cs typeface="+mn-cs"/>
+        </a:defRPr>
+      </a:lvl4pPr>
+      <a:lvl5pPr marL="1701058" indent="-189006" algn="l" defTabSz="756026" rtl="0" eaLnBrk="1" latinLnBrk="0" hangingPunct="1">
+        <a:lnSpc>
+          <a:spcPct val="90000"/>
+        </a:lnSpc>
+        <a:spcBef>
+          <a:spcPts val="413"/>
+        </a:spcBef>
+        <a:buFont typeface="Arial" panose="020B0604020202020204" pitchFamily="34" charset="0"/>
+        <a:buChar char="•"/>
+        <a:defRPr sz="1488" kern="1200">
+          <a:solidFill>
+            <a:schemeClr val="tx1"/>
+          </a:solidFill>
+          <a:latin typeface="+mn-lt"/>
+          <a:ea typeface="+mn-ea"/>
+          <a:cs typeface="+mn-cs"/>
+        </a:defRPr>
+      </a:lvl5pPr>
+      <a:lvl6pPr marL="2079071" indent="-189006" algn="l" defTabSz="756026" rtl="0" eaLnBrk="1" latinLnBrk="0" hangingPunct="1">
+        <a:lnSpc>
+          <a:spcPct val="90000"/>
+        </a:lnSpc>
+        <a:spcBef>
+          <a:spcPts val="413"/>
+        </a:spcBef>
+        <a:buFont typeface="Arial" panose="020B0604020202020204" pitchFamily="34" charset="0"/>
+        <a:buChar char="•"/>
+        <a:defRPr sz="1488" kern="1200">
+          <a:solidFill>
+            <a:schemeClr val="tx1"/>
+          </a:solidFill>
+          <a:latin typeface="+mn-lt"/>
+          <a:ea typeface="+mn-ea"/>
+          <a:cs typeface="+mn-cs"/>
+        </a:defRPr>
+      </a:lvl6pPr>
+      <a:lvl7pPr marL="2457084" indent="-189006" algn="l" defTabSz="756026" rtl="0" eaLnBrk="1" latinLnBrk="0" hangingPunct="1">
+        <a:lnSpc>
+          <a:spcPct val="90000"/>
+        </a:lnSpc>
+        <a:spcBef>
+          <a:spcPts val="413"/>
+        </a:spcBef>
+        <a:buFont typeface="Arial" panose="020B0604020202020204" pitchFamily="34" charset="0"/>
+        <a:buChar char="•"/>
+        <a:defRPr sz="1488" kern="1200">
+          <a:solidFill>
+            <a:schemeClr val="tx1"/>
+          </a:solidFill>
+          <a:latin typeface="+mn-lt"/>
+          <a:ea typeface="+mn-ea"/>
+          <a:cs typeface="+mn-cs"/>
+        </a:defRPr>
+      </a:lvl7pPr>
+      <a:lvl8pPr marL="2835097" indent="-189006" algn="l" defTabSz="756026" rtl="0" eaLnBrk="1" latinLnBrk="0" hangingPunct="1">
+        <a:lnSpc>
+          <a:spcPct val="90000"/>
+        </a:lnSpc>
+        <a:spcBef>
+          <a:spcPts val="413"/>
+        </a:spcBef>
+        <a:buFont typeface="Arial" panose="020B0604020202020204" pitchFamily="34" charset="0"/>
+        <a:buChar char="•"/>
+        <a:defRPr sz="1488" kern="1200">
+          <a:solidFill>
+            <a:schemeClr val="tx1"/>
+          </a:solidFill>
+          <a:latin typeface="+mn-lt"/>
+          <a:ea typeface="+mn-ea"/>
+          <a:cs typeface="+mn-cs"/>
+        </a:defRPr>
+      </a:lvl8pPr>
+      <a:lvl9pPr marL="3213110" indent="-189006" algn="l" defTabSz="756026" rtl="0" eaLnBrk="1" latinLnBrk="0" hangingPunct="1">
+        <a:lnSpc>
+          <a:spcPct val="90000"/>
+        </a:lnSpc>
+        <a:spcBef>
+          <a:spcPts val="413"/>
+        </a:spcBef>
+        <a:buFont typeface="Arial" panose="020B0604020202020204" pitchFamily="34" charset="0"/>
+        <a:buChar char="•"/>
+        <a:defRPr sz="1488" kern="1200">
+          <a:solidFill>
+            <a:schemeClr val="tx1"/>
+          </a:solidFill>
+          <a:latin typeface="+mn-lt"/>
+          <a:ea typeface="+mn-ea"/>
+          <a:cs typeface="+mn-cs"/>
+        </a:defRPr>
+      </a:lvl9pPr>
+    </p:bodyStyle>
+    <p:otherStyle>
+      <a:defPPr>
+        <a:defRPr lang="en-US"/>
+      </a:defPPr>
+      <a:lvl1pPr marL="0" algn="l" defTabSz="756026" rtl="0" eaLnBrk="1" latinLnBrk="0" hangingPunct="1">
+        <a:defRPr sz="1488" kern="1200">
+          <a:solidFill>
+            <a:schemeClr val="tx1"/>
+          </a:solidFill>
+          <a:latin typeface="+mn-lt"/>
+          <a:ea typeface="+mn-ea"/>
+          <a:cs typeface="+mn-cs"/>
+        </a:defRPr>
+      </a:lvl1pPr>
+      <a:lvl2pPr marL="378013" algn="l" defTabSz="756026" rtl="0" eaLnBrk="1" latinLnBrk="0" hangingPunct="1">
+        <a:defRPr sz="1488" kern="1200">
+          <a:solidFill>
+            <a:schemeClr val="tx1"/>
+          </a:solidFill>
+          <a:latin typeface="+mn-lt"/>
+          <a:ea typeface="+mn-ea"/>
+          <a:cs typeface="+mn-cs"/>
+        </a:defRPr>
+      </a:lvl2pPr>
+      <a:lvl3pPr marL="756026" algn="l" defTabSz="756026" rtl="0" eaLnBrk="1" latinLnBrk="0" hangingPunct="1">
+        <a:defRPr sz="1488" kern="1200">
+          <a:solidFill>
+            <a:schemeClr val="tx1"/>
+          </a:solidFill>
+          <a:latin typeface="+mn-lt"/>
+          <a:ea typeface="+mn-ea"/>
+          <a:cs typeface="+mn-cs"/>
+        </a:defRPr>
+      </a:lvl3pPr>
+      <a:lvl4pPr marL="1134039" algn="l" defTabSz="756026" rtl="0" eaLnBrk="1" latinLnBrk="0" hangingPunct="1">
+        <a:defRPr sz="1488" kern="1200">
+          <a:solidFill>
+            <a:schemeClr val="tx1"/>
+          </a:solidFill>
+          <a:latin typeface="+mn-lt"/>
+          <a:ea typeface="+mn-ea"/>
+          <a:cs typeface="+mn-cs"/>
+        </a:defRPr>
+      </a:lvl4pPr>
+      <a:lvl5pPr marL="1512052" algn="l" defTabSz="756026" rtl="0" eaLnBrk="1" latinLnBrk="0" hangingPunct="1">
+        <a:defRPr sz="1488" kern="1200">
+          <a:solidFill>
+            <a:schemeClr val="tx1"/>
+          </a:solidFill>
+          <a:latin typeface="+mn-lt"/>
+          <a:ea typeface="+mn-ea"/>
+          <a:cs typeface="+mn-cs"/>
+        </a:defRPr>
+      </a:lvl5pPr>
+      <a:lvl6pPr marL="1890065" algn="l" defTabSz="756026" rtl="0" eaLnBrk="1" latinLnBrk="0" hangingPunct="1">
+        <a:defRPr sz="1488" kern="1200">
+          <a:solidFill>
+            <a:schemeClr val="tx1"/>
+          </a:solidFill>
+          <a:latin typeface="+mn-lt"/>
+          <a:ea typeface="+mn-ea"/>
+          <a:cs typeface="+mn-cs"/>
+        </a:defRPr>
+      </a:lvl6pPr>
+      <a:lvl7pPr marL="2268078" algn="l" defTabSz="756026" rtl="0" eaLnBrk="1" latinLnBrk="0" hangingPunct="1">
+        <a:defRPr sz="1488" kern="1200">
+          <a:solidFill>
+            <a:schemeClr val="tx1"/>
+          </a:solidFill>
+          <a:latin typeface="+mn-lt"/>
+          <a:ea typeface="+mn-ea"/>
+          <a:cs typeface="+mn-cs"/>
+        </a:defRPr>
+      </a:lvl7pPr>
+      <a:lvl8pPr marL="2646091" algn="l" defTabSz="756026" rtl="0" eaLnBrk="1" latinLnBrk="0" hangingPunct="1">
+        <a:defRPr sz="1488" kern="1200">
+          <a:solidFill>
+            <a:schemeClr val="tx1"/>
+          </a:solidFill>
+          <a:latin typeface="+mn-lt"/>
+          <a:ea typeface="+mn-ea"/>
+          <a:cs typeface="+mn-cs"/>
+        </a:defRPr>
+      </a:lvl8pPr>
+      <a:lvl9pPr marL="3024104" algn="l" defTabSz="756026" rtl="0" eaLnBrk="1" latinLnBrk="0" hangingPunct="1">
+        <a:defRPr sz="1488" kern="1200">
+          <a:solidFill>
+            <a:schemeClr val="tx1"/>
+          </a:solidFill>
+          <a:latin typeface="+mn-lt"/>
+          <a:ea typeface="+mn-ea"/>
+          <a:cs typeface="+mn-cs"/>
+        </a:defRPr>
+      </a:lvl9pPr>
+    </p:otherStyle>
+  </p:txStyles>
+</p:sldMaster>
+</file>
+
 <file path=ppt/slides/slide1.xml><?xml version="1.0" encoding="utf-8"?>
 <p:sld xmlns:a="http://schemas.openxmlformats.org/drawingml/2006/main" xmlns:r="http://schemas.openxmlformats.org/officeDocument/2006/relationships" xmlns:p="http://schemas.openxmlformats.org/presentationml/2006/main">
   <p:cSld>
@@ -11163,45 +10933,6 @@
           <a:chExt cx="0" cy="0"/>
         </a:xfrm>
       </p:grpSpPr>
-      <p:sp>
-        <p:nvSpPr>
-          <p:cNvPr id="3" name="Title 2">
-            <a:extLst>
-              <a:ext uri="{FF2B5EF4-FFF2-40B4-BE49-F238E27FC236}">
-                <a16:creationId xmlns:a16="http://schemas.microsoft.com/office/drawing/2014/main" id="{7B1A164F-C579-ED34-9ADE-129EF0ECBD85}"/>
-              </a:ext>
-            </a:extLst>
-          </p:cNvPr>
-          <p:cNvSpPr txBox="1">
-            <a:spLocks noGrp="1"/>
-          </p:cNvSpPr>
-          <p:nvPr>
-            <p:ph type="title" idx="4294967295"/>
-          </p:nvPr>
-        </p:nvSpPr>
-        <p:spPr>
-          <a:xfrm>
-            <a:off x="144000" y="3970999"/>
-            <a:ext cx="9000000" cy="492443"/>
-          </a:xfrm>
-        </p:spPr>
-        <p:txBody>
-          <a:bodyPr>
-            <a:spAutoFit/>
-          </a:bodyPr>
-          <a:lstStyle/>
-          <a:p>
-            <a:pPr lvl="0"/>
-            <a:endParaRPr lang="en-GB" dirty="0">
-              <a:solidFill>
-                <a:schemeClr val="bg1"/>
-              </a:solidFill>
-              <a:latin typeface="Courier New" panose="02070309020205020404" pitchFamily="49" charset="0"/>
-              <a:cs typeface="Courier New" panose="02070309020205020404" pitchFamily="49" charset="0"/>
-            </a:endParaRPr>
-          </a:p>
-        </p:txBody>
-      </p:sp>
       <p:pic>
         <p:nvPicPr>
           <p:cNvPr id="15" name="Picture 14" descr="A close-up of a person&#10;&#10;Description automatically generated">
@@ -11246,7 +10977,7 @@
         </p:nvSpPr>
         <p:spPr>
           <a:xfrm>
-            <a:off x="5437502" y="5317270"/>
+            <a:off x="6240299" y="3878627"/>
             <a:ext cx="3794516" cy="301155"/>
           </a:xfrm>
           <a:prstGeom prst="rect">
@@ -11309,7 +11040,7 @@
         <p:spPr>
           <a:xfrm>
             <a:off x="257939" y="207382"/>
-            <a:ext cx="7942321" cy="369332"/>
+            <a:ext cx="2657539" cy="369332"/>
           </a:xfrm>
           <a:prstGeom prst="rect">
             <a:avLst/>
@@ -11327,7 +11058,7 @@
                 <a:solidFill>
                   <a:srgbClr val="FE0E67"/>
                 </a:solidFill>
-                <a:latin typeface="Arial" panose="020B0604020202020204" pitchFamily="34" charset="0"/>
+                <a:latin typeface="Integral CF Bold" panose="020B0604020202020204" charset="0"/>
                 <a:cs typeface="Arial" panose="020B0604020202020204" pitchFamily="34" charset="0"/>
               </a:rPr>
               <a:t>12</a:t>
@@ -11337,7 +11068,7 @@
                 <a:solidFill>
                   <a:srgbClr val="FE0E67"/>
                 </a:solidFill>
-                <a:latin typeface="Arial" panose="020B0604020202020204" pitchFamily="34" charset="0"/>
+                <a:latin typeface="Integral CF Bold" panose="020B0604020202020204" charset="0"/>
                 <a:cs typeface="Arial" panose="020B0604020202020204" pitchFamily="34" charset="0"/>
               </a:rPr>
               <a:t>th</a:t>
@@ -11347,7 +11078,7 @@
                 <a:solidFill>
                   <a:srgbClr val="FE0E67"/>
                 </a:solidFill>
-                <a:latin typeface="Arial" panose="020B0604020202020204" pitchFamily="34" charset="0"/>
+                <a:latin typeface="Integral CF Bold" panose="020B0604020202020204" charset="0"/>
                 <a:cs typeface="Arial" panose="020B0604020202020204" pitchFamily="34" charset="0"/>
               </a:rPr>
               <a:t>–19</a:t>
@@ -11357,7 +11088,7 @@
                 <a:solidFill>
                   <a:srgbClr val="FE0E67"/>
                 </a:solidFill>
-                <a:latin typeface="Arial" panose="020B0604020202020204" pitchFamily="34" charset="0"/>
+                <a:latin typeface="Integral CF Bold" panose="020B0604020202020204" charset="0"/>
                 <a:cs typeface="Arial" panose="020B0604020202020204" pitchFamily="34" charset="0"/>
               </a:rPr>
               <a:t>th</a:t>
@@ -11367,10 +11098,10 @@
                 <a:solidFill>
                   <a:srgbClr val="FE0E67"/>
                 </a:solidFill>
-                <a:latin typeface="Arial" panose="020B0604020202020204" pitchFamily="34" charset="0"/>
+                <a:latin typeface="Integral CF Bold" panose="020B0604020202020204" charset="0"/>
                 <a:cs typeface="Arial" panose="020B0604020202020204" pitchFamily="34" charset="0"/>
               </a:rPr>
-              <a:t> February 2025                             Centre for Data, Culture &amp; Society</a:t>
+              <a:t> February 2025</a:t>
             </a:r>
           </a:p>
         </p:txBody>
@@ -11389,8 +11120,8 @@
         </p:nvSpPr>
         <p:spPr>
           <a:xfrm>
-            <a:off x="4884950" y="4307964"/>
-            <a:ext cx="5232128" cy="492443"/>
+            <a:off x="5335694" y="2894087"/>
+            <a:ext cx="4699121" cy="492443"/>
           </a:xfrm>
           <a:prstGeom prst="rect">
             <a:avLst/>
@@ -11428,7 +11159,7 @@
                 <a:solidFill>
                   <a:schemeClr val="bg1"/>
                 </a:solidFill>
-                <a:latin typeface="Source Sans Pro" panose="020B0503030403020204" pitchFamily="34" charset="0"/>
+                <a:latin typeface="Integral CF Bold" panose="020B0604020202020204" charset="0"/>
                 <a:ea typeface="Source Sans Pro" panose="020B0503030403020204" pitchFamily="34" charset="0"/>
                 <a:cs typeface="Arial Black" panose="020B0604020202020204" pitchFamily="34" charset="0"/>
               </a:rPr>
@@ -11451,8 +11182,8 @@
         </p:nvSpPr>
         <p:spPr>
           <a:xfrm>
-            <a:off x="5266357" y="4691757"/>
-            <a:ext cx="5232128" cy="492443"/>
+            <a:off x="5335693" y="3386184"/>
+            <a:ext cx="4699122" cy="492443"/>
           </a:xfrm>
           <a:prstGeom prst="rect">
             <a:avLst/>
@@ -11490,11 +11221,138 @@
                 <a:solidFill>
                   <a:schemeClr val="bg1"/>
                 </a:solidFill>
-                <a:latin typeface="Source Sans Pro" panose="020B0503030403020204" pitchFamily="34" charset="0"/>
+                <a:latin typeface="Integral CF Bold" panose="020B0604020202020204" charset="0"/>
                 <a:ea typeface="Source Sans Pro" panose="020B0503030403020204" pitchFamily="34" charset="0"/>
                 <a:cs typeface="Arial Black" panose="020B0604020202020204" pitchFamily="34" charset="0"/>
               </a:rPr>
               <a:t>ANALYSIS WITH PYTHON</a:t>
+            </a:r>
+          </a:p>
+        </p:txBody>
+      </p:sp>
+      <p:sp>
+        <p:nvSpPr>
+          <p:cNvPr id="8" name="Rectangle 7">
+            <a:extLst>
+              <a:ext uri="{FF2B5EF4-FFF2-40B4-BE49-F238E27FC236}">
+                <a16:creationId xmlns:a16="http://schemas.microsoft.com/office/drawing/2014/main" id="{58978021-9897-470C-9EAE-F79FDCE18FB5}"/>
+              </a:ext>
+            </a:extLst>
+          </p:cNvPr>
+          <p:cNvSpPr/>
+          <p:nvPr/>
+        </p:nvSpPr>
+        <p:spPr>
+          <a:xfrm>
+            <a:off x="0" y="4914404"/>
+            <a:ext cx="10121387" cy="756047"/>
+          </a:xfrm>
+          <a:prstGeom prst="rect">
+            <a:avLst/>
+          </a:prstGeom>
+          <a:solidFill>
+            <a:srgbClr val="002E5F"/>
+          </a:solidFill>
+          <a:ln>
+            <a:noFill/>
+          </a:ln>
+        </p:spPr>
+        <p:style>
+          <a:lnRef idx="2">
+            <a:schemeClr val="accent1">
+              <a:shade val="50000"/>
+            </a:schemeClr>
+          </a:lnRef>
+          <a:fillRef idx="1">
+            <a:schemeClr val="accent1"/>
+          </a:fillRef>
+          <a:effectRef idx="0">
+            <a:schemeClr val="accent1"/>
+          </a:effectRef>
+          <a:fontRef idx="minor">
+            <a:schemeClr val="lt1"/>
+          </a:fontRef>
+        </p:style>
+        <p:txBody>
+          <a:bodyPr rtlCol="0" anchor="ctr"/>
+          <a:lstStyle/>
+          <a:p>
+            <a:pPr algn="ctr"/>
+            <a:endParaRPr lang="en-GB" sz="1488" dirty="0"/>
+          </a:p>
+        </p:txBody>
+      </p:sp>
+      <p:pic>
+        <p:nvPicPr>
+          <p:cNvPr id="9" name="Picture 8">
+            <a:extLst>
+              <a:ext uri="{FF2B5EF4-FFF2-40B4-BE49-F238E27FC236}">
+                <a16:creationId xmlns:a16="http://schemas.microsoft.com/office/drawing/2014/main" id="{F876BE00-B73B-4E87-9899-1889C1DD0E19}"/>
+              </a:ext>
+            </a:extLst>
+          </p:cNvPr>
+          <p:cNvPicPr>
+            <a:picLocks noChangeAspect="1"/>
+          </p:cNvPicPr>
+          <p:nvPr/>
+        </p:nvPicPr>
+        <p:blipFill>
+          <a:blip r:embed="rId4" cstate="print">
+            <a:extLst>
+              <a:ext uri="{28A0092B-C50C-407E-A947-70E740481C1C}">
+                <a14:useLocalDpi xmlns:a14="http://schemas.microsoft.com/office/drawing/2010/main"/>
+              </a:ext>
+            </a:extLst>
+          </a:blip>
+          <a:stretch>
+            <a:fillRect/>
+          </a:stretch>
+        </p:blipFill>
+        <p:spPr>
+          <a:xfrm>
+            <a:off x="4608989" y="4463237"/>
+            <a:ext cx="902333" cy="902333"/>
+          </a:xfrm>
+          <a:prstGeom prst="rect">
+            <a:avLst/>
+          </a:prstGeom>
+        </p:spPr>
+      </p:pic>
+      <p:sp>
+        <p:nvSpPr>
+          <p:cNvPr id="10" name="Rectangle 9">
+            <a:extLst>
+              <a:ext uri="{FF2B5EF4-FFF2-40B4-BE49-F238E27FC236}">
+                <a16:creationId xmlns:a16="http://schemas.microsoft.com/office/drawing/2014/main" id="{17AB48DE-0682-4821-9ECD-35733CCF43D4}"/>
+              </a:ext>
+            </a:extLst>
+          </p:cNvPr>
+          <p:cNvSpPr/>
+          <p:nvPr/>
+        </p:nvSpPr>
+        <p:spPr>
+          <a:xfrm>
+            <a:off x="4182840" y="5292427"/>
+            <a:ext cx="1714945" cy="321306"/>
+          </a:xfrm>
+          <a:prstGeom prst="rect">
+            <a:avLst/>
+          </a:prstGeom>
+        </p:spPr>
+        <p:txBody>
+          <a:bodyPr wrap="square">
+            <a:spAutoFit/>
+          </a:bodyPr>
+          <a:lstStyle/>
+          <a:p>
+            <a:r>
+              <a:rPr lang="en-GB" sz="1488" dirty="0">
+                <a:solidFill>
+                  <a:srgbClr val="00CEC0"/>
+                </a:solidFill>
+                <a:latin typeface="Source Sans Pro" panose="020B0503030403020204" pitchFamily="34" charset="0"/>
+              </a:rPr>
+              <a:t>www.cdcs.ed.ac.uk</a:t>
             </a:r>
           </a:p>
         </p:txBody>
@@ -14877,45 +14735,6 @@
           <a:chExt cx="0" cy="0"/>
         </a:xfrm>
       </p:grpSpPr>
-      <p:sp>
-        <p:nvSpPr>
-          <p:cNvPr id="3" name="Title 2">
-            <a:extLst>
-              <a:ext uri="{FF2B5EF4-FFF2-40B4-BE49-F238E27FC236}">
-                <a16:creationId xmlns:a16="http://schemas.microsoft.com/office/drawing/2014/main" id="{7B1A164F-C579-ED34-9ADE-129EF0ECBD85}"/>
-              </a:ext>
-            </a:extLst>
-          </p:cNvPr>
-          <p:cNvSpPr txBox="1">
-            <a:spLocks noGrp="1"/>
-          </p:cNvSpPr>
-          <p:nvPr>
-            <p:ph type="title" idx="4294967295"/>
-          </p:nvPr>
-        </p:nvSpPr>
-        <p:spPr>
-          <a:xfrm>
-            <a:off x="144000" y="3970999"/>
-            <a:ext cx="9000000" cy="492443"/>
-          </a:xfrm>
-        </p:spPr>
-        <p:txBody>
-          <a:bodyPr>
-            <a:spAutoFit/>
-          </a:bodyPr>
-          <a:lstStyle/>
-          <a:p>
-            <a:pPr lvl="0"/>
-            <a:endParaRPr lang="en-GB" dirty="0">
-              <a:solidFill>
-                <a:schemeClr val="bg1"/>
-              </a:solidFill>
-              <a:latin typeface="Courier New" panose="02070309020205020404" pitchFamily="49" charset="0"/>
-              <a:cs typeface="Courier New" panose="02070309020205020404" pitchFamily="49" charset="0"/>
-            </a:endParaRPr>
-          </a:p>
-        </p:txBody>
-      </p:sp>
       <p:pic>
         <p:nvPicPr>
           <p:cNvPr id="15" name="Picture 14" descr="A close-up of a person&#10;&#10;Description automatically generated">
@@ -16235,45 +16054,6 @@
           <a:chExt cx="0" cy="0"/>
         </a:xfrm>
       </p:grpSpPr>
-      <p:sp>
-        <p:nvSpPr>
-          <p:cNvPr id="3" name="Title 2">
-            <a:extLst>
-              <a:ext uri="{FF2B5EF4-FFF2-40B4-BE49-F238E27FC236}">
-                <a16:creationId xmlns:a16="http://schemas.microsoft.com/office/drawing/2014/main" id="{7B1A164F-C579-ED34-9ADE-129EF0ECBD85}"/>
-              </a:ext>
-            </a:extLst>
-          </p:cNvPr>
-          <p:cNvSpPr txBox="1">
-            <a:spLocks noGrp="1"/>
-          </p:cNvSpPr>
-          <p:nvPr>
-            <p:ph type="title" idx="4294967295"/>
-          </p:nvPr>
-        </p:nvSpPr>
-        <p:spPr>
-          <a:xfrm>
-            <a:off x="144000" y="3970999"/>
-            <a:ext cx="9000000" cy="492443"/>
-          </a:xfrm>
-        </p:spPr>
-        <p:txBody>
-          <a:bodyPr>
-            <a:spAutoFit/>
-          </a:bodyPr>
-          <a:lstStyle/>
-          <a:p>
-            <a:pPr lvl="0"/>
-            <a:endParaRPr lang="en-GB" dirty="0">
-              <a:solidFill>
-                <a:schemeClr val="bg1"/>
-              </a:solidFill>
-              <a:latin typeface="Courier New" panose="02070309020205020404" pitchFamily="49" charset="0"/>
-              <a:cs typeface="Courier New" panose="02070309020205020404" pitchFamily="49" charset="0"/>
-            </a:endParaRPr>
-          </a:p>
-        </p:txBody>
-      </p:sp>
       <p:pic>
         <p:nvPicPr>
           <p:cNvPr id="15" name="Picture 14" descr="A close-up of a person&#10;&#10;Description automatically generated">
@@ -17489,8 +17269,8 @@
         </p:blipFill>
         <p:spPr>
           <a:xfrm>
-            <a:off x="5083443" y="604435"/>
-            <a:ext cx="4997181" cy="5066116"/>
+            <a:off x="5040312" y="0"/>
+            <a:ext cx="5040313" cy="4995432"/>
           </a:xfrm>
           <a:prstGeom prst="rect">
             <a:avLst/>
@@ -17748,7 +17528,7 @@
               <a:solidFill>
                 <a:srgbClr val="002060"/>
               </a:solidFill>
-              <a:latin typeface="Integral CF" panose="00000500000000000000" pitchFamily="50" charset="0"/>
+              <a:latin typeface="Source Sans Pro" panose="020B0503030403020204" pitchFamily="34" charset="0"/>
               <a:ea typeface="Source Sans Pro" panose="020B0503030403020204" pitchFamily="34" charset="0"/>
             </a:endParaRPr>
           </a:p>
@@ -17763,18 +17543,11 @@
                 <a:solidFill>
                   <a:srgbClr val="FE0E67"/>
                 </a:solidFill>
-                <a:latin typeface="Source Sans Pro"/>
-                <a:ea typeface="Source Sans Pro"/>
+                <a:latin typeface="Source Sans Pro" panose="020B0503030403020204" pitchFamily="34" charset="0"/>
+                <a:ea typeface="Source Sans Pro" panose="020B0503030403020204" pitchFamily="34" charset="0"/>
               </a:rPr>
               <a:t>Course Topics</a:t>
             </a:r>
-            <a:endParaRPr lang="en-GB" sz="1984" b="1" dirty="0">
-              <a:solidFill>
-                <a:srgbClr val="FE0E67"/>
-              </a:solidFill>
-              <a:latin typeface="Source Sans Pro" panose="020B0503030403020204" pitchFamily="34" charset="0"/>
-              <a:ea typeface="Source Sans Pro" panose="020B0503030403020204" pitchFamily="34" charset="0"/>
-            </a:endParaRPr>
           </a:p>
           <a:p>
             <a:pPr marL="236258" indent="-236258">
@@ -17788,8 +17561,8 @@
               <a:solidFill>
                 <a:srgbClr val="002060"/>
               </a:solidFill>
-              <a:latin typeface="Source Sans Pro"/>
-              <a:ea typeface="Source Sans Pro"/>
+              <a:latin typeface="Source Sans Pro" panose="020B0503030403020204" pitchFamily="34" charset="0"/>
+              <a:ea typeface="Source Sans Pro" panose="020B0503030403020204" pitchFamily="34" charset="0"/>
             </a:endParaRPr>
           </a:p>
           <a:p>
@@ -17805,8 +17578,8 @@
                 <a:solidFill>
                   <a:srgbClr val="002060"/>
                 </a:solidFill>
-                <a:latin typeface="Source Sans Pro"/>
-                <a:ea typeface="Source Sans Pro"/>
+                <a:latin typeface="Source Sans Pro" panose="020B0503030403020204" pitchFamily="34" charset="0"/>
+                <a:ea typeface="Source Sans Pro" panose="020B0503030403020204" pitchFamily="34" charset="0"/>
               </a:rPr>
               <a:t>Text Analysis – analysing unstructured data</a:t>
             </a:r>
@@ -17824,8 +17597,8 @@
                 <a:solidFill>
                   <a:srgbClr val="002060"/>
                 </a:solidFill>
-                <a:latin typeface="Source Sans Pro"/>
-                <a:ea typeface="Source Sans Pro"/>
+                <a:latin typeface="Source Sans Pro" panose="020B0503030403020204" pitchFamily="34" charset="0"/>
+                <a:ea typeface="Source Sans Pro" panose="020B0503030403020204" pitchFamily="34" charset="0"/>
               </a:rPr>
               <a:t>                    Python</a:t>
             </a:r>
@@ -17843,8 +17616,8 @@
                 <a:solidFill>
                   <a:srgbClr val="002060"/>
                 </a:solidFill>
-                <a:latin typeface="Source Sans Pro"/>
-                <a:ea typeface="Source Sans Pro"/>
+                <a:latin typeface="Source Sans Pro" panose="020B0503030403020204" pitchFamily="34" charset="0"/>
+                <a:ea typeface="Source Sans Pro" panose="020B0503030403020204" pitchFamily="34" charset="0"/>
               </a:rPr>
               <a:t>Regular Expressions</a:t>
             </a:r>
@@ -17862,8 +17635,8 @@
                 <a:solidFill>
                   <a:srgbClr val="002060"/>
                 </a:solidFill>
-                <a:latin typeface="Source Sans Pro"/>
-                <a:ea typeface="Source Sans Pro"/>
+                <a:latin typeface="Source Sans Pro" panose="020B0503030403020204" pitchFamily="34" charset="0"/>
+                <a:ea typeface="Source Sans Pro" panose="020B0503030403020204" pitchFamily="34" charset="0"/>
               </a:rPr>
               <a:t>Natural Language Toolkit (NLTK)</a:t>
             </a:r>
@@ -17880,8 +17653,8 @@
               <a:solidFill>
                 <a:srgbClr val="002060"/>
               </a:solidFill>
-              <a:latin typeface="Source Sans Pro"/>
-              <a:ea typeface="Source Sans Pro"/>
+              <a:latin typeface="Source Sans Pro" panose="020B0503030403020204" pitchFamily="34" charset="0"/>
+              <a:ea typeface="Source Sans Pro" panose="020B0503030403020204" pitchFamily="34" charset="0"/>
             </a:endParaRPr>
           </a:p>
           <a:p>
@@ -18932,45 +18705,6 @@
           <a:chExt cx="0" cy="0"/>
         </a:xfrm>
       </p:grpSpPr>
-      <p:sp>
-        <p:nvSpPr>
-          <p:cNvPr id="3" name="Title 2">
-            <a:extLst>
-              <a:ext uri="{FF2B5EF4-FFF2-40B4-BE49-F238E27FC236}">
-                <a16:creationId xmlns:a16="http://schemas.microsoft.com/office/drawing/2014/main" id="{7B1A164F-C579-ED34-9ADE-129EF0ECBD85}"/>
-              </a:ext>
-            </a:extLst>
-          </p:cNvPr>
-          <p:cNvSpPr txBox="1">
-            <a:spLocks noGrp="1"/>
-          </p:cNvSpPr>
-          <p:nvPr>
-            <p:ph type="title" idx="4294967295"/>
-          </p:nvPr>
-        </p:nvSpPr>
-        <p:spPr>
-          <a:xfrm>
-            <a:off x="144000" y="3970999"/>
-            <a:ext cx="9000000" cy="492443"/>
-          </a:xfrm>
-        </p:spPr>
-        <p:txBody>
-          <a:bodyPr>
-            <a:spAutoFit/>
-          </a:bodyPr>
-          <a:lstStyle/>
-          <a:p>
-            <a:pPr lvl="0"/>
-            <a:endParaRPr lang="en-GB" dirty="0">
-              <a:solidFill>
-                <a:schemeClr val="bg1"/>
-              </a:solidFill>
-              <a:latin typeface="Courier New" panose="02070309020205020404" pitchFamily="49" charset="0"/>
-              <a:cs typeface="Courier New" panose="02070309020205020404" pitchFamily="49" charset="0"/>
-            </a:endParaRPr>
-          </a:p>
-        </p:txBody>
-      </p:sp>
       <p:pic>
         <p:nvPicPr>
           <p:cNvPr id="15" name="Picture 14" descr="A close-up of a person&#10;&#10;Description automatically generated">
@@ -22118,45 +21852,6 @@
           <a:chExt cx="0" cy="0"/>
         </a:xfrm>
       </p:grpSpPr>
-      <p:sp>
-        <p:nvSpPr>
-          <p:cNvPr id="3" name="Title 2">
-            <a:extLst>
-              <a:ext uri="{FF2B5EF4-FFF2-40B4-BE49-F238E27FC236}">
-                <a16:creationId xmlns:a16="http://schemas.microsoft.com/office/drawing/2014/main" id="{7B1A164F-C579-ED34-9ADE-129EF0ECBD85}"/>
-              </a:ext>
-            </a:extLst>
-          </p:cNvPr>
-          <p:cNvSpPr txBox="1">
-            <a:spLocks noGrp="1"/>
-          </p:cNvSpPr>
-          <p:nvPr>
-            <p:ph type="title" idx="4294967295"/>
-          </p:nvPr>
-        </p:nvSpPr>
-        <p:spPr>
-          <a:xfrm>
-            <a:off x="144000" y="3970999"/>
-            <a:ext cx="9000000" cy="492443"/>
-          </a:xfrm>
-        </p:spPr>
-        <p:txBody>
-          <a:bodyPr>
-            <a:spAutoFit/>
-          </a:bodyPr>
-          <a:lstStyle/>
-          <a:p>
-            <a:pPr lvl="0"/>
-            <a:endParaRPr lang="en-GB" dirty="0">
-              <a:solidFill>
-                <a:schemeClr val="bg1"/>
-              </a:solidFill>
-              <a:latin typeface="Courier New" panose="02070309020205020404" pitchFamily="49" charset="0"/>
-              <a:cs typeface="Courier New" panose="02070309020205020404" pitchFamily="49" charset="0"/>
-            </a:endParaRPr>
-          </a:p>
-        </p:txBody>
-      </p:sp>
       <p:pic>
         <p:nvPicPr>
           <p:cNvPr id="15" name="Picture 14" descr="A close-up of a person&#10;&#10;Description automatically generated">
@@ -22924,45 +22619,6 @@
           <a:chExt cx="0" cy="0"/>
         </a:xfrm>
       </p:grpSpPr>
-      <p:sp>
-        <p:nvSpPr>
-          <p:cNvPr id="3" name="Title 2">
-            <a:extLst>
-              <a:ext uri="{FF2B5EF4-FFF2-40B4-BE49-F238E27FC236}">
-                <a16:creationId xmlns:a16="http://schemas.microsoft.com/office/drawing/2014/main" id="{7B1A164F-C579-ED34-9ADE-129EF0ECBD85}"/>
-              </a:ext>
-            </a:extLst>
-          </p:cNvPr>
-          <p:cNvSpPr txBox="1">
-            <a:spLocks noGrp="1"/>
-          </p:cNvSpPr>
-          <p:nvPr>
-            <p:ph type="title" idx="4294967295"/>
-          </p:nvPr>
-        </p:nvSpPr>
-        <p:spPr>
-          <a:xfrm>
-            <a:off x="144000" y="3970999"/>
-            <a:ext cx="9000000" cy="492443"/>
-          </a:xfrm>
-        </p:spPr>
-        <p:txBody>
-          <a:bodyPr>
-            <a:spAutoFit/>
-          </a:bodyPr>
-          <a:lstStyle/>
-          <a:p>
-            <a:pPr lvl="0"/>
-            <a:endParaRPr lang="en-GB" dirty="0">
-              <a:solidFill>
-                <a:schemeClr val="bg1"/>
-              </a:solidFill>
-              <a:latin typeface="Courier New" panose="02070309020205020404" pitchFamily="49" charset="0"/>
-              <a:cs typeface="Courier New" panose="02070309020205020404" pitchFamily="49" charset="0"/>
-            </a:endParaRPr>
-          </a:p>
-        </p:txBody>
-      </p:sp>
       <p:pic>
         <p:nvPicPr>
           <p:cNvPr id="15" name="Picture 14" descr="A close-up of a person&#10;&#10;Description automatically generated">
@@ -22977,16 +22633,15 @@
           </p:cNvPicPr>
           <p:nvPr/>
         </p:nvPicPr>
-        <p:blipFill>
+        <p:blipFill rotWithShape="1">
           <a:blip r:embed="rId3"/>
-          <a:stretch>
-            <a:fillRect/>
-          </a:stretch>
+          <a:srcRect r="50000"/>
+          <a:stretch/>
         </p:blipFill>
         <p:spPr>
           <a:xfrm>
-            <a:off x="-1" y="198"/>
-            <a:ext cx="10080625" cy="5670352"/>
+            <a:off x="0" y="198"/>
+            <a:ext cx="5040312" cy="5670352"/>
           </a:xfrm>
           <a:prstGeom prst="rect">
             <a:avLst/>
@@ -23007,15 +22662,13 @@
         </p:nvSpPr>
         <p:spPr>
           <a:xfrm>
-            <a:off x="5040311" y="2043952"/>
+            <a:off x="5340205" y="1231054"/>
             <a:ext cx="4481289" cy="3232183"/>
           </a:xfrm>
           <a:prstGeom prst="rect">
             <a:avLst/>
           </a:prstGeom>
-          <a:solidFill>
-            <a:srgbClr val="041E42"/>
-          </a:solidFill>
+          <a:noFill/>
           <a:ln>
             <a:noFill/>
           </a:ln>
@@ -23049,13 +22702,21 @@
             </a:pPr>
             <a:r>
               <a:rPr lang="en-GB" sz="1800" dirty="0">
-                <a:latin typeface="Arial" panose="020B0604020202020204" pitchFamily="34" charset="0"/>
+                <a:solidFill>
+                  <a:srgbClr val="002E5F"/>
+                </a:solidFill>
+                <a:latin typeface="Source Sans Pro" panose="020B0503030403020204" pitchFamily="34" charset="0"/>
+                <a:ea typeface="Source Sans Pro" panose="020B0503030403020204" pitchFamily="34" charset="0"/>
                 <a:cs typeface="Arial" panose="020B0604020202020204" pitchFamily="34" charset="0"/>
               </a:rPr>
               <a:t>Why are you interested in text analysis?</a:t>
             </a:r>
             <a:endParaRPr lang="en-GB" dirty="0">
-              <a:latin typeface="Arial" panose="020B0604020202020204" pitchFamily="34" charset="0"/>
+              <a:solidFill>
+                <a:srgbClr val="002E5F"/>
+              </a:solidFill>
+              <a:latin typeface="Source Sans Pro" panose="020B0503030403020204" pitchFamily="34" charset="0"/>
+              <a:ea typeface="Source Sans Pro" panose="020B0503030403020204" pitchFamily="34" charset="0"/>
               <a:cs typeface="Arial" panose="020B0604020202020204" pitchFamily="34" charset="0"/>
             </a:endParaRPr>
           </a:p>
@@ -23069,13 +22730,21 @@
             </a:pPr>
             <a:r>
               <a:rPr lang="en-GB" sz="1800" dirty="0">
-                <a:latin typeface="Arial" panose="020B0604020202020204" pitchFamily="34" charset="0"/>
+                <a:solidFill>
+                  <a:srgbClr val="002E5F"/>
+                </a:solidFill>
+                <a:latin typeface="Source Sans Pro" panose="020B0503030403020204" pitchFamily="34" charset="0"/>
+                <a:ea typeface="Source Sans Pro" panose="020B0503030403020204" pitchFamily="34" charset="0"/>
                 <a:cs typeface="Arial" panose="020B0604020202020204" pitchFamily="34" charset="0"/>
               </a:rPr>
               <a:t>Have you used Python before?</a:t>
             </a:r>
             <a:endParaRPr lang="en-GB" dirty="0">
-              <a:latin typeface="Arial" panose="020B0604020202020204" pitchFamily="34" charset="0"/>
+              <a:solidFill>
+                <a:srgbClr val="002E5F"/>
+              </a:solidFill>
+              <a:latin typeface="Source Sans Pro" panose="020B0503030403020204" pitchFamily="34" charset="0"/>
+              <a:ea typeface="Source Sans Pro" panose="020B0503030403020204" pitchFamily="34" charset="0"/>
               <a:cs typeface="Arial" panose="020B0604020202020204" pitchFamily="34" charset="0"/>
             </a:endParaRPr>
           </a:p>
@@ -23089,27 +22758,43 @@
             </a:pPr>
             <a:r>
               <a:rPr lang="en-GB" sz="1800" dirty="0">
-                <a:latin typeface="Arial" panose="020B0604020202020204" pitchFamily="34" charset="0"/>
+                <a:solidFill>
+                  <a:srgbClr val="002E5F"/>
+                </a:solidFill>
+                <a:latin typeface="Source Sans Pro" panose="020B0503030403020204" pitchFamily="34" charset="0"/>
+                <a:ea typeface="Source Sans Pro" panose="020B0503030403020204" pitchFamily="34" charset="0"/>
                 <a:cs typeface="Arial" panose="020B0604020202020204" pitchFamily="34" charset="0"/>
               </a:rPr>
               <a:t>Have you used </a:t>
             </a:r>
             <a:r>
               <a:rPr lang="en-GB" sz="1800" dirty="0" err="1">
-                <a:latin typeface="Arial" panose="020B0604020202020204" pitchFamily="34" charset="0"/>
+                <a:solidFill>
+                  <a:srgbClr val="002E5F"/>
+                </a:solidFill>
+                <a:latin typeface="Source Sans Pro" panose="020B0503030403020204" pitchFamily="34" charset="0"/>
+                <a:ea typeface="Source Sans Pro" panose="020B0503030403020204" pitchFamily="34" charset="0"/>
                 <a:cs typeface="Arial" panose="020B0604020202020204" pitchFamily="34" charset="0"/>
               </a:rPr>
               <a:t>Jupyter</a:t>
             </a:r>
             <a:r>
               <a:rPr lang="en-GB" sz="1800" dirty="0">
-                <a:latin typeface="Arial" panose="020B0604020202020204" pitchFamily="34" charset="0"/>
+                <a:solidFill>
+                  <a:srgbClr val="002E5F"/>
+                </a:solidFill>
+                <a:latin typeface="Source Sans Pro" panose="020B0503030403020204" pitchFamily="34" charset="0"/>
+                <a:ea typeface="Source Sans Pro" panose="020B0503030403020204" pitchFamily="34" charset="0"/>
                 <a:cs typeface="Arial" panose="020B0604020202020204" pitchFamily="34" charset="0"/>
               </a:rPr>
               <a:t> Notebooks before?</a:t>
             </a:r>
             <a:endParaRPr lang="en-GB" dirty="0">
-              <a:latin typeface="Arial" panose="020B0604020202020204" pitchFamily="34" charset="0"/>
+              <a:solidFill>
+                <a:srgbClr val="002E5F"/>
+              </a:solidFill>
+              <a:latin typeface="Source Sans Pro" panose="020B0503030403020204" pitchFamily="34" charset="0"/>
+              <a:ea typeface="Source Sans Pro" panose="020B0503030403020204" pitchFamily="34" charset="0"/>
               <a:cs typeface="Arial" panose="020B0604020202020204" pitchFamily="34" charset="0"/>
             </a:endParaRPr>
           </a:p>
@@ -23123,13 +22808,21 @@
             </a:pPr>
             <a:r>
               <a:rPr lang="en-GB" sz="1800" dirty="0">
-                <a:latin typeface="Arial" panose="020B0604020202020204" pitchFamily="34" charset="0"/>
+                <a:solidFill>
+                  <a:srgbClr val="002E5F"/>
+                </a:solidFill>
+                <a:latin typeface="Source Sans Pro" panose="020B0503030403020204" pitchFamily="34" charset="0"/>
+                <a:ea typeface="Source Sans Pro" panose="020B0503030403020204" pitchFamily="34" charset="0"/>
                 <a:cs typeface="Arial" panose="020B0604020202020204" pitchFamily="34" charset="0"/>
               </a:rPr>
               <a:t>Have you used Regular Expressions before?</a:t>
             </a:r>
             <a:endParaRPr lang="en-GB" dirty="0">
-              <a:latin typeface="Arial" panose="020B0604020202020204" pitchFamily="34" charset="0"/>
+              <a:solidFill>
+                <a:srgbClr val="002E5F"/>
+              </a:solidFill>
+              <a:latin typeface="Source Sans Pro" panose="020B0503030403020204" pitchFamily="34" charset="0"/>
+              <a:ea typeface="Source Sans Pro" panose="020B0503030403020204" pitchFamily="34" charset="0"/>
               <a:cs typeface="Arial" panose="020B0604020202020204" pitchFamily="34" charset="0"/>
             </a:endParaRPr>
           </a:p>
@@ -23143,16 +22836,21 @@
             </a:pPr>
             <a:r>
               <a:rPr lang="en-GB" sz="1800" dirty="0">
-                <a:latin typeface="Arial" panose="020B0604020202020204" pitchFamily="34" charset="0"/>
+                <a:solidFill>
+                  <a:srgbClr val="002E5F"/>
+                </a:solidFill>
+                <a:latin typeface="Source Sans Pro" panose="020B0503030403020204" pitchFamily="34" charset="0"/>
+                <a:ea typeface="Source Sans Pro" panose="020B0503030403020204" pitchFamily="34" charset="0"/>
                 <a:cs typeface="Arial" panose="020B0604020202020204" pitchFamily="34" charset="0"/>
               </a:rPr>
               <a:t>Have you used NLTK before?</a:t>
             </a:r>
             <a:endParaRPr lang="en-US" sz="1800" dirty="0">
               <a:solidFill>
-                <a:schemeClr val="bg1"/>
+                <a:srgbClr val="002E5F"/>
               </a:solidFill>
-              <a:latin typeface="Arial" panose="020B0604020202020204" pitchFamily="34" charset="0"/>
+              <a:latin typeface="Source Sans Pro" panose="020B0503030403020204" pitchFamily="34" charset="0"/>
+              <a:ea typeface="Source Sans Pro" panose="020B0503030403020204" pitchFamily="34" charset="0"/>
               <a:cs typeface="Arial" panose="020B0604020202020204" pitchFamily="34" charset="0"/>
             </a:endParaRPr>
           </a:p>
@@ -23172,15 +22870,13 @@
         </p:nvSpPr>
         <p:spPr>
           <a:xfrm>
-            <a:off x="2424247" y="137442"/>
-            <a:ext cx="5232128" cy="615594"/>
+            <a:off x="5040312" y="231206"/>
+            <a:ext cx="5040312" cy="615594"/>
           </a:xfrm>
           <a:prstGeom prst="rect">
             <a:avLst/>
           </a:prstGeom>
-          <a:solidFill>
-            <a:srgbClr val="041E42"/>
-          </a:solidFill>
+          <a:noFill/>
           <a:ln>
             <a:noFill/>
           </a:ln>
@@ -23207,15 +22903,142 @@
           <a:p>
             <a:pPr algn="ctr"/>
             <a:r>
-              <a:rPr lang="en-US" sz="3600" b="1" dirty="0">
-                <a:solidFill>
-                  <a:schemeClr val="bg1"/>
-                </a:solidFill>
-                <a:latin typeface="Arial Black" panose="020B0604020202020204" pitchFamily="34" charset="0"/>
+              <a:rPr lang="en-US" sz="2800" b="1" dirty="0">
+                <a:solidFill>
+                  <a:srgbClr val="1A305D"/>
+                </a:solidFill>
+                <a:latin typeface="Integral CF Bold" panose="020B0604020202020204" charset="0"/>
                 <a:ea typeface="Verdana" panose="020B0604030504040204" pitchFamily="34" charset="0"/>
                 <a:cs typeface="Arial Black" panose="020B0604020202020204" pitchFamily="34" charset="0"/>
               </a:rPr>
               <a:t>INTRODUCTIONS</a:t>
+            </a:r>
+          </a:p>
+        </p:txBody>
+      </p:sp>
+      <p:sp>
+        <p:nvSpPr>
+          <p:cNvPr id="6" name="Rectangle 5">
+            <a:extLst>
+              <a:ext uri="{FF2B5EF4-FFF2-40B4-BE49-F238E27FC236}">
+                <a16:creationId xmlns:a16="http://schemas.microsoft.com/office/drawing/2014/main" id="{C1D4DB89-09CE-4199-8E72-FD9AE7012E90}"/>
+              </a:ext>
+            </a:extLst>
+          </p:cNvPr>
+          <p:cNvSpPr/>
+          <p:nvPr/>
+        </p:nvSpPr>
+        <p:spPr>
+          <a:xfrm>
+            <a:off x="0" y="4914404"/>
+            <a:ext cx="10121387" cy="756047"/>
+          </a:xfrm>
+          <a:prstGeom prst="rect">
+            <a:avLst/>
+          </a:prstGeom>
+          <a:solidFill>
+            <a:srgbClr val="002E5F"/>
+          </a:solidFill>
+          <a:ln>
+            <a:noFill/>
+          </a:ln>
+        </p:spPr>
+        <p:style>
+          <a:lnRef idx="2">
+            <a:schemeClr val="accent1">
+              <a:shade val="50000"/>
+            </a:schemeClr>
+          </a:lnRef>
+          <a:fillRef idx="1">
+            <a:schemeClr val="accent1"/>
+          </a:fillRef>
+          <a:effectRef idx="0">
+            <a:schemeClr val="accent1"/>
+          </a:effectRef>
+          <a:fontRef idx="minor">
+            <a:schemeClr val="lt1"/>
+          </a:fontRef>
+        </p:style>
+        <p:txBody>
+          <a:bodyPr rtlCol="0" anchor="ctr"/>
+          <a:lstStyle/>
+          <a:p>
+            <a:pPr algn="ctr"/>
+            <a:endParaRPr lang="en-GB" sz="1488" dirty="0"/>
+          </a:p>
+        </p:txBody>
+      </p:sp>
+      <p:pic>
+        <p:nvPicPr>
+          <p:cNvPr id="7" name="Picture 6">
+            <a:extLst>
+              <a:ext uri="{FF2B5EF4-FFF2-40B4-BE49-F238E27FC236}">
+                <a16:creationId xmlns:a16="http://schemas.microsoft.com/office/drawing/2014/main" id="{929C6C48-F6F1-43A4-A85C-654697438C8C}"/>
+              </a:ext>
+            </a:extLst>
+          </p:cNvPr>
+          <p:cNvPicPr>
+            <a:picLocks noChangeAspect="1"/>
+          </p:cNvPicPr>
+          <p:nvPr/>
+        </p:nvPicPr>
+        <p:blipFill>
+          <a:blip r:embed="rId4" cstate="print">
+            <a:extLst>
+              <a:ext uri="{28A0092B-C50C-407E-A947-70E740481C1C}">
+                <a14:useLocalDpi xmlns:a14="http://schemas.microsoft.com/office/drawing/2010/main"/>
+              </a:ext>
+            </a:extLst>
+          </a:blip>
+          <a:stretch>
+            <a:fillRect/>
+          </a:stretch>
+        </p:blipFill>
+        <p:spPr>
+          <a:xfrm>
+            <a:off x="4608989" y="4463237"/>
+            <a:ext cx="902333" cy="902333"/>
+          </a:xfrm>
+          <a:prstGeom prst="rect">
+            <a:avLst/>
+          </a:prstGeom>
+        </p:spPr>
+      </p:pic>
+      <p:sp>
+        <p:nvSpPr>
+          <p:cNvPr id="8" name="Rectangle 7">
+            <a:extLst>
+              <a:ext uri="{FF2B5EF4-FFF2-40B4-BE49-F238E27FC236}">
+                <a16:creationId xmlns:a16="http://schemas.microsoft.com/office/drawing/2014/main" id="{C47B429B-3F30-4F39-93FF-6A2AA210466E}"/>
+              </a:ext>
+            </a:extLst>
+          </p:cNvPr>
+          <p:cNvSpPr/>
+          <p:nvPr/>
+        </p:nvSpPr>
+        <p:spPr>
+          <a:xfrm>
+            <a:off x="4182840" y="5292427"/>
+            <a:ext cx="1714945" cy="321306"/>
+          </a:xfrm>
+          <a:prstGeom prst="rect">
+            <a:avLst/>
+          </a:prstGeom>
+        </p:spPr>
+        <p:txBody>
+          <a:bodyPr wrap="square">
+            <a:spAutoFit/>
+          </a:bodyPr>
+          <a:lstStyle/>
+          <a:p>
+            <a:r>
+              <a:rPr lang="en-GB" sz="1488" dirty="0">
+                <a:solidFill>
+                  <a:srgbClr val="00CEC0"/>
+                </a:solidFill>
+                <a:latin typeface="Source Sans Pro" panose="020B0503030403020204" pitchFamily="34" charset="0"/>
+              </a:rPr>
+              <a:t>www.cdcs.ed.ac.uk</a:t>
             </a:r>
           </a:p>
         </p:txBody>
@@ -23538,7 +23361,7 @@
               <a:solidFill>
                 <a:srgbClr val="FE0E67"/>
               </a:solidFill>
-              <a:latin typeface="Integral CF" panose="00000500000000000000" pitchFamily="50" charset="0"/>
+              <a:latin typeface="Source Sans Pro" panose="020B0503030403020204" pitchFamily="34" charset="0"/>
               <a:ea typeface="Source Sans Pro" panose="020B0503030403020204" pitchFamily="34" charset="0"/>
             </a:endParaRPr>
           </a:p>
@@ -23553,18 +23376,11 @@
                 <a:solidFill>
                   <a:srgbClr val="FE0E67"/>
                 </a:solidFill>
-                <a:latin typeface="Source Sans Pro"/>
-                <a:ea typeface="Source Sans Pro"/>
+                <a:latin typeface="Source Sans Pro" panose="020B0503030403020204" pitchFamily="34" charset="0"/>
+                <a:ea typeface="Source Sans Pro" panose="020B0503030403020204" pitchFamily="34" charset="0"/>
               </a:rPr>
               <a:t>Participant Expectations</a:t>
             </a:r>
-            <a:endParaRPr lang="en-GB" sz="1984" b="1" dirty="0">
-              <a:solidFill>
-                <a:srgbClr val="FE0E67"/>
-              </a:solidFill>
-              <a:latin typeface="Source Sans Pro" panose="020B0503030403020204" pitchFamily="34" charset="0"/>
-              <a:ea typeface="Source Sans Pro" panose="020B0503030403020204" pitchFamily="34" charset="0"/>
-            </a:endParaRPr>
           </a:p>
           <a:p>
             <a:pPr algn="ctr">
@@ -23576,8 +23392,8 @@
               <a:solidFill>
                 <a:srgbClr val="002060"/>
               </a:solidFill>
-              <a:latin typeface="Source Sans Pro"/>
-              <a:ea typeface="Source Sans Pro"/>
+              <a:latin typeface="Source Sans Pro" panose="020B0503030403020204" pitchFamily="34" charset="0"/>
+              <a:ea typeface="Source Sans Pro" panose="020B0503030403020204" pitchFamily="34" charset="0"/>
             </a:endParaRPr>
           </a:p>
           <a:p>
@@ -23591,8 +23407,8 @@
                 <a:solidFill>
                   <a:srgbClr val="002060"/>
                 </a:solidFill>
-                <a:latin typeface="Source Sans Pro"/>
-                <a:ea typeface="Source Sans Pro"/>
+                <a:latin typeface="Source Sans Pro" panose="020B0503030403020204" pitchFamily="34" charset="0"/>
+                <a:ea typeface="Source Sans Pro" panose="020B0503030403020204" pitchFamily="34" charset="0"/>
               </a:rPr>
               <a:t>Wednesday classes are introductions to material</a:t>
             </a:r>
@@ -23608,8 +23424,8 @@
                 <a:solidFill>
                   <a:srgbClr val="002060"/>
                 </a:solidFill>
-                <a:latin typeface="Source Sans Pro"/>
-                <a:ea typeface="Source Sans Pro"/>
+                <a:latin typeface="Source Sans Pro" panose="020B0503030403020204" pitchFamily="34" charset="0"/>
+                <a:ea typeface="Source Sans Pro" panose="020B0503030403020204" pitchFamily="34" charset="0"/>
               </a:rPr>
               <a:t>Assignments will be given on Thursday</a:t>
             </a:r>
@@ -23625,8 +23441,8 @@
                 <a:solidFill>
                   <a:srgbClr val="002060"/>
                 </a:solidFill>
-                <a:latin typeface="Source Sans Pro"/>
-                <a:ea typeface="Source Sans Pro"/>
+                <a:latin typeface="Source Sans Pro" panose="020B0503030403020204" pitchFamily="34" charset="0"/>
+                <a:ea typeface="Source Sans Pro" panose="020B0503030403020204" pitchFamily="34" charset="0"/>
               </a:rPr>
               <a:t>Classes are not recorded but all class materials will be uploaded to Teams</a:t>
             </a:r>
@@ -23642,8 +23458,8 @@
                 <a:solidFill>
                   <a:srgbClr val="002060"/>
                 </a:solidFill>
-                <a:latin typeface="Source Sans Pro"/>
-                <a:ea typeface="Source Sans Pro"/>
+                <a:latin typeface="Source Sans Pro" panose="020B0503030403020204" pitchFamily="34" charset="0"/>
+                <a:ea typeface="Source Sans Pro" panose="020B0503030403020204" pitchFamily="34" charset="0"/>
               </a:rPr>
               <a:t>Please let me know in advance if you cannot attend!</a:t>
             </a:r>
@@ -23659,8 +23475,8 @@
                 <a:solidFill>
                   <a:srgbClr val="002060"/>
                 </a:solidFill>
-                <a:latin typeface="Source Sans Pro"/>
-                <a:ea typeface="Source Sans Pro"/>
+                <a:latin typeface="Source Sans Pro" panose="020B0503030403020204" pitchFamily="34" charset="0"/>
+                <a:ea typeface="Source Sans Pro" panose="020B0503030403020204" pitchFamily="34" charset="0"/>
               </a:rPr>
               <a:t>Message me on Teams to schedule office hours for questions</a:t>
             </a:r>
@@ -23675,8 +23491,8 @@
               <a:solidFill>
                 <a:srgbClr val="002060"/>
               </a:solidFill>
-              <a:latin typeface="Source Sans Pro"/>
-              <a:ea typeface="Source Sans Pro"/>
+              <a:latin typeface="Source Sans Pro" panose="020B0503030403020204" pitchFamily="34" charset="0"/>
+              <a:ea typeface="Source Sans Pro" panose="020B0503030403020204" pitchFamily="34" charset="0"/>
             </a:endParaRPr>
           </a:p>
         </p:txBody>
@@ -24529,45 +24345,6 @@
           <a:chExt cx="0" cy="0"/>
         </a:xfrm>
       </p:grpSpPr>
-      <p:sp>
-        <p:nvSpPr>
-          <p:cNvPr id="3" name="Title 2">
-            <a:extLst>
-              <a:ext uri="{FF2B5EF4-FFF2-40B4-BE49-F238E27FC236}">
-                <a16:creationId xmlns:a16="http://schemas.microsoft.com/office/drawing/2014/main" id="{7B1A164F-C579-ED34-9ADE-129EF0ECBD85}"/>
-              </a:ext>
-            </a:extLst>
-          </p:cNvPr>
-          <p:cNvSpPr txBox="1">
-            <a:spLocks noGrp="1"/>
-          </p:cNvSpPr>
-          <p:nvPr>
-            <p:ph type="title" idx="4294967295"/>
-          </p:nvPr>
-        </p:nvSpPr>
-        <p:spPr>
-          <a:xfrm>
-            <a:off x="144000" y="3970999"/>
-            <a:ext cx="9000000" cy="492443"/>
-          </a:xfrm>
-        </p:spPr>
-        <p:txBody>
-          <a:bodyPr>
-            <a:spAutoFit/>
-          </a:bodyPr>
-          <a:lstStyle/>
-          <a:p>
-            <a:pPr lvl="0"/>
-            <a:endParaRPr lang="en-GB" dirty="0">
-              <a:solidFill>
-                <a:schemeClr val="bg1"/>
-              </a:solidFill>
-              <a:latin typeface="Courier New" panose="02070309020205020404" pitchFamily="49" charset="0"/>
-              <a:cs typeface="Courier New" panose="02070309020205020404" pitchFamily="49" charset="0"/>
-            </a:endParaRPr>
-          </a:p>
-        </p:txBody>
-      </p:sp>
       <p:pic>
         <p:nvPicPr>
           <p:cNvPr id="15" name="Picture 14" descr="A close-up of a person&#10;&#10;Description automatically generated">
@@ -24949,7 +24726,7 @@
               <a:solidFill>
                 <a:srgbClr val="002060"/>
               </a:solidFill>
-              <a:latin typeface="Integral CF" panose="00000500000000000000" pitchFamily="50" charset="0"/>
+              <a:latin typeface="Source Sans Pro" panose="020B0503030403020204" pitchFamily="34" charset="0"/>
               <a:ea typeface="Source Sans Pro" panose="020B0503030403020204" pitchFamily="34" charset="0"/>
             </a:endParaRPr>
           </a:p>
@@ -24964,8 +24741,8 @@
                 <a:solidFill>
                   <a:srgbClr val="FE0E67"/>
                 </a:solidFill>
-                <a:latin typeface="Source Sans Pro"/>
-                <a:ea typeface="Source Sans Pro"/>
+                <a:latin typeface="Source Sans Pro" panose="020B0503030403020204" pitchFamily="34" charset="0"/>
+                <a:ea typeface="Source Sans Pro" panose="020B0503030403020204" pitchFamily="34" charset="0"/>
               </a:rPr>
               <a:t>Further Resources</a:t>
             </a:r>
@@ -24973,8 +24750,8 @@
               <a:solidFill>
                 <a:srgbClr val="FE0E67"/>
               </a:solidFill>
-              <a:latin typeface="Source Sans Pro"/>
-              <a:ea typeface="Source Sans Pro"/>
+              <a:latin typeface="Source Sans Pro" panose="020B0503030403020204" pitchFamily="34" charset="0"/>
+              <a:ea typeface="Source Sans Pro" panose="020B0503030403020204" pitchFamily="34" charset="0"/>
             </a:endParaRPr>
           </a:p>
           <a:p>
@@ -24990,8 +24767,8 @@
                 <a:solidFill>
                   <a:srgbClr val="002060"/>
                 </a:solidFill>
-                <a:latin typeface="Source Sans Pro"/>
-                <a:ea typeface="Source Sans Pro"/>
+                <a:latin typeface="Source Sans Pro" panose="020B0503030403020204" pitchFamily="34" charset="0"/>
+                <a:ea typeface="Source Sans Pro" panose="020B0503030403020204" pitchFamily="34" charset="0"/>
               </a:rPr>
               <a:t>Noteable</a:t>
             </a:r>
@@ -25000,8 +24777,8 @@
                 <a:solidFill>
                   <a:srgbClr val="002060"/>
                 </a:solidFill>
-                <a:latin typeface="Source Sans Pro"/>
-                <a:ea typeface="Source Sans Pro"/>
+                <a:latin typeface="Source Sans Pro" panose="020B0503030403020204" pitchFamily="34" charset="0"/>
+                <a:ea typeface="Source Sans Pro" panose="020B0503030403020204" pitchFamily="34" charset="0"/>
               </a:rPr>
               <a:t> User Guide: https://</a:t>
             </a:r>
@@ -25010,8 +24787,8 @@
                 <a:solidFill>
                   <a:srgbClr val="002060"/>
                 </a:solidFill>
-                <a:latin typeface="Source Sans Pro"/>
-                <a:ea typeface="Source Sans Pro"/>
+                <a:latin typeface="Source Sans Pro" panose="020B0503030403020204" pitchFamily="34" charset="0"/>
+                <a:ea typeface="Source Sans Pro" panose="020B0503030403020204" pitchFamily="34" charset="0"/>
               </a:rPr>
               <a:t>noteable.edina.ac.uk</a:t>
             </a:r>
@@ -25020,8 +24797,8 @@
                 <a:solidFill>
                   <a:srgbClr val="002060"/>
                 </a:solidFill>
-                <a:latin typeface="Source Sans Pro"/>
-                <a:ea typeface="Source Sans Pro"/>
+                <a:latin typeface="Source Sans Pro" panose="020B0503030403020204" pitchFamily="34" charset="0"/>
+                <a:ea typeface="Source Sans Pro" panose="020B0503030403020204" pitchFamily="34" charset="0"/>
               </a:rPr>
               <a:t>/</a:t>
             </a:r>
@@ -25030,8 +24807,8 @@
                 <a:solidFill>
                   <a:srgbClr val="002060"/>
                 </a:solidFill>
-                <a:latin typeface="Source Sans Pro"/>
-                <a:ea typeface="Source Sans Pro"/>
+                <a:latin typeface="Source Sans Pro" panose="020B0503030403020204" pitchFamily="34" charset="0"/>
+                <a:ea typeface="Source Sans Pro" panose="020B0503030403020204" pitchFamily="34" charset="0"/>
               </a:rPr>
               <a:t>user_guide</a:t>
             </a:r>
@@ -25040,8 +24817,8 @@
                 <a:solidFill>
                   <a:srgbClr val="002060"/>
                 </a:solidFill>
-                <a:latin typeface="Source Sans Pro"/>
-                <a:ea typeface="Source Sans Pro"/>
+                <a:latin typeface="Source Sans Pro" panose="020B0503030403020204" pitchFamily="34" charset="0"/>
+                <a:ea typeface="Source Sans Pro" panose="020B0503030403020204" pitchFamily="34" charset="0"/>
               </a:rPr>
               <a:t>/#hide_ge_7</a:t>
             </a:r>
@@ -25059,8 +24836,8 @@
                 <a:solidFill>
                   <a:srgbClr val="002060"/>
                 </a:solidFill>
-                <a:latin typeface="Source Sans Pro"/>
-                <a:ea typeface="Source Sans Pro"/>
+                <a:latin typeface="Source Sans Pro" panose="020B0503030403020204" pitchFamily="34" charset="0"/>
+                <a:ea typeface="Source Sans Pro" panose="020B0503030403020204" pitchFamily="34" charset="0"/>
               </a:rPr>
               <a:t>Jupyter</a:t>
             </a:r>
@@ -25069,8 +24846,8 @@
                 <a:solidFill>
                   <a:srgbClr val="002060"/>
                 </a:solidFill>
-                <a:latin typeface="Source Sans Pro"/>
-                <a:ea typeface="Source Sans Pro"/>
+                <a:latin typeface="Source Sans Pro" panose="020B0503030403020204" pitchFamily="34" charset="0"/>
+                <a:ea typeface="Source Sans Pro" panose="020B0503030403020204" pitchFamily="34" charset="0"/>
               </a:rPr>
               <a:t> Notebooks in </a:t>
             </a:r>
@@ -25079,8 +24856,8 @@
                 <a:solidFill>
                   <a:srgbClr val="002060"/>
                 </a:solidFill>
-                <a:latin typeface="Source Sans Pro"/>
-                <a:ea typeface="Source Sans Pro"/>
+                <a:latin typeface="Source Sans Pro" panose="020B0503030403020204" pitchFamily="34" charset="0"/>
+                <a:ea typeface="Source Sans Pro" panose="020B0503030403020204" pitchFamily="34" charset="0"/>
               </a:rPr>
               <a:t>Noteable</a:t>
             </a:r>
@@ -25089,8 +24866,8 @@
                 <a:solidFill>
                   <a:srgbClr val="002060"/>
                 </a:solidFill>
-                <a:latin typeface="Source Sans Pro"/>
-                <a:ea typeface="Source Sans Pro"/>
+                <a:latin typeface="Source Sans Pro" panose="020B0503030403020204" pitchFamily="34" charset="0"/>
+                <a:ea typeface="Source Sans Pro" panose="020B0503030403020204" pitchFamily="34" charset="0"/>
               </a:rPr>
               <a:t>: https://</a:t>
             </a:r>
@@ -25099,8 +24876,8 @@
                 <a:solidFill>
                   <a:srgbClr val="002060"/>
                 </a:solidFill>
-                <a:latin typeface="Source Sans Pro"/>
-                <a:ea typeface="Source Sans Pro"/>
+                <a:latin typeface="Source Sans Pro" panose="020B0503030403020204" pitchFamily="34" charset="0"/>
+                <a:ea typeface="Source Sans Pro" panose="020B0503030403020204" pitchFamily="34" charset="0"/>
               </a:rPr>
               <a:t>github.com</a:t>
             </a:r>
@@ -25109,8 +24886,8 @@
                 <a:solidFill>
                   <a:srgbClr val="002060"/>
                 </a:solidFill>
-                <a:latin typeface="Source Sans Pro"/>
-                <a:ea typeface="Source Sans Pro"/>
+                <a:latin typeface="Source Sans Pro" panose="020B0503030403020204" pitchFamily="34" charset="0"/>
+                <a:ea typeface="Source Sans Pro" panose="020B0503030403020204" pitchFamily="34" charset="0"/>
               </a:rPr>
               <a:t>/</a:t>
             </a:r>
@@ -25119,8 +24896,8 @@
                 <a:solidFill>
                   <a:srgbClr val="002060"/>
                 </a:solidFill>
-                <a:latin typeface="Source Sans Pro"/>
-                <a:ea typeface="Source Sans Pro"/>
+                <a:latin typeface="Source Sans Pro" panose="020B0503030403020204" pitchFamily="34" charset="0"/>
+                <a:ea typeface="Source Sans Pro" panose="020B0503030403020204" pitchFamily="34" charset="0"/>
               </a:rPr>
               <a:t>edina</a:t>
             </a:r>
@@ -25129,8 +24906,8 @@
                 <a:solidFill>
                   <a:srgbClr val="002060"/>
                 </a:solidFill>
-                <a:latin typeface="Source Sans Pro"/>
-                <a:ea typeface="Source Sans Pro"/>
+                <a:latin typeface="Source Sans Pro" panose="020B0503030403020204" pitchFamily="34" charset="0"/>
+                <a:ea typeface="Source Sans Pro" panose="020B0503030403020204" pitchFamily="34" charset="0"/>
               </a:rPr>
               <a:t>/Exemplars2020/blob/master/</a:t>
             </a:r>
@@ -25139,8 +24916,8 @@
                 <a:solidFill>
                   <a:srgbClr val="002060"/>
                 </a:solidFill>
-                <a:latin typeface="Source Sans Pro"/>
-                <a:ea typeface="Source Sans Pro"/>
+                <a:latin typeface="Source Sans Pro" panose="020B0503030403020204" pitchFamily="34" charset="0"/>
+                <a:ea typeface="Source Sans Pro" panose="020B0503030403020204" pitchFamily="34" charset="0"/>
               </a:rPr>
               <a:t>TeachingDocs</a:t>
             </a:r>
@@ -25149,8 +24926,8 @@
                 <a:solidFill>
                   <a:srgbClr val="002060"/>
                 </a:solidFill>
-                <a:latin typeface="Source Sans Pro"/>
-                <a:ea typeface="Source Sans Pro"/>
+                <a:latin typeface="Source Sans Pro" panose="020B0503030403020204" pitchFamily="34" charset="0"/>
+                <a:ea typeface="Source Sans Pro" panose="020B0503030403020204" pitchFamily="34" charset="0"/>
               </a:rPr>
               <a:t>/Tutorials/</a:t>
             </a:r>
@@ -25159,8 +24936,8 @@
                 <a:solidFill>
                   <a:srgbClr val="002060"/>
                 </a:solidFill>
-                <a:latin typeface="Source Sans Pro"/>
-                <a:ea typeface="Source Sans Pro"/>
+                <a:latin typeface="Source Sans Pro" panose="020B0503030403020204" pitchFamily="34" charset="0"/>
+                <a:ea typeface="Source Sans Pro" panose="020B0503030403020204" pitchFamily="34" charset="0"/>
               </a:rPr>
               <a:t>UsingNoteableBeginner.ipynb</a:t>
             </a:r>
@@ -25168,8 +24945,8 @@
               <a:solidFill>
                 <a:srgbClr val="002060"/>
               </a:solidFill>
-              <a:latin typeface="Source Sans Pro"/>
-              <a:ea typeface="Source Sans Pro"/>
+              <a:latin typeface="Source Sans Pro" panose="020B0503030403020204" pitchFamily="34" charset="0"/>
+              <a:ea typeface="Source Sans Pro" panose="020B0503030403020204" pitchFamily="34" charset="0"/>
             </a:endParaRPr>
           </a:p>
           <a:p>
@@ -25185,8 +24962,8 @@
                 <a:solidFill>
                   <a:srgbClr val="002060"/>
                 </a:solidFill>
-                <a:latin typeface="Source Sans Pro"/>
-                <a:ea typeface="Source Sans Pro"/>
+                <a:latin typeface="Source Sans Pro" panose="020B0503030403020204" pitchFamily="34" charset="0"/>
+                <a:ea typeface="Source Sans Pro" panose="020B0503030403020204" pitchFamily="34" charset="0"/>
               </a:rPr>
               <a:t>Jupyter</a:t>
             </a:r>
@@ -25195,8 +24972,8 @@
                 <a:solidFill>
                   <a:srgbClr val="002060"/>
                 </a:solidFill>
-                <a:latin typeface="Source Sans Pro"/>
-                <a:ea typeface="Source Sans Pro"/>
+                <a:latin typeface="Source Sans Pro" panose="020B0503030403020204" pitchFamily="34" charset="0"/>
+                <a:ea typeface="Source Sans Pro" panose="020B0503030403020204" pitchFamily="34" charset="0"/>
               </a:rPr>
               <a:t> Notebooks: https://glam-</a:t>
             </a:r>
@@ -25205,8 +24982,8 @@
                 <a:solidFill>
                   <a:srgbClr val="002060"/>
                 </a:solidFill>
-                <a:latin typeface="Source Sans Pro"/>
-                <a:ea typeface="Source Sans Pro"/>
+                <a:latin typeface="Source Sans Pro" panose="020B0503030403020204" pitchFamily="34" charset="0"/>
+                <a:ea typeface="Source Sans Pro" panose="020B0503030403020204" pitchFamily="34" charset="0"/>
               </a:rPr>
               <a:t>workbench.github.io</a:t>
             </a:r>
@@ -25215,8 +24992,8 @@
                 <a:solidFill>
                   <a:srgbClr val="002060"/>
                 </a:solidFill>
-                <a:latin typeface="Source Sans Pro"/>
-                <a:ea typeface="Source Sans Pro"/>
+                <a:latin typeface="Source Sans Pro" panose="020B0503030403020204" pitchFamily="34" charset="0"/>
+                <a:ea typeface="Source Sans Pro" panose="020B0503030403020204" pitchFamily="34" charset="0"/>
               </a:rPr>
               <a:t>/getting-started/</a:t>
             </a:r>
@@ -25234,8 +25011,8 @@
                 <a:solidFill>
                   <a:srgbClr val="002060"/>
                 </a:solidFill>
-                <a:latin typeface="Source Sans Pro"/>
-                <a:ea typeface="Source Sans Pro"/>
+                <a:latin typeface="Source Sans Pro" panose="020B0503030403020204" pitchFamily="34" charset="0"/>
+                <a:ea typeface="Source Sans Pro" panose="020B0503030403020204" pitchFamily="34" charset="0"/>
               </a:rPr>
               <a:t>Python: https://</a:t>
             </a:r>
@@ -25244,8 +25021,8 @@
                 <a:solidFill>
                   <a:srgbClr val="002060"/>
                 </a:solidFill>
-                <a:latin typeface="Source Sans Pro"/>
-                <a:ea typeface="Source Sans Pro"/>
+                <a:latin typeface="Source Sans Pro" panose="020B0503030403020204" pitchFamily="34" charset="0"/>
+                <a:ea typeface="Source Sans Pro" panose="020B0503030403020204" pitchFamily="34" charset="0"/>
               </a:rPr>
               <a:t>programminghistorian.org</a:t>
             </a:r>
@@ -25254,8 +25031,8 @@
                 <a:solidFill>
                   <a:srgbClr val="002060"/>
                 </a:solidFill>
-                <a:latin typeface="Source Sans Pro"/>
-                <a:ea typeface="Source Sans Pro"/>
+                <a:latin typeface="Source Sans Pro" panose="020B0503030403020204" pitchFamily="34" charset="0"/>
+                <a:ea typeface="Source Sans Pro" panose="020B0503030403020204" pitchFamily="34" charset="0"/>
               </a:rPr>
               <a:t>/</a:t>
             </a:r>
@@ -25264,8 +25041,8 @@
                 <a:solidFill>
                   <a:srgbClr val="002060"/>
                 </a:solidFill>
-                <a:latin typeface="Source Sans Pro"/>
-                <a:ea typeface="Source Sans Pro"/>
+                <a:latin typeface="Source Sans Pro" panose="020B0503030403020204" pitchFamily="34" charset="0"/>
+                <a:ea typeface="Source Sans Pro" panose="020B0503030403020204" pitchFamily="34" charset="0"/>
               </a:rPr>
               <a:t>en</a:t>
             </a:r>
@@ -25274,8 +25051,8 @@
                 <a:solidFill>
                   <a:srgbClr val="002060"/>
                 </a:solidFill>
-                <a:latin typeface="Source Sans Pro"/>
-                <a:ea typeface="Source Sans Pro"/>
+                <a:latin typeface="Source Sans Pro" panose="020B0503030403020204" pitchFamily="34" charset="0"/>
+                <a:ea typeface="Source Sans Pro" panose="020B0503030403020204" pitchFamily="34" charset="0"/>
               </a:rPr>
               <a:t>/lessons/introduction-and-installation</a:t>
             </a:r>
@@ -25963,7 +25740,7 @@
 </file>
 
 <file path=ppt/theme/theme1.xml><?xml version="1.0" encoding="utf-8"?>
-<a:theme xmlns:a="http://schemas.openxmlformats.org/drawingml/2006/main" name="Title">
+<a:theme xmlns:a="http://schemas.openxmlformats.org/drawingml/2006/main" name="One Column">
   <a:themeElements>
     <a:clrScheme name="Office">
       <a:dk1>
@@ -26278,7 +26055,7 @@
 </file>
 
 <file path=ppt/theme/theme2.xml><?xml version="1.0" encoding="utf-8"?>
-<a:theme xmlns:a="http://schemas.openxmlformats.org/drawingml/2006/main" name="One Column">
+<a:theme xmlns:a="http://schemas.openxmlformats.org/drawingml/2006/main" name="Office Theme">
   <a:themeElements>
     <a:clrScheme name="Office">
       <a:dk1>
@@ -26288,39 +26065,39 @@
         <a:sysClr val="window" lastClr="FFFFFF"/>
       </a:lt1>
       <a:dk2>
-        <a:srgbClr val="0E2841"/>
+        <a:srgbClr val="44546A"/>
       </a:dk2>
       <a:lt2>
-        <a:srgbClr val="E8E8E8"/>
+        <a:srgbClr val="E7E6E6"/>
       </a:lt2>
       <a:accent1>
-        <a:srgbClr val="156082"/>
+        <a:srgbClr val="4472C4"/>
       </a:accent1>
       <a:accent2>
-        <a:srgbClr val="E97132"/>
+        <a:srgbClr val="ED7D31"/>
       </a:accent2>
       <a:accent3>
-        <a:srgbClr val="196B24"/>
+        <a:srgbClr val="A5A5A5"/>
       </a:accent3>
       <a:accent4>
-        <a:srgbClr val="0F9ED5"/>
+        <a:srgbClr val="FFC000"/>
       </a:accent4>
       <a:accent5>
-        <a:srgbClr val="A02B93"/>
+        <a:srgbClr val="5B9BD5"/>
       </a:accent5>
       <a:accent6>
-        <a:srgbClr val="4EA72E"/>
+        <a:srgbClr val="70AD47"/>
       </a:accent6>
       <a:hlink>
-        <a:srgbClr val="467886"/>
+        <a:srgbClr val="0563C1"/>
       </a:hlink>
       <a:folHlink>
-        <a:srgbClr val="96607D"/>
+        <a:srgbClr val="954F72"/>
       </a:folHlink>
     </a:clrScheme>
     <a:fontScheme name="Office">
       <a:majorFont>
-        <a:latin typeface="Aptos Display" panose="02110004020202020204"/>
+        <a:latin typeface="Calibri Light" panose="020F0302020204030204"/>
         <a:ea typeface=""/>
         <a:cs typeface=""/>
         <a:font script="Jpan" typeface="游ゴシック Light"/>
@@ -26372,7 +26149,7 @@
         <a:font script="Tfng" typeface="Ebrima"/>
       </a:majorFont>
       <a:minorFont>
-        <a:latin typeface="Aptos" panose="02110004020202020204"/>
+        <a:latin typeface="Calibri" panose="020F0502020204030204"/>
         <a:ea typeface=""/>
         <a:cs typeface=""/>
         <a:font script="Jpan" typeface="游ゴシック"/>
@@ -26483,6 +26260,13 @@
         </a:gradFill>
       </a:fillStyleLst>
       <a:lnStyleLst>
+        <a:ln w="6350" cap="flat" cmpd="sng" algn="ctr">
+          <a:solidFill>
+            <a:schemeClr val="phClr"/>
+          </a:solidFill>
+          <a:prstDash val="solid"/>
+          <a:miter lim="800000"/>
+        </a:ln>
         <a:ln w="12700" cap="flat" cmpd="sng" algn="ctr">
           <a:solidFill>
             <a:schemeClr val="phClr"/>
@@ -26491,13 +26275,6 @@
           <a:miter lim="800000"/>
         </a:ln>
         <a:ln w="19050" cap="flat" cmpd="sng" algn="ctr">
-          <a:solidFill>
-            <a:schemeClr val="phClr"/>
-          </a:solidFill>
-          <a:prstDash val="solid"/>
-          <a:miter lim="800000"/>
-        </a:ln>
-        <a:ln w="25400" cap="flat" cmpd="sng" algn="ctr">
           <a:solidFill>
             <a:schemeClr val="phClr"/>
           </a:solidFill>
@@ -26562,31 +26339,11 @@
       </a:bgFillStyleLst>
     </a:fmtScheme>
   </a:themeElements>
-  <a:objectDefaults>
-    <a:lnDef>
-      <a:spPr/>
-      <a:bodyPr/>
-      <a:lstStyle/>
-      <a:style>
-        <a:lnRef idx="2">
-          <a:schemeClr val="accent1"/>
-        </a:lnRef>
-        <a:fillRef idx="0">
-          <a:schemeClr val="accent1"/>
-        </a:fillRef>
-        <a:effectRef idx="1">
-          <a:schemeClr val="accent1"/>
-        </a:effectRef>
-        <a:fontRef idx="minor">
-          <a:schemeClr val="tx1"/>
-        </a:fontRef>
-      </a:style>
-    </a:lnDef>
-  </a:objectDefaults>
+  <a:objectDefaults/>
   <a:extraClrSchemeLst/>
   <a:extLst>
     <a:ext uri="{05A4C25C-085E-4340-85A3-A5531E510DB2}">
-      <thm15:themeFamily xmlns:thm15="http://schemas.microsoft.com/office/thememl/2012/main" name="Office Theme" id="{2E142A2C-CD16-42D6-873A-C26D2A0506FA}" vid="{1BDDFF52-6CD6-40A5-AB3C-68EB2F1E4D0A}"/>
+      <thm15:themeFamily xmlns:thm15="http://schemas.microsoft.com/office/thememl/2012/main" name="Office Theme" id="{62F939B6-93AF-4DB8-9C6B-D6C7DFDC589F}" vid="{4A3C46E8-61CC-4603-A589-7422A47A8E4A}"/>
     </a:ext>
   </a:extLst>
 </a:theme>
